--- a/YouTube Comment Analyzer_presentation.pptx
+++ b/YouTube Comment Analyzer_presentation.pptx
@@ -2,10 +2,10 @@
 <file path=ppt/presentation.xml><?xml version="1.0" encoding="utf-8"?>
 <p:presentation xmlns:a="http://schemas.openxmlformats.org/drawingml/2006/main" xmlns:r="http://schemas.openxmlformats.org/officeDocument/2006/relationships" xmlns:p="http://schemas.openxmlformats.org/presentationml/2006/main" saveSubsetFonts="1">
   <p:sldMasterIdLst>
-    <p:sldMasterId id="2147483648" r:id="rId1"/>
+    <p:sldMasterId id="2147483763" r:id="rId1"/>
   </p:sldMasterIdLst>
   <p:notesMasterIdLst>
-    <p:notesMasterId r:id="rId19"/>
+    <p:notesMasterId r:id="rId20"/>
   </p:notesMasterIdLst>
   <p:sldIdLst>
     <p:sldId id="256" r:id="rId2"/>
@@ -24,7 +24,8 @@
     <p:sldId id="267" r:id="rId15"/>
     <p:sldId id="268" r:id="rId16"/>
     <p:sldId id="269" r:id="rId17"/>
-    <p:sldId id="272" r:id="rId18"/>
+    <p:sldId id="273" r:id="rId18"/>
+    <p:sldId id="272" r:id="rId19"/>
   </p:sldIdLst>
   <p:sldSz cx="12192000" cy="6858000"/>
   <p:notesSz cx="6858000" cy="9144000"/>
@@ -32,7 +33,7 @@
     <a:defPPr>
       <a:defRPr lang="en-US"/>
     </a:defPPr>
-    <a:lvl1pPr marL="0" algn="l" defTabSz="914400" rtl="0" eaLnBrk="1" latinLnBrk="0" hangingPunct="1">
+    <a:lvl1pPr marL="0" algn="l" defTabSz="457200" rtl="0" eaLnBrk="1" latinLnBrk="0" hangingPunct="1">
       <a:defRPr sz="1800" kern="1200">
         <a:solidFill>
           <a:schemeClr val="tx1"/>
@@ -42,7 +43,7 @@
         <a:cs typeface="+mn-cs"/>
       </a:defRPr>
     </a:lvl1pPr>
-    <a:lvl2pPr marL="457200" algn="l" defTabSz="914400" rtl="0" eaLnBrk="1" latinLnBrk="0" hangingPunct="1">
+    <a:lvl2pPr marL="457200" algn="l" defTabSz="457200" rtl="0" eaLnBrk="1" latinLnBrk="0" hangingPunct="1">
       <a:defRPr sz="1800" kern="1200">
         <a:solidFill>
           <a:schemeClr val="tx1"/>
@@ -52,7 +53,7 @@
         <a:cs typeface="+mn-cs"/>
       </a:defRPr>
     </a:lvl2pPr>
-    <a:lvl3pPr marL="914400" algn="l" defTabSz="914400" rtl="0" eaLnBrk="1" latinLnBrk="0" hangingPunct="1">
+    <a:lvl3pPr marL="914400" algn="l" defTabSz="457200" rtl="0" eaLnBrk="1" latinLnBrk="0" hangingPunct="1">
       <a:defRPr sz="1800" kern="1200">
         <a:solidFill>
           <a:schemeClr val="tx1"/>
@@ -62,7 +63,7 @@
         <a:cs typeface="+mn-cs"/>
       </a:defRPr>
     </a:lvl3pPr>
-    <a:lvl4pPr marL="1371600" algn="l" defTabSz="914400" rtl="0" eaLnBrk="1" latinLnBrk="0" hangingPunct="1">
+    <a:lvl4pPr marL="1371600" algn="l" defTabSz="457200" rtl="0" eaLnBrk="1" latinLnBrk="0" hangingPunct="1">
       <a:defRPr sz="1800" kern="1200">
         <a:solidFill>
           <a:schemeClr val="tx1"/>
@@ -72,7 +73,7 @@
         <a:cs typeface="+mn-cs"/>
       </a:defRPr>
     </a:lvl4pPr>
-    <a:lvl5pPr marL="1828800" algn="l" defTabSz="914400" rtl="0" eaLnBrk="1" latinLnBrk="0" hangingPunct="1">
+    <a:lvl5pPr marL="1828800" algn="l" defTabSz="457200" rtl="0" eaLnBrk="1" latinLnBrk="0" hangingPunct="1">
       <a:defRPr sz="1800" kern="1200">
         <a:solidFill>
           <a:schemeClr val="tx1"/>
@@ -82,7 +83,7 @@
         <a:cs typeface="+mn-cs"/>
       </a:defRPr>
     </a:lvl5pPr>
-    <a:lvl6pPr marL="2286000" algn="l" defTabSz="914400" rtl="0" eaLnBrk="1" latinLnBrk="0" hangingPunct="1">
+    <a:lvl6pPr marL="2286000" algn="l" defTabSz="457200" rtl="0" eaLnBrk="1" latinLnBrk="0" hangingPunct="1">
       <a:defRPr sz="1800" kern="1200">
         <a:solidFill>
           <a:schemeClr val="tx1"/>
@@ -92,7 +93,7 @@
         <a:cs typeface="+mn-cs"/>
       </a:defRPr>
     </a:lvl6pPr>
-    <a:lvl7pPr marL="2743200" algn="l" defTabSz="914400" rtl="0" eaLnBrk="1" latinLnBrk="0" hangingPunct="1">
+    <a:lvl7pPr marL="2743200" algn="l" defTabSz="457200" rtl="0" eaLnBrk="1" latinLnBrk="0" hangingPunct="1">
       <a:defRPr sz="1800" kern="1200">
         <a:solidFill>
           <a:schemeClr val="tx1"/>
@@ -102,7 +103,7 @@
         <a:cs typeface="+mn-cs"/>
       </a:defRPr>
     </a:lvl7pPr>
-    <a:lvl8pPr marL="3200400" algn="l" defTabSz="914400" rtl="0" eaLnBrk="1" latinLnBrk="0" hangingPunct="1">
+    <a:lvl8pPr marL="3200400" algn="l" defTabSz="457200" rtl="0" eaLnBrk="1" latinLnBrk="0" hangingPunct="1">
       <a:defRPr sz="1800" kern="1200">
         <a:solidFill>
           <a:schemeClr val="tx1"/>
@@ -112,7 +113,7 @@
         <a:cs typeface="+mn-cs"/>
       </a:defRPr>
     </a:lvl8pPr>
-    <a:lvl9pPr marL="3657600" algn="l" defTabSz="914400" rtl="0" eaLnBrk="1" latinLnBrk="0" hangingPunct="1">
+    <a:lvl9pPr marL="3657600" algn="l" defTabSz="457200" rtl="0" eaLnBrk="1" latinLnBrk="0" hangingPunct="1">
       <a:defRPr sz="1800" kern="1200">
         <a:solidFill>
           <a:schemeClr val="tx1"/>
@@ -123,13 +124,21 @@
       </a:defRPr>
     </a:lvl9pPr>
   </p:defaultTextStyle>
+  <p:extLst>
+    <p:ext uri="{EFAFB233-063F-42B5-8137-9DF3F51BA10A}">
+      <p15:sldGuideLst xmlns:p15="http://schemas.microsoft.com/office/powerpoint/2012/main"/>
+    </p:ext>
+    <p:ext uri="{2D200454-40CA-4A62-9FC3-DE9A4176ACB9}">
+      <p15:notesGuideLst xmlns:p15="http://schemas.microsoft.com/office/powerpoint/2012/main"/>
+    </p:ext>
+  </p:extLst>
 </p:presentation>
 </file>
 
 <file path=ppt/revisionInfo.xml><?xml version="1.0" encoding="utf-8"?>
 <p1510:revInfo xmlns:a="http://schemas.openxmlformats.org/drawingml/2006/main" xmlns:r="http://schemas.openxmlformats.org/officeDocument/2006/relationships" xmlns:p1510="http://schemas.microsoft.com/office/powerpoint/2015/10/main">
   <p1510:revLst>
-    <p1510:client id="{23C5664A-FCCD-4308-927E-0059E52ABF24}" v="21" dt="2024-01-19T04:13:41.827"/>
+    <p1510:client id="{23C5664A-FCCD-4308-927E-0059E52ABF24}" v="40" dt="2024-01-19T07:49:55.308"/>
   </p1510:revLst>
 </p1510:revInfo>
 </file>
@@ -138,11 +147,110 @@
 <pc:chgInfo xmlns:a="http://schemas.openxmlformats.org/drawingml/2006/main" xmlns:r="http://schemas.openxmlformats.org/officeDocument/2006/relationships" xmlns:ac="http://schemas.microsoft.com/office/drawing/2013/main/command" xmlns:pc="http://schemas.microsoft.com/office/powerpoint/2013/main/command">
   <pc:docChgLst>
     <pc:chgData name="rudra patel" userId="e0bf67ee025e264e" providerId="LiveId" clId="{23C5664A-FCCD-4308-927E-0059E52ABF24}"/>
-    <pc:docChg chg="custSel addSld modSld sldOrd">
-      <pc:chgData name="rudra patel" userId="e0bf67ee025e264e" providerId="LiveId" clId="{23C5664A-FCCD-4308-927E-0059E52ABF24}" dt="2024-01-19T04:14:36.399" v="225" actId="14100"/>
+    <pc:docChg chg="undo custSel addSld modSld sldOrd">
+      <pc:chgData name="rudra patel" userId="e0bf67ee025e264e" providerId="LiveId" clId="{23C5664A-FCCD-4308-927E-0059E52ABF24}" dt="2024-01-19T07:50:05.274" v="273" actId="14100"/>
       <pc:docMkLst>
         <pc:docMk/>
       </pc:docMkLst>
+      <pc:sldChg chg="modSp mod">
+        <pc:chgData name="rudra patel" userId="e0bf67ee025e264e" providerId="LiveId" clId="{23C5664A-FCCD-4308-927E-0059E52ABF24}" dt="2024-01-19T07:29:46.116" v="264"/>
+        <pc:sldMkLst>
+          <pc:docMk/>
+          <pc:sldMk cId="233051835" sldId="256"/>
+        </pc:sldMkLst>
+        <pc:spChg chg="mod">
+          <ac:chgData name="rudra patel" userId="e0bf67ee025e264e" providerId="LiveId" clId="{23C5664A-FCCD-4308-927E-0059E52ABF24}" dt="2024-01-19T07:29:46.116" v="264"/>
+          <ac:spMkLst>
+            <pc:docMk/>
+            <pc:sldMk cId="233051835" sldId="256"/>
+            <ac:spMk id="2" creationId="{E309C45C-F74C-DF00-23FA-2E43FC76B11B}"/>
+          </ac:spMkLst>
+        </pc:spChg>
+      </pc:sldChg>
+      <pc:sldChg chg="modSp">
+        <pc:chgData name="rudra patel" userId="e0bf67ee025e264e" providerId="LiveId" clId="{23C5664A-FCCD-4308-927E-0059E52ABF24}" dt="2024-01-19T07:29:46.116" v="264"/>
+        <pc:sldMkLst>
+          <pc:docMk/>
+          <pc:sldMk cId="512526330" sldId="257"/>
+        </pc:sldMkLst>
+        <pc:spChg chg="mod">
+          <ac:chgData name="rudra patel" userId="e0bf67ee025e264e" providerId="LiveId" clId="{23C5664A-FCCD-4308-927E-0059E52ABF24}" dt="2024-01-19T07:29:46.116" v="264"/>
+          <ac:spMkLst>
+            <pc:docMk/>
+            <pc:sldMk cId="512526330" sldId="257"/>
+            <ac:spMk id="2" creationId="{602952F7-96FA-7F21-BF68-8B5124EB806E}"/>
+          </ac:spMkLst>
+        </pc:spChg>
+        <pc:spChg chg="mod">
+          <ac:chgData name="rudra patel" userId="e0bf67ee025e264e" providerId="LiveId" clId="{23C5664A-FCCD-4308-927E-0059E52ABF24}" dt="2024-01-19T07:29:46.116" v="264"/>
+          <ac:spMkLst>
+            <pc:docMk/>
+            <pc:sldMk cId="512526330" sldId="257"/>
+            <ac:spMk id="3" creationId="{E43043B5-3421-08FA-84A8-06322A1C28E3}"/>
+          </ac:spMkLst>
+        </pc:spChg>
+      </pc:sldChg>
+      <pc:sldChg chg="modSp mod">
+        <pc:chgData name="rudra patel" userId="e0bf67ee025e264e" providerId="LiveId" clId="{23C5664A-FCCD-4308-927E-0059E52ABF24}" dt="2024-01-19T07:29:46.272" v="266" actId="27636"/>
+        <pc:sldMkLst>
+          <pc:docMk/>
+          <pc:sldMk cId="2302547906" sldId="258"/>
+        </pc:sldMkLst>
+        <pc:spChg chg="mod">
+          <ac:chgData name="rudra patel" userId="e0bf67ee025e264e" providerId="LiveId" clId="{23C5664A-FCCD-4308-927E-0059E52ABF24}" dt="2024-01-19T07:29:46.116" v="264"/>
+          <ac:spMkLst>
+            <pc:docMk/>
+            <pc:sldMk cId="2302547906" sldId="258"/>
+            <ac:spMk id="2" creationId="{5379AC7F-63BC-0255-56D0-B9FF542BB752}"/>
+          </ac:spMkLst>
+        </pc:spChg>
+        <pc:spChg chg="mod">
+          <ac:chgData name="rudra patel" userId="e0bf67ee025e264e" providerId="LiveId" clId="{23C5664A-FCCD-4308-927E-0059E52ABF24}" dt="2024-01-19T07:29:46.272" v="266" actId="27636"/>
+          <ac:spMkLst>
+            <pc:docMk/>
+            <pc:sldMk cId="2302547906" sldId="258"/>
+            <ac:spMk id="3" creationId="{BDCAD2B2-843E-0B42-FA40-9D169738EAE5}"/>
+          </ac:spMkLst>
+        </pc:spChg>
+      </pc:sldChg>
+      <pc:sldChg chg="modSp">
+        <pc:chgData name="rudra patel" userId="e0bf67ee025e264e" providerId="LiveId" clId="{23C5664A-FCCD-4308-927E-0059E52ABF24}" dt="2024-01-19T07:29:46.116" v="264"/>
+        <pc:sldMkLst>
+          <pc:docMk/>
+          <pc:sldMk cId="2453259420" sldId="259"/>
+        </pc:sldMkLst>
+        <pc:spChg chg="mod">
+          <ac:chgData name="rudra patel" userId="e0bf67ee025e264e" providerId="LiveId" clId="{23C5664A-FCCD-4308-927E-0059E52ABF24}" dt="2024-01-19T07:29:46.116" v="264"/>
+          <ac:spMkLst>
+            <pc:docMk/>
+            <pc:sldMk cId="2453259420" sldId="259"/>
+            <ac:spMk id="2" creationId="{CA63243E-EFC8-1F27-1779-B0E2DCF5C86F}"/>
+          </ac:spMkLst>
+        </pc:spChg>
+      </pc:sldChg>
+      <pc:sldChg chg="modSp mod">
+        <pc:chgData name="rudra patel" userId="e0bf67ee025e264e" providerId="LiveId" clId="{23C5664A-FCCD-4308-927E-0059E52ABF24}" dt="2024-01-19T07:29:46.265" v="265" actId="27636"/>
+        <pc:sldMkLst>
+          <pc:docMk/>
+          <pc:sldMk cId="3310734504" sldId="260"/>
+        </pc:sldMkLst>
+        <pc:spChg chg="mod">
+          <ac:chgData name="rudra patel" userId="e0bf67ee025e264e" providerId="LiveId" clId="{23C5664A-FCCD-4308-927E-0059E52ABF24}" dt="2024-01-19T07:29:46.116" v="264"/>
+          <ac:spMkLst>
+            <pc:docMk/>
+            <pc:sldMk cId="3310734504" sldId="260"/>
+            <ac:spMk id="2" creationId="{AD18C9F2-0787-EAE5-609B-DEE9378D6BF5}"/>
+          </ac:spMkLst>
+        </pc:spChg>
+        <pc:spChg chg="mod">
+          <ac:chgData name="rudra patel" userId="e0bf67ee025e264e" providerId="LiveId" clId="{23C5664A-FCCD-4308-927E-0059E52ABF24}" dt="2024-01-19T07:29:46.265" v="265" actId="27636"/>
+          <ac:spMkLst>
+            <pc:docMk/>
+            <pc:sldMk cId="3310734504" sldId="260"/>
+            <ac:spMk id="3" creationId="{404AC652-5E8D-6EAA-15B8-AD5E5A9B0586}"/>
+          </ac:spMkLst>
+        </pc:spChg>
+      </pc:sldChg>
       <pc:sldChg chg="addSp delSp modSp mod modClrScheme chgLayout">
         <pc:chgData name="rudra patel" userId="e0bf67ee025e264e" providerId="LiveId" clId="{23C5664A-FCCD-4308-927E-0059E52ABF24}" dt="2024-01-19T03:51:56.200" v="117" actId="20577"/>
         <pc:sldMkLst>
@@ -455,6 +563,37 @@
           </ac:picMkLst>
         </pc:picChg>
       </pc:sldChg>
+      <pc:sldChg chg="addSp delSp modSp new mod">
+        <pc:chgData name="rudra patel" userId="e0bf67ee025e264e" providerId="LiveId" clId="{23C5664A-FCCD-4308-927E-0059E52ABF24}" dt="2024-01-19T07:50:05.274" v="273" actId="14100"/>
+        <pc:sldMkLst>
+          <pc:docMk/>
+          <pc:sldMk cId="856484837" sldId="273"/>
+        </pc:sldMkLst>
+        <pc:spChg chg="del">
+          <ac:chgData name="rudra patel" userId="e0bf67ee025e264e" providerId="LiveId" clId="{23C5664A-FCCD-4308-927E-0059E52ABF24}" dt="2024-01-19T07:49:52.558" v="268" actId="478"/>
+          <ac:spMkLst>
+            <pc:docMk/>
+            <pc:sldMk cId="856484837" sldId="273"/>
+            <ac:spMk id="2" creationId="{DA2BA5C8-BD17-48BD-D2B4-044F7CBC91E7}"/>
+          </ac:spMkLst>
+        </pc:spChg>
+        <pc:spChg chg="del">
+          <ac:chgData name="rudra patel" userId="e0bf67ee025e264e" providerId="LiveId" clId="{23C5664A-FCCD-4308-927E-0059E52ABF24}" dt="2024-01-19T07:49:52.558" v="268" actId="478"/>
+          <ac:spMkLst>
+            <pc:docMk/>
+            <pc:sldMk cId="856484837" sldId="273"/>
+            <ac:spMk id="3" creationId="{E3C6A92B-E182-1B90-1050-8ECDEA1703C6}"/>
+          </ac:spMkLst>
+        </pc:spChg>
+        <pc:picChg chg="add mod">
+          <ac:chgData name="rudra patel" userId="e0bf67ee025e264e" providerId="LiveId" clId="{23C5664A-FCCD-4308-927E-0059E52ABF24}" dt="2024-01-19T07:50:05.274" v="273" actId="14100"/>
+          <ac:picMkLst>
+            <pc:docMk/>
+            <pc:sldMk cId="856484837" sldId="273"/>
+            <ac:picMk id="5" creationId="{A44653A2-DE23-E1B6-F3D9-F1F2EA17CA0B}"/>
+          </ac:picMkLst>
+        </pc:picChg>
+      </pc:sldChg>
     </pc:docChg>
   </pc:docChgLst>
 </pc:chgInfo>
@@ -1115,13 +1254,7 @@
       </p:grpSpPr>
       <p:sp>
         <p:nvSpPr>
-          <p:cNvPr id="2" name="Title 1">
-            <a:extLst>
-              <a:ext uri="{FF2B5EF4-FFF2-40B4-BE49-F238E27FC236}">
-                <a16:creationId xmlns:a16="http://schemas.microsoft.com/office/drawing/2014/main" id="{2583A222-59A4-0B78-5EC5-FCEFDC52969D}"/>
-              </a:ext>
-            </a:extLst>
-          </p:cNvPr>
+          <p:cNvPr id="2" name="Title 1"/>
           <p:cNvSpPr>
             <a:spLocks noGrp="1"/>
           </p:cNvSpPr>
@@ -1131,15 +1264,17 @@
         </p:nvSpPr>
         <p:spPr>
           <a:xfrm>
-            <a:off x="1524000" y="1122363"/>
-            <a:ext cx="9144000" cy="2387600"/>
+            <a:off x="2589213" y="2514600"/>
+            <a:ext cx="8915399" cy="2262781"/>
           </a:xfrm>
         </p:spPr>
         <p:txBody>
-          <a:bodyPr anchor="b"/>
+          <a:bodyPr anchor="b">
+            <a:normAutofit/>
+          </a:bodyPr>
           <a:lstStyle>
-            <a:lvl1pPr algn="ctr">
-              <a:defRPr sz="6000"/>
+            <a:lvl1pPr>
+              <a:defRPr sz="5400"/>
             </a:lvl1pPr>
           </a:lstStyle>
           <a:p>
@@ -1147,19 +1282,13 @@
               <a:rPr lang="en-US"/>
               <a:t>Click to edit Master title style</a:t>
             </a:r>
-            <a:endParaRPr lang="en-IN"/>
-          </a:p>
-        </p:txBody>
-      </p:sp>
-      <p:sp>
-        <p:nvSpPr>
-          <p:cNvPr id="3" name="Subtitle 2">
-            <a:extLst>
-              <a:ext uri="{FF2B5EF4-FFF2-40B4-BE49-F238E27FC236}">
-                <a16:creationId xmlns:a16="http://schemas.microsoft.com/office/drawing/2014/main" id="{45A1B4C7-D8CE-8B6B-2DC9-C33823A04048}"/>
-              </a:ext>
-            </a:extLst>
-          </p:cNvPr>
+            <a:endParaRPr lang="en-US" dirty="0"/>
+          </a:p>
+        </p:txBody>
+      </p:sp>
+      <p:sp>
+        <p:nvSpPr>
+          <p:cNvPr id="3" name="Subtitle 2"/>
           <p:cNvSpPr>
             <a:spLocks noGrp="1"/>
           </p:cNvSpPr>
@@ -1169,48 +1298,103 @@
         </p:nvSpPr>
         <p:spPr>
           <a:xfrm>
-            <a:off x="1524000" y="3602038"/>
-            <a:ext cx="9144000" cy="1655762"/>
+            <a:off x="2589213" y="4777379"/>
+            <a:ext cx="8915399" cy="1126283"/>
           </a:xfrm>
         </p:spPr>
         <p:txBody>
-          <a:bodyPr/>
+          <a:bodyPr anchor="t"/>
           <a:lstStyle>
-            <a:lvl1pPr marL="0" indent="0" algn="ctr">
+            <a:lvl1pPr marL="0" indent="0" algn="l">
               <a:buNone/>
-              <a:defRPr sz="2400"/>
+              <a:defRPr>
+                <a:solidFill>
+                  <a:schemeClr val="tx1">
+                    <a:lumMod val="65000"/>
+                    <a:lumOff val="35000"/>
+                  </a:schemeClr>
+                </a:solidFill>
+              </a:defRPr>
             </a:lvl1pPr>
             <a:lvl2pPr marL="457200" indent="0" algn="ctr">
               <a:buNone/>
-              <a:defRPr sz="2000"/>
+              <a:defRPr>
+                <a:solidFill>
+                  <a:schemeClr val="tx1">
+                    <a:tint val="75000"/>
+                  </a:schemeClr>
+                </a:solidFill>
+              </a:defRPr>
             </a:lvl2pPr>
             <a:lvl3pPr marL="914400" indent="0" algn="ctr">
               <a:buNone/>
-              <a:defRPr sz="1800"/>
+              <a:defRPr>
+                <a:solidFill>
+                  <a:schemeClr val="tx1">
+                    <a:tint val="75000"/>
+                  </a:schemeClr>
+                </a:solidFill>
+              </a:defRPr>
             </a:lvl3pPr>
             <a:lvl4pPr marL="1371600" indent="0" algn="ctr">
               <a:buNone/>
-              <a:defRPr sz="1600"/>
+              <a:defRPr>
+                <a:solidFill>
+                  <a:schemeClr val="tx1">
+                    <a:tint val="75000"/>
+                  </a:schemeClr>
+                </a:solidFill>
+              </a:defRPr>
             </a:lvl4pPr>
             <a:lvl5pPr marL="1828800" indent="0" algn="ctr">
               <a:buNone/>
-              <a:defRPr sz="1600"/>
+              <a:defRPr>
+                <a:solidFill>
+                  <a:schemeClr val="tx1">
+                    <a:tint val="75000"/>
+                  </a:schemeClr>
+                </a:solidFill>
+              </a:defRPr>
             </a:lvl5pPr>
             <a:lvl6pPr marL="2286000" indent="0" algn="ctr">
               <a:buNone/>
-              <a:defRPr sz="1600"/>
+              <a:defRPr>
+                <a:solidFill>
+                  <a:schemeClr val="tx1">
+                    <a:tint val="75000"/>
+                  </a:schemeClr>
+                </a:solidFill>
+              </a:defRPr>
             </a:lvl6pPr>
             <a:lvl7pPr marL="2743200" indent="0" algn="ctr">
               <a:buNone/>
-              <a:defRPr sz="1600"/>
+              <a:defRPr>
+                <a:solidFill>
+                  <a:schemeClr val="tx1">
+                    <a:tint val="75000"/>
+                  </a:schemeClr>
+                </a:solidFill>
+              </a:defRPr>
             </a:lvl7pPr>
             <a:lvl8pPr marL="3200400" indent="0" algn="ctr">
               <a:buNone/>
-              <a:defRPr sz="1600"/>
+              <a:defRPr>
+                <a:solidFill>
+                  <a:schemeClr val="tx1">
+                    <a:tint val="75000"/>
+                  </a:schemeClr>
+                </a:solidFill>
+              </a:defRPr>
             </a:lvl8pPr>
             <a:lvl9pPr marL="3657600" indent="0" algn="ctr">
               <a:buNone/>
-              <a:defRPr sz="1600"/>
+              <a:defRPr>
+                <a:solidFill>
+                  <a:schemeClr val="tx1">
+                    <a:tint val="75000"/>
+                  </a:schemeClr>
+                </a:solidFill>
+              </a:defRPr>
             </a:lvl9pPr>
           </a:lstStyle>
           <a:p>
@@ -1218,19 +1402,13 @@
               <a:rPr lang="en-US"/>
               <a:t>Click to edit Master subtitle style</a:t>
             </a:r>
-            <a:endParaRPr lang="en-IN"/>
-          </a:p>
-        </p:txBody>
-      </p:sp>
-      <p:sp>
-        <p:nvSpPr>
-          <p:cNvPr id="4" name="Date Placeholder 3">
-            <a:extLst>
-              <a:ext uri="{FF2B5EF4-FFF2-40B4-BE49-F238E27FC236}">
-                <a16:creationId xmlns:a16="http://schemas.microsoft.com/office/drawing/2014/main" id="{E6039CDE-70D1-C2BA-5AD3-B40F9EC1D122}"/>
-              </a:ext>
-            </a:extLst>
-          </p:cNvPr>
+            <a:endParaRPr lang="en-US" dirty="0"/>
+          </a:p>
+        </p:txBody>
+      </p:sp>
+      <p:sp>
+        <p:nvSpPr>
+          <p:cNvPr id="4" name="Date Placeholder 3"/>
           <p:cNvSpPr>
             <a:spLocks noGrp="1"/>
           </p:cNvSpPr>
@@ -1245,7 +1423,7 @@
           <a:p>
             <a:fld id="{A05B2AF8-B3A2-4253-A941-30B3882CDF69}" type="datetimeFigureOut">
               <a:rPr lang="en-IN" smtClean="0"/>
-              <a:t>18-01-2024</a:t>
+              <a:t>19-01-2024</a:t>
             </a:fld>
             <a:endParaRPr lang="en-IN"/>
           </a:p>
@@ -1253,13 +1431,7 @@
       </p:sp>
       <p:sp>
         <p:nvSpPr>
-          <p:cNvPr id="5" name="Footer Placeholder 4">
-            <a:extLst>
-              <a:ext uri="{FF2B5EF4-FFF2-40B4-BE49-F238E27FC236}">
-                <a16:creationId xmlns:a16="http://schemas.microsoft.com/office/drawing/2014/main" id="{F5C4D0ED-AED1-2A91-A7CE-B716D4EECC81}"/>
-              </a:ext>
-            </a:extLst>
-          </p:cNvPr>
+          <p:cNvPr id="5" name="Footer Placeholder 4"/>
           <p:cNvSpPr>
             <a:spLocks noGrp="1"/>
           </p:cNvSpPr>
@@ -1278,13 +1450,89 @@
       </p:sp>
       <p:sp>
         <p:nvSpPr>
-          <p:cNvPr id="6" name="Slide Number Placeholder 5">
-            <a:extLst>
-              <a:ext uri="{FF2B5EF4-FFF2-40B4-BE49-F238E27FC236}">
-                <a16:creationId xmlns:a16="http://schemas.microsoft.com/office/drawing/2014/main" id="{9E05CC35-C957-82F2-6EBA-61EC28E50ACD}"/>
-              </a:ext>
-            </a:extLst>
-          </p:cNvPr>
+          <p:cNvPr id="7" name="Freeform 6"/>
+          <p:cNvSpPr/>
+          <p:nvPr/>
+        </p:nvSpPr>
+        <p:spPr bwMode="auto">
+          <a:xfrm>
+            <a:off x="0" y="4323810"/>
+            <a:ext cx="1744652" cy="778589"/>
+          </a:xfrm>
+          <a:custGeom>
+            <a:avLst/>
+            <a:gdLst/>
+            <a:ahLst/>
+            <a:cxnLst/>
+            <a:rect l="0" t="0" r="r" b="b"/>
+            <a:pathLst>
+              <a:path w="372" h="166">
+                <a:moveTo>
+                  <a:pt x="287" y="166"/>
+                </a:moveTo>
+                <a:cubicBezTo>
+                  <a:pt x="290" y="166"/>
+                  <a:pt x="292" y="165"/>
+                  <a:pt x="293" y="164"/>
+                </a:cubicBezTo>
+                <a:cubicBezTo>
+                  <a:pt x="293" y="163"/>
+                  <a:pt x="294" y="163"/>
+                  <a:pt x="294" y="163"/>
+                </a:cubicBezTo>
+                <a:cubicBezTo>
+                  <a:pt x="370" y="87"/>
+                  <a:pt x="370" y="87"/>
+                  <a:pt x="370" y="87"/>
+                </a:cubicBezTo>
+                <a:cubicBezTo>
+                  <a:pt x="372" y="85"/>
+                  <a:pt x="372" y="81"/>
+                  <a:pt x="370" y="78"/>
+                </a:cubicBezTo>
+                <a:cubicBezTo>
+                  <a:pt x="294" y="3"/>
+                  <a:pt x="294" y="3"/>
+                  <a:pt x="294" y="3"/>
+                </a:cubicBezTo>
+                <a:cubicBezTo>
+                  <a:pt x="294" y="2"/>
+                  <a:pt x="293" y="2"/>
+                  <a:pt x="293" y="2"/>
+                </a:cubicBezTo>
+                <a:cubicBezTo>
+                  <a:pt x="292" y="1"/>
+                  <a:pt x="290" y="0"/>
+                  <a:pt x="287" y="0"/>
+                </a:cubicBezTo>
+                <a:cubicBezTo>
+                  <a:pt x="0" y="0"/>
+                  <a:pt x="0" y="0"/>
+                  <a:pt x="0" y="0"/>
+                </a:cubicBezTo>
+                <a:cubicBezTo>
+                  <a:pt x="0" y="166"/>
+                  <a:pt x="0" y="166"/>
+                  <a:pt x="0" y="166"/>
+                </a:cubicBezTo>
+                <a:lnTo>
+                  <a:pt x="287" y="166"/>
+                </a:lnTo>
+                <a:close/>
+              </a:path>
+            </a:pathLst>
+          </a:custGeom>
+          <a:solidFill>
+            <a:schemeClr val="accent1"/>
+          </a:solidFill>
+          <a:ln>
+            <a:noFill/>
+          </a:ln>
+        </p:spPr>
+      </p:sp>
+      <p:sp>
+        <p:nvSpPr>
+          <p:cNvPr id="6" name="Slide Number Placeholder 5"/>
           <p:cNvSpPr>
             <a:spLocks noGrp="1"/>
           </p:cNvSpPr>
@@ -1292,7 +1540,12 @@
             <p:ph type="sldNum" sz="quarter" idx="12"/>
           </p:nvPr>
         </p:nvSpPr>
-        <p:spPr/>
+        <p:spPr>
+          <a:xfrm>
+            <a:off x="531812" y="4529540"/>
+            <a:ext cx="779767" cy="365125"/>
+          </a:xfrm>
+        </p:spPr>
         <p:txBody>
           <a:bodyPr/>
           <a:lstStyle/>
@@ -1308,7 +1561,7 @@
     </p:spTree>
     <p:extLst>
       <p:ext uri="{BB962C8B-B14F-4D97-AF65-F5344CB8AC3E}">
-        <p14:creationId xmlns:p14="http://schemas.microsoft.com/office/powerpoint/2010/main" val="4018050518"/>
+        <p14:creationId xmlns:p14="http://schemas.microsoft.com/office/powerpoint/2010/main" val="3078885966"/>
       </p:ext>
     </p:extLst>
   </p:cSld>
@@ -1319,6 +1572,1797 @@
 </file>
 
 <file path=ppt/slideLayouts/slideLayout10.xml><?xml version="1.0" encoding="utf-8"?>
+<p:sldLayout xmlns:a="http://schemas.openxmlformats.org/drawingml/2006/main" xmlns:r="http://schemas.openxmlformats.org/officeDocument/2006/relationships" xmlns:p="http://schemas.openxmlformats.org/presentationml/2006/main" preserve="1">
+  <p:cSld name="Title and Caption">
+    <p:spTree>
+      <p:nvGrpSpPr>
+        <p:cNvPr id="1" name=""/>
+        <p:cNvGrpSpPr/>
+        <p:nvPr/>
+      </p:nvGrpSpPr>
+      <p:grpSpPr>
+        <a:xfrm>
+          <a:off x="0" y="0"/>
+          <a:ext cx="0" cy="0"/>
+          <a:chOff x="0" y="0"/>
+          <a:chExt cx="0" cy="0"/>
+        </a:xfrm>
+      </p:grpSpPr>
+      <p:sp>
+        <p:nvSpPr>
+          <p:cNvPr id="2" name="Title 1"/>
+          <p:cNvSpPr>
+            <a:spLocks noGrp="1"/>
+          </p:cNvSpPr>
+          <p:nvPr>
+            <p:ph type="title"/>
+          </p:nvPr>
+        </p:nvSpPr>
+        <p:spPr>
+          <a:xfrm>
+            <a:off x="2589212" y="609600"/>
+            <a:ext cx="8915399" cy="3117040"/>
+          </a:xfrm>
+        </p:spPr>
+        <p:txBody>
+          <a:bodyPr anchor="ctr">
+            <a:normAutofit/>
+          </a:bodyPr>
+          <a:lstStyle>
+            <a:lvl1pPr algn="l">
+              <a:defRPr sz="4800" b="0" cap="none"/>
+            </a:lvl1pPr>
+          </a:lstStyle>
+          <a:p>
+            <a:r>
+              <a:rPr lang="en-US"/>
+              <a:t>Click to edit Master title style</a:t>
+            </a:r>
+            <a:endParaRPr lang="en-US" dirty="0"/>
+          </a:p>
+        </p:txBody>
+      </p:sp>
+      <p:sp>
+        <p:nvSpPr>
+          <p:cNvPr id="3" name="Text Placeholder 2"/>
+          <p:cNvSpPr>
+            <a:spLocks noGrp="1"/>
+          </p:cNvSpPr>
+          <p:nvPr>
+            <p:ph type="body" idx="1"/>
+          </p:nvPr>
+        </p:nvSpPr>
+        <p:spPr>
+          <a:xfrm>
+            <a:off x="2589212" y="4354046"/>
+            <a:ext cx="8915399" cy="1555864"/>
+          </a:xfrm>
+        </p:spPr>
+        <p:txBody>
+          <a:bodyPr anchor="ctr">
+            <a:normAutofit/>
+          </a:bodyPr>
+          <a:lstStyle>
+            <a:lvl1pPr marL="0" indent="0" algn="l">
+              <a:buNone/>
+              <a:defRPr sz="1800">
+                <a:solidFill>
+                  <a:schemeClr val="tx1">
+                    <a:lumMod val="65000"/>
+                    <a:lumOff val="35000"/>
+                  </a:schemeClr>
+                </a:solidFill>
+              </a:defRPr>
+            </a:lvl1pPr>
+            <a:lvl2pPr marL="457200" indent="0">
+              <a:buNone/>
+              <a:defRPr sz="1800">
+                <a:solidFill>
+                  <a:schemeClr val="tx1">
+                    <a:tint val="75000"/>
+                  </a:schemeClr>
+                </a:solidFill>
+              </a:defRPr>
+            </a:lvl2pPr>
+            <a:lvl3pPr marL="914400" indent="0">
+              <a:buNone/>
+              <a:defRPr sz="1600">
+                <a:solidFill>
+                  <a:schemeClr val="tx1">
+                    <a:tint val="75000"/>
+                  </a:schemeClr>
+                </a:solidFill>
+              </a:defRPr>
+            </a:lvl3pPr>
+            <a:lvl4pPr marL="1371600" indent="0">
+              <a:buNone/>
+              <a:defRPr sz="1400">
+                <a:solidFill>
+                  <a:schemeClr val="tx1">
+                    <a:tint val="75000"/>
+                  </a:schemeClr>
+                </a:solidFill>
+              </a:defRPr>
+            </a:lvl4pPr>
+            <a:lvl5pPr marL="1828800" indent="0">
+              <a:buNone/>
+              <a:defRPr sz="1400">
+                <a:solidFill>
+                  <a:schemeClr val="tx1">
+                    <a:tint val="75000"/>
+                  </a:schemeClr>
+                </a:solidFill>
+              </a:defRPr>
+            </a:lvl5pPr>
+            <a:lvl6pPr marL="2286000" indent="0">
+              <a:buNone/>
+              <a:defRPr sz="1400">
+                <a:solidFill>
+                  <a:schemeClr val="tx1">
+                    <a:tint val="75000"/>
+                  </a:schemeClr>
+                </a:solidFill>
+              </a:defRPr>
+            </a:lvl6pPr>
+            <a:lvl7pPr marL="2743200" indent="0">
+              <a:buNone/>
+              <a:defRPr sz="1400">
+                <a:solidFill>
+                  <a:schemeClr val="tx1">
+                    <a:tint val="75000"/>
+                  </a:schemeClr>
+                </a:solidFill>
+              </a:defRPr>
+            </a:lvl7pPr>
+            <a:lvl8pPr marL="3200400" indent="0">
+              <a:buNone/>
+              <a:defRPr sz="1400">
+                <a:solidFill>
+                  <a:schemeClr val="tx1">
+                    <a:tint val="75000"/>
+                  </a:schemeClr>
+                </a:solidFill>
+              </a:defRPr>
+            </a:lvl8pPr>
+            <a:lvl9pPr marL="3657600" indent="0">
+              <a:buNone/>
+              <a:defRPr sz="1400">
+                <a:solidFill>
+                  <a:schemeClr val="tx1">
+                    <a:tint val="75000"/>
+                  </a:schemeClr>
+                </a:solidFill>
+              </a:defRPr>
+            </a:lvl9pPr>
+          </a:lstStyle>
+          <a:p>
+            <a:pPr lvl="0"/>
+            <a:r>
+              <a:rPr lang="en-US"/>
+              <a:t>Click to edit Master text styles</a:t>
+            </a:r>
+          </a:p>
+        </p:txBody>
+      </p:sp>
+      <p:sp>
+        <p:nvSpPr>
+          <p:cNvPr id="4" name="Date Placeholder 3"/>
+          <p:cNvSpPr>
+            <a:spLocks noGrp="1"/>
+          </p:cNvSpPr>
+          <p:nvPr>
+            <p:ph type="dt" sz="half" idx="10"/>
+          </p:nvPr>
+        </p:nvSpPr>
+        <p:spPr/>
+        <p:txBody>
+          <a:bodyPr/>
+          <a:lstStyle/>
+          <a:p>
+            <a:fld id="{A05B2AF8-B3A2-4253-A941-30B3882CDF69}" type="datetimeFigureOut">
+              <a:rPr lang="en-IN" smtClean="0"/>
+              <a:t>19-01-2024</a:t>
+            </a:fld>
+            <a:endParaRPr lang="en-IN"/>
+          </a:p>
+        </p:txBody>
+      </p:sp>
+      <p:sp>
+        <p:nvSpPr>
+          <p:cNvPr id="5" name="Footer Placeholder 4"/>
+          <p:cNvSpPr>
+            <a:spLocks noGrp="1"/>
+          </p:cNvSpPr>
+          <p:nvPr>
+            <p:ph type="ftr" sz="quarter" idx="11"/>
+          </p:nvPr>
+        </p:nvSpPr>
+        <p:spPr/>
+        <p:txBody>
+          <a:bodyPr/>
+          <a:lstStyle/>
+          <a:p>
+            <a:endParaRPr lang="en-IN"/>
+          </a:p>
+        </p:txBody>
+      </p:sp>
+      <p:sp>
+        <p:nvSpPr>
+          <p:cNvPr id="9" name="Freeform 11"/>
+          <p:cNvSpPr/>
+          <p:nvPr/>
+        </p:nvSpPr>
+        <p:spPr bwMode="auto">
+          <a:xfrm flipV="1">
+            <a:off x="-4189" y="3178175"/>
+            <a:ext cx="1588527" cy="507297"/>
+          </a:xfrm>
+          <a:custGeom>
+            <a:avLst/>
+            <a:gdLst/>
+            <a:ahLst/>
+            <a:cxnLst/>
+            <a:rect l="l" t="t" r="r" b="b"/>
+            <a:pathLst>
+              <a:path w="9248" h="10000">
+                <a:moveTo>
+                  <a:pt x="9248" y="4701"/>
+                </a:moveTo>
+                <a:lnTo>
+                  <a:pt x="7915" y="188"/>
+                </a:lnTo>
+                <a:cubicBezTo>
+                  <a:pt x="7906" y="156"/>
+                  <a:pt x="7895" y="126"/>
+                  <a:pt x="7886" y="94"/>
+                </a:cubicBezTo>
+                <a:cubicBezTo>
+                  <a:pt x="7859" y="0"/>
+                  <a:pt x="7831" y="0"/>
+                  <a:pt x="7803" y="0"/>
+                </a:cubicBezTo>
+                <a:lnTo>
+                  <a:pt x="7275" y="0"/>
+                </a:lnTo>
+                <a:lnTo>
+                  <a:pt x="0" y="70"/>
+                </a:lnTo>
+                <a:cubicBezTo>
+                  <a:pt x="8" y="3380"/>
+                  <a:pt x="17" y="6690"/>
+                  <a:pt x="25" y="10000"/>
+                </a:cubicBezTo>
+                <a:lnTo>
+                  <a:pt x="7275" y="9966"/>
+                </a:lnTo>
+                <a:lnTo>
+                  <a:pt x="7803" y="9966"/>
+                </a:lnTo>
+                <a:cubicBezTo>
+                  <a:pt x="7831" y="9966"/>
+                  <a:pt x="7859" y="9872"/>
+                  <a:pt x="7886" y="9872"/>
+                </a:cubicBezTo>
+                <a:cubicBezTo>
+                  <a:pt x="7886" y="9778"/>
+                  <a:pt x="7915" y="9778"/>
+                  <a:pt x="7915" y="9778"/>
+                </a:cubicBezTo>
+                <a:lnTo>
+                  <a:pt x="9248" y="5265"/>
+                </a:lnTo>
+                <a:cubicBezTo>
+                  <a:pt x="9303" y="5077"/>
+                  <a:pt x="9303" y="4889"/>
+                  <a:pt x="9248" y="4701"/>
+                </a:cubicBezTo>
+                <a:close/>
+              </a:path>
+            </a:pathLst>
+          </a:custGeom>
+          <a:solidFill>
+            <a:schemeClr val="accent1"/>
+          </a:solidFill>
+          <a:ln>
+            <a:noFill/>
+          </a:ln>
+        </p:spPr>
+      </p:sp>
+      <p:sp>
+        <p:nvSpPr>
+          <p:cNvPr id="6" name="Slide Number Placeholder 5"/>
+          <p:cNvSpPr>
+            <a:spLocks noGrp="1"/>
+          </p:cNvSpPr>
+          <p:nvPr>
+            <p:ph type="sldNum" sz="quarter" idx="12"/>
+          </p:nvPr>
+        </p:nvSpPr>
+        <p:spPr>
+          <a:xfrm>
+            <a:off x="531812" y="3244139"/>
+            <a:ext cx="779767" cy="365125"/>
+          </a:xfrm>
+        </p:spPr>
+        <p:txBody>
+          <a:bodyPr/>
+          <a:lstStyle/>
+          <a:p>
+            <a:fld id="{DF41198F-EBA0-4970-BDBD-EBE23CDEE2D6}" type="slidenum">
+              <a:rPr lang="en-IN" smtClean="0"/>
+              <a:t>‹#›</a:t>
+            </a:fld>
+            <a:endParaRPr lang="en-IN"/>
+          </a:p>
+        </p:txBody>
+      </p:sp>
+    </p:spTree>
+    <p:extLst>
+      <p:ext uri="{BB962C8B-B14F-4D97-AF65-F5344CB8AC3E}">
+        <p14:creationId xmlns:p14="http://schemas.microsoft.com/office/powerpoint/2010/main" val="1812349365"/>
+      </p:ext>
+    </p:extLst>
+  </p:cSld>
+  <p:clrMapOvr>
+    <a:masterClrMapping/>
+  </p:clrMapOvr>
+</p:sldLayout>
+</file>
+
+<file path=ppt/slideLayouts/slideLayout11.xml><?xml version="1.0" encoding="utf-8"?>
+<p:sldLayout xmlns:a="http://schemas.openxmlformats.org/drawingml/2006/main" xmlns:r="http://schemas.openxmlformats.org/officeDocument/2006/relationships" xmlns:p="http://schemas.openxmlformats.org/presentationml/2006/main" preserve="1">
+  <p:cSld name="Quote with Caption">
+    <p:spTree>
+      <p:nvGrpSpPr>
+        <p:cNvPr id="1" name=""/>
+        <p:cNvGrpSpPr/>
+        <p:nvPr/>
+      </p:nvGrpSpPr>
+      <p:grpSpPr>
+        <a:xfrm>
+          <a:off x="0" y="0"/>
+          <a:ext cx="0" cy="0"/>
+          <a:chOff x="0" y="0"/>
+          <a:chExt cx="0" cy="0"/>
+        </a:xfrm>
+      </p:grpSpPr>
+      <p:sp>
+        <p:nvSpPr>
+          <p:cNvPr id="2" name="Title 1"/>
+          <p:cNvSpPr>
+            <a:spLocks noGrp="1"/>
+          </p:cNvSpPr>
+          <p:nvPr>
+            <p:ph type="title"/>
+          </p:nvPr>
+        </p:nvSpPr>
+        <p:spPr>
+          <a:xfrm>
+            <a:off x="2849949" y="609600"/>
+            <a:ext cx="8393926" cy="2895600"/>
+          </a:xfrm>
+        </p:spPr>
+        <p:txBody>
+          <a:bodyPr anchor="ctr">
+            <a:normAutofit/>
+          </a:bodyPr>
+          <a:lstStyle>
+            <a:lvl1pPr algn="l">
+              <a:defRPr sz="4800" b="0" cap="none"/>
+            </a:lvl1pPr>
+          </a:lstStyle>
+          <a:p>
+            <a:r>
+              <a:rPr lang="en-US"/>
+              <a:t>Click to edit Master title style</a:t>
+            </a:r>
+            <a:endParaRPr lang="en-US" dirty="0"/>
+          </a:p>
+        </p:txBody>
+      </p:sp>
+      <p:sp>
+        <p:nvSpPr>
+          <p:cNvPr id="13" name="Text Placeholder 9"/>
+          <p:cNvSpPr>
+            <a:spLocks noGrp="1"/>
+          </p:cNvSpPr>
+          <p:nvPr>
+            <p:ph type="body" sz="quarter" idx="13"/>
+          </p:nvPr>
+        </p:nvSpPr>
+        <p:spPr>
+          <a:xfrm>
+            <a:off x="3275012" y="3505200"/>
+            <a:ext cx="7536554" cy="381000"/>
+          </a:xfrm>
+        </p:spPr>
+        <p:txBody>
+          <a:bodyPr anchor="ctr">
+            <a:noAutofit/>
+          </a:bodyPr>
+          <a:lstStyle>
+            <a:lvl1pPr marL="0" indent="0">
+              <a:buFontTx/>
+              <a:buNone/>
+              <a:defRPr sz="1600">
+                <a:solidFill>
+                  <a:schemeClr val="tx1">
+                    <a:lumMod val="50000"/>
+                    <a:lumOff val="50000"/>
+                  </a:schemeClr>
+                </a:solidFill>
+              </a:defRPr>
+            </a:lvl1pPr>
+            <a:lvl2pPr marL="457200" indent="0">
+              <a:buFontTx/>
+              <a:buNone/>
+              <a:defRPr/>
+            </a:lvl2pPr>
+            <a:lvl3pPr marL="914400" indent="0">
+              <a:buFontTx/>
+              <a:buNone/>
+              <a:defRPr/>
+            </a:lvl3pPr>
+            <a:lvl4pPr marL="1371600" indent="0">
+              <a:buFontTx/>
+              <a:buNone/>
+              <a:defRPr/>
+            </a:lvl4pPr>
+            <a:lvl5pPr marL="1828800" indent="0">
+              <a:buFontTx/>
+              <a:buNone/>
+              <a:defRPr/>
+            </a:lvl5pPr>
+          </a:lstStyle>
+          <a:p>
+            <a:pPr lvl="0"/>
+            <a:r>
+              <a:rPr lang="en-US"/>
+              <a:t>Click to edit Master text styles</a:t>
+            </a:r>
+          </a:p>
+        </p:txBody>
+      </p:sp>
+      <p:sp>
+        <p:nvSpPr>
+          <p:cNvPr id="3" name="Text Placeholder 2"/>
+          <p:cNvSpPr>
+            <a:spLocks noGrp="1"/>
+          </p:cNvSpPr>
+          <p:nvPr>
+            <p:ph type="body" idx="1"/>
+          </p:nvPr>
+        </p:nvSpPr>
+        <p:spPr>
+          <a:xfrm>
+            <a:off x="2589212" y="4354046"/>
+            <a:ext cx="8915399" cy="1555864"/>
+          </a:xfrm>
+        </p:spPr>
+        <p:txBody>
+          <a:bodyPr anchor="ctr">
+            <a:normAutofit/>
+          </a:bodyPr>
+          <a:lstStyle>
+            <a:lvl1pPr marL="0" indent="0" algn="l">
+              <a:buNone/>
+              <a:defRPr sz="1800">
+                <a:solidFill>
+                  <a:schemeClr val="tx1">
+                    <a:lumMod val="65000"/>
+                    <a:lumOff val="35000"/>
+                  </a:schemeClr>
+                </a:solidFill>
+              </a:defRPr>
+            </a:lvl1pPr>
+            <a:lvl2pPr marL="457200" indent="0">
+              <a:buNone/>
+              <a:defRPr sz="1800">
+                <a:solidFill>
+                  <a:schemeClr val="tx1">
+                    <a:tint val="75000"/>
+                  </a:schemeClr>
+                </a:solidFill>
+              </a:defRPr>
+            </a:lvl2pPr>
+            <a:lvl3pPr marL="914400" indent="0">
+              <a:buNone/>
+              <a:defRPr sz="1600">
+                <a:solidFill>
+                  <a:schemeClr val="tx1">
+                    <a:tint val="75000"/>
+                  </a:schemeClr>
+                </a:solidFill>
+              </a:defRPr>
+            </a:lvl3pPr>
+            <a:lvl4pPr marL="1371600" indent="0">
+              <a:buNone/>
+              <a:defRPr sz="1400">
+                <a:solidFill>
+                  <a:schemeClr val="tx1">
+                    <a:tint val="75000"/>
+                  </a:schemeClr>
+                </a:solidFill>
+              </a:defRPr>
+            </a:lvl4pPr>
+            <a:lvl5pPr marL="1828800" indent="0">
+              <a:buNone/>
+              <a:defRPr sz="1400">
+                <a:solidFill>
+                  <a:schemeClr val="tx1">
+                    <a:tint val="75000"/>
+                  </a:schemeClr>
+                </a:solidFill>
+              </a:defRPr>
+            </a:lvl5pPr>
+            <a:lvl6pPr marL="2286000" indent="0">
+              <a:buNone/>
+              <a:defRPr sz="1400">
+                <a:solidFill>
+                  <a:schemeClr val="tx1">
+                    <a:tint val="75000"/>
+                  </a:schemeClr>
+                </a:solidFill>
+              </a:defRPr>
+            </a:lvl6pPr>
+            <a:lvl7pPr marL="2743200" indent="0">
+              <a:buNone/>
+              <a:defRPr sz="1400">
+                <a:solidFill>
+                  <a:schemeClr val="tx1">
+                    <a:tint val="75000"/>
+                  </a:schemeClr>
+                </a:solidFill>
+              </a:defRPr>
+            </a:lvl7pPr>
+            <a:lvl8pPr marL="3200400" indent="0">
+              <a:buNone/>
+              <a:defRPr sz="1400">
+                <a:solidFill>
+                  <a:schemeClr val="tx1">
+                    <a:tint val="75000"/>
+                  </a:schemeClr>
+                </a:solidFill>
+              </a:defRPr>
+            </a:lvl8pPr>
+            <a:lvl9pPr marL="3657600" indent="0">
+              <a:buNone/>
+              <a:defRPr sz="1400">
+                <a:solidFill>
+                  <a:schemeClr val="tx1">
+                    <a:tint val="75000"/>
+                  </a:schemeClr>
+                </a:solidFill>
+              </a:defRPr>
+            </a:lvl9pPr>
+          </a:lstStyle>
+          <a:p>
+            <a:pPr lvl="0"/>
+            <a:r>
+              <a:rPr lang="en-US"/>
+              <a:t>Click to edit Master text styles</a:t>
+            </a:r>
+          </a:p>
+        </p:txBody>
+      </p:sp>
+      <p:sp>
+        <p:nvSpPr>
+          <p:cNvPr id="4" name="Date Placeholder 3"/>
+          <p:cNvSpPr>
+            <a:spLocks noGrp="1"/>
+          </p:cNvSpPr>
+          <p:nvPr>
+            <p:ph type="dt" sz="half" idx="10"/>
+          </p:nvPr>
+        </p:nvSpPr>
+        <p:spPr/>
+        <p:txBody>
+          <a:bodyPr/>
+          <a:lstStyle/>
+          <a:p>
+            <a:fld id="{A05B2AF8-B3A2-4253-A941-30B3882CDF69}" type="datetimeFigureOut">
+              <a:rPr lang="en-IN" smtClean="0"/>
+              <a:t>19-01-2024</a:t>
+            </a:fld>
+            <a:endParaRPr lang="en-IN"/>
+          </a:p>
+        </p:txBody>
+      </p:sp>
+      <p:sp>
+        <p:nvSpPr>
+          <p:cNvPr id="5" name="Footer Placeholder 4"/>
+          <p:cNvSpPr>
+            <a:spLocks noGrp="1"/>
+          </p:cNvSpPr>
+          <p:nvPr>
+            <p:ph type="ftr" sz="quarter" idx="11"/>
+          </p:nvPr>
+        </p:nvSpPr>
+        <p:spPr/>
+        <p:txBody>
+          <a:bodyPr/>
+          <a:lstStyle/>
+          <a:p>
+            <a:endParaRPr lang="en-IN"/>
+          </a:p>
+        </p:txBody>
+      </p:sp>
+      <p:sp>
+        <p:nvSpPr>
+          <p:cNvPr id="11" name="Freeform 11"/>
+          <p:cNvSpPr/>
+          <p:nvPr/>
+        </p:nvSpPr>
+        <p:spPr bwMode="auto">
+          <a:xfrm flipV="1">
+            <a:off x="-4189" y="3178175"/>
+            <a:ext cx="1588527" cy="507297"/>
+          </a:xfrm>
+          <a:custGeom>
+            <a:avLst/>
+            <a:gdLst/>
+            <a:ahLst/>
+            <a:cxnLst/>
+            <a:rect l="l" t="t" r="r" b="b"/>
+            <a:pathLst>
+              <a:path w="9248" h="10000">
+                <a:moveTo>
+                  <a:pt x="9248" y="4701"/>
+                </a:moveTo>
+                <a:lnTo>
+                  <a:pt x="7915" y="188"/>
+                </a:lnTo>
+                <a:cubicBezTo>
+                  <a:pt x="7906" y="156"/>
+                  <a:pt x="7895" y="126"/>
+                  <a:pt x="7886" y="94"/>
+                </a:cubicBezTo>
+                <a:cubicBezTo>
+                  <a:pt x="7859" y="0"/>
+                  <a:pt x="7831" y="0"/>
+                  <a:pt x="7803" y="0"/>
+                </a:cubicBezTo>
+                <a:lnTo>
+                  <a:pt x="7275" y="0"/>
+                </a:lnTo>
+                <a:lnTo>
+                  <a:pt x="0" y="70"/>
+                </a:lnTo>
+                <a:cubicBezTo>
+                  <a:pt x="8" y="3380"/>
+                  <a:pt x="17" y="6690"/>
+                  <a:pt x="25" y="10000"/>
+                </a:cubicBezTo>
+                <a:lnTo>
+                  <a:pt x="7275" y="9966"/>
+                </a:lnTo>
+                <a:lnTo>
+                  <a:pt x="7803" y="9966"/>
+                </a:lnTo>
+                <a:cubicBezTo>
+                  <a:pt x="7831" y="9966"/>
+                  <a:pt x="7859" y="9872"/>
+                  <a:pt x="7886" y="9872"/>
+                </a:cubicBezTo>
+                <a:cubicBezTo>
+                  <a:pt x="7886" y="9778"/>
+                  <a:pt x="7915" y="9778"/>
+                  <a:pt x="7915" y="9778"/>
+                </a:cubicBezTo>
+                <a:lnTo>
+                  <a:pt x="9248" y="5265"/>
+                </a:lnTo>
+                <a:cubicBezTo>
+                  <a:pt x="9303" y="5077"/>
+                  <a:pt x="9303" y="4889"/>
+                  <a:pt x="9248" y="4701"/>
+                </a:cubicBezTo>
+                <a:close/>
+              </a:path>
+            </a:pathLst>
+          </a:custGeom>
+          <a:solidFill>
+            <a:schemeClr val="accent1"/>
+          </a:solidFill>
+          <a:ln>
+            <a:noFill/>
+          </a:ln>
+        </p:spPr>
+      </p:sp>
+      <p:sp>
+        <p:nvSpPr>
+          <p:cNvPr id="6" name="Slide Number Placeholder 5"/>
+          <p:cNvSpPr>
+            <a:spLocks noGrp="1"/>
+          </p:cNvSpPr>
+          <p:nvPr>
+            <p:ph type="sldNum" sz="quarter" idx="12"/>
+          </p:nvPr>
+        </p:nvSpPr>
+        <p:spPr>
+          <a:xfrm>
+            <a:off x="531812" y="3244139"/>
+            <a:ext cx="779767" cy="365125"/>
+          </a:xfrm>
+        </p:spPr>
+        <p:txBody>
+          <a:bodyPr/>
+          <a:lstStyle/>
+          <a:p>
+            <a:fld id="{DF41198F-EBA0-4970-BDBD-EBE23CDEE2D6}" type="slidenum">
+              <a:rPr lang="en-IN" smtClean="0"/>
+              <a:t>‹#›</a:t>
+            </a:fld>
+            <a:endParaRPr lang="en-IN"/>
+          </a:p>
+        </p:txBody>
+      </p:sp>
+      <p:sp>
+        <p:nvSpPr>
+          <p:cNvPr id="14" name="TextBox 13"/>
+          <p:cNvSpPr txBox="1"/>
+          <p:nvPr/>
+        </p:nvSpPr>
+        <p:spPr>
+          <a:xfrm>
+            <a:off x="2467652" y="648005"/>
+            <a:ext cx="609600" cy="584776"/>
+          </a:xfrm>
+          <a:prstGeom prst="rect">
+            <a:avLst/>
+          </a:prstGeom>
+        </p:spPr>
+        <p:txBody>
+          <a:bodyPr vert="horz" lIns="91440" tIns="45720" rIns="91440" bIns="45720" rtlCol="0" anchor="ctr">
+            <a:noAutofit/>
+          </a:bodyPr>
+          <a:lstStyle/>
+          <a:p>
+            <a:pPr lvl="0"/>
+            <a:r>
+              <a:rPr lang="en-US" sz="8000" baseline="0" dirty="0">
+                <a:ln w="3175" cmpd="sng">
+                  <a:noFill/>
+                </a:ln>
+                <a:solidFill>
+                  <a:schemeClr val="accent1"/>
+                </a:solidFill>
+                <a:effectLst/>
+                <a:latin typeface="Arial"/>
+              </a:rPr>
+              <a:t>“</a:t>
+            </a:r>
+          </a:p>
+        </p:txBody>
+      </p:sp>
+      <p:sp>
+        <p:nvSpPr>
+          <p:cNvPr id="15" name="TextBox 14"/>
+          <p:cNvSpPr txBox="1"/>
+          <p:nvPr/>
+        </p:nvSpPr>
+        <p:spPr>
+          <a:xfrm>
+            <a:off x="11114852" y="2905306"/>
+            <a:ext cx="609600" cy="584776"/>
+          </a:xfrm>
+          <a:prstGeom prst="rect">
+            <a:avLst/>
+          </a:prstGeom>
+        </p:spPr>
+        <p:txBody>
+          <a:bodyPr vert="horz" lIns="91440" tIns="45720" rIns="91440" bIns="45720" rtlCol="0" anchor="ctr">
+            <a:noAutofit/>
+          </a:bodyPr>
+          <a:lstStyle/>
+          <a:p>
+            <a:pPr lvl="0"/>
+            <a:r>
+              <a:rPr lang="en-US" sz="8000" baseline="0" dirty="0">
+                <a:ln w="3175" cmpd="sng">
+                  <a:noFill/>
+                </a:ln>
+                <a:solidFill>
+                  <a:schemeClr val="accent1"/>
+                </a:solidFill>
+                <a:effectLst/>
+                <a:latin typeface="Arial"/>
+              </a:rPr>
+              <a:t>”</a:t>
+            </a:r>
+          </a:p>
+        </p:txBody>
+      </p:sp>
+    </p:spTree>
+    <p:extLst>
+      <p:ext uri="{BB962C8B-B14F-4D97-AF65-F5344CB8AC3E}">
+        <p14:creationId xmlns:p14="http://schemas.microsoft.com/office/powerpoint/2010/main" val="39608307"/>
+      </p:ext>
+    </p:extLst>
+  </p:cSld>
+  <p:clrMapOvr>
+    <a:masterClrMapping/>
+  </p:clrMapOvr>
+</p:sldLayout>
+</file>
+
+<file path=ppt/slideLayouts/slideLayout12.xml><?xml version="1.0" encoding="utf-8"?>
+<p:sldLayout xmlns:a="http://schemas.openxmlformats.org/drawingml/2006/main" xmlns:r="http://schemas.openxmlformats.org/officeDocument/2006/relationships" xmlns:p="http://schemas.openxmlformats.org/presentationml/2006/main" preserve="1">
+  <p:cSld name="Name Card">
+    <p:spTree>
+      <p:nvGrpSpPr>
+        <p:cNvPr id="1" name=""/>
+        <p:cNvGrpSpPr/>
+        <p:nvPr/>
+      </p:nvGrpSpPr>
+      <p:grpSpPr>
+        <a:xfrm>
+          <a:off x="0" y="0"/>
+          <a:ext cx="0" cy="0"/>
+          <a:chOff x="0" y="0"/>
+          <a:chExt cx="0" cy="0"/>
+        </a:xfrm>
+      </p:grpSpPr>
+      <p:sp>
+        <p:nvSpPr>
+          <p:cNvPr id="2" name="Title 1"/>
+          <p:cNvSpPr>
+            <a:spLocks noGrp="1"/>
+          </p:cNvSpPr>
+          <p:nvPr>
+            <p:ph type="title"/>
+          </p:nvPr>
+        </p:nvSpPr>
+        <p:spPr>
+          <a:xfrm>
+            <a:off x="2589213" y="2438400"/>
+            <a:ext cx="8915400" cy="2724845"/>
+          </a:xfrm>
+        </p:spPr>
+        <p:txBody>
+          <a:bodyPr anchor="b">
+            <a:normAutofit/>
+          </a:bodyPr>
+          <a:lstStyle>
+            <a:lvl1pPr algn="l">
+              <a:defRPr sz="4800" b="0"/>
+            </a:lvl1pPr>
+          </a:lstStyle>
+          <a:p>
+            <a:r>
+              <a:rPr lang="en-US"/>
+              <a:t>Click to edit Master title style</a:t>
+            </a:r>
+            <a:endParaRPr lang="en-US" dirty="0"/>
+          </a:p>
+        </p:txBody>
+      </p:sp>
+      <p:sp>
+        <p:nvSpPr>
+          <p:cNvPr id="4" name="Text Placeholder 3"/>
+          <p:cNvSpPr>
+            <a:spLocks noGrp="1"/>
+          </p:cNvSpPr>
+          <p:nvPr>
+            <p:ph type="body" sz="half" idx="2"/>
+          </p:nvPr>
+        </p:nvSpPr>
+        <p:spPr>
+          <a:xfrm>
+            <a:off x="2589213" y="5181600"/>
+            <a:ext cx="8915400" cy="729622"/>
+          </a:xfrm>
+        </p:spPr>
+        <p:txBody>
+          <a:bodyPr vert="horz" lIns="91440" tIns="45720" rIns="91440" bIns="45720" rtlCol="0" anchor="t">
+            <a:normAutofit/>
+          </a:bodyPr>
+          <a:lstStyle>
+            <a:lvl1pPr>
+              <a:buNone/>
+              <a:defRPr lang="en-US">
+                <a:solidFill>
+                  <a:schemeClr val="tx1">
+                    <a:lumMod val="65000"/>
+                    <a:lumOff val="35000"/>
+                  </a:schemeClr>
+                </a:solidFill>
+              </a:defRPr>
+            </a:lvl1pPr>
+          </a:lstStyle>
+          <a:p>
+            <a:pPr marL="0" lvl="0" indent="0">
+              <a:buNone/>
+            </a:pPr>
+            <a:r>
+              <a:rPr lang="en-US"/>
+              <a:t>Click to edit Master text styles</a:t>
+            </a:r>
+          </a:p>
+        </p:txBody>
+      </p:sp>
+      <p:sp>
+        <p:nvSpPr>
+          <p:cNvPr id="5" name="Date Placeholder 4"/>
+          <p:cNvSpPr>
+            <a:spLocks noGrp="1"/>
+          </p:cNvSpPr>
+          <p:nvPr>
+            <p:ph type="dt" sz="half" idx="10"/>
+          </p:nvPr>
+        </p:nvSpPr>
+        <p:spPr/>
+        <p:txBody>
+          <a:bodyPr/>
+          <a:lstStyle/>
+          <a:p>
+            <a:fld id="{A05B2AF8-B3A2-4253-A941-30B3882CDF69}" type="datetimeFigureOut">
+              <a:rPr lang="en-IN" smtClean="0"/>
+              <a:t>19-01-2024</a:t>
+            </a:fld>
+            <a:endParaRPr lang="en-IN"/>
+          </a:p>
+        </p:txBody>
+      </p:sp>
+      <p:sp>
+        <p:nvSpPr>
+          <p:cNvPr id="6" name="Footer Placeholder 5"/>
+          <p:cNvSpPr>
+            <a:spLocks noGrp="1"/>
+          </p:cNvSpPr>
+          <p:nvPr>
+            <p:ph type="ftr" sz="quarter" idx="11"/>
+          </p:nvPr>
+        </p:nvSpPr>
+        <p:spPr/>
+        <p:txBody>
+          <a:bodyPr/>
+          <a:lstStyle/>
+          <a:p>
+            <a:endParaRPr lang="en-IN"/>
+          </a:p>
+        </p:txBody>
+      </p:sp>
+      <p:sp>
+        <p:nvSpPr>
+          <p:cNvPr id="9" name="Freeform 11"/>
+          <p:cNvSpPr/>
+          <p:nvPr/>
+        </p:nvSpPr>
+        <p:spPr bwMode="auto">
+          <a:xfrm flipV="1">
+            <a:off x="-4189" y="4911725"/>
+            <a:ext cx="1588527" cy="507297"/>
+          </a:xfrm>
+          <a:custGeom>
+            <a:avLst/>
+            <a:gdLst/>
+            <a:ahLst/>
+            <a:cxnLst/>
+            <a:rect l="l" t="t" r="r" b="b"/>
+            <a:pathLst>
+              <a:path w="9248" h="10000">
+                <a:moveTo>
+                  <a:pt x="9248" y="4701"/>
+                </a:moveTo>
+                <a:lnTo>
+                  <a:pt x="7915" y="188"/>
+                </a:lnTo>
+                <a:cubicBezTo>
+                  <a:pt x="7906" y="156"/>
+                  <a:pt x="7895" y="126"/>
+                  <a:pt x="7886" y="94"/>
+                </a:cubicBezTo>
+                <a:cubicBezTo>
+                  <a:pt x="7859" y="0"/>
+                  <a:pt x="7831" y="0"/>
+                  <a:pt x="7803" y="0"/>
+                </a:cubicBezTo>
+                <a:lnTo>
+                  <a:pt x="7275" y="0"/>
+                </a:lnTo>
+                <a:lnTo>
+                  <a:pt x="0" y="70"/>
+                </a:lnTo>
+                <a:cubicBezTo>
+                  <a:pt x="8" y="3380"/>
+                  <a:pt x="17" y="6690"/>
+                  <a:pt x="25" y="10000"/>
+                </a:cubicBezTo>
+                <a:lnTo>
+                  <a:pt x="7275" y="9966"/>
+                </a:lnTo>
+                <a:lnTo>
+                  <a:pt x="7803" y="9966"/>
+                </a:lnTo>
+                <a:cubicBezTo>
+                  <a:pt x="7831" y="9966"/>
+                  <a:pt x="7859" y="9872"/>
+                  <a:pt x="7886" y="9872"/>
+                </a:cubicBezTo>
+                <a:cubicBezTo>
+                  <a:pt x="7886" y="9778"/>
+                  <a:pt x="7915" y="9778"/>
+                  <a:pt x="7915" y="9778"/>
+                </a:cubicBezTo>
+                <a:lnTo>
+                  <a:pt x="9248" y="5265"/>
+                </a:lnTo>
+                <a:cubicBezTo>
+                  <a:pt x="9303" y="5077"/>
+                  <a:pt x="9303" y="4889"/>
+                  <a:pt x="9248" y="4701"/>
+                </a:cubicBezTo>
+                <a:close/>
+              </a:path>
+            </a:pathLst>
+          </a:custGeom>
+          <a:solidFill>
+            <a:schemeClr val="accent1"/>
+          </a:solidFill>
+          <a:ln>
+            <a:noFill/>
+          </a:ln>
+        </p:spPr>
+      </p:sp>
+      <p:sp>
+        <p:nvSpPr>
+          <p:cNvPr id="7" name="Slide Number Placeholder 6"/>
+          <p:cNvSpPr>
+            <a:spLocks noGrp="1"/>
+          </p:cNvSpPr>
+          <p:nvPr>
+            <p:ph type="sldNum" sz="quarter" idx="12"/>
+          </p:nvPr>
+        </p:nvSpPr>
+        <p:spPr>
+          <a:xfrm>
+            <a:off x="531812" y="4983087"/>
+            <a:ext cx="779767" cy="365125"/>
+          </a:xfrm>
+        </p:spPr>
+        <p:txBody>
+          <a:bodyPr/>
+          <a:lstStyle/>
+          <a:p>
+            <a:fld id="{DF41198F-EBA0-4970-BDBD-EBE23CDEE2D6}" type="slidenum">
+              <a:rPr lang="en-IN" smtClean="0"/>
+              <a:t>‹#›</a:t>
+            </a:fld>
+            <a:endParaRPr lang="en-IN"/>
+          </a:p>
+        </p:txBody>
+      </p:sp>
+    </p:spTree>
+    <p:extLst>
+      <p:ext uri="{BB962C8B-B14F-4D97-AF65-F5344CB8AC3E}">
+        <p14:creationId xmlns:p14="http://schemas.microsoft.com/office/powerpoint/2010/main" val="3800135735"/>
+      </p:ext>
+    </p:extLst>
+  </p:cSld>
+  <p:clrMapOvr>
+    <a:masterClrMapping/>
+  </p:clrMapOvr>
+</p:sldLayout>
+</file>
+
+<file path=ppt/slideLayouts/slideLayout13.xml><?xml version="1.0" encoding="utf-8"?>
+<p:sldLayout xmlns:a="http://schemas.openxmlformats.org/drawingml/2006/main" xmlns:r="http://schemas.openxmlformats.org/officeDocument/2006/relationships" xmlns:p="http://schemas.openxmlformats.org/presentationml/2006/main" preserve="1">
+  <p:cSld name="Quote Name Card">
+    <p:spTree>
+      <p:nvGrpSpPr>
+        <p:cNvPr id="1" name=""/>
+        <p:cNvGrpSpPr/>
+        <p:nvPr/>
+      </p:nvGrpSpPr>
+      <p:grpSpPr>
+        <a:xfrm>
+          <a:off x="0" y="0"/>
+          <a:ext cx="0" cy="0"/>
+          <a:chOff x="0" y="0"/>
+          <a:chExt cx="0" cy="0"/>
+        </a:xfrm>
+      </p:grpSpPr>
+      <p:sp>
+        <p:nvSpPr>
+          <p:cNvPr id="12" name="Title 1"/>
+          <p:cNvSpPr>
+            <a:spLocks noGrp="1"/>
+          </p:cNvSpPr>
+          <p:nvPr>
+            <p:ph type="title"/>
+          </p:nvPr>
+        </p:nvSpPr>
+        <p:spPr>
+          <a:xfrm>
+            <a:off x="2849949" y="609600"/>
+            <a:ext cx="8393926" cy="2895600"/>
+          </a:xfrm>
+        </p:spPr>
+        <p:txBody>
+          <a:bodyPr anchor="ctr">
+            <a:normAutofit/>
+          </a:bodyPr>
+          <a:lstStyle>
+            <a:lvl1pPr algn="l">
+              <a:defRPr sz="4800" b="0" cap="none"/>
+            </a:lvl1pPr>
+          </a:lstStyle>
+          <a:p>
+            <a:r>
+              <a:rPr lang="en-US"/>
+              <a:t>Click to edit Master title style</a:t>
+            </a:r>
+            <a:endParaRPr lang="en-US" dirty="0"/>
+          </a:p>
+        </p:txBody>
+      </p:sp>
+      <p:sp>
+        <p:nvSpPr>
+          <p:cNvPr id="21" name="Text Placeholder 9"/>
+          <p:cNvSpPr>
+            <a:spLocks noGrp="1"/>
+          </p:cNvSpPr>
+          <p:nvPr>
+            <p:ph type="body" sz="quarter" idx="13"/>
+          </p:nvPr>
+        </p:nvSpPr>
+        <p:spPr>
+          <a:xfrm>
+            <a:off x="2589212" y="4343400"/>
+            <a:ext cx="8915400" cy="838200"/>
+          </a:xfrm>
+        </p:spPr>
+        <p:txBody>
+          <a:bodyPr anchor="b">
+            <a:noAutofit/>
+          </a:bodyPr>
+          <a:lstStyle>
+            <a:lvl1pPr marL="0" indent="0">
+              <a:buFontTx/>
+              <a:buNone/>
+              <a:defRPr sz="2400">
+                <a:solidFill>
+                  <a:schemeClr val="accent1"/>
+                </a:solidFill>
+              </a:defRPr>
+            </a:lvl1pPr>
+            <a:lvl2pPr marL="457200" indent="0">
+              <a:buFontTx/>
+              <a:buNone/>
+              <a:defRPr/>
+            </a:lvl2pPr>
+            <a:lvl3pPr marL="914400" indent="0">
+              <a:buFontTx/>
+              <a:buNone/>
+              <a:defRPr/>
+            </a:lvl3pPr>
+            <a:lvl4pPr marL="1371600" indent="0">
+              <a:buFontTx/>
+              <a:buNone/>
+              <a:defRPr/>
+            </a:lvl4pPr>
+            <a:lvl5pPr marL="1828800" indent="0">
+              <a:buFontTx/>
+              <a:buNone/>
+              <a:defRPr/>
+            </a:lvl5pPr>
+          </a:lstStyle>
+          <a:p>
+            <a:pPr lvl="0"/>
+            <a:r>
+              <a:rPr lang="en-US"/>
+              <a:t>Click to edit Master text styles</a:t>
+            </a:r>
+          </a:p>
+        </p:txBody>
+      </p:sp>
+      <p:sp>
+        <p:nvSpPr>
+          <p:cNvPr id="4" name="Text Placeholder 3"/>
+          <p:cNvSpPr>
+            <a:spLocks noGrp="1"/>
+          </p:cNvSpPr>
+          <p:nvPr>
+            <p:ph type="body" sz="half" idx="2"/>
+          </p:nvPr>
+        </p:nvSpPr>
+        <p:spPr>
+          <a:xfrm>
+            <a:off x="2589213" y="5181600"/>
+            <a:ext cx="8915400" cy="729622"/>
+          </a:xfrm>
+        </p:spPr>
+        <p:txBody>
+          <a:bodyPr vert="horz" lIns="91440" tIns="45720" rIns="91440" bIns="45720" rtlCol="0" anchor="t">
+            <a:normAutofit/>
+          </a:bodyPr>
+          <a:lstStyle>
+            <a:lvl1pPr>
+              <a:buNone/>
+              <a:defRPr lang="en-US">
+                <a:solidFill>
+                  <a:schemeClr val="tx1">
+                    <a:lumMod val="65000"/>
+                    <a:lumOff val="35000"/>
+                  </a:schemeClr>
+                </a:solidFill>
+              </a:defRPr>
+            </a:lvl1pPr>
+          </a:lstStyle>
+          <a:p>
+            <a:pPr marL="0" lvl="0" indent="0">
+              <a:buNone/>
+            </a:pPr>
+            <a:r>
+              <a:rPr lang="en-US"/>
+              <a:t>Click to edit Master text styles</a:t>
+            </a:r>
+          </a:p>
+        </p:txBody>
+      </p:sp>
+      <p:sp>
+        <p:nvSpPr>
+          <p:cNvPr id="5" name="Date Placeholder 4"/>
+          <p:cNvSpPr>
+            <a:spLocks noGrp="1"/>
+          </p:cNvSpPr>
+          <p:nvPr>
+            <p:ph type="dt" sz="half" idx="10"/>
+          </p:nvPr>
+        </p:nvSpPr>
+        <p:spPr/>
+        <p:txBody>
+          <a:bodyPr/>
+          <a:lstStyle/>
+          <a:p>
+            <a:fld id="{A05B2AF8-B3A2-4253-A941-30B3882CDF69}" type="datetimeFigureOut">
+              <a:rPr lang="en-IN" smtClean="0"/>
+              <a:t>19-01-2024</a:t>
+            </a:fld>
+            <a:endParaRPr lang="en-IN"/>
+          </a:p>
+        </p:txBody>
+      </p:sp>
+      <p:sp>
+        <p:nvSpPr>
+          <p:cNvPr id="6" name="Footer Placeholder 5"/>
+          <p:cNvSpPr>
+            <a:spLocks noGrp="1"/>
+          </p:cNvSpPr>
+          <p:nvPr>
+            <p:ph type="ftr" sz="quarter" idx="11"/>
+          </p:nvPr>
+        </p:nvSpPr>
+        <p:spPr/>
+        <p:txBody>
+          <a:bodyPr/>
+          <a:lstStyle/>
+          <a:p>
+            <a:endParaRPr lang="en-IN"/>
+          </a:p>
+        </p:txBody>
+      </p:sp>
+      <p:sp>
+        <p:nvSpPr>
+          <p:cNvPr id="11" name="Freeform 11"/>
+          <p:cNvSpPr/>
+          <p:nvPr/>
+        </p:nvSpPr>
+        <p:spPr bwMode="auto">
+          <a:xfrm flipV="1">
+            <a:off x="-4189" y="4911725"/>
+            <a:ext cx="1588527" cy="507297"/>
+          </a:xfrm>
+          <a:custGeom>
+            <a:avLst/>
+            <a:gdLst/>
+            <a:ahLst/>
+            <a:cxnLst/>
+            <a:rect l="l" t="t" r="r" b="b"/>
+            <a:pathLst>
+              <a:path w="9248" h="10000">
+                <a:moveTo>
+                  <a:pt x="9248" y="4701"/>
+                </a:moveTo>
+                <a:lnTo>
+                  <a:pt x="7915" y="188"/>
+                </a:lnTo>
+                <a:cubicBezTo>
+                  <a:pt x="7906" y="156"/>
+                  <a:pt x="7895" y="126"/>
+                  <a:pt x="7886" y="94"/>
+                </a:cubicBezTo>
+                <a:cubicBezTo>
+                  <a:pt x="7859" y="0"/>
+                  <a:pt x="7831" y="0"/>
+                  <a:pt x="7803" y="0"/>
+                </a:cubicBezTo>
+                <a:lnTo>
+                  <a:pt x="7275" y="0"/>
+                </a:lnTo>
+                <a:lnTo>
+                  <a:pt x="0" y="70"/>
+                </a:lnTo>
+                <a:cubicBezTo>
+                  <a:pt x="8" y="3380"/>
+                  <a:pt x="17" y="6690"/>
+                  <a:pt x="25" y="10000"/>
+                </a:cubicBezTo>
+                <a:lnTo>
+                  <a:pt x="7275" y="9966"/>
+                </a:lnTo>
+                <a:lnTo>
+                  <a:pt x="7803" y="9966"/>
+                </a:lnTo>
+                <a:cubicBezTo>
+                  <a:pt x="7831" y="9966"/>
+                  <a:pt x="7859" y="9872"/>
+                  <a:pt x="7886" y="9872"/>
+                </a:cubicBezTo>
+                <a:cubicBezTo>
+                  <a:pt x="7886" y="9778"/>
+                  <a:pt x="7915" y="9778"/>
+                  <a:pt x="7915" y="9778"/>
+                </a:cubicBezTo>
+                <a:lnTo>
+                  <a:pt x="9248" y="5265"/>
+                </a:lnTo>
+                <a:cubicBezTo>
+                  <a:pt x="9303" y="5077"/>
+                  <a:pt x="9303" y="4889"/>
+                  <a:pt x="9248" y="4701"/>
+                </a:cubicBezTo>
+                <a:close/>
+              </a:path>
+            </a:pathLst>
+          </a:custGeom>
+          <a:solidFill>
+            <a:schemeClr val="accent1"/>
+          </a:solidFill>
+          <a:ln>
+            <a:noFill/>
+          </a:ln>
+        </p:spPr>
+      </p:sp>
+      <p:sp>
+        <p:nvSpPr>
+          <p:cNvPr id="7" name="Slide Number Placeholder 6"/>
+          <p:cNvSpPr>
+            <a:spLocks noGrp="1"/>
+          </p:cNvSpPr>
+          <p:nvPr>
+            <p:ph type="sldNum" sz="quarter" idx="12"/>
+          </p:nvPr>
+        </p:nvSpPr>
+        <p:spPr>
+          <a:xfrm>
+            <a:off x="531812" y="4983087"/>
+            <a:ext cx="779767" cy="365125"/>
+          </a:xfrm>
+        </p:spPr>
+        <p:txBody>
+          <a:bodyPr/>
+          <a:lstStyle/>
+          <a:p>
+            <a:fld id="{DF41198F-EBA0-4970-BDBD-EBE23CDEE2D6}" type="slidenum">
+              <a:rPr lang="en-IN" smtClean="0"/>
+              <a:t>‹#›</a:t>
+            </a:fld>
+            <a:endParaRPr lang="en-IN"/>
+          </a:p>
+        </p:txBody>
+      </p:sp>
+      <p:sp>
+        <p:nvSpPr>
+          <p:cNvPr id="17" name="TextBox 16"/>
+          <p:cNvSpPr txBox="1"/>
+          <p:nvPr/>
+        </p:nvSpPr>
+        <p:spPr>
+          <a:xfrm>
+            <a:off x="2467652" y="648005"/>
+            <a:ext cx="609600" cy="584776"/>
+          </a:xfrm>
+          <a:prstGeom prst="rect">
+            <a:avLst/>
+          </a:prstGeom>
+        </p:spPr>
+        <p:txBody>
+          <a:bodyPr vert="horz" lIns="91440" tIns="45720" rIns="91440" bIns="45720" rtlCol="0" anchor="ctr">
+            <a:noAutofit/>
+          </a:bodyPr>
+          <a:lstStyle/>
+          <a:p>
+            <a:pPr lvl="0"/>
+            <a:r>
+              <a:rPr lang="en-US" sz="8000" baseline="0" dirty="0">
+                <a:ln w="3175" cmpd="sng">
+                  <a:noFill/>
+                </a:ln>
+                <a:solidFill>
+                  <a:schemeClr val="accent1"/>
+                </a:solidFill>
+                <a:effectLst/>
+                <a:latin typeface="Arial"/>
+              </a:rPr>
+              <a:t>“</a:t>
+            </a:r>
+          </a:p>
+        </p:txBody>
+      </p:sp>
+      <p:sp>
+        <p:nvSpPr>
+          <p:cNvPr id="18" name="TextBox 17"/>
+          <p:cNvSpPr txBox="1"/>
+          <p:nvPr/>
+        </p:nvSpPr>
+        <p:spPr>
+          <a:xfrm>
+            <a:off x="11114852" y="2905306"/>
+            <a:ext cx="609600" cy="584776"/>
+          </a:xfrm>
+          <a:prstGeom prst="rect">
+            <a:avLst/>
+          </a:prstGeom>
+        </p:spPr>
+        <p:txBody>
+          <a:bodyPr vert="horz" lIns="91440" tIns="45720" rIns="91440" bIns="45720" rtlCol="0" anchor="ctr">
+            <a:noAutofit/>
+          </a:bodyPr>
+          <a:lstStyle/>
+          <a:p>
+            <a:pPr lvl="0"/>
+            <a:r>
+              <a:rPr lang="en-US" sz="8000" baseline="0" dirty="0">
+                <a:ln w="3175" cmpd="sng">
+                  <a:noFill/>
+                </a:ln>
+                <a:solidFill>
+                  <a:schemeClr val="accent1"/>
+                </a:solidFill>
+                <a:effectLst/>
+                <a:latin typeface="Arial"/>
+              </a:rPr>
+              <a:t>”</a:t>
+            </a:r>
+          </a:p>
+        </p:txBody>
+      </p:sp>
+    </p:spTree>
+    <p:extLst>
+      <p:ext uri="{BB962C8B-B14F-4D97-AF65-F5344CB8AC3E}">
+        <p14:creationId xmlns:p14="http://schemas.microsoft.com/office/powerpoint/2010/main" val="545448788"/>
+      </p:ext>
+    </p:extLst>
+  </p:cSld>
+  <p:clrMapOvr>
+    <a:masterClrMapping/>
+  </p:clrMapOvr>
+</p:sldLayout>
+</file>
+
+<file path=ppt/slideLayouts/slideLayout14.xml><?xml version="1.0" encoding="utf-8"?>
+<p:sldLayout xmlns:a="http://schemas.openxmlformats.org/drawingml/2006/main" xmlns:r="http://schemas.openxmlformats.org/officeDocument/2006/relationships" xmlns:p="http://schemas.openxmlformats.org/presentationml/2006/main" preserve="1">
+  <p:cSld name="True or False">
+    <p:spTree>
+      <p:nvGrpSpPr>
+        <p:cNvPr id="1" name=""/>
+        <p:cNvGrpSpPr/>
+        <p:nvPr/>
+      </p:nvGrpSpPr>
+      <p:grpSpPr>
+        <a:xfrm>
+          <a:off x="0" y="0"/>
+          <a:ext cx="0" cy="0"/>
+          <a:chOff x="0" y="0"/>
+          <a:chExt cx="0" cy="0"/>
+        </a:xfrm>
+      </p:grpSpPr>
+      <p:sp>
+        <p:nvSpPr>
+          <p:cNvPr id="2" name="Title 1"/>
+          <p:cNvSpPr>
+            <a:spLocks noGrp="1"/>
+          </p:cNvSpPr>
+          <p:nvPr>
+            <p:ph type="title"/>
+          </p:nvPr>
+        </p:nvSpPr>
+        <p:spPr>
+          <a:xfrm>
+            <a:off x="2589212" y="627407"/>
+            <a:ext cx="8915399" cy="2880020"/>
+          </a:xfrm>
+        </p:spPr>
+        <p:txBody>
+          <a:bodyPr anchor="ctr">
+            <a:normAutofit/>
+          </a:bodyPr>
+          <a:lstStyle>
+            <a:lvl1pPr algn="l">
+              <a:defRPr sz="4800" b="0"/>
+            </a:lvl1pPr>
+          </a:lstStyle>
+          <a:p>
+            <a:r>
+              <a:rPr lang="en-US"/>
+              <a:t>Click to edit Master title style</a:t>
+            </a:r>
+            <a:endParaRPr lang="en-US" dirty="0"/>
+          </a:p>
+        </p:txBody>
+      </p:sp>
+      <p:sp>
+        <p:nvSpPr>
+          <p:cNvPr id="21" name="Text Placeholder 9"/>
+          <p:cNvSpPr>
+            <a:spLocks noGrp="1"/>
+          </p:cNvSpPr>
+          <p:nvPr>
+            <p:ph type="body" sz="quarter" idx="13"/>
+          </p:nvPr>
+        </p:nvSpPr>
+        <p:spPr>
+          <a:xfrm>
+            <a:off x="2589212" y="4343400"/>
+            <a:ext cx="8915400" cy="838200"/>
+          </a:xfrm>
+        </p:spPr>
+        <p:txBody>
+          <a:bodyPr anchor="b">
+            <a:noAutofit/>
+          </a:bodyPr>
+          <a:lstStyle>
+            <a:lvl1pPr marL="0" indent="0">
+              <a:buFontTx/>
+              <a:buNone/>
+              <a:defRPr sz="2400">
+                <a:solidFill>
+                  <a:schemeClr val="accent1"/>
+                </a:solidFill>
+              </a:defRPr>
+            </a:lvl1pPr>
+            <a:lvl2pPr marL="457200" indent="0">
+              <a:buFontTx/>
+              <a:buNone/>
+              <a:defRPr/>
+            </a:lvl2pPr>
+            <a:lvl3pPr marL="914400" indent="0">
+              <a:buFontTx/>
+              <a:buNone/>
+              <a:defRPr/>
+            </a:lvl3pPr>
+            <a:lvl4pPr marL="1371600" indent="0">
+              <a:buFontTx/>
+              <a:buNone/>
+              <a:defRPr/>
+            </a:lvl4pPr>
+            <a:lvl5pPr marL="1828800" indent="0">
+              <a:buFontTx/>
+              <a:buNone/>
+              <a:defRPr/>
+            </a:lvl5pPr>
+          </a:lstStyle>
+          <a:p>
+            <a:pPr lvl="0"/>
+            <a:r>
+              <a:rPr lang="en-US"/>
+              <a:t>Click to edit Master text styles</a:t>
+            </a:r>
+          </a:p>
+        </p:txBody>
+      </p:sp>
+      <p:sp>
+        <p:nvSpPr>
+          <p:cNvPr id="4" name="Text Placeholder 3"/>
+          <p:cNvSpPr>
+            <a:spLocks noGrp="1"/>
+          </p:cNvSpPr>
+          <p:nvPr>
+            <p:ph type="body" sz="half" idx="2"/>
+          </p:nvPr>
+        </p:nvSpPr>
+        <p:spPr>
+          <a:xfrm>
+            <a:off x="2589213" y="5181600"/>
+            <a:ext cx="8915400" cy="729622"/>
+          </a:xfrm>
+        </p:spPr>
+        <p:txBody>
+          <a:bodyPr vert="horz" lIns="91440" tIns="45720" rIns="91440" bIns="45720" rtlCol="0" anchor="t">
+            <a:normAutofit/>
+          </a:bodyPr>
+          <a:lstStyle>
+            <a:lvl1pPr>
+              <a:buNone/>
+              <a:defRPr lang="en-US">
+                <a:solidFill>
+                  <a:schemeClr val="tx1">
+                    <a:lumMod val="65000"/>
+                    <a:lumOff val="35000"/>
+                  </a:schemeClr>
+                </a:solidFill>
+              </a:defRPr>
+            </a:lvl1pPr>
+          </a:lstStyle>
+          <a:p>
+            <a:pPr marL="0" lvl="0" indent="0">
+              <a:buNone/>
+            </a:pPr>
+            <a:r>
+              <a:rPr lang="en-US"/>
+              <a:t>Click to edit Master text styles</a:t>
+            </a:r>
+          </a:p>
+        </p:txBody>
+      </p:sp>
+      <p:sp>
+        <p:nvSpPr>
+          <p:cNvPr id="5" name="Date Placeholder 4"/>
+          <p:cNvSpPr>
+            <a:spLocks noGrp="1"/>
+          </p:cNvSpPr>
+          <p:nvPr>
+            <p:ph type="dt" sz="half" idx="10"/>
+          </p:nvPr>
+        </p:nvSpPr>
+        <p:spPr/>
+        <p:txBody>
+          <a:bodyPr/>
+          <a:lstStyle/>
+          <a:p>
+            <a:fld id="{A05B2AF8-B3A2-4253-A941-30B3882CDF69}" type="datetimeFigureOut">
+              <a:rPr lang="en-IN" smtClean="0"/>
+              <a:t>19-01-2024</a:t>
+            </a:fld>
+            <a:endParaRPr lang="en-IN"/>
+          </a:p>
+        </p:txBody>
+      </p:sp>
+      <p:sp>
+        <p:nvSpPr>
+          <p:cNvPr id="6" name="Footer Placeholder 5"/>
+          <p:cNvSpPr>
+            <a:spLocks noGrp="1"/>
+          </p:cNvSpPr>
+          <p:nvPr>
+            <p:ph type="ftr" sz="quarter" idx="11"/>
+          </p:nvPr>
+        </p:nvSpPr>
+        <p:spPr/>
+        <p:txBody>
+          <a:bodyPr/>
+          <a:lstStyle/>
+          <a:p>
+            <a:endParaRPr lang="en-IN"/>
+          </a:p>
+        </p:txBody>
+      </p:sp>
+      <p:sp>
+        <p:nvSpPr>
+          <p:cNvPr id="9" name="Freeform 11"/>
+          <p:cNvSpPr/>
+          <p:nvPr/>
+        </p:nvSpPr>
+        <p:spPr bwMode="auto">
+          <a:xfrm flipV="1">
+            <a:off x="-4189" y="4911725"/>
+            <a:ext cx="1588527" cy="507297"/>
+          </a:xfrm>
+          <a:custGeom>
+            <a:avLst/>
+            <a:gdLst/>
+            <a:ahLst/>
+            <a:cxnLst/>
+            <a:rect l="l" t="t" r="r" b="b"/>
+            <a:pathLst>
+              <a:path w="9248" h="10000">
+                <a:moveTo>
+                  <a:pt x="9248" y="4701"/>
+                </a:moveTo>
+                <a:lnTo>
+                  <a:pt x="7915" y="188"/>
+                </a:lnTo>
+                <a:cubicBezTo>
+                  <a:pt x="7906" y="156"/>
+                  <a:pt x="7895" y="126"/>
+                  <a:pt x="7886" y="94"/>
+                </a:cubicBezTo>
+                <a:cubicBezTo>
+                  <a:pt x="7859" y="0"/>
+                  <a:pt x="7831" y="0"/>
+                  <a:pt x="7803" y="0"/>
+                </a:cubicBezTo>
+                <a:lnTo>
+                  <a:pt x="7275" y="0"/>
+                </a:lnTo>
+                <a:lnTo>
+                  <a:pt x="0" y="70"/>
+                </a:lnTo>
+                <a:cubicBezTo>
+                  <a:pt x="8" y="3380"/>
+                  <a:pt x="17" y="6690"/>
+                  <a:pt x="25" y="10000"/>
+                </a:cubicBezTo>
+                <a:lnTo>
+                  <a:pt x="7275" y="9966"/>
+                </a:lnTo>
+                <a:lnTo>
+                  <a:pt x="7803" y="9966"/>
+                </a:lnTo>
+                <a:cubicBezTo>
+                  <a:pt x="7831" y="9966"/>
+                  <a:pt x="7859" y="9872"/>
+                  <a:pt x="7886" y="9872"/>
+                </a:cubicBezTo>
+                <a:cubicBezTo>
+                  <a:pt x="7886" y="9778"/>
+                  <a:pt x="7915" y="9778"/>
+                  <a:pt x="7915" y="9778"/>
+                </a:cubicBezTo>
+                <a:lnTo>
+                  <a:pt x="9248" y="5265"/>
+                </a:lnTo>
+                <a:cubicBezTo>
+                  <a:pt x="9303" y="5077"/>
+                  <a:pt x="9303" y="4889"/>
+                  <a:pt x="9248" y="4701"/>
+                </a:cubicBezTo>
+                <a:close/>
+              </a:path>
+            </a:pathLst>
+          </a:custGeom>
+          <a:solidFill>
+            <a:schemeClr val="accent1"/>
+          </a:solidFill>
+          <a:ln>
+            <a:noFill/>
+          </a:ln>
+        </p:spPr>
+      </p:sp>
+      <p:sp>
+        <p:nvSpPr>
+          <p:cNvPr id="7" name="Slide Number Placeholder 6"/>
+          <p:cNvSpPr>
+            <a:spLocks noGrp="1"/>
+          </p:cNvSpPr>
+          <p:nvPr>
+            <p:ph type="sldNum" sz="quarter" idx="12"/>
+          </p:nvPr>
+        </p:nvSpPr>
+        <p:spPr>
+          <a:xfrm>
+            <a:off x="531812" y="4983087"/>
+            <a:ext cx="779767" cy="365125"/>
+          </a:xfrm>
+        </p:spPr>
+        <p:txBody>
+          <a:bodyPr/>
+          <a:lstStyle/>
+          <a:p>
+            <a:fld id="{DF41198F-EBA0-4970-BDBD-EBE23CDEE2D6}" type="slidenum">
+              <a:rPr lang="en-IN" smtClean="0"/>
+              <a:t>‹#›</a:t>
+            </a:fld>
+            <a:endParaRPr lang="en-IN"/>
+          </a:p>
+        </p:txBody>
+      </p:sp>
+    </p:spTree>
+    <p:extLst>
+      <p:ext uri="{BB962C8B-B14F-4D97-AF65-F5344CB8AC3E}">
+        <p14:creationId xmlns:p14="http://schemas.microsoft.com/office/powerpoint/2010/main" val="1707633120"/>
+      </p:ext>
+    </p:extLst>
+  </p:cSld>
+  <p:clrMapOvr>
+    <a:masterClrMapping/>
+  </p:clrMapOvr>
+</p:sldLayout>
+</file>
+
+<file path=ppt/slideLayouts/slideLayout15.xml><?xml version="1.0" encoding="utf-8"?>
 <p:sldLayout xmlns:a="http://schemas.openxmlformats.org/drawingml/2006/main" xmlns:r="http://schemas.openxmlformats.org/officeDocument/2006/relationships" xmlns:p="http://schemas.openxmlformats.org/presentationml/2006/main" type="vertTx" preserve="1">
   <p:cSld name="Title and Vertical Text">
     <p:spTree>
@@ -1337,13 +3381,7 @@
       </p:grpSpPr>
       <p:sp>
         <p:nvSpPr>
-          <p:cNvPr id="2" name="Title 1">
-            <a:extLst>
-              <a:ext uri="{FF2B5EF4-FFF2-40B4-BE49-F238E27FC236}">
-                <a16:creationId xmlns:a16="http://schemas.microsoft.com/office/drawing/2014/main" id="{727B1726-3E1E-F1DC-EFDE-F5AC46FCD02D}"/>
-              </a:ext>
-            </a:extLst>
-          </p:cNvPr>
+          <p:cNvPr id="2" name="Title 1"/>
           <p:cNvSpPr>
             <a:spLocks noGrp="1"/>
           </p:cNvSpPr>
@@ -1360,19 +3398,13 @@
               <a:rPr lang="en-US"/>
               <a:t>Click to edit Master title style</a:t>
             </a:r>
-            <a:endParaRPr lang="en-IN"/>
-          </a:p>
-        </p:txBody>
-      </p:sp>
-      <p:sp>
-        <p:nvSpPr>
-          <p:cNvPr id="3" name="Vertical Text Placeholder 2">
-            <a:extLst>
-              <a:ext uri="{FF2B5EF4-FFF2-40B4-BE49-F238E27FC236}">
-                <a16:creationId xmlns:a16="http://schemas.microsoft.com/office/drawing/2014/main" id="{6E782081-4214-1E3A-2E27-9B771326D316}"/>
-              </a:ext>
-            </a:extLst>
-          </p:cNvPr>
+            <a:endParaRPr lang="en-US" dirty="0"/>
+          </a:p>
+        </p:txBody>
+      </p:sp>
+      <p:sp>
+        <p:nvSpPr>
+          <p:cNvPr id="3" name="Vertical Text Placeholder 2"/>
           <p:cNvSpPr>
             <a:spLocks noGrp="1"/>
           </p:cNvSpPr>
@@ -1382,7 +3414,7 @@
         </p:nvSpPr>
         <p:spPr/>
         <p:txBody>
-          <a:bodyPr vert="eaVert"/>
+          <a:bodyPr vert="eaVert" anchor="t"/>
           <a:lstStyle/>
           <a:p>
             <a:pPr lvl="0"/>
@@ -1418,19 +3450,13 @@
               <a:rPr lang="en-US"/>
               <a:t>Fifth level</a:t>
             </a:r>
-            <a:endParaRPr lang="en-IN"/>
-          </a:p>
-        </p:txBody>
-      </p:sp>
-      <p:sp>
-        <p:nvSpPr>
-          <p:cNvPr id="4" name="Date Placeholder 3">
-            <a:extLst>
-              <a:ext uri="{FF2B5EF4-FFF2-40B4-BE49-F238E27FC236}">
-                <a16:creationId xmlns:a16="http://schemas.microsoft.com/office/drawing/2014/main" id="{FA3B39FA-E30A-72AC-966C-29EEEDF39A24}"/>
-              </a:ext>
-            </a:extLst>
-          </p:cNvPr>
+            <a:endParaRPr lang="en-US" dirty="0"/>
+          </a:p>
+        </p:txBody>
+      </p:sp>
+      <p:sp>
+        <p:nvSpPr>
+          <p:cNvPr id="4" name="Date Placeholder 3"/>
           <p:cNvSpPr>
             <a:spLocks noGrp="1"/>
           </p:cNvSpPr>
@@ -1445,7 +3471,7 @@
           <a:p>
             <a:fld id="{A05B2AF8-B3A2-4253-A941-30B3882CDF69}" type="datetimeFigureOut">
               <a:rPr lang="en-IN" smtClean="0"/>
-              <a:t>18-01-2024</a:t>
+              <a:t>19-01-2024</a:t>
             </a:fld>
             <a:endParaRPr lang="en-IN"/>
           </a:p>
@@ -1453,13 +3479,7 @@
       </p:sp>
       <p:sp>
         <p:nvSpPr>
-          <p:cNvPr id="5" name="Footer Placeholder 4">
-            <a:extLst>
-              <a:ext uri="{FF2B5EF4-FFF2-40B4-BE49-F238E27FC236}">
-                <a16:creationId xmlns:a16="http://schemas.microsoft.com/office/drawing/2014/main" id="{6602AF3F-2742-D346-168C-D6185698B3BE}"/>
-              </a:ext>
-            </a:extLst>
-          </p:cNvPr>
+          <p:cNvPr id="5" name="Footer Placeholder 4"/>
           <p:cNvSpPr>
             <a:spLocks noGrp="1"/>
           </p:cNvSpPr>
@@ -1478,13 +3498,89 @@
       </p:sp>
       <p:sp>
         <p:nvSpPr>
-          <p:cNvPr id="6" name="Slide Number Placeholder 5">
-            <a:extLst>
-              <a:ext uri="{FF2B5EF4-FFF2-40B4-BE49-F238E27FC236}">
-                <a16:creationId xmlns:a16="http://schemas.microsoft.com/office/drawing/2014/main" id="{121596B2-E504-57CA-6D8A-795F629AE36C}"/>
-              </a:ext>
-            </a:extLst>
-          </p:cNvPr>
+          <p:cNvPr id="8" name="Freeform 11"/>
+          <p:cNvSpPr/>
+          <p:nvPr/>
+        </p:nvSpPr>
+        <p:spPr bwMode="auto">
+          <a:xfrm flipV="1">
+            <a:off x="-4189" y="714375"/>
+            <a:ext cx="1588527" cy="507297"/>
+          </a:xfrm>
+          <a:custGeom>
+            <a:avLst/>
+            <a:gdLst/>
+            <a:ahLst/>
+            <a:cxnLst/>
+            <a:rect l="l" t="t" r="r" b="b"/>
+            <a:pathLst>
+              <a:path w="9248" h="10000">
+                <a:moveTo>
+                  <a:pt x="9248" y="4701"/>
+                </a:moveTo>
+                <a:lnTo>
+                  <a:pt x="7915" y="188"/>
+                </a:lnTo>
+                <a:cubicBezTo>
+                  <a:pt x="7906" y="156"/>
+                  <a:pt x="7895" y="126"/>
+                  <a:pt x="7886" y="94"/>
+                </a:cubicBezTo>
+                <a:cubicBezTo>
+                  <a:pt x="7859" y="0"/>
+                  <a:pt x="7831" y="0"/>
+                  <a:pt x="7803" y="0"/>
+                </a:cubicBezTo>
+                <a:lnTo>
+                  <a:pt x="7275" y="0"/>
+                </a:lnTo>
+                <a:lnTo>
+                  <a:pt x="0" y="70"/>
+                </a:lnTo>
+                <a:cubicBezTo>
+                  <a:pt x="8" y="3380"/>
+                  <a:pt x="17" y="6690"/>
+                  <a:pt x="25" y="10000"/>
+                </a:cubicBezTo>
+                <a:lnTo>
+                  <a:pt x="7275" y="9966"/>
+                </a:lnTo>
+                <a:lnTo>
+                  <a:pt x="7803" y="9966"/>
+                </a:lnTo>
+                <a:cubicBezTo>
+                  <a:pt x="7831" y="9966"/>
+                  <a:pt x="7859" y="9872"/>
+                  <a:pt x="7886" y="9872"/>
+                </a:cubicBezTo>
+                <a:cubicBezTo>
+                  <a:pt x="7886" y="9778"/>
+                  <a:pt x="7915" y="9778"/>
+                  <a:pt x="7915" y="9778"/>
+                </a:cubicBezTo>
+                <a:lnTo>
+                  <a:pt x="9248" y="5265"/>
+                </a:lnTo>
+                <a:cubicBezTo>
+                  <a:pt x="9303" y="5077"/>
+                  <a:pt x="9303" y="4889"/>
+                  <a:pt x="9248" y="4701"/>
+                </a:cubicBezTo>
+                <a:close/>
+              </a:path>
+            </a:pathLst>
+          </a:custGeom>
+          <a:solidFill>
+            <a:schemeClr val="accent1"/>
+          </a:solidFill>
+          <a:ln>
+            <a:noFill/>
+          </a:ln>
+        </p:spPr>
+      </p:sp>
+      <p:sp>
+        <p:nvSpPr>
+          <p:cNvPr id="6" name="Slide Number Placeholder 5"/>
           <p:cNvSpPr>
             <a:spLocks noGrp="1"/>
           </p:cNvSpPr>
@@ -1508,7 +3604,7 @@
     </p:spTree>
     <p:extLst>
       <p:ext uri="{BB962C8B-B14F-4D97-AF65-F5344CB8AC3E}">
-        <p14:creationId xmlns:p14="http://schemas.microsoft.com/office/powerpoint/2010/main" val="3693045397"/>
+        <p14:creationId xmlns:p14="http://schemas.microsoft.com/office/powerpoint/2010/main" val="2863406398"/>
       </p:ext>
     </p:extLst>
   </p:cSld>
@@ -1518,7 +3614,7 @@
 </p:sldLayout>
 </file>
 
-<file path=ppt/slideLayouts/slideLayout11.xml><?xml version="1.0" encoding="utf-8"?>
+<file path=ppt/slideLayouts/slideLayout16.xml><?xml version="1.0" encoding="utf-8"?>
 <p:sldLayout xmlns:a="http://schemas.openxmlformats.org/drawingml/2006/main" xmlns:r="http://schemas.openxmlformats.org/officeDocument/2006/relationships" xmlns:p="http://schemas.openxmlformats.org/presentationml/2006/main" type="vertTitleAndTx" preserve="1">
   <p:cSld name="Vertical Title and Text">
     <p:spTree>
@@ -1537,13 +3633,7 @@
       </p:grpSpPr>
       <p:sp>
         <p:nvSpPr>
-          <p:cNvPr id="2" name="Vertical Title 1">
-            <a:extLst>
-              <a:ext uri="{FF2B5EF4-FFF2-40B4-BE49-F238E27FC236}">
-                <a16:creationId xmlns:a16="http://schemas.microsoft.com/office/drawing/2014/main" id="{6A7ECCD5-91D2-4654-23C2-48D6E49D1A1A}"/>
-              </a:ext>
-            </a:extLst>
-          </p:cNvPr>
+          <p:cNvPr id="2" name="Vertical Title 1"/>
           <p:cNvSpPr>
             <a:spLocks noGrp="1"/>
           </p:cNvSpPr>
@@ -1553,31 +3643,25 @@
         </p:nvSpPr>
         <p:spPr>
           <a:xfrm>
-            <a:off x="8724900" y="365125"/>
-            <a:ext cx="2628900" cy="5811838"/>
+            <a:off x="9294812" y="627405"/>
+            <a:ext cx="2207601" cy="5283817"/>
           </a:xfrm>
         </p:spPr>
         <p:txBody>
-          <a:bodyPr vert="eaVert"/>
+          <a:bodyPr vert="eaVert" anchor="ctr"/>
           <a:lstStyle/>
           <a:p>
             <a:r>
               <a:rPr lang="en-US"/>
               <a:t>Click to edit Master title style</a:t>
             </a:r>
-            <a:endParaRPr lang="en-IN"/>
-          </a:p>
-        </p:txBody>
-      </p:sp>
-      <p:sp>
-        <p:nvSpPr>
-          <p:cNvPr id="3" name="Vertical Text Placeholder 2">
-            <a:extLst>
-              <a:ext uri="{FF2B5EF4-FFF2-40B4-BE49-F238E27FC236}">
-                <a16:creationId xmlns:a16="http://schemas.microsoft.com/office/drawing/2014/main" id="{DD7C168C-2BF9-8606-D819-29E2CF539BB2}"/>
-              </a:ext>
-            </a:extLst>
-          </p:cNvPr>
+            <a:endParaRPr lang="en-US" dirty="0"/>
+          </a:p>
+        </p:txBody>
+      </p:sp>
+      <p:sp>
+        <p:nvSpPr>
+          <p:cNvPr id="3" name="Vertical Text Placeholder 2"/>
           <p:cNvSpPr>
             <a:spLocks noGrp="1"/>
           </p:cNvSpPr>
@@ -1587,8 +3671,8 @@
         </p:nvSpPr>
         <p:spPr>
           <a:xfrm>
-            <a:off x="838200" y="365125"/>
-            <a:ext cx="7734300" cy="5811838"/>
+            <a:off x="2589212" y="627405"/>
+            <a:ext cx="6477000" cy="5283817"/>
           </a:xfrm>
         </p:spPr>
         <p:txBody>
@@ -1628,19 +3712,13 @@
               <a:rPr lang="en-US"/>
               <a:t>Fifth level</a:t>
             </a:r>
-            <a:endParaRPr lang="en-IN"/>
-          </a:p>
-        </p:txBody>
-      </p:sp>
-      <p:sp>
-        <p:nvSpPr>
-          <p:cNvPr id="4" name="Date Placeholder 3">
-            <a:extLst>
-              <a:ext uri="{FF2B5EF4-FFF2-40B4-BE49-F238E27FC236}">
-                <a16:creationId xmlns:a16="http://schemas.microsoft.com/office/drawing/2014/main" id="{0E09D0BB-7324-A0C5-D32D-AA50E89F6D22}"/>
-              </a:ext>
-            </a:extLst>
-          </p:cNvPr>
+            <a:endParaRPr lang="en-US" dirty="0"/>
+          </a:p>
+        </p:txBody>
+      </p:sp>
+      <p:sp>
+        <p:nvSpPr>
+          <p:cNvPr id="4" name="Date Placeholder 3"/>
           <p:cNvSpPr>
             <a:spLocks noGrp="1"/>
           </p:cNvSpPr>
@@ -1655,7 +3733,7 @@
           <a:p>
             <a:fld id="{A05B2AF8-B3A2-4253-A941-30B3882CDF69}" type="datetimeFigureOut">
               <a:rPr lang="en-IN" smtClean="0"/>
-              <a:t>18-01-2024</a:t>
+              <a:t>19-01-2024</a:t>
             </a:fld>
             <a:endParaRPr lang="en-IN"/>
           </a:p>
@@ -1663,13 +3741,7 @@
       </p:sp>
       <p:sp>
         <p:nvSpPr>
-          <p:cNvPr id="5" name="Footer Placeholder 4">
-            <a:extLst>
-              <a:ext uri="{FF2B5EF4-FFF2-40B4-BE49-F238E27FC236}">
-                <a16:creationId xmlns:a16="http://schemas.microsoft.com/office/drawing/2014/main" id="{3104FA9F-5548-4D0F-ED30-0A7723C3ECD5}"/>
-              </a:ext>
-            </a:extLst>
-          </p:cNvPr>
+          <p:cNvPr id="5" name="Footer Placeholder 4"/>
           <p:cNvSpPr>
             <a:spLocks noGrp="1"/>
           </p:cNvSpPr>
@@ -1688,13 +3760,89 @@
       </p:sp>
       <p:sp>
         <p:nvSpPr>
-          <p:cNvPr id="6" name="Slide Number Placeholder 5">
-            <a:extLst>
-              <a:ext uri="{FF2B5EF4-FFF2-40B4-BE49-F238E27FC236}">
-                <a16:creationId xmlns:a16="http://schemas.microsoft.com/office/drawing/2014/main" id="{55A9CDF7-EFC2-6014-C44C-465C548E94D2}"/>
-              </a:ext>
-            </a:extLst>
-          </p:cNvPr>
+          <p:cNvPr id="8" name="Freeform 11"/>
+          <p:cNvSpPr/>
+          <p:nvPr/>
+        </p:nvSpPr>
+        <p:spPr bwMode="auto">
+          <a:xfrm flipV="1">
+            <a:off x="-4189" y="714375"/>
+            <a:ext cx="1588527" cy="507297"/>
+          </a:xfrm>
+          <a:custGeom>
+            <a:avLst/>
+            <a:gdLst/>
+            <a:ahLst/>
+            <a:cxnLst/>
+            <a:rect l="l" t="t" r="r" b="b"/>
+            <a:pathLst>
+              <a:path w="9248" h="10000">
+                <a:moveTo>
+                  <a:pt x="9248" y="4701"/>
+                </a:moveTo>
+                <a:lnTo>
+                  <a:pt x="7915" y="188"/>
+                </a:lnTo>
+                <a:cubicBezTo>
+                  <a:pt x="7906" y="156"/>
+                  <a:pt x="7895" y="126"/>
+                  <a:pt x="7886" y="94"/>
+                </a:cubicBezTo>
+                <a:cubicBezTo>
+                  <a:pt x="7859" y="0"/>
+                  <a:pt x="7831" y="0"/>
+                  <a:pt x="7803" y="0"/>
+                </a:cubicBezTo>
+                <a:lnTo>
+                  <a:pt x="7275" y="0"/>
+                </a:lnTo>
+                <a:lnTo>
+                  <a:pt x="0" y="70"/>
+                </a:lnTo>
+                <a:cubicBezTo>
+                  <a:pt x="8" y="3380"/>
+                  <a:pt x="17" y="6690"/>
+                  <a:pt x="25" y="10000"/>
+                </a:cubicBezTo>
+                <a:lnTo>
+                  <a:pt x="7275" y="9966"/>
+                </a:lnTo>
+                <a:lnTo>
+                  <a:pt x="7803" y="9966"/>
+                </a:lnTo>
+                <a:cubicBezTo>
+                  <a:pt x="7831" y="9966"/>
+                  <a:pt x="7859" y="9872"/>
+                  <a:pt x="7886" y="9872"/>
+                </a:cubicBezTo>
+                <a:cubicBezTo>
+                  <a:pt x="7886" y="9778"/>
+                  <a:pt x="7915" y="9778"/>
+                  <a:pt x="7915" y="9778"/>
+                </a:cubicBezTo>
+                <a:lnTo>
+                  <a:pt x="9248" y="5265"/>
+                </a:lnTo>
+                <a:cubicBezTo>
+                  <a:pt x="9303" y="5077"/>
+                  <a:pt x="9303" y="4889"/>
+                  <a:pt x="9248" y="4701"/>
+                </a:cubicBezTo>
+                <a:close/>
+              </a:path>
+            </a:pathLst>
+          </a:custGeom>
+          <a:solidFill>
+            <a:schemeClr val="accent1"/>
+          </a:solidFill>
+          <a:ln>
+            <a:noFill/>
+          </a:ln>
+        </p:spPr>
+      </p:sp>
+      <p:sp>
+        <p:nvSpPr>
+          <p:cNvPr id="6" name="Slide Number Placeholder 5"/>
           <p:cNvSpPr>
             <a:spLocks noGrp="1"/>
           </p:cNvSpPr>
@@ -1718,7 +3866,7 @@
     </p:spTree>
     <p:extLst>
       <p:ext uri="{BB962C8B-B14F-4D97-AF65-F5344CB8AC3E}">
-        <p14:creationId xmlns:p14="http://schemas.microsoft.com/office/powerpoint/2010/main" val="3616729851"/>
+        <p14:creationId xmlns:p14="http://schemas.microsoft.com/office/powerpoint/2010/main" val="686091673"/>
       </p:ext>
     </p:extLst>
   </p:cSld>
@@ -1728,8 +3876,8 @@
 </p:sldLayout>
 </file>
 
-<file path=ppt/slideLayouts/slideLayout12.xml><?xml version="1.0" encoding="utf-8"?>
-<p:sldLayout xmlns:a="http://schemas.openxmlformats.org/drawingml/2006/main" xmlns:r="http://schemas.openxmlformats.org/officeDocument/2006/relationships" xmlns:p="http://schemas.openxmlformats.org/presentationml/2006/main" type="tx" preserve="1">
+<file path=ppt/slideLayouts/slideLayout17.xml><?xml version="1.0" encoding="utf-8"?>
+<p:sldLayout xmlns:a="http://schemas.openxmlformats.org/drawingml/2006/main" xmlns:r="http://schemas.openxmlformats.org/officeDocument/2006/relationships" xmlns:p="http://schemas.openxmlformats.org/presentationml/2006/main" type="tx">
   <p:cSld name="Title and Text">
     <p:spTree>
       <p:nvGrpSpPr>
@@ -1855,7 +4003,7 @@
           <a:p>
             <a:fld id="{A05B2AF8-B3A2-4253-A941-30B3882CDF69}" type="datetimeFigureOut">
               <a:rPr lang="en-IN" smtClean="0"/>
-              <a:t>18-01-2024</a:t>
+              <a:t>19-01-2024</a:t>
             </a:fld>
             <a:endParaRPr lang="en-IN"/>
           </a:p>
@@ -1918,7 +4066,7 @@
     </p:spTree>
     <p:extLst>
       <p:ext uri="{BB962C8B-B14F-4D97-AF65-F5344CB8AC3E}">
-        <p14:creationId xmlns:p14="http://schemas.microsoft.com/office/powerpoint/2010/main" val="3309518385"/>
+        <p14:creationId xmlns:p14="http://schemas.microsoft.com/office/powerpoint/2010/main" val="38438663"/>
       </p:ext>
     </p:extLst>
   </p:cSld>
@@ -1947,13 +4095,7 @@
       </p:grpSpPr>
       <p:sp>
         <p:nvSpPr>
-          <p:cNvPr id="2" name="Title 1">
-            <a:extLst>
-              <a:ext uri="{FF2B5EF4-FFF2-40B4-BE49-F238E27FC236}">
-                <a16:creationId xmlns:a16="http://schemas.microsoft.com/office/drawing/2014/main" id="{B189572E-CC9B-4797-A93E-137ED4224FF4}"/>
-              </a:ext>
-            </a:extLst>
-          </p:cNvPr>
+          <p:cNvPr id="2" name="Title 1"/>
           <p:cNvSpPr>
             <a:spLocks noGrp="1"/>
           </p:cNvSpPr>
@@ -1961,7 +4103,12 @@
             <p:ph type="title"/>
           </p:nvPr>
         </p:nvSpPr>
-        <p:spPr/>
+        <p:spPr>
+          <a:xfrm>
+            <a:off x="2592925" y="624110"/>
+            <a:ext cx="8911687" cy="1280890"/>
+          </a:xfrm>
+        </p:spPr>
         <p:txBody>
           <a:bodyPr/>
           <a:lstStyle/>
@@ -1970,19 +4117,13 @@
               <a:rPr lang="en-US"/>
               <a:t>Click to edit Master title style</a:t>
             </a:r>
-            <a:endParaRPr lang="en-IN"/>
-          </a:p>
-        </p:txBody>
-      </p:sp>
-      <p:sp>
-        <p:nvSpPr>
-          <p:cNvPr id="3" name="Content Placeholder 2">
-            <a:extLst>
-              <a:ext uri="{FF2B5EF4-FFF2-40B4-BE49-F238E27FC236}">
-                <a16:creationId xmlns:a16="http://schemas.microsoft.com/office/drawing/2014/main" id="{21E4FDA6-F49F-9600-6A01-80BB2ADFA205}"/>
-              </a:ext>
-            </a:extLst>
-          </p:cNvPr>
+            <a:endParaRPr lang="en-US" dirty="0"/>
+          </a:p>
+        </p:txBody>
+      </p:sp>
+      <p:sp>
+        <p:nvSpPr>
+          <p:cNvPr id="3" name="Content Placeholder 2"/>
           <p:cNvSpPr>
             <a:spLocks noGrp="1"/>
           </p:cNvSpPr>
@@ -1990,7 +4131,12 @@
             <p:ph idx="1"/>
           </p:nvPr>
         </p:nvSpPr>
-        <p:spPr/>
+        <p:spPr>
+          <a:xfrm>
+            <a:off x="2589212" y="2133600"/>
+            <a:ext cx="8915400" cy="3777622"/>
+          </a:xfrm>
+        </p:spPr>
         <p:txBody>
           <a:bodyPr/>
           <a:lstStyle/>
@@ -2028,19 +4174,13 @@
               <a:rPr lang="en-US"/>
               <a:t>Fifth level</a:t>
             </a:r>
-            <a:endParaRPr lang="en-IN"/>
-          </a:p>
-        </p:txBody>
-      </p:sp>
-      <p:sp>
-        <p:nvSpPr>
-          <p:cNvPr id="4" name="Date Placeholder 3">
-            <a:extLst>
-              <a:ext uri="{FF2B5EF4-FFF2-40B4-BE49-F238E27FC236}">
-                <a16:creationId xmlns:a16="http://schemas.microsoft.com/office/drawing/2014/main" id="{6C0678DD-6145-1CA3-E0E6-E32E75FE0967}"/>
-              </a:ext>
-            </a:extLst>
-          </p:cNvPr>
+            <a:endParaRPr lang="en-US" dirty="0"/>
+          </a:p>
+        </p:txBody>
+      </p:sp>
+      <p:sp>
+        <p:nvSpPr>
+          <p:cNvPr id="4" name="Date Placeholder 3"/>
           <p:cNvSpPr>
             <a:spLocks noGrp="1"/>
           </p:cNvSpPr>
@@ -2055,7 +4195,7 @@
           <a:p>
             <a:fld id="{A05B2AF8-B3A2-4253-A941-30B3882CDF69}" type="datetimeFigureOut">
               <a:rPr lang="en-IN" smtClean="0"/>
-              <a:t>18-01-2024</a:t>
+              <a:t>19-01-2024</a:t>
             </a:fld>
             <a:endParaRPr lang="en-IN"/>
           </a:p>
@@ -2063,13 +4203,7 @@
       </p:sp>
       <p:sp>
         <p:nvSpPr>
-          <p:cNvPr id="5" name="Footer Placeholder 4">
-            <a:extLst>
-              <a:ext uri="{FF2B5EF4-FFF2-40B4-BE49-F238E27FC236}">
-                <a16:creationId xmlns:a16="http://schemas.microsoft.com/office/drawing/2014/main" id="{F19D9B77-CEB3-938B-F2DE-95DE872B1584}"/>
-              </a:ext>
-            </a:extLst>
-          </p:cNvPr>
+          <p:cNvPr id="5" name="Footer Placeholder 4"/>
           <p:cNvSpPr>
             <a:spLocks noGrp="1"/>
           </p:cNvSpPr>
@@ -2088,13 +4222,89 @@
       </p:sp>
       <p:sp>
         <p:nvSpPr>
-          <p:cNvPr id="6" name="Slide Number Placeholder 5">
-            <a:extLst>
-              <a:ext uri="{FF2B5EF4-FFF2-40B4-BE49-F238E27FC236}">
-                <a16:creationId xmlns:a16="http://schemas.microsoft.com/office/drawing/2014/main" id="{65C5D38D-325F-B41E-A554-2BED1C232879}"/>
-              </a:ext>
-            </a:extLst>
-          </p:cNvPr>
+          <p:cNvPr id="8" name="Freeform 11"/>
+          <p:cNvSpPr/>
+          <p:nvPr/>
+        </p:nvSpPr>
+        <p:spPr bwMode="auto">
+          <a:xfrm flipV="1">
+            <a:off x="-4189" y="714375"/>
+            <a:ext cx="1588527" cy="507297"/>
+          </a:xfrm>
+          <a:custGeom>
+            <a:avLst/>
+            <a:gdLst/>
+            <a:ahLst/>
+            <a:cxnLst/>
+            <a:rect l="l" t="t" r="r" b="b"/>
+            <a:pathLst>
+              <a:path w="9248" h="10000">
+                <a:moveTo>
+                  <a:pt x="9248" y="4701"/>
+                </a:moveTo>
+                <a:lnTo>
+                  <a:pt x="7915" y="188"/>
+                </a:lnTo>
+                <a:cubicBezTo>
+                  <a:pt x="7906" y="156"/>
+                  <a:pt x="7895" y="126"/>
+                  <a:pt x="7886" y="94"/>
+                </a:cubicBezTo>
+                <a:cubicBezTo>
+                  <a:pt x="7859" y="0"/>
+                  <a:pt x="7831" y="0"/>
+                  <a:pt x="7803" y="0"/>
+                </a:cubicBezTo>
+                <a:lnTo>
+                  <a:pt x="7275" y="0"/>
+                </a:lnTo>
+                <a:lnTo>
+                  <a:pt x="0" y="70"/>
+                </a:lnTo>
+                <a:cubicBezTo>
+                  <a:pt x="8" y="3380"/>
+                  <a:pt x="17" y="6690"/>
+                  <a:pt x="25" y="10000"/>
+                </a:cubicBezTo>
+                <a:lnTo>
+                  <a:pt x="7275" y="9966"/>
+                </a:lnTo>
+                <a:lnTo>
+                  <a:pt x="7803" y="9966"/>
+                </a:lnTo>
+                <a:cubicBezTo>
+                  <a:pt x="7831" y="9966"/>
+                  <a:pt x="7859" y="9872"/>
+                  <a:pt x="7886" y="9872"/>
+                </a:cubicBezTo>
+                <a:cubicBezTo>
+                  <a:pt x="7886" y="9778"/>
+                  <a:pt x="7915" y="9778"/>
+                  <a:pt x="7915" y="9778"/>
+                </a:cubicBezTo>
+                <a:lnTo>
+                  <a:pt x="9248" y="5265"/>
+                </a:lnTo>
+                <a:cubicBezTo>
+                  <a:pt x="9303" y="5077"/>
+                  <a:pt x="9303" y="4889"/>
+                  <a:pt x="9248" y="4701"/>
+                </a:cubicBezTo>
+                <a:close/>
+              </a:path>
+            </a:pathLst>
+          </a:custGeom>
+          <a:solidFill>
+            <a:schemeClr val="accent1"/>
+          </a:solidFill>
+          <a:ln>
+            <a:noFill/>
+          </a:ln>
+        </p:spPr>
+      </p:sp>
+      <p:sp>
+        <p:nvSpPr>
+          <p:cNvPr id="6" name="Slide Number Placeholder 5"/>
           <p:cNvSpPr>
             <a:spLocks noGrp="1"/>
           </p:cNvSpPr>
@@ -2118,7 +4328,7 @@
     </p:spTree>
     <p:extLst>
       <p:ext uri="{BB962C8B-B14F-4D97-AF65-F5344CB8AC3E}">
-        <p14:creationId xmlns:p14="http://schemas.microsoft.com/office/powerpoint/2010/main" val="4050524137"/>
+        <p14:creationId xmlns:p14="http://schemas.microsoft.com/office/powerpoint/2010/main" val="754320037"/>
       </p:ext>
     </p:extLst>
   </p:cSld>
@@ -2147,13 +4357,7 @@
       </p:grpSpPr>
       <p:sp>
         <p:nvSpPr>
-          <p:cNvPr id="2" name="Title 1">
-            <a:extLst>
-              <a:ext uri="{FF2B5EF4-FFF2-40B4-BE49-F238E27FC236}">
-                <a16:creationId xmlns:a16="http://schemas.microsoft.com/office/drawing/2014/main" id="{D4F876F8-12B6-5D1F-A52D-B16ABA9E4B50}"/>
-              </a:ext>
-            </a:extLst>
-          </p:cNvPr>
+          <p:cNvPr id="2" name="Title 1"/>
           <p:cNvSpPr>
             <a:spLocks noGrp="1"/>
           </p:cNvSpPr>
@@ -2163,15 +4367,15 @@
         </p:nvSpPr>
         <p:spPr>
           <a:xfrm>
-            <a:off x="831850" y="1709738"/>
-            <a:ext cx="10515600" cy="2852737"/>
+            <a:off x="2589212" y="2058750"/>
+            <a:ext cx="8915399" cy="1468800"/>
           </a:xfrm>
         </p:spPr>
         <p:txBody>
           <a:bodyPr anchor="b"/>
           <a:lstStyle>
-            <a:lvl1pPr>
-              <a:defRPr sz="6000"/>
+            <a:lvl1pPr algn="l">
+              <a:defRPr sz="4000" b="0" cap="none"/>
             </a:lvl1pPr>
           </a:lstStyle>
           <a:p>
@@ -2179,19 +4383,13 @@
               <a:rPr lang="en-US"/>
               <a:t>Click to edit Master title style</a:t>
             </a:r>
-            <a:endParaRPr lang="en-IN"/>
-          </a:p>
-        </p:txBody>
-      </p:sp>
-      <p:sp>
-        <p:nvSpPr>
-          <p:cNvPr id="3" name="Text Placeholder 2">
-            <a:extLst>
-              <a:ext uri="{FF2B5EF4-FFF2-40B4-BE49-F238E27FC236}">
-                <a16:creationId xmlns:a16="http://schemas.microsoft.com/office/drawing/2014/main" id="{7AC44DE3-B802-87DA-3AFB-2483FE3F1AA6}"/>
-              </a:ext>
-            </a:extLst>
-          </p:cNvPr>
+            <a:endParaRPr lang="en-US" dirty="0"/>
+          </a:p>
+        </p:txBody>
+      </p:sp>
+      <p:sp>
+        <p:nvSpPr>
+          <p:cNvPr id="3" name="Text Placeholder 2"/>
           <p:cNvSpPr>
             <a:spLocks noGrp="1"/>
           </p:cNvSpPr>
@@ -2201,26 +4399,27 @@
         </p:nvSpPr>
         <p:spPr>
           <a:xfrm>
-            <a:off x="831850" y="4589463"/>
-            <a:ext cx="10515600" cy="1500187"/>
+            <a:off x="2589212" y="3530129"/>
+            <a:ext cx="8915399" cy="860400"/>
           </a:xfrm>
         </p:spPr>
         <p:txBody>
-          <a:bodyPr/>
+          <a:bodyPr anchor="t"/>
           <a:lstStyle>
-            <a:lvl1pPr marL="0" indent="0">
+            <a:lvl1pPr marL="0" indent="0" algn="l">
               <a:buNone/>
-              <a:defRPr sz="2400">
+              <a:defRPr sz="2000">
                 <a:solidFill>
                   <a:schemeClr val="tx1">
-                    <a:tint val="75000"/>
+                    <a:lumMod val="65000"/>
+                    <a:lumOff val="35000"/>
                   </a:schemeClr>
                 </a:solidFill>
               </a:defRPr>
             </a:lvl1pPr>
             <a:lvl2pPr marL="457200" indent="0">
               <a:buNone/>
-              <a:defRPr sz="2000">
+              <a:defRPr sz="1800">
                 <a:solidFill>
                   <a:schemeClr val="tx1">
                     <a:tint val="75000"/>
@@ -2230,7 +4429,7 @@
             </a:lvl2pPr>
             <a:lvl3pPr marL="914400" indent="0">
               <a:buNone/>
-              <a:defRPr sz="1800">
+              <a:defRPr sz="1600">
                 <a:solidFill>
                   <a:schemeClr val="tx1">
                     <a:tint val="75000"/>
@@ -2240,7 +4439,7 @@
             </a:lvl3pPr>
             <a:lvl4pPr marL="1371600" indent="0">
               <a:buNone/>
-              <a:defRPr sz="1600">
+              <a:defRPr sz="1400">
                 <a:solidFill>
                   <a:schemeClr val="tx1">
                     <a:tint val="75000"/>
@@ -2250,7 +4449,7 @@
             </a:lvl4pPr>
             <a:lvl5pPr marL="1828800" indent="0">
               <a:buNone/>
-              <a:defRPr sz="1600">
+              <a:defRPr sz="1400">
                 <a:solidFill>
                   <a:schemeClr val="tx1">
                     <a:tint val="75000"/>
@@ -2260,7 +4459,7 @@
             </a:lvl5pPr>
             <a:lvl6pPr marL="2286000" indent="0">
               <a:buNone/>
-              <a:defRPr sz="1600">
+              <a:defRPr sz="1400">
                 <a:solidFill>
                   <a:schemeClr val="tx1">
                     <a:tint val="75000"/>
@@ -2270,7 +4469,7 @@
             </a:lvl6pPr>
             <a:lvl7pPr marL="2743200" indent="0">
               <a:buNone/>
-              <a:defRPr sz="1600">
+              <a:defRPr sz="1400">
                 <a:solidFill>
                   <a:schemeClr val="tx1">
                     <a:tint val="75000"/>
@@ -2280,7 +4479,7 @@
             </a:lvl7pPr>
             <a:lvl8pPr marL="3200400" indent="0">
               <a:buNone/>
-              <a:defRPr sz="1600">
+              <a:defRPr sz="1400">
                 <a:solidFill>
                   <a:schemeClr val="tx1">
                     <a:tint val="75000"/>
@@ -2290,7 +4489,7 @@
             </a:lvl8pPr>
             <a:lvl9pPr marL="3657600" indent="0">
               <a:buNone/>
-              <a:defRPr sz="1600">
+              <a:defRPr sz="1400">
                 <a:solidFill>
                   <a:schemeClr val="tx1">
                     <a:tint val="75000"/>
@@ -2310,13 +4509,7 @@
       </p:sp>
       <p:sp>
         <p:nvSpPr>
-          <p:cNvPr id="4" name="Date Placeholder 3">
-            <a:extLst>
-              <a:ext uri="{FF2B5EF4-FFF2-40B4-BE49-F238E27FC236}">
-                <a16:creationId xmlns:a16="http://schemas.microsoft.com/office/drawing/2014/main" id="{189DEECB-28E9-B459-B5EC-3802BDEC1C48}"/>
-              </a:ext>
-            </a:extLst>
-          </p:cNvPr>
+          <p:cNvPr id="4" name="Date Placeholder 3"/>
           <p:cNvSpPr>
             <a:spLocks noGrp="1"/>
           </p:cNvSpPr>
@@ -2331,7 +4524,7 @@
           <a:p>
             <a:fld id="{A05B2AF8-B3A2-4253-A941-30B3882CDF69}" type="datetimeFigureOut">
               <a:rPr lang="en-IN" smtClean="0"/>
-              <a:t>18-01-2024</a:t>
+              <a:t>19-01-2024</a:t>
             </a:fld>
             <a:endParaRPr lang="en-IN"/>
           </a:p>
@@ -2339,13 +4532,7 @@
       </p:sp>
       <p:sp>
         <p:nvSpPr>
-          <p:cNvPr id="5" name="Footer Placeholder 4">
-            <a:extLst>
-              <a:ext uri="{FF2B5EF4-FFF2-40B4-BE49-F238E27FC236}">
-                <a16:creationId xmlns:a16="http://schemas.microsoft.com/office/drawing/2014/main" id="{B9CA5AFC-FEC4-9F00-3A74-25C795D2956E}"/>
-              </a:ext>
-            </a:extLst>
-          </p:cNvPr>
+          <p:cNvPr id="5" name="Footer Placeholder 4"/>
           <p:cNvSpPr>
             <a:spLocks noGrp="1"/>
           </p:cNvSpPr>
@@ -2364,13 +4551,89 @@
       </p:sp>
       <p:sp>
         <p:nvSpPr>
-          <p:cNvPr id="6" name="Slide Number Placeholder 5">
-            <a:extLst>
-              <a:ext uri="{FF2B5EF4-FFF2-40B4-BE49-F238E27FC236}">
-                <a16:creationId xmlns:a16="http://schemas.microsoft.com/office/drawing/2014/main" id="{85981F26-09AC-FADB-ED1F-B4A2F666FB96}"/>
-              </a:ext>
-            </a:extLst>
-          </p:cNvPr>
+          <p:cNvPr id="9" name="Freeform 11"/>
+          <p:cNvSpPr/>
+          <p:nvPr/>
+        </p:nvSpPr>
+        <p:spPr bwMode="auto">
+          <a:xfrm flipV="1">
+            <a:off x="-4189" y="3178175"/>
+            <a:ext cx="1588527" cy="507297"/>
+          </a:xfrm>
+          <a:custGeom>
+            <a:avLst/>
+            <a:gdLst/>
+            <a:ahLst/>
+            <a:cxnLst/>
+            <a:rect l="l" t="t" r="r" b="b"/>
+            <a:pathLst>
+              <a:path w="9248" h="10000">
+                <a:moveTo>
+                  <a:pt x="9248" y="4701"/>
+                </a:moveTo>
+                <a:lnTo>
+                  <a:pt x="7915" y="188"/>
+                </a:lnTo>
+                <a:cubicBezTo>
+                  <a:pt x="7906" y="156"/>
+                  <a:pt x="7895" y="126"/>
+                  <a:pt x="7886" y="94"/>
+                </a:cubicBezTo>
+                <a:cubicBezTo>
+                  <a:pt x="7859" y="0"/>
+                  <a:pt x="7831" y="0"/>
+                  <a:pt x="7803" y="0"/>
+                </a:cubicBezTo>
+                <a:lnTo>
+                  <a:pt x="7275" y="0"/>
+                </a:lnTo>
+                <a:lnTo>
+                  <a:pt x="0" y="70"/>
+                </a:lnTo>
+                <a:cubicBezTo>
+                  <a:pt x="8" y="3380"/>
+                  <a:pt x="17" y="6690"/>
+                  <a:pt x="25" y="10000"/>
+                </a:cubicBezTo>
+                <a:lnTo>
+                  <a:pt x="7275" y="9966"/>
+                </a:lnTo>
+                <a:lnTo>
+                  <a:pt x="7803" y="9966"/>
+                </a:lnTo>
+                <a:cubicBezTo>
+                  <a:pt x="7831" y="9966"/>
+                  <a:pt x="7859" y="9872"/>
+                  <a:pt x="7886" y="9872"/>
+                </a:cubicBezTo>
+                <a:cubicBezTo>
+                  <a:pt x="7886" y="9778"/>
+                  <a:pt x="7915" y="9778"/>
+                  <a:pt x="7915" y="9778"/>
+                </a:cubicBezTo>
+                <a:lnTo>
+                  <a:pt x="9248" y="5265"/>
+                </a:lnTo>
+                <a:cubicBezTo>
+                  <a:pt x="9303" y="5077"/>
+                  <a:pt x="9303" y="4889"/>
+                  <a:pt x="9248" y="4701"/>
+                </a:cubicBezTo>
+                <a:close/>
+              </a:path>
+            </a:pathLst>
+          </a:custGeom>
+          <a:solidFill>
+            <a:schemeClr val="accent1"/>
+          </a:solidFill>
+          <a:ln>
+            <a:noFill/>
+          </a:ln>
+        </p:spPr>
+      </p:sp>
+      <p:sp>
+        <p:nvSpPr>
+          <p:cNvPr id="6" name="Slide Number Placeholder 5"/>
           <p:cNvSpPr>
             <a:spLocks noGrp="1"/>
           </p:cNvSpPr>
@@ -2378,7 +4641,12 @@
             <p:ph type="sldNum" sz="quarter" idx="12"/>
           </p:nvPr>
         </p:nvSpPr>
-        <p:spPr/>
+        <p:spPr>
+          <a:xfrm>
+            <a:off x="531812" y="3244139"/>
+            <a:ext cx="779767" cy="365125"/>
+          </a:xfrm>
+        </p:spPr>
         <p:txBody>
           <a:bodyPr/>
           <a:lstStyle/>
@@ -2394,7 +4662,7 @@
     </p:spTree>
     <p:extLst>
       <p:ext uri="{BB962C8B-B14F-4D97-AF65-F5344CB8AC3E}">
-        <p14:creationId xmlns:p14="http://schemas.microsoft.com/office/powerpoint/2010/main" val="1114085210"/>
+        <p14:creationId xmlns:p14="http://schemas.microsoft.com/office/powerpoint/2010/main" val="3305817465"/>
       </p:ext>
     </p:extLst>
   </p:cSld>
@@ -2423,13 +4691,7 @@
       </p:grpSpPr>
       <p:sp>
         <p:nvSpPr>
-          <p:cNvPr id="2" name="Title 1">
-            <a:extLst>
-              <a:ext uri="{FF2B5EF4-FFF2-40B4-BE49-F238E27FC236}">
-                <a16:creationId xmlns:a16="http://schemas.microsoft.com/office/drawing/2014/main" id="{29BC7925-669B-63B4-8EAD-1842482F5C7B}"/>
-              </a:ext>
-            </a:extLst>
-          </p:cNvPr>
+          <p:cNvPr id="8" name="Title 7"/>
           <p:cNvSpPr>
             <a:spLocks noGrp="1"/>
           </p:cNvSpPr>
@@ -2446,19 +4708,13 @@
               <a:rPr lang="en-US"/>
               <a:t>Click to edit Master title style</a:t>
             </a:r>
-            <a:endParaRPr lang="en-IN"/>
-          </a:p>
-        </p:txBody>
-      </p:sp>
-      <p:sp>
-        <p:nvSpPr>
-          <p:cNvPr id="3" name="Content Placeholder 2">
-            <a:extLst>
-              <a:ext uri="{FF2B5EF4-FFF2-40B4-BE49-F238E27FC236}">
-                <a16:creationId xmlns:a16="http://schemas.microsoft.com/office/drawing/2014/main" id="{5EA9C6DB-D25F-EAAA-2D8A-C9826340A7FC}"/>
-              </a:ext>
-            </a:extLst>
-          </p:cNvPr>
+            <a:endParaRPr lang="en-US" dirty="0"/>
+          </a:p>
+        </p:txBody>
+      </p:sp>
+      <p:sp>
+        <p:nvSpPr>
+          <p:cNvPr id="3" name="Content Placeholder 2"/>
           <p:cNvSpPr>
             <a:spLocks noGrp="1"/>
           </p:cNvSpPr>
@@ -2468,12 +4724,14 @@
         </p:nvSpPr>
         <p:spPr>
           <a:xfrm>
-            <a:off x="838200" y="1825625"/>
-            <a:ext cx="5181600" cy="4351338"/>
+            <a:off x="2589212" y="2133600"/>
+            <a:ext cx="4313864" cy="3777622"/>
           </a:xfrm>
         </p:spPr>
         <p:txBody>
-          <a:bodyPr/>
+          <a:bodyPr>
+            <a:normAutofit/>
+          </a:bodyPr>
           <a:lstStyle/>
           <a:p>
             <a:pPr lvl="0"/>
@@ -2509,19 +4767,13 @@
               <a:rPr lang="en-US"/>
               <a:t>Fifth level</a:t>
             </a:r>
-            <a:endParaRPr lang="en-IN"/>
-          </a:p>
-        </p:txBody>
-      </p:sp>
-      <p:sp>
-        <p:nvSpPr>
-          <p:cNvPr id="4" name="Content Placeholder 3">
-            <a:extLst>
-              <a:ext uri="{FF2B5EF4-FFF2-40B4-BE49-F238E27FC236}">
-                <a16:creationId xmlns:a16="http://schemas.microsoft.com/office/drawing/2014/main" id="{94FCFBA7-97D9-B9C7-C42A-673C1504DEF0}"/>
-              </a:ext>
-            </a:extLst>
-          </p:cNvPr>
+            <a:endParaRPr lang="en-US" dirty="0"/>
+          </a:p>
+        </p:txBody>
+      </p:sp>
+      <p:sp>
+        <p:nvSpPr>
+          <p:cNvPr id="4" name="Content Placeholder 3"/>
           <p:cNvSpPr>
             <a:spLocks noGrp="1"/>
           </p:cNvSpPr>
@@ -2531,12 +4783,14 @@
         </p:nvSpPr>
         <p:spPr>
           <a:xfrm>
-            <a:off x="6172200" y="1825625"/>
-            <a:ext cx="5181600" cy="4351338"/>
+            <a:off x="7190747" y="2126222"/>
+            <a:ext cx="4313864" cy="3777622"/>
           </a:xfrm>
         </p:spPr>
         <p:txBody>
-          <a:bodyPr/>
+          <a:bodyPr>
+            <a:normAutofit/>
+          </a:bodyPr>
           <a:lstStyle/>
           <a:p>
             <a:pPr lvl="0"/>
@@ -2572,19 +4826,13 @@
               <a:rPr lang="en-US"/>
               <a:t>Fifth level</a:t>
             </a:r>
-            <a:endParaRPr lang="en-IN"/>
-          </a:p>
-        </p:txBody>
-      </p:sp>
-      <p:sp>
-        <p:nvSpPr>
-          <p:cNvPr id="5" name="Date Placeholder 4">
-            <a:extLst>
-              <a:ext uri="{FF2B5EF4-FFF2-40B4-BE49-F238E27FC236}">
-                <a16:creationId xmlns:a16="http://schemas.microsoft.com/office/drawing/2014/main" id="{A9C27AB9-967D-29B3-38ED-07EF2D71CE9C}"/>
-              </a:ext>
-            </a:extLst>
-          </p:cNvPr>
+            <a:endParaRPr lang="en-US" dirty="0"/>
+          </a:p>
+        </p:txBody>
+      </p:sp>
+      <p:sp>
+        <p:nvSpPr>
+          <p:cNvPr id="5" name="Date Placeholder 4"/>
           <p:cNvSpPr>
             <a:spLocks noGrp="1"/>
           </p:cNvSpPr>
@@ -2599,7 +4847,7 @@
           <a:p>
             <a:fld id="{A05B2AF8-B3A2-4253-A941-30B3882CDF69}" type="datetimeFigureOut">
               <a:rPr lang="en-IN" smtClean="0"/>
-              <a:t>18-01-2024</a:t>
+              <a:t>19-01-2024</a:t>
             </a:fld>
             <a:endParaRPr lang="en-IN"/>
           </a:p>
@@ -2607,13 +4855,7 @@
       </p:sp>
       <p:sp>
         <p:nvSpPr>
-          <p:cNvPr id="6" name="Footer Placeholder 5">
-            <a:extLst>
-              <a:ext uri="{FF2B5EF4-FFF2-40B4-BE49-F238E27FC236}">
-                <a16:creationId xmlns:a16="http://schemas.microsoft.com/office/drawing/2014/main" id="{921AAA45-CB96-C5C3-F397-8AB24CAC5B5D}"/>
-              </a:ext>
-            </a:extLst>
-          </p:cNvPr>
+          <p:cNvPr id="6" name="Footer Placeholder 5"/>
           <p:cNvSpPr>
             <a:spLocks noGrp="1"/>
           </p:cNvSpPr>
@@ -2632,13 +4874,89 @@
       </p:sp>
       <p:sp>
         <p:nvSpPr>
-          <p:cNvPr id="7" name="Slide Number Placeholder 6">
-            <a:extLst>
-              <a:ext uri="{FF2B5EF4-FFF2-40B4-BE49-F238E27FC236}">
-                <a16:creationId xmlns:a16="http://schemas.microsoft.com/office/drawing/2014/main" id="{E890CE0B-37E7-9062-4D3B-1BF89AD701AF}"/>
-              </a:ext>
-            </a:extLst>
-          </p:cNvPr>
+          <p:cNvPr id="10" name="Freeform 11"/>
+          <p:cNvSpPr/>
+          <p:nvPr/>
+        </p:nvSpPr>
+        <p:spPr bwMode="auto">
+          <a:xfrm flipV="1">
+            <a:off x="-4189" y="714375"/>
+            <a:ext cx="1588527" cy="507297"/>
+          </a:xfrm>
+          <a:custGeom>
+            <a:avLst/>
+            <a:gdLst/>
+            <a:ahLst/>
+            <a:cxnLst/>
+            <a:rect l="l" t="t" r="r" b="b"/>
+            <a:pathLst>
+              <a:path w="9248" h="10000">
+                <a:moveTo>
+                  <a:pt x="9248" y="4701"/>
+                </a:moveTo>
+                <a:lnTo>
+                  <a:pt x="7915" y="188"/>
+                </a:lnTo>
+                <a:cubicBezTo>
+                  <a:pt x="7906" y="156"/>
+                  <a:pt x="7895" y="126"/>
+                  <a:pt x="7886" y="94"/>
+                </a:cubicBezTo>
+                <a:cubicBezTo>
+                  <a:pt x="7859" y="0"/>
+                  <a:pt x="7831" y="0"/>
+                  <a:pt x="7803" y="0"/>
+                </a:cubicBezTo>
+                <a:lnTo>
+                  <a:pt x="7275" y="0"/>
+                </a:lnTo>
+                <a:lnTo>
+                  <a:pt x="0" y="70"/>
+                </a:lnTo>
+                <a:cubicBezTo>
+                  <a:pt x="8" y="3380"/>
+                  <a:pt x="17" y="6690"/>
+                  <a:pt x="25" y="10000"/>
+                </a:cubicBezTo>
+                <a:lnTo>
+                  <a:pt x="7275" y="9966"/>
+                </a:lnTo>
+                <a:lnTo>
+                  <a:pt x="7803" y="9966"/>
+                </a:lnTo>
+                <a:cubicBezTo>
+                  <a:pt x="7831" y="9966"/>
+                  <a:pt x="7859" y="9872"/>
+                  <a:pt x="7886" y="9872"/>
+                </a:cubicBezTo>
+                <a:cubicBezTo>
+                  <a:pt x="7886" y="9778"/>
+                  <a:pt x="7915" y="9778"/>
+                  <a:pt x="7915" y="9778"/>
+                </a:cubicBezTo>
+                <a:lnTo>
+                  <a:pt x="9248" y="5265"/>
+                </a:lnTo>
+                <a:cubicBezTo>
+                  <a:pt x="9303" y="5077"/>
+                  <a:pt x="9303" y="4889"/>
+                  <a:pt x="9248" y="4701"/>
+                </a:cubicBezTo>
+                <a:close/>
+              </a:path>
+            </a:pathLst>
+          </a:custGeom>
+          <a:solidFill>
+            <a:schemeClr val="accent1"/>
+          </a:solidFill>
+          <a:ln>
+            <a:noFill/>
+          </a:ln>
+        </p:spPr>
+      </p:sp>
+      <p:sp>
+        <p:nvSpPr>
+          <p:cNvPr id="11" name="Slide Number Placeholder 5"/>
           <p:cNvSpPr>
             <a:spLocks noGrp="1"/>
           </p:cNvSpPr>
@@ -2646,7 +4964,12 @@
             <p:ph type="sldNum" sz="quarter" idx="12"/>
           </p:nvPr>
         </p:nvSpPr>
-        <p:spPr/>
+        <p:spPr>
+          <a:xfrm>
+            <a:off x="531812" y="787782"/>
+            <a:ext cx="779767" cy="365125"/>
+          </a:xfrm>
+        </p:spPr>
         <p:txBody>
           <a:bodyPr/>
           <a:lstStyle/>
@@ -2662,7 +4985,7 @@
     </p:spTree>
     <p:extLst>
       <p:ext uri="{BB962C8B-B14F-4D97-AF65-F5344CB8AC3E}">
-        <p14:creationId xmlns:p14="http://schemas.microsoft.com/office/powerpoint/2010/main" val="2620083807"/>
+        <p14:creationId xmlns:p14="http://schemas.microsoft.com/office/powerpoint/2010/main" val="3805672780"/>
       </p:ext>
     </p:extLst>
   </p:cSld>
@@ -2691,13 +5014,7 @@
       </p:grpSpPr>
       <p:sp>
         <p:nvSpPr>
-          <p:cNvPr id="2" name="Title 1">
-            <a:extLst>
-              <a:ext uri="{FF2B5EF4-FFF2-40B4-BE49-F238E27FC236}">
-                <a16:creationId xmlns:a16="http://schemas.microsoft.com/office/drawing/2014/main" id="{6FB08D04-849C-8EEF-BC6B-B7F7149C57EF}"/>
-              </a:ext>
-            </a:extLst>
-          </p:cNvPr>
+          <p:cNvPr id="10" name="Title 9"/>
           <p:cNvSpPr>
             <a:spLocks noGrp="1"/>
           </p:cNvSpPr>
@@ -2705,12 +5022,7 @@
             <p:ph type="title"/>
           </p:nvPr>
         </p:nvSpPr>
-        <p:spPr>
-          <a:xfrm>
-            <a:off x="839788" y="365125"/>
-            <a:ext cx="10515600" cy="1325563"/>
-          </a:xfrm>
-        </p:spPr>
+        <p:spPr/>
         <p:txBody>
           <a:bodyPr/>
           <a:lstStyle/>
@@ -2719,19 +5031,13 @@
               <a:rPr lang="en-US"/>
               <a:t>Click to edit Master title style</a:t>
             </a:r>
-            <a:endParaRPr lang="en-IN"/>
-          </a:p>
-        </p:txBody>
-      </p:sp>
-      <p:sp>
-        <p:nvSpPr>
-          <p:cNvPr id="3" name="Text Placeholder 2">
-            <a:extLst>
-              <a:ext uri="{FF2B5EF4-FFF2-40B4-BE49-F238E27FC236}">
-                <a16:creationId xmlns:a16="http://schemas.microsoft.com/office/drawing/2014/main" id="{BD29D666-B5D8-9C26-61E3-09D85DC32C62}"/>
-              </a:ext>
-            </a:extLst>
-          </p:cNvPr>
+            <a:endParaRPr lang="en-US" dirty="0"/>
+          </a:p>
+        </p:txBody>
+      </p:sp>
+      <p:sp>
+        <p:nvSpPr>
+          <p:cNvPr id="3" name="Text Placeholder 2"/>
           <p:cNvSpPr>
             <a:spLocks noGrp="1"/>
           </p:cNvSpPr>
@@ -2741,16 +5047,18 @@
         </p:nvSpPr>
         <p:spPr>
           <a:xfrm>
-            <a:off x="839788" y="1681163"/>
-            <a:ext cx="5157787" cy="823912"/>
+            <a:off x="2939373" y="1972703"/>
+            <a:ext cx="3992732" cy="576262"/>
           </a:xfrm>
         </p:spPr>
         <p:txBody>
-          <a:bodyPr anchor="b"/>
+          <a:bodyPr anchor="b">
+            <a:noAutofit/>
+          </a:bodyPr>
           <a:lstStyle>
             <a:lvl1pPr marL="0" indent="0">
               <a:buNone/>
-              <a:defRPr sz="2400" b="1"/>
+              <a:defRPr sz="2400" b="0"/>
             </a:lvl1pPr>
             <a:lvl2pPr marL="457200" indent="0">
               <a:buNone/>
@@ -2796,13 +5104,7 @@
       </p:sp>
       <p:sp>
         <p:nvSpPr>
-          <p:cNvPr id="4" name="Content Placeholder 3">
-            <a:extLst>
-              <a:ext uri="{FF2B5EF4-FFF2-40B4-BE49-F238E27FC236}">
-                <a16:creationId xmlns:a16="http://schemas.microsoft.com/office/drawing/2014/main" id="{3A8F774D-F1A1-C076-F2D4-CF1D12164534}"/>
-              </a:ext>
-            </a:extLst>
-          </p:cNvPr>
+          <p:cNvPr id="4" name="Content Placeholder 3"/>
           <p:cNvSpPr>
             <a:spLocks noGrp="1"/>
           </p:cNvSpPr>
@@ -2812,12 +5114,14 @@
         </p:nvSpPr>
         <p:spPr>
           <a:xfrm>
-            <a:off x="839788" y="2505075"/>
-            <a:ext cx="5157787" cy="3684588"/>
+            <a:off x="2589212" y="2548966"/>
+            <a:ext cx="4342893" cy="3354060"/>
           </a:xfrm>
         </p:spPr>
         <p:txBody>
-          <a:bodyPr/>
+          <a:bodyPr>
+            <a:normAutofit/>
+          </a:bodyPr>
           <a:lstStyle/>
           <a:p>
             <a:pPr lvl="0"/>
@@ -2853,19 +5157,13 @@
               <a:rPr lang="en-US"/>
               <a:t>Fifth level</a:t>
             </a:r>
-            <a:endParaRPr lang="en-IN"/>
-          </a:p>
-        </p:txBody>
-      </p:sp>
-      <p:sp>
-        <p:nvSpPr>
-          <p:cNvPr id="5" name="Text Placeholder 4">
-            <a:extLst>
-              <a:ext uri="{FF2B5EF4-FFF2-40B4-BE49-F238E27FC236}">
-                <a16:creationId xmlns:a16="http://schemas.microsoft.com/office/drawing/2014/main" id="{B058D621-6F41-AB73-9D63-EE9172540412}"/>
-              </a:ext>
-            </a:extLst>
-          </p:cNvPr>
+            <a:endParaRPr lang="en-US" dirty="0"/>
+          </a:p>
+        </p:txBody>
+      </p:sp>
+      <p:sp>
+        <p:nvSpPr>
+          <p:cNvPr id="5" name="Text Placeholder 4"/>
           <p:cNvSpPr>
             <a:spLocks noGrp="1"/>
           </p:cNvSpPr>
@@ -2875,16 +5173,18 @@
         </p:nvSpPr>
         <p:spPr>
           <a:xfrm>
-            <a:off x="6172200" y="1681163"/>
-            <a:ext cx="5183188" cy="823912"/>
+            <a:off x="7506629" y="1969475"/>
+            <a:ext cx="3999001" cy="576262"/>
           </a:xfrm>
         </p:spPr>
         <p:txBody>
-          <a:bodyPr anchor="b"/>
+          <a:bodyPr anchor="b">
+            <a:noAutofit/>
+          </a:bodyPr>
           <a:lstStyle>
             <a:lvl1pPr marL="0" indent="0">
               <a:buNone/>
-              <a:defRPr sz="2400" b="1"/>
+              <a:defRPr sz="2400" b="0"/>
             </a:lvl1pPr>
             <a:lvl2pPr marL="457200" indent="0">
               <a:buNone/>
@@ -2930,13 +5230,7 @@
       </p:sp>
       <p:sp>
         <p:nvSpPr>
-          <p:cNvPr id="6" name="Content Placeholder 5">
-            <a:extLst>
-              <a:ext uri="{FF2B5EF4-FFF2-40B4-BE49-F238E27FC236}">
-                <a16:creationId xmlns:a16="http://schemas.microsoft.com/office/drawing/2014/main" id="{201E6434-99E6-F35B-1F71-789DE22A4841}"/>
-              </a:ext>
-            </a:extLst>
-          </p:cNvPr>
+          <p:cNvPr id="6" name="Content Placeholder 5"/>
           <p:cNvSpPr>
             <a:spLocks noGrp="1"/>
           </p:cNvSpPr>
@@ -2946,12 +5240,14 @@
         </p:nvSpPr>
         <p:spPr>
           <a:xfrm>
-            <a:off x="6172200" y="2505075"/>
-            <a:ext cx="5183188" cy="3684588"/>
+            <a:off x="7166957" y="2545738"/>
+            <a:ext cx="4338674" cy="3354060"/>
           </a:xfrm>
         </p:spPr>
         <p:txBody>
-          <a:bodyPr/>
+          <a:bodyPr>
+            <a:normAutofit/>
+          </a:bodyPr>
           <a:lstStyle/>
           <a:p>
             <a:pPr lvl="0"/>
@@ -2987,19 +5283,13 @@
               <a:rPr lang="en-US"/>
               <a:t>Fifth level</a:t>
             </a:r>
-            <a:endParaRPr lang="en-IN"/>
-          </a:p>
-        </p:txBody>
-      </p:sp>
-      <p:sp>
-        <p:nvSpPr>
-          <p:cNvPr id="7" name="Date Placeholder 6">
-            <a:extLst>
-              <a:ext uri="{FF2B5EF4-FFF2-40B4-BE49-F238E27FC236}">
-                <a16:creationId xmlns:a16="http://schemas.microsoft.com/office/drawing/2014/main" id="{15CCEED9-1CF6-E03B-7582-F222F1EADC3C}"/>
-              </a:ext>
-            </a:extLst>
-          </p:cNvPr>
+            <a:endParaRPr lang="en-US" dirty="0"/>
+          </a:p>
+        </p:txBody>
+      </p:sp>
+      <p:sp>
+        <p:nvSpPr>
+          <p:cNvPr id="7" name="Date Placeholder 6"/>
           <p:cNvSpPr>
             <a:spLocks noGrp="1"/>
           </p:cNvSpPr>
@@ -3014,7 +5304,7 @@
           <a:p>
             <a:fld id="{A05B2AF8-B3A2-4253-A941-30B3882CDF69}" type="datetimeFigureOut">
               <a:rPr lang="en-IN" smtClean="0"/>
-              <a:t>18-01-2024</a:t>
+              <a:t>19-01-2024</a:t>
             </a:fld>
             <a:endParaRPr lang="en-IN"/>
           </a:p>
@@ -3022,13 +5312,7 @@
       </p:sp>
       <p:sp>
         <p:nvSpPr>
-          <p:cNvPr id="8" name="Footer Placeholder 7">
-            <a:extLst>
-              <a:ext uri="{FF2B5EF4-FFF2-40B4-BE49-F238E27FC236}">
-                <a16:creationId xmlns:a16="http://schemas.microsoft.com/office/drawing/2014/main" id="{BC0DF789-8544-5609-A4B3-E35847121186}"/>
-              </a:ext>
-            </a:extLst>
-          </p:cNvPr>
+          <p:cNvPr id="8" name="Footer Placeholder 7"/>
           <p:cNvSpPr>
             <a:spLocks noGrp="1"/>
           </p:cNvSpPr>
@@ -3047,13 +5331,89 @@
       </p:sp>
       <p:sp>
         <p:nvSpPr>
-          <p:cNvPr id="9" name="Slide Number Placeholder 8">
-            <a:extLst>
-              <a:ext uri="{FF2B5EF4-FFF2-40B4-BE49-F238E27FC236}">
-                <a16:creationId xmlns:a16="http://schemas.microsoft.com/office/drawing/2014/main" id="{1B6FB004-69F2-46CB-6076-4BF632C950AC}"/>
-              </a:ext>
-            </a:extLst>
-          </p:cNvPr>
+          <p:cNvPr id="12" name="Freeform 11"/>
+          <p:cNvSpPr/>
+          <p:nvPr/>
+        </p:nvSpPr>
+        <p:spPr bwMode="auto">
+          <a:xfrm flipV="1">
+            <a:off x="-4189" y="714375"/>
+            <a:ext cx="1588527" cy="507297"/>
+          </a:xfrm>
+          <a:custGeom>
+            <a:avLst/>
+            <a:gdLst/>
+            <a:ahLst/>
+            <a:cxnLst/>
+            <a:rect l="l" t="t" r="r" b="b"/>
+            <a:pathLst>
+              <a:path w="9248" h="10000">
+                <a:moveTo>
+                  <a:pt x="9248" y="4701"/>
+                </a:moveTo>
+                <a:lnTo>
+                  <a:pt x="7915" y="188"/>
+                </a:lnTo>
+                <a:cubicBezTo>
+                  <a:pt x="7906" y="156"/>
+                  <a:pt x="7895" y="126"/>
+                  <a:pt x="7886" y="94"/>
+                </a:cubicBezTo>
+                <a:cubicBezTo>
+                  <a:pt x="7859" y="0"/>
+                  <a:pt x="7831" y="0"/>
+                  <a:pt x="7803" y="0"/>
+                </a:cubicBezTo>
+                <a:lnTo>
+                  <a:pt x="7275" y="0"/>
+                </a:lnTo>
+                <a:lnTo>
+                  <a:pt x="0" y="70"/>
+                </a:lnTo>
+                <a:cubicBezTo>
+                  <a:pt x="8" y="3380"/>
+                  <a:pt x="17" y="6690"/>
+                  <a:pt x="25" y="10000"/>
+                </a:cubicBezTo>
+                <a:lnTo>
+                  <a:pt x="7275" y="9966"/>
+                </a:lnTo>
+                <a:lnTo>
+                  <a:pt x="7803" y="9966"/>
+                </a:lnTo>
+                <a:cubicBezTo>
+                  <a:pt x="7831" y="9966"/>
+                  <a:pt x="7859" y="9872"/>
+                  <a:pt x="7886" y="9872"/>
+                </a:cubicBezTo>
+                <a:cubicBezTo>
+                  <a:pt x="7886" y="9778"/>
+                  <a:pt x="7915" y="9778"/>
+                  <a:pt x="7915" y="9778"/>
+                </a:cubicBezTo>
+                <a:lnTo>
+                  <a:pt x="9248" y="5265"/>
+                </a:lnTo>
+                <a:cubicBezTo>
+                  <a:pt x="9303" y="5077"/>
+                  <a:pt x="9303" y="4889"/>
+                  <a:pt x="9248" y="4701"/>
+                </a:cubicBezTo>
+                <a:close/>
+              </a:path>
+            </a:pathLst>
+          </a:custGeom>
+          <a:solidFill>
+            <a:schemeClr val="accent1"/>
+          </a:solidFill>
+          <a:ln>
+            <a:noFill/>
+          </a:ln>
+        </p:spPr>
+      </p:sp>
+      <p:sp>
+        <p:nvSpPr>
+          <p:cNvPr id="13" name="Slide Number Placeholder 5"/>
           <p:cNvSpPr>
             <a:spLocks noGrp="1"/>
           </p:cNvSpPr>
@@ -3061,7 +5421,12 @@
             <p:ph type="sldNum" sz="quarter" idx="12"/>
           </p:nvPr>
         </p:nvSpPr>
-        <p:spPr/>
+        <p:spPr>
+          <a:xfrm>
+            <a:off x="531812" y="787782"/>
+            <a:ext cx="779767" cy="365125"/>
+          </a:xfrm>
+        </p:spPr>
         <p:txBody>
           <a:bodyPr/>
           <a:lstStyle/>
@@ -3077,7 +5442,7 @@
     </p:spTree>
     <p:extLst>
       <p:ext uri="{BB962C8B-B14F-4D97-AF65-F5344CB8AC3E}">
-        <p14:creationId xmlns:p14="http://schemas.microsoft.com/office/powerpoint/2010/main" val="1477963698"/>
+        <p14:creationId xmlns:p14="http://schemas.microsoft.com/office/powerpoint/2010/main" val="599111869"/>
       </p:ext>
     </p:extLst>
   </p:cSld>
@@ -3106,13 +5471,7 @@
       </p:grpSpPr>
       <p:sp>
         <p:nvSpPr>
-          <p:cNvPr id="2" name="Title 1">
-            <a:extLst>
-              <a:ext uri="{FF2B5EF4-FFF2-40B4-BE49-F238E27FC236}">
-                <a16:creationId xmlns:a16="http://schemas.microsoft.com/office/drawing/2014/main" id="{C1ADA0E0-A79E-0C3D-7B36-AD2570BE9C22}"/>
-              </a:ext>
-            </a:extLst>
-          </p:cNvPr>
+          <p:cNvPr id="2" name="Title 1"/>
           <p:cNvSpPr>
             <a:spLocks noGrp="1"/>
           </p:cNvSpPr>
@@ -3129,19 +5488,13 @@
               <a:rPr lang="en-US"/>
               <a:t>Click to edit Master title style</a:t>
             </a:r>
-            <a:endParaRPr lang="en-IN"/>
-          </a:p>
-        </p:txBody>
-      </p:sp>
-      <p:sp>
-        <p:nvSpPr>
-          <p:cNvPr id="3" name="Date Placeholder 2">
-            <a:extLst>
-              <a:ext uri="{FF2B5EF4-FFF2-40B4-BE49-F238E27FC236}">
-                <a16:creationId xmlns:a16="http://schemas.microsoft.com/office/drawing/2014/main" id="{D9D85B19-5418-2EAE-6F17-DBE71EACC516}"/>
-              </a:ext>
-            </a:extLst>
-          </p:cNvPr>
+            <a:endParaRPr lang="en-US" dirty="0"/>
+          </a:p>
+        </p:txBody>
+      </p:sp>
+      <p:sp>
+        <p:nvSpPr>
+          <p:cNvPr id="3" name="Date Placeholder 2"/>
           <p:cNvSpPr>
             <a:spLocks noGrp="1"/>
           </p:cNvSpPr>
@@ -3156,7 +5509,7 @@
           <a:p>
             <a:fld id="{A05B2AF8-B3A2-4253-A941-30B3882CDF69}" type="datetimeFigureOut">
               <a:rPr lang="en-IN" smtClean="0"/>
-              <a:t>18-01-2024</a:t>
+              <a:t>19-01-2024</a:t>
             </a:fld>
             <a:endParaRPr lang="en-IN"/>
           </a:p>
@@ -3164,13 +5517,7 @@
       </p:sp>
       <p:sp>
         <p:nvSpPr>
-          <p:cNvPr id="4" name="Footer Placeholder 3">
-            <a:extLst>
-              <a:ext uri="{FF2B5EF4-FFF2-40B4-BE49-F238E27FC236}">
-                <a16:creationId xmlns:a16="http://schemas.microsoft.com/office/drawing/2014/main" id="{096766B2-6958-D7E3-A0E0-767F45934720}"/>
-              </a:ext>
-            </a:extLst>
-          </p:cNvPr>
+          <p:cNvPr id="4" name="Footer Placeholder 3"/>
           <p:cNvSpPr>
             <a:spLocks noGrp="1"/>
           </p:cNvSpPr>
@@ -3189,13 +5536,89 @@
       </p:sp>
       <p:sp>
         <p:nvSpPr>
-          <p:cNvPr id="5" name="Slide Number Placeholder 4">
-            <a:extLst>
-              <a:ext uri="{FF2B5EF4-FFF2-40B4-BE49-F238E27FC236}">
-                <a16:creationId xmlns:a16="http://schemas.microsoft.com/office/drawing/2014/main" id="{F3CE09E1-021B-A6C5-CCB5-265D6C5FF145}"/>
-              </a:ext>
-            </a:extLst>
-          </p:cNvPr>
+          <p:cNvPr id="7" name="Freeform 11"/>
+          <p:cNvSpPr/>
+          <p:nvPr/>
+        </p:nvSpPr>
+        <p:spPr bwMode="auto">
+          <a:xfrm flipV="1">
+            <a:off x="-4189" y="714375"/>
+            <a:ext cx="1588527" cy="507297"/>
+          </a:xfrm>
+          <a:custGeom>
+            <a:avLst/>
+            <a:gdLst/>
+            <a:ahLst/>
+            <a:cxnLst/>
+            <a:rect l="l" t="t" r="r" b="b"/>
+            <a:pathLst>
+              <a:path w="9248" h="10000">
+                <a:moveTo>
+                  <a:pt x="9248" y="4701"/>
+                </a:moveTo>
+                <a:lnTo>
+                  <a:pt x="7915" y="188"/>
+                </a:lnTo>
+                <a:cubicBezTo>
+                  <a:pt x="7906" y="156"/>
+                  <a:pt x="7895" y="126"/>
+                  <a:pt x="7886" y="94"/>
+                </a:cubicBezTo>
+                <a:cubicBezTo>
+                  <a:pt x="7859" y="0"/>
+                  <a:pt x="7831" y="0"/>
+                  <a:pt x="7803" y="0"/>
+                </a:cubicBezTo>
+                <a:lnTo>
+                  <a:pt x="7275" y="0"/>
+                </a:lnTo>
+                <a:lnTo>
+                  <a:pt x="0" y="70"/>
+                </a:lnTo>
+                <a:cubicBezTo>
+                  <a:pt x="8" y="3380"/>
+                  <a:pt x="17" y="6690"/>
+                  <a:pt x="25" y="10000"/>
+                </a:cubicBezTo>
+                <a:lnTo>
+                  <a:pt x="7275" y="9966"/>
+                </a:lnTo>
+                <a:lnTo>
+                  <a:pt x="7803" y="9966"/>
+                </a:lnTo>
+                <a:cubicBezTo>
+                  <a:pt x="7831" y="9966"/>
+                  <a:pt x="7859" y="9872"/>
+                  <a:pt x="7886" y="9872"/>
+                </a:cubicBezTo>
+                <a:cubicBezTo>
+                  <a:pt x="7886" y="9778"/>
+                  <a:pt x="7915" y="9778"/>
+                  <a:pt x="7915" y="9778"/>
+                </a:cubicBezTo>
+                <a:lnTo>
+                  <a:pt x="9248" y="5265"/>
+                </a:lnTo>
+                <a:cubicBezTo>
+                  <a:pt x="9303" y="5077"/>
+                  <a:pt x="9303" y="4889"/>
+                  <a:pt x="9248" y="4701"/>
+                </a:cubicBezTo>
+                <a:close/>
+              </a:path>
+            </a:pathLst>
+          </a:custGeom>
+          <a:solidFill>
+            <a:schemeClr val="accent1"/>
+          </a:solidFill>
+          <a:ln>
+            <a:noFill/>
+          </a:ln>
+        </p:spPr>
+      </p:sp>
+      <p:sp>
+        <p:nvSpPr>
+          <p:cNvPr id="5" name="Slide Number Placeholder 4"/>
           <p:cNvSpPr>
             <a:spLocks noGrp="1"/>
           </p:cNvSpPr>
@@ -3219,7 +5642,7 @@
     </p:spTree>
     <p:extLst>
       <p:ext uri="{BB962C8B-B14F-4D97-AF65-F5344CB8AC3E}">
-        <p14:creationId xmlns:p14="http://schemas.microsoft.com/office/powerpoint/2010/main" val="179314842"/>
+        <p14:creationId xmlns:p14="http://schemas.microsoft.com/office/powerpoint/2010/main" val="167316344"/>
       </p:ext>
     </p:extLst>
   </p:cSld>
@@ -3248,13 +5671,7 @@
       </p:grpSpPr>
       <p:sp>
         <p:nvSpPr>
-          <p:cNvPr id="2" name="Date Placeholder 1">
-            <a:extLst>
-              <a:ext uri="{FF2B5EF4-FFF2-40B4-BE49-F238E27FC236}">
-                <a16:creationId xmlns:a16="http://schemas.microsoft.com/office/drawing/2014/main" id="{C14FBF87-B8FD-ABEB-01D4-E3BDCBEBA443}"/>
-              </a:ext>
-            </a:extLst>
-          </p:cNvPr>
+          <p:cNvPr id="2" name="Date Placeholder 1"/>
           <p:cNvSpPr>
             <a:spLocks noGrp="1"/>
           </p:cNvSpPr>
@@ -3269,7 +5686,7 @@
           <a:p>
             <a:fld id="{A05B2AF8-B3A2-4253-A941-30B3882CDF69}" type="datetimeFigureOut">
               <a:rPr lang="en-IN" smtClean="0"/>
-              <a:t>18-01-2024</a:t>
+              <a:t>19-01-2024</a:t>
             </a:fld>
             <a:endParaRPr lang="en-IN"/>
           </a:p>
@@ -3277,13 +5694,7 @@
       </p:sp>
       <p:sp>
         <p:nvSpPr>
-          <p:cNvPr id="3" name="Footer Placeholder 2">
-            <a:extLst>
-              <a:ext uri="{FF2B5EF4-FFF2-40B4-BE49-F238E27FC236}">
-                <a16:creationId xmlns:a16="http://schemas.microsoft.com/office/drawing/2014/main" id="{A3A986B6-5C07-3815-D54E-84DE602F1CC3}"/>
-              </a:ext>
-            </a:extLst>
-          </p:cNvPr>
+          <p:cNvPr id="3" name="Footer Placeholder 2"/>
           <p:cNvSpPr>
             <a:spLocks noGrp="1"/>
           </p:cNvSpPr>
@@ -3302,13 +5713,89 @@
       </p:sp>
       <p:sp>
         <p:nvSpPr>
-          <p:cNvPr id="4" name="Slide Number Placeholder 3">
-            <a:extLst>
-              <a:ext uri="{FF2B5EF4-FFF2-40B4-BE49-F238E27FC236}">
-                <a16:creationId xmlns:a16="http://schemas.microsoft.com/office/drawing/2014/main" id="{05F0C34D-EF19-F11E-5C49-87B16F272167}"/>
-              </a:ext>
-            </a:extLst>
-          </p:cNvPr>
+          <p:cNvPr id="6" name="Freeform 11"/>
+          <p:cNvSpPr/>
+          <p:nvPr/>
+        </p:nvSpPr>
+        <p:spPr bwMode="auto">
+          <a:xfrm flipV="1">
+            <a:off x="-4189" y="714375"/>
+            <a:ext cx="1588527" cy="507297"/>
+          </a:xfrm>
+          <a:custGeom>
+            <a:avLst/>
+            <a:gdLst/>
+            <a:ahLst/>
+            <a:cxnLst/>
+            <a:rect l="l" t="t" r="r" b="b"/>
+            <a:pathLst>
+              <a:path w="9248" h="10000">
+                <a:moveTo>
+                  <a:pt x="9248" y="4701"/>
+                </a:moveTo>
+                <a:lnTo>
+                  <a:pt x="7915" y="188"/>
+                </a:lnTo>
+                <a:cubicBezTo>
+                  <a:pt x="7906" y="156"/>
+                  <a:pt x="7895" y="126"/>
+                  <a:pt x="7886" y="94"/>
+                </a:cubicBezTo>
+                <a:cubicBezTo>
+                  <a:pt x="7859" y="0"/>
+                  <a:pt x="7831" y="0"/>
+                  <a:pt x="7803" y="0"/>
+                </a:cubicBezTo>
+                <a:lnTo>
+                  <a:pt x="7275" y="0"/>
+                </a:lnTo>
+                <a:lnTo>
+                  <a:pt x="0" y="70"/>
+                </a:lnTo>
+                <a:cubicBezTo>
+                  <a:pt x="8" y="3380"/>
+                  <a:pt x="17" y="6690"/>
+                  <a:pt x="25" y="10000"/>
+                </a:cubicBezTo>
+                <a:lnTo>
+                  <a:pt x="7275" y="9966"/>
+                </a:lnTo>
+                <a:lnTo>
+                  <a:pt x="7803" y="9966"/>
+                </a:lnTo>
+                <a:cubicBezTo>
+                  <a:pt x="7831" y="9966"/>
+                  <a:pt x="7859" y="9872"/>
+                  <a:pt x="7886" y="9872"/>
+                </a:cubicBezTo>
+                <a:cubicBezTo>
+                  <a:pt x="7886" y="9778"/>
+                  <a:pt x="7915" y="9778"/>
+                  <a:pt x="7915" y="9778"/>
+                </a:cubicBezTo>
+                <a:lnTo>
+                  <a:pt x="9248" y="5265"/>
+                </a:lnTo>
+                <a:cubicBezTo>
+                  <a:pt x="9303" y="5077"/>
+                  <a:pt x="9303" y="4889"/>
+                  <a:pt x="9248" y="4701"/>
+                </a:cubicBezTo>
+                <a:close/>
+              </a:path>
+            </a:pathLst>
+          </a:custGeom>
+          <a:solidFill>
+            <a:schemeClr val="accent1"/>
+          </a:solidFill>
+          <a:ln>
+            <a:noFill/>
+          </a:ln>
+        </p:spPr>
+      </p:sp>
+      <p:sp>
+        <p:nvSpPr>
+          <p:cNvPr id="4" name="Slide Number Placeholder 3"/>
           <p:cNvSpPr>
             <a:spLocks noGrp="1"/>
           </p:cNvSpPr>
@@ -3332,7 +5819,7 @@
     </p:spTree>
     <p:extLst>
       <p:ext uri="{BB962C8B-B14F-4D97-AF65-F5344CB8AC3E}">
-        <p14:creationId xmlns:p14="http://schemas.microsoft.com/office/powerpoint/2010/main" val="1635558274"/>
+        <p14:creationId xmlns:p14="http://schemas.microsoft.com/office/powerpoint/2010/main" val="2803394763"/>
       </p:ext>
     </p:extLst>
   </p:cSld>
@@ -3361,13 +5848,7 @@
       </p:grpSpPr>
       <p:sp>
         <p:nvSpPr>
-          <p:cNvPr id="2" name="Title 1">
-            <a:extLst>
-              <a:ext uri="{FF2B5EF4-FFF2-40B4-BE49-F238E27FC236}">
-                <a16:creationId xmlns:a16="http://schemas.microsoft.com/office/drawing/2014/main" id="{1C1408EB-B1F5-07C4-6F9F-21F04AC05ACA}"/>
-              </a:ext>
-            </a:extLst>
-          </p:cNvPr>
+          <p:cNvPr id="2" name="Title 1"/>
           <p:cNvSpPr>
             <a:spLocks noGrp="1"/>
           </p:cNvSpPr>
@@ -3377,15 +5858,15 @@
         </p:nvSpPr>
         <p:spPr>
           <a:xfrm>
-            <a:off x="839788" y="457200"/>
-            <a:ext cx="3932237" cy="1600200"/>
+            <a:off x="2589212" y="446088"/>
+            <a:ext cx="3505199" cy="976312"/>
           </a:xfrm>
         </p:spPr>
         <p:txBody>
           <a:bodyPr anchor="b"/>
           <a:lstStyle>
-            <a:lvl1pPr>
-              <a:defRPr sz="3200"/>
+            <a:lvl1pPr algn="l">
+              <a:defRPr sz="2000" b="0"/>
             </a:lvl1pPr>
           </a:lstStyle>
           <a:p>
@@ -3393,19 +5874,13 @@
               <a:rPr lang="en-US"/>
               <a:t>Click to edit Master title style</a:t>
             </a:r>
-            <a:endParaRPr lang="en-IN"/>
-          </a:p>
-        </p:txBody>
-      </p:sp>
-      <p:sp>
-        <p:nvSpPr>
-          <p:cNvPr id="3" name="Content Placeholder 2">
-            <a:extLst>
-              <a:ext uri="{FF2B5EF4-FFF2-40B4-BE49-F238E27FC236}">
-                <a16:creationId xmlns:a16="http://schemas.microsoft.com/office/drawing/2014/main" id="{57EE95B7-9689-A48D-F7B6-2ED46A53ECE7}"/>
-              </a:ext>
-            </a:extLst>
-          </p:cNvPr>
+            <a:endParaRPr lang="en-US" dirty="0"/>
+          </a:p>
+        </p:txBody>
+      </p:sp>
+      <p:sp>
+        <p:nvSpPr>
+          <p:cNvPr id="3" name="Content Placeholder 2"/>
           <p:cNvSpPr>
             <a:spLocks noGrp="1"/>
           </p:cNvSpPr>
@@ -3415,41 +5890,15 @@
         </p:nvSpPr>
         <p:spPr>
           <a:xfrm>
-            <a:off x="5183188" y="987425"/>
-            <a:ext cx="6172200" cy="4873625"/>
+            <a:off x="6323012" y="446088"/>
+            <a:ext cx="5181600" cy="5414963"/>
           </a:xfrm>
         </p:spPr>
         <p:txBody>
-          <a:bodyPr/>
-          <a:lstStyle>
-            <a:lvl1pPr>
-              <a:defRPr sz="3200"/>
-            </a:lvl1pPr>
-            <a:lvl2pPr>
-              <a:defRPr sz="2800"/>
-            </a:lvl2pPr>
-            <a:lvl3pPr>
-              <a:defRPr sz="2400"/>
-            </a:lvl3pPr>
-            <a:lvl4pPr>
-              <a:defRPr sz="2000"/>
-            </a:lvl4pPr>
-            <a:lvl5pPr>
-              <a:defRPr sz="2000"/>
-            </a:lvl5pPr>
-            <a:lvl6pPr>
-              <a:defRPr sz="2000"/>
-            </a:lvl6pPr>
-            <a:lvl7pPr>
-              <a:defRPr sz="2000"/>
-            </a:lvl7pPr>
-            <a:lvl8pPr>
-              <a:defRPr sz="2000"/>
-            </a:lvl8pPr>
-            <a:lvl9pPr>
-              <a:defRPr sz="2000"/>
-            </a:lvl9pPr>
-          </a:lstStyle>
+          <a:bodyPr anchor="ctr">
+            <a:normAutofit/>
+          </a:bodyPr>
+          <a:lstStyle/>
           <a:p>
             <a:pPr lvl="0"/>
             <a:r>
@@ -3484,19 +5933,13 @@
               <a:rPr lang="en-US"/>
               <a:t>Fifth level</a:t>
             </a:r>
-            <a:endParaRPr lang="en-IN"/>
-          </a:p>
-        </p:txBody>
-      </p:sp>
-      <p:sp>
-        <p:nvSpPr>
-          <p:cNvPr id="4" name="Text Placeholder 3">
-            <a:extLst>
-              <a:ext uri="{FF2B5EF4-FFF2-40B4-BE49-F238E27FC236}">
-                <a16:creationId xmlns:a16="http://schemas.microsoft.com/office/drawing/2014/main" id="{0B0D46EC-D5B8-8FA0-7BC7-1E8F4B24FA7A}"/>
-              </a:ext>
-            </a:extLst>
-          </p:cNvPr>
+            <a:endParaRPr lang="en-US" dirty="0"/>
+          </a:p>
+        </p:txBody>
+      </p:sp>
+      <p:sp>
+        <p:nvSpPr>
+          <p:cNvPr id="4" name="Text Placeholder 3"/>
           <p:cNvSpPr>
             <a:spLocks noGrp="1"/>
           </p:cNvSpPr>
@@ -3506,8 +5949,8 @@
         </p:nvSpPr>
         <p:spPr>
           <a:xfrm>
-            <a:off x="839788" y="2057400"/>
-            <a:ext cx="3932237" cy="3811588"/>
+            <a:off x="2589212" y="1598613"/>
+            <a:ext cx="3505199" cy="4262436"/>
           </a:xfrm>
         </p:spPr>
         <p:txBody>
@@ -3515,39 +5958,39 @@
           <a:lstStyle>
             <a:lvl1pPr marL="0" indent="0">
               <a:buNone/>
-              <a:defRPr sz="1600"/>
+              <a:defRPr sz="1400"/>
             </a:lvl1pPr>
             <a:lvl2pPr marL="457200" indent="0">
               <a:buNone/>
-              <a:defRPr sz="1400"/>
+              <a:defRPr sz="1200"/>
             </a:lvl2pPr>
             <a:lvl3pPr marL="914400" indent="0">
               <a:buNone/>
-              <a:defRPr sz="1200"/>
+              <a:defRPr sz="1000"/>
             </a:lvl3pPr>
             <a:lvl4pPr marL="1371600" indent="0">
               <a:buNone/>
-              <a:defRPr sz="1000"/>
+              <a:defRPr sz="900"/>
             </a:lvl4pPr>
             <a:lvl5pPr marL="1828800" indent="0">
               <a:buNone/>
-              <a:defRPr sz="1000"/>
+              <a:defRPr sz="900"/>
             </a:lvl5pPr>
             <a:lvl6pPr marL="2286000" indent="0">
               <a:buNone/>
-              <a:defRPr sz="1000"/>
+              <a:defRPr sz="900"/>
             </a:lvl6pPr>
             <a:lvl7pPr marL="2743200" indent="0">
               <a:buNone/>
-              <a:defRPr sz="1000"/>
+              <a:defRPr sz="900"/>
             </a:lvl7pPr>
             <a:lvl8pPr marL="3200400" indent="0">
               <a:buNone/>
-              <a:defRPr sz="1000"/>
+              <a:defRPr sz="900"/>
             </a:lvl8pPr>
             <a:lvl9pPr marL="3657600" indent="0">
               <a:buNone/>
-              <a:defRPr sz="1000"/>
+              <a:defRPr sz="900"/>
             </a:lvl9pPr>
           </a:lstStyle>
           <a:p>
@@ -3561,13 +6004,7 @@
       </p:sp>
       <p:sp>
         <p:nvSpPr>
-          <p:cNvPr id="5" name="Date Placeholder 4">
-            <a:extLst>
-              <a:ext uri="{FF2B5EF4-FFF2-40B4-BE49-F238E27FC236}">
-                <a16:creationId xmlns:a16="http://schemas.microsoft.com/office/drawing/2014/main" id="{C9501F79-DCFA-43E0-1FF8-88B7CFA007E5}"/>
-              </a:ext>
-            </a:extLst>
-          </p:cNvPr>
+          <p:cNvPr id="5" name="Date Placeholder 4"/>
           <p:cNvSpPr>
             <a:spLocks noGrp="1"/>
           </p:cNvSpPr>
@@ -3582,7 +6019,7 @@
           <a:p>
             <a:fld id="{A05B2AF8-B3A2-4253-A941-30B3882CDF69}" type="datetimeFigureOut">
               <a:rPr lang="en-IN" smtClean="0"/>
-              <a:t>18-01-2024</a:t>
+              <a:t>19-01-2024</a:t>
             </a:fld>
             <a:endParaRPr lang="en-IN"/>
           </a:p>
@@ -3590,13 +6027,7 @@
       </p:sp>
       <p:sp>
         <p:nvSpPr>
-          <p:cNvPr id="6" name="Footer Placeholder 5">
-            <a:extLst>
-              <a:ext uri="{FF2B5EF4-FFF2-40B4-BE49-F238E27FC236}">
-                <a16:creationId xmlns:a16="http://schemas.microsoft.com/office/drawing/2014/main" id="{4B321858-6031-4E0C-3CDD-8295761EAD03}"/>
-              </a:ext>
-            </a:extLst>
-          </p:cNvPr>
+          <p:cNvPr id="6" name="Footer Placeholder 5"/>
           <p:cNvSpPr>
             <a:spLocks noGrp="1"/>
           </p:cNvSpPr>
@@ -3615,13 +6046,89 @@
       </p:sp>
       <p:sp>
         <p:nvSpPr>
-          <p:cNvPr id="7" name="Slide Number Placeholder 6">
-            <a:extLst>
-              <a:ext uri="{FF2B5EF4-FFF2-40B4-BE49-F238E27FC236}">
-                <a16:creationId xmlns:a16="http://schemas.microsoft.com/office/drawing/2014/main" id="{C53DD038-7D4C-5176-298D-1C961F05C329}"/>
-              </a:ext>
-            </a:extLst>
-          </p:cNvPr>
+          <p:cNvPr id="9" name="Freeform 11"/>
+          <p:cNvSpPr/>
+          <p:nvPr/>
+        </p:nvSpPr>
+        <p:spPr bwMode="auto">
+          <a:xfrm flipV="1">
+            <a:off x="-4189" y="714375"/>
+            <a:ext cx="1588527" cy="507297"/>
+          </a:xfrm>
+          <a:custGeom>
+            <a:avLst/>
+            <a:gdLst/>
+            <a:ahLst/>
+            <a:cxnLst/>
+            <a:rect l="l" t="t" r="r" b="b"/>
+            <a:pathLst>
+              <a:path w="9248" h="10000">
+                <a:moveTo>
+                  <a:pt x="9248" y="4701"/>
+                </a:moveTo>
+                <a:lnTo>
+                  <a:pt x="7915" y="188"/>
+                </a:lnTo>
+                <a:cubicBezTo>
+                  <a:pt x="7906" y="156"/>
+                  <a:pt x="7895" y="126"/>
+                  <a:pt x="7886" y="94"/>
+                </a:cubicBezTo>
+                <a:cubicBezTo>
+                  <a:pt x="7859" y="0"/>
+                  <a:pt x="7831" y="0"/>
+                  <a:pt x="7803" y="0"/>
+                </a:cubicBezTo>
+                <a:lnTo>
+                  <a:pt x="7275" y="0"/>
+                </a:lnTo>
+                <a:lnTo>
+                  <a:pt x="0" y="70"/>
+                </a:lnTo>
+                <a:cubicBezTo>
+                  <a:pt x="8" y="3380"/>
+                  <a:pt x="17" y="6690"/>
+                  <a:pt x="25" y="10000"/>
+                </a:cubicBezTo>
+                <a:lnTo>
+                  <a:pt x="7275" y="9966"/>
+                </a:lnTo>
+                <a:lnTo>
+                  <a:pt x="7803" y="9966"/>
+                </a:lnTo>
+                <a:cubicBezTo>
+                  <a:pt x="7831" y="9966"/>
+                  <a:pt x="7859" y="9872"/>
+                  <a:pt x="7886" y="9872"/>
+                </a:cubicBezTo>
+                <a:cubicBezTo>
+                  <a:pt x="7886" y="9778"/>
+                  <a:pt x="7915" y="9778"/>
+                  <a:pt x="7915" y="9778"/>
+                </a:cubicBezTo>
+                <a:lnTo>
+                  <a:pt x="9248" y="5265"/>
+                </a:lnTo>
+                <a:cubicBezTo>
+                  <a:pt x="9303" y="5077"/>
+                  <a:pt x="9303" y="4889"/>
+                  <a:pt x="9248" y="4701"/>
+                </a:cubicBezTo>
+                <a:close/>
+              </a:path>
+            </a:pathLst>
+          </a:custGeom>
+          <a:solidFill>
+            <a:schemeClr val="accent1"/>
+          </a:solidFill>
+          <a:ln>
+            <a:noFill/>
+          </a:ln>
+        </p:spPr>
+      </p:sp>
+      <p:sp>
+        <p:nvSpPr>
+          <p:cNvPr id="7" name="Slide Number Placeholder 6"/>
           <p:cNvSpPr>
             <a:spLocks noGrp="1"/>
           </p:cNvSpPr>
@@ -3645,7 +6152,7 @@
     </p:spTree>
     <p:extLst>
       <p:ext uri="{BB962C8B-B14F-4D97-AF65-F5344CB8AC3E}">
-        <p14:creationId xmlns:p14="http://schemas.microsoft.com/office/powerpoint/2010/main" val="742256482"/>
+        <p14:creationId xmlns:p14="http://schemas.microsoft.com/office/powerpoint/2010/main" val="1715213612"/>
       </p:ext>
     </p:extLst>
   </p:cSld>
@@ -3674,13 +6181,7 @@
       </p:grpSpPr>
       <p:sp>
         <p:nvSpPr>
-          <p:cNvPr id="2" name="Title 1">
-            <a:extLst>
-              <a:ext uri="{FF2B5EF4-FFF2-40B4-BE49-F238E27FC236}">
-                <a16:creationId xmlns:a16="http://schemas.microsoft.com/office/drawing/2014/main" id="{75EE6618-78EA-B0F0-3BD0-9F90E3BED668}"/>
-              </a:ext>
-            </a:extLst>
-          </p:cNvPr>
+          <p:cNvPr id="2" name="Title 1"/>
           <p:cNvSpPr>
             <a:spLocks noGrp="1"/>
           </p:cNvSpPr>
@@ -3690,15 +6191,17 @@
         </p:nvSpPr>
         <p:spPr>
           <a:xfrm>
-            <a:off x="839788" y="457200"/>
-            <a:ext cx="3932237" cy="1600200"/>
+            <a:off x="2589213" y="4800600"/>
+            <a:ext cx="8915400" cy="566738"/>
           </a:xfrm>
         </p:spPr>
         <p:txBody>
-          <a:bodyPr anchor="b"/>
+          <a:bodyPr anchor="b">
+            <a:normAutofit/>
+          </a:bodyPr>
           <a:lstStyle>
-            <a:lvl1pPr>
-              <a:defRPr sz="3200"/>
+            <a:lvl1pPr algn="l">
+              <a:defRPr sz="2400" b="0"/>
             </a:lvl1pPr>
           </a:lstStyle>
           <a:p>
@@ -3706,21 +6209,15 @@
               <a:rPr lang="en-US"/>
               <a:t>Click to edit Master title style</a:t>
             </a:r>
-            <a:endParaRPr lang="en-IN"/>
-          </a:p>
-        </p:txBody>
-      </p:sp>
-      <p:sp>
-        <p:nvSpPr>
-          <p:cNvPr id="3" name="Picture Placeholder 2">
-            <a:extLst>
-              <a:ext uri="{FF2B5EF4-FFF2-40B4-BE49-F238E27FC236}">
-                <a16:creationId xmlns:a16="http://schemas.microsoft.com/office/drawing/2014/main" id="{301AC4C7-4D0F-600A-535D-81C705D4C204}"/>
-              </a:ext>
-            </a:extLst>
-          </p:cNvPr>
+            <a:endParaRPr lang="en-US" dirty="0"/>
+          </a:p>
+        </p:txBody>
+      </p:sp>
+      <p:sp>
+        <p:nvSpPr>
+          <p:cNvPr id="3" name="Picture Placeholder 2"/>
           <p:cNvSpPr>
-            <a:spLocks noGrp="1"/>
+            <a:spLocks noGrp="1" noChangeAspect="1"/>
           </p:cNvSpPr>
           <p:nvPr>
             <p:ph type="pic" idx="1"/>
@@ -3728,64 +6225,64 @@
         </p:nvSpPr>
         <p:spPr>
           <a:xfrm>
-            <a:off x="5183188" y="987425"/>
-            <a:ext cx="6172200" cy="4873625"/>
+            <a:off x="2589212" y="634965"/>
+            <a:ext cx="8915400" cy="3854970"/>
           </a:xfrm>
         </p:spPr>
         <p:txBody>
-          <a:bodyPr/>
+          <a:bodyPr anchor="t">
+            <a:normAutofit/>
+          </a:bodyPr>
           <a:lstStyle>
-            <a:lvl1pPr marL="0" indent="0">
+            <a:lvl1pPr marL="0" indent="0" algn="ctr">
               <a:buNone/>
-              <a:defRPr sz="3200"/>
+              <a:defRPr sz="1600"/>
             </a:lvl1pPr>
             <a:lvl2pPr marL="457200" indent="0">
               <a:buNone/>
-              <a:defRPr sz="2800"/>
+              <a:defRPr sz="1600"/>
             </a:lvl2pPr>
             <a:lvl3pPr marL="914400" indent="0">
               <a:buNone/>
-              <a:defRPr sz="2400"/>
+              <a:defRPr sz="1600"/>
             </a:lvl3pPr>
             <a:lvl4pPr marL="1371600" indent="0">
               <a:buNone/>
-              <a:defRPr sz="2000"/>
+              <a:defRPr sz="1600"/>
             </a:lvl4pPr>
             <a:lvl5pPr marL="1828800" indent="0">
               <a:buNone/>
-              <a:defRPr sz="2000"/>
+              <a:defRPr sz="1600"/>
             </a:lvl5pPr>
             <a:lvl6pPr marL="2286000" indent="0">
               <a:buNone/>
-              <a:defRPr sz="2000"/>
+              <a:defRPr sz="1600"/>
             </a:lvl6pPr>
             <a:lvl7pPr marL="2743200" indent="0">
               <a:buNone/>
-              <a:defRPr sz="2000"/>
+              <a:defRPr sz="1600"/>
             </a:lvl7pPr>
             <a:lvl8pPr marL="3200400" indent="0">
               <a:buNone/>
-              <a:defRPr sz="2000"/>
+              <a:defRPr sz="1600"/>
             </a:lvl8pPr>
             <a:lvl9pPr marL="3657600" indent="0">
               <a:buNone/>
-              <a:defRPr sz="2000"/>
+              <a:defRPr sz="1600"/>
             </a:lvl9pPr>
           </a:lstStyle>
           <a:p>
-            <a:endParaRPr lang="en-IN"/>
-          </a:p>
-        </p:txBody>
-      </p:sp>
-      <p:sp>
-        <p:nvSpPr>
-          <p:cNvPr id="4" name="Text Placeholder 3">
-            <a:extLst>
-              <a:ext uri="{FF2B5EF4-FFF2-40B4-BE49-F238E27FC236}">
-                <a16:creationId xmlns:a16="http://schemas.microsoft.com/office/drawing/2014/main" id="{8AB98B2B-7B23-853D-2BFA-D9A903E505C2}"/>
-              </a:ext>
-            </a:extLst>
-          </p:cNvPr>
+            <a:r>
+              <a:rPr lang="en-US"/>
+              <a:t>Click icon to add picture</a:t>
+            </a:r>
+            <a:endParaRPr lang="en-US" dirty="0"/>
+          </a:p>
+        </p:txBody>
+      </p:sp>
+      <p:sp>
+        <p:nvSpPr>
+          <p:cNvPr id="4" name="Text Placeholder 3"/>
           <p:cNvSpPr>
             <a:spLocks noGrp="1"/>
           </p:cNvSpPr>
@@ -3795,48 +6292,50 @@
         </p:nvSpPr>
         <p:spPr>
           <a:xfrm>
-            <a:off x="839788" y="2057400"/>
-            <a:ext cx="3932237" cy="3811588"/>
+            <a:off x="2589213" y="5367338"/>
+            <a:ext cx="8915400" cy="493712"/>
           </a:xfrm>
         </p:spPr>
         <p:txBody>
-          <a:bodyPr/>
+          <a:bodyPr>
+            <a:normAutofit/>
+          </a:bodyPr>
           <a:lstStyle>
             <a:lvl1pPr marL="0" indent="0">
               <a:buNone/>
-              <a:defRPr sz="1600"/>
+              <a:defRPr sz="1200"/>
             </a:lvl1pPr>
             <a:lvl2pPr marL="457200" indent="0">
               <a:buNone/>
-              <a:defRPr sz="1400"/>
+              <a:defRPr sz="1200"/>
             </a:lvl2pPr>
             <a:lvl3pPr marL="914400" indent="0">
               <a:buNone/>
-              <a:defRPr sz="1200"/>
+              <a:defRPr sz="1000"/>
             </a:lvl3pPr>
             <a:lvl4pPr marL="1371600" indent="0">
               <a:buNone/>
-              <a:defRPr sz="1000"/>
+              <a:defRPr sz="900"/>
             </a:lvl4pPr>
             <a:lvl5pPr marL="1828800" indent="0">
               <a:buNone/>
-              <a:defRPr sz="1000"/>
+              <a:defRPr sz="900"/>
             </a:lvl5pPr>
             <a:lvl6pPr marL="2286000" indent="0">
               <a:buNone/>
-              <a:defRPr sz="1000"/>
+              <a:defRPr sz="900"/>
             </a:lvl6pPr>
             <a:lvl7pPr marL="2743200" indent="0">
               <a:buNone/>
-              <a:defRPr sz="1000"/>
+              <a:defRPr sz="900"/>
             </a:lvl7pPr>
             <a:lvl8pPr marL="3200400" indent="0">
               <a:buNone/>
-              <a:defRPr sz="1000"/>
+              <a:defRPr sz="900"/>
             </a:lvl8pPr>
             <a:lvl9pPr marL="3657600" indent="0">
               <a:buNone/>
-              <a:defRPr sz="1000"/>
+              <a:defRPr sz="900"/>
             </a:lvl9pPr>
           </a:lstStyle>
           <a:p>
@@ -3850,13 +6349,7 @@
       </p:sp>
       <p:sp>
         <p:nvSpPr>
-          <p:cNvPr id="5" name="Date Placeholder 4">
-            <a:extLst>
-              <a:ext uri="{FF2B5EF4-FFF2-40B4-BE49-F238E27FC236}">
-                <a16:creationId xmlns:a16="http://schemas.microsoft.com/office/drawing/2014/main" id="{56792CE2-95DC-B6BA-B263-51AC288735CF}"/>
-              </a:ext>
-            </a:extLst>
-          </p:cNvPr>
+          <p:cNvPr id="5" name="Date Placeholder 4"/>
           <p:cNvSpPr>
             <a:spLocks noGrp="1"/>
           </p:cNvSpPr>
@@ -3871,7 +6364,7 @@
           <a:p>
             <a:fld id="{A05B2AF8-B3A2-4253-A941-30B3882CDF69}" type="datetimeFigureOut">
               <a:rPr lang="en-IN" smtClean="0"/>
-              <a:t>18-01-2024</a:t>
+              <a:t>19-01-2024</a:t>
             </a:fld>
             <a:endParaRPr lang="en-IN"/>
           </a:p>
@@ -3879,13 +6372,7 @@
       </p:sp>
       <p:sp>
         <p:nvSpPr>
-          <p:cNvPr id="6" name="Footer Placeholder 5">
-            <a:extLst>
-              <a:ext uri="{FF2B5EF4-FFF2-40B4-BE49-F238E27FC236}">
-                <a16:creationId xmlns:a16="http://schemas.microsoft.com/office/drawing/2014/main" id="{BEAA1F88-30FB-CCB5-5131-53450E4CC728}"/>
-              </a:ext>
-            </a:extLst>
-          </p:cNvPr>
+          <p:cNvPr id="6" name="Footer Placeholder 5"/>
           <p:cNvSpPr>
             <a:spLocks noGrp="1"/>
           </p:cNvSpPr>
@@ -3898,19 +6385,95 @@
           <a:bodyPr/>
           <a:lstStyle/>
           <a:p>
-            <a:endParaRPr lang="en-IN"/>
-          </a:p>
-        </p:txBody>
-      </p:sp>
-      <p:sp>
-        <p:nvSpPr>
-          <p:cNvPr id="7" name="Slide Number Placeholder 6">
-            <a:extLst>
-              <a:ext uri="{FF2B5EF4-FFF2-40B4-BE49-F238E27FC236}">
-                <a16:creationId xmlns:a16="http://schemas.microsoft.com/office/drawing/2014/main" id="{502635CD-DBD4-501F-F66F-FD544406FFA8}"/>
-              </a:ext>
-            </a:extLst>
-          </p:cNvPr>
+            <a:endParaRPr lang="en-US" dirty="0"/>
+          </a:p>
+        </p:txBody>
+      </p:sp>
+      <p:sp>
+        <p:nvSpPr>
+          <p:cNvPr id="9" name="Freeform 11"/>
+          <p:cNvSpPr/>
+          <p:nvPr/>
+        </p:nvSpPr>
+        <p:spPr bwMode="auto">
+          <a:xfrm flipV="1">
+            <a:off x="-4189" y="4911725"/>
+            <a:ext cx="1588527" cy="507297"/>
+          </a:xfrm>
+          <a:custGeom>
+            <a:avLst/>
+            <a:gdLst/>
+            <a:ahLst/>
+            <a:cxnLst/>
+            <a:rect l="l" t="t" r="r" b="b"/>
+            <a:pathLst>
+              <a:path w="9248" h="10000">
+                <a:moveTo>
+                  <a:pt x="9248" y="4701"/>
+                </a:moveTo>
+                <a:lnTo>
+                  <a:pt x="7915" y="188"/>
+                </a:lnTo>
+                <a:cubicBezTo>
+                  <a:pt x="7906" y="156"/>
+                  <a:pt x="7895" y="126"/>
+                  <a:pt x="7886" y="94"/>
+                </a:cubicBezTo>
+                <a:cubicBezTo>
+                  <a:pt x="7859" y="0"/>
+                  <a:pt x="7831" y="0"/>
+                  <a:pt x="7803" y="0"/>
+                </a:cubicBezTo>
+                <a:lnTo>
+                  <a:pt x="7275" y="0"/>
+                </a:lnTo>
+                <a:lnTo>
+                  <a:pt x="0" y="70"/>
+                </a:lnTo>
+                <a:cubicBezTo>
+                  <a:pt x="8" y="3380"/>
+                  <a:pt x="17" y="6690"/>
+                  <a:pt x="25" y="10000"/>
+                </a:cubicBezTo>
+                <a:lnTo>
+                  <a:pt x="7275" y="9966"/>
+                </a:lnTo>
+                <a:lnTo>
+                  <a:pt x="7803" y="9966"/>
+                </a:lnTo>
+                <a:cubicBezTo>
+                  <a:pt x="7831" y="9966"/>
+                  <a:pt x="7859" y="9872"/>
+                  <a:pt x="7886" y="9872"/>
+                </a:cubicBezTo>
+                <a:cubicBezTo>
+                  <a:pt x="7886" y="9778"/>
+                  <a:pt x="7915" y="9778"/>
+                  <a:pt x="7915" y="9778"/>
+                </a:cubicBezTo>
+                <a:lnTo>
+                  <a:pt x="9248" y="5265"/>
+                </a:lnTo>
+                <a:cubicBezTo>
+                  <a:pt x="9303" y="5077"/>
+                  <a:pt x="9303" y="4889"/>
+                  <a:pt x="9248" y="4701"/>
+                </a:cubicBezTo>
+                <a:close/>
+              </a:path>
+            </a:pathLst>
+          </a:custGeom>
+          <a:solidFill>
+            <a:schemeClr val="accent1"/>
+          </a:solidFill>
+          <a:ln>
+            <a:noFill/>
+          </a:ln>
+        </p:spPr>
+      </p:sp>
+      <p:sp>
+        <p:nvSpPr>
+          <p:cNvPr id="7" name="Slide Number Placeholder 6"/>
           <p:cNvSpPr>
             <a:spLocks noGrp="1"/>
           </p:cNvSpPr>
@@ -3918,7 +6481,12 @@
             <p:ph type="sldNum" sz="quarter" idx="12"/>
           </p:nvPr>
         </p:nvSpPr>
-        <p:spPr/>
+        <p:spPr>
+          <a:xfrm>
+            <a:off x="531812" y="4983087"/>
+            <a:ext cx="779767" cy="365125"/>
+          </a:xfrm>
+        </p:spPr>
         <p:txBody>
           <a:bodyPr/>
           <a:lstStyle/>
@@ -3934,7 +6502,7 @@
     </p:spTree>
     <p:extLst>
       <p:ext uri="{BB962C8B-B14F-4D97-AF65-F5344CB8AC3E}">
-        <p14:creationId xmlns:p14="http://schemas.microsoft.com/office/powerpoint/2010/main" val="832748078"/>
+        <p14:creationId xmlns:p14="http://schemas.microsoft.com/office/powerpoint/2010/main" val="305470962"/>
       </p:ext>
     </p:extLst>
   </p:cSld>
@@ -3948,8 +6516,8 @@
 <p:sldMaster xmlns:a="http://schemas.openxmlformats.org/drawingml/2006/main" xmlns:r="http://schemas.openxmlformats.org/officeDocument/2006/relationships" xmlns:p="http://schemas.openxmlformats.org/presentationml/2006/main">
   <p:cSld>
     <p:bg>
-      <p:bgRef idx="1001">
-        <a:schemeClr val="bg1"/>
+      <p:bgRef idx="1003">
+        <a:schemeClr val="bg2"/>
       </p:bgRef>
     </p:bg>
     <p:spTree>
@@ -3966,15 +6534,1826 @@
           <a:chExt cx="0" cy="0"/>
         </a:xfrm>
       </p:grpSpPr>
-      <p:sp>
-        <p:nvSpPr>
-          <p:cNvPr id="2" name="Title Placeholder 1">
-            <a:extLst>
-              <a:ext uri="{FF2B5EF4-FFF2-40B4-BE49-F238E27FC236}">
-                <a16:creationId xmlns:a16="http://schemas.microsoft.com/office/drawing/2014/main" id="{53BFAC2C-F8E1-3082-1DDC-013468CFDEEB}"/>
-              </a:ext>
-            </a:extLst>
-          </p:cNvPr>
+      <p:grpSp>
+        <p:nvGrpSpPr>
+          <p:cNvPr id="23" name="Group 22"/>
+          <p:cNvGrpSpPr/>
+          <p:nvPr/>
+        </p:nvGrpSpPr>
+        <p:grpSpPr>
+          <a:xfrm>
+            <a:off x="1" y="228600"/>
+            <a:ext cx="2851516" cy="6638628"/>
+            <a:chOff x="2487613" y="285750"/>
+            <a:chExt cx="2428875" cy="5654676"/>
+          </a:xfrm>
+        </p:grpSpPr>
+        <p:sp>
+          <p:nvSpPr>
+            <p:cNvPr id="24" name="Freeform 11"/>
+            <p:cNvSpPr/>
+            <p:nvPr/>
+          </p:nvSpPr>
+          <p:spPr bwMode="auto">
+            <a:xfrm>
+              <a:off x="2487613" y="2284413"/>
+              <a:ext cx="85725" cy="533400"/>
+            </a:xfrm>
+            <a:custGeom>
+              <a:avLst/>
+              <a:gdLst/>
+              <a:ahLst/>
+              <a:cxnLst/>
+              <a:rect l="0" t="0" r="r" b="b"/>
+              <a:pathLst>
+                <a:path w="22" h="136">
+                  <a:moveTo>
+                    <a:pt x="22" y="136"/>
+                  </a:moveTo>
+                  <a:cubicBezTo>
+                    <a:pt x="20" y="117"/>
+                    <a:pt x="19" y="99"/>
+                    <a:pt x="17" y="80"/>
+                  </a:cubicBezTo>
+                  <a:cubicBezTo>
+                    <a:pt x="11" y="54"/>
+                    <a:pt x="6" y="27"/>
+                    <a:pt x="0" y="0"/>
+                  </a:cubicBezTo>
+                  <a:cubicBezTo>
+                    <a:pt x="0" y="35"/>
+                    <a:pt x="0" y="35"/>
+                    <a:pt x="0" y="35"/>
+                  </a:cubicBezTo>
+                  <a:cubicBezTo>
+                    <a:pt x="6" y="64"/>
+                    <a:pt x="13" y="94"/>
+                    <a:pt x="20" y="124"/>
+                  </a:cubicBezTo>
+                  <a:cubicBezTo>
+                    <a:pt x="20" y="128"/>
+                    <a:pt x="21" y="132"/>
+                    <a:pt x="22" y="136"/>
+                  </a:cubicBezTo>
+                  <a:close/>
+                </a:path>
+              </a:pathLst>
+            </a:custGeom>
+            <a:solidFill>
+              <a:schemeClr val="tx2">
+                <a:alpha val="20000"/>
+              </a:schemeClr>
+            </a:solidFill>
+            <a:ln>
+              <a:noFill/>
+            </a:ln>
+          </p:spPr>
+        </p:sp>
+        <p:sp>
+          <p:nvSpPr>
+            <p:cNvPr id="25" name="Freeform 12"/>
+            <p:cNvSpPr/>
+            <p:nvPr/>
+          </p:nvSpPr>
+          <p:spPr bwMode="auto">
+            <a:xfrm>
+              <a:off x="2597151" y="2779713"/>
+              <a:ext cx="550863" cy="1978025"/>
+            </a:xfrm>
+            <a:custGeom>
+              <a:avLst/>
+              <a:gdLst/>
+              <a:ahLst/>
+              <a:cxnLst/>
+              <a:rect l="0" t="0" r="r" b="b"/>
+              <a:pathLst>
+                <a:path w="140" h="504">
+                  <a:moveTo>
+                    <a:pt x="86" y="350"/>
+                  </a:moveTo>
+                  <a:cubicBezTo>
+                    <a:pt x="103" y="402"/>
+                    <a:pt x="120" y="453"/>
+                    <a:pt x="139" y="504"/>
+                  </a:cubicBezTo>
+                  <a:cubicBezTo>
+                    <a:pt x="139" y="495"/>
+                    <a:pt x="139" y="487"/>
+                    <a:pt x="140" y="478"/>
+                  </a:cubicBezTo>
+                  <a:cubicBezTo>
+                    <a:pt x="124" y="435"/>
+                    <a:pt x="109" y="391"/>
+                    <a:pt x="95" y="347"/>
+                  </a:cubicBezTo>
+                  <a:cubicBezTo>
+                    <a:pt x="58" y="233"/>
+                    <a:pt x="27" y="117"/>
+                    <a:pt x="0" y="0"/>
+                  </a:cubicBezTo>
+                  <a:cubicBezTo>
+                    <a:pt x="2" y="20"/>
+                    <a:pt x="4" y="41"/>
+                    <a:pt x="6" y="61"/>
+                  </a:cubicBezTo>
+                  <a:cubicBezTo>
+                    <a:pt x="30" y="158"/>
+                    <a:pt x="56" y="255"/>
+                    <a:pt x="86" y="350"/>
+                  </a:cubicBezTo>
+                  <a:close/>
+                </a:path>
+              </a:pathLst>
+            </a:custGeom>
+            <a:solidFill>
+              <a:schemeClr val="tx2">
+                <a:alpha val="20000"/>
+              </a:schemeClr>
+            </a:solidFill>
+            <a:ln>
+              <a:noFill/>
+            </a:ln>
+          </p:spPr>
+        </p:sp>
+        <p:sp>
+          <p:nvSpPr>
+            <p:cNvPr id="26" name="Freeform 13"/>
+            <p:cNvSpPr/>
+            <p:nvPr/>
+          </p:nvSpPr>
+          <p:spPr bwMode="auto">
+            <a:xfrm>
+              <a:off x="3175001" y="4730750"/>
+              <a:ext cx="519113" cy="1209675"/>
+            </a:xfrm>
+            <a:custGeom>
+              <a:avLst/>
+              <a:gdLst/>
+              <a:ahLst/>
+              <a:cxnLst/>
+              <a:rect l="0" t="0" r="r" b="b"/>
+              <a:pathLst>
+                <a:path w="132" h="308">
+                  <a:moveTo>
+                    <a:pt x="8" y="22"/>
+                  </a:moveTo>
+                  <a:cubicBezTo>
+                    <a:pt x="5" y="15"/>
+                    <a:pt x="2" y="8"/>
+                    <a:pt x="0" y="0"/>
+                  </a:cubicBezTo>
+                  <a:cubicBezTo>
+                    <a:pt x="0" y="10"/>
+                    <a:pt x="0" y="19"/>
+                    <a:pt x="0" y="29"/>
+                  </a:cubicBezTo>
+                  <a:cubicBezTo>
+                    <a:pt x="21" y="85"/>
+                    <a:pt x="44" y="140"/>
+                    <a:pt x="68" y="194"/>
+                  </a:cubicBezTo>
+                  <a:cubicBezTo>
+                    <a:pt x="85" y="232"/>
+                    <a:pt x="104" y="270"/>
+                    <a:pt x="123" y="308"/>
+                  </a:cubicBezTo>
+                  <a:cubicBezTo>
+                    <a:pt x="132" y="308"/>
+                    <a:pt x="132" y="308"/>
+                    <a:pt x="132" y="308"/>
+                  </a:cubicBezTo>
+                  <a:cubicBezTo>
+                    <a:pt x="113" y="269"/>
+                    <a:pt x="94" y="230"/>
+                    <a:pt x="77" y="190"/>
+                  </a:cubicBezTo>
+                  <a:cubicBezTo>
+                    <a:pt x="52" y="135"/>
+                    <a:pt x="29" y="79"/>
+                    <a:pt x="8" y="22"/>
+                  </a:cubicBezTo>
+                  <a:close/>
+                </a:path>
+              </a:pathLst>
+            </a:custGeom>
+            <a:solidFill>
+              <a:schemeClr val="tx2">
+                <a:alpha val="20000"/>
+              </a:schemeClr>
+            </a:solidFill>
+            <a:ln>
+              <a:noFill/>
+            </a:ln>
+          </p:spPr>
+        </p:sp>
+        <p:sp>
+          <p:nvSpPr>
+            <p:cNvPr id="27" name="Freeform 14"/>
+            <p:cNvSpPr/>
+            <p:nvPr/>
+          </p:nvSpPr>
+          <p:spPr bwMode="auto">
+            <a:xfrm>
+              <a:off x="3305176" y="5630863"/>
+              <a:ext cx="146050" cy="309563"/>
+            </a:xfrm>
+            <a:custGeom>
+              <a:avLst/>
+              <a:gdLst/>
+              <a:ahLst/>
+              <a:cxnLst/>
+              <a:rect l="0" t="0" r="r" b="b"/>
+              <a:pathLst>
+                <a:path w="37" h="79">
+                  <a:moveTo>
+                    <a:pt x="28" y="79"/>
+                  </a:moveTo>
+                  <a:cubicBezTo>
+                    <a:pt x="37" y="79"/>
+                    <a:pt x="37" y="79"/>
+                    <a:pt x="37" y="79"/>
+                  </a:cubicBezTo>
+                  <a:cubicBezTo>
+                    <a:pt x="24" y="53"/>
+                    <a:pt x="12" y="27"/>
+                    <a:pt x="0" y="0"/>
+                  </a:cubicBezTo>
+                  <a:cubicBezTo>
+                    <a:pt x="8" y="27"/>
+                    <a:pt x="17" y="53"/>
+                    <a:pt x="28" y="79"/>
+                  </a:cubicBezTo>
+                  <a:close/>
+                </a:path>
+              </a:pathLst>
+            </a:custGeom>
+            <a:solidFill>
+              <a:schemeClr val="tx2">
+                <a:alpha val="20000"/>
+              </a:schemeClr>
+            </a:solidFill>
+            <a:ln>
+              <a:noFill/>
+            </a:ln>
+          </p:spPr>
+        </p:sp>
+        <p:sp>
+          <p:nvSpPr>
+            <p:cNvPr id="28" name="Freeform 15"/>
+            <p:cNvSpPr/>
+            <p:nvPr/>
+          </p:nvSpPr>
+          <p:spPr bwMode="auto">
+            <a:xfrm>
+              <a:off x="2573338" y="2817813"/>
+              <a:ext cx="700088" cy="2835275"/>
+            </a:xfrm>
+            <a:custGeom>
+              <a:avLst/>
+              <a:gdLst/>
+              <a:ahLst/>
+              <a:cxnLst/>
+              <a:rect l="0" t="0" r="r" b="b"/>
+              <a:pathLst>
+                <a:path w="178" h="722">
+                  <a:moveTo>
+                    <a:pt x="162" y="660"/>
+                  </a:moveTo>
+                  <a:cubicBezTo>
+                    <a:pt x="145" y="618"/>
+                    <a:pt x="130" y="576"/>
+                    <a:pt x="116" y="534"/>
+                  </a:cubicBezTo>
+                  <a:cubicBezTo>
+                    <a:pt x="84" y="437"/>
+                    <a:pt x="59" y="337"/>
+                    <a:pt x="40" y="236"/>
+                  </a:cubicBezTo>
+                  <a:cubicBezTo>
+                    <a:pt x="29" y="175"/>
+                    <a:pt x="20" y="113"/>
+                    <a:pt x="12" y="51"/>
+                  </a:cubicBezTo>
+                  <a:cubicBezTo>
+                    <a:pt x="8" y="34"/>
+                    <a:pt x="4" y="17"/>
+                    <a:pt x="0" y="0"/>
+                  </a:cubicBezTo>
+                  <a:cubicBezTo>
+                    <a:pt x="8" y="79"/>
+                    <a:pt x="19" y="159"/>
+                    <a:pt x="33" y="237"/>
+                  </a:cubicBezTo>
+                  <a:cubicBezTo>
+                    <a:pt x="51" y="339"/>
+                    <a:pt x="76" y="439"/>
+                    <a:pt x="107" y="537"/>
+                  </a:cubicBezTo>
+                  <a:cubicBezTo>
+                    <a:pt x="123" y="586"/>
+                    <a:pt x="141" y="634"/>
+                    <a:pt x="160" y="681"/>
+                  </a:cubicBezTo>
+                  <a:cubicBezTo>
+                    <a:pt x="166" y="695"/>
+                    <a:pt x="172" y="708"/>
+                    <a:pt x="178" y="722"/>
+                  </a:cubicBezTo>
+                  <a:cubicBezTo>
+                    <a:pt x="176" y="717"/>
+                    <a:pt x="175" y="713"/>
+                    <a:pt x="174" y="708"/>
+                  </a:cubicBezTo>
+                  <a:cubicBezTo>
+                    <a:pt x="169" y="692"/>
+                    <a:pt x="165" y="676"/>
+                    <a:pt x="162" y="660"/>
+                  </a:cubicBezTo>
+                  <a:close/>
+                </a:path>
+              </a:pathLst>
+            </a:custGeom>
+            <a:solidFill>
+              <a:schemeClr val="tx2">
+                <a:alpha val="20000"/>
+              </a:schemeClr>
+            </a:solidFill>
+            <a:ln>
+              <a:noFill/>
+            </a:ln>
+          </p:spPr>
+        </p:sp>
+        <p:sp>
+          <p:nvSpPr>
+            <p:cNvPr id="29" name="Freeform 16"/>
+            <p:cNvSpPr/>
+            <p:nvPr/>
+          </p:nvSpPr>
+          <p:spPr bwMode="auto">
+            <a:xfrm>
+              <a:off x="2506663" y="285750"/>
+              <a:ext cx="90488" cy="2493963"/>
+            </a:xfrm>
+            <a:custGeom>
+              <a:avLst/>
+              <a:gdLst/>
+              <a:ahLst/>
+              <a:cxnLst/>
+              <a:rect l="0" t="0" r="r" b="b"/>
+              <a:pathLst>
+                <a:path w="23" h="635">
+                  <a:moveTo>
+                    <a:pt x="11" y="577"/>
+                  </a:moveTo>
+                  <a:cubicBezTo>
+                    <a:pt x="12" y="581"/>
+                    <a:pt x="12" y="585"/>
+                    <a:pt x="12" y="589"/>
+                  </a:cubicBezTo>
+                  <a:cubicBezTo>
+                    <a:pt x="15" y="603"/>
+                    <a:pt x="19" y="617"/>
+                    <a:pt x="22" y="632"/>
+                  </a:cubicBezTo>
+                  <a:cubicBezTo>
+                    <a:pt x="22" y="633"/>
+                    <a:pt x="22" y="634"/>
+                    <a:pt x="23" y="635"/>
+                  </a:cubicBezTo>
+                  <a:cubicBezTo>
+                    <a:pt x="21" y="615"/>
+                    <a:pt x="19" y="596"/>
+                    <a:pt x="17" y="576"/>
+                  </a:cubicBezTo>
+                  <a:cubicBezTo>
+                    <a:pt x="9" y="474"/>
+                    <a:pt x="5" y="372"/>
+                    <a:pt x="5" y="269"/>
+                  </a:cubicBezTo>
+                  <a:cubicBezTo>
+                    <a:pt x="6" y="179"/>
+                    <a:pt x="9" y="90"/>
+                    <a:pt x="15" y="0"/>
+                  </a:cubicBezTo>
+                  <a:cubicBezTo>
+                    <a:pt x="12" y="0"/>
+                    <a:pt x="12" y="0"/>
+                    <a:pt x="12" y="0"/>
+                  </a:cubicBezTo>
+                  <a:cubicBezTo>
+                    <a:pt x="5" y="89"/>
+                    <a:pt x="2" y="179"/>
+                    <a:pt x="1" y="269"/>
+                  </a:cubicBezTo>
+                  <a:cubicBezTo>
+                    <a:pt x="0" y="372"/>
+                    <a:pt x="3" y="474"/>
+                    <a:pt x="11" y="577"/>
+                  </a:cubicBezTo>
+                  <a:close/>
+                </a:path>
+              </a:pathLst>
+            </a:custGeom>
+            <a:solidFill>
+              <a:schemeClr val="tx2">
+                <a:alpha val="20000"/>
+              </a:schemeClr>
+            </a:solidFill>
+            <a:ln>
+              <a:noFill/>
+            </a:ln>
+          </p:spPr>
+        </p:sp>
+        <p:sp>
+          <p:nvSpPr>
+            <p:cNvPr id="30" name="Freeform 17"/>
+            <p:cNvSpPr/>
+            <p:nvPr/>
+          </p:nvSpPr>
+          <p:spPr bwMode="auto">
+            <a:xfrm>
+              <a:off x="2554288" y="2598738"/>
+              <a:ext cx="66675" cy="420688"/>
+            </a:xfrm>
+            <a:custGeom>
+              <a:avLst/>
+              <a:gdLst/>
+              <a:ahLst/>
+              <a:cxnLst/>
+              <a:rect l="0" t="0" r="r" b="b"/>
+              <a:pathLst>
+                <a:path w="17" h="107">
+                  <a:moveTo>
+                    <a:pt x="0" y="0"/>
+                  </a:moveTo>
+                  <a:cubicBezTo>
+                    <a:pt x="2" y="19"/>
+                    <a:pt x="3" y="37"/>
+                    <a:pt x="5" y="56"/>
+                  </a:cubicBezTo>
+                  <a:cubicBezTo>
+                    <a:pt x="9" y="73"/>
+                    <a:pt x="13" y="90"/>
+                    <a:pt x="17" y="107"/>
+                  </a:cubicBezTo>
+                  <a:cubicBezTo>
+                    <a:pt x="15" y="87"/>
+                    <a:pt x="13" y="66"/>
+                    <a:pt x="11" y="46"/>
+                  </a:cubicBezTo>
+                  <a:cubicBezTo>
+                    <a:pt x="10" y="45"/>
+                    <a:pt x="10" y="44"/>
+                    <a:pt x="10" y="43"/>
+                  </a:cubicBezTo>
+                  <a:cubicBezTo>
+                    <a:pt x="7" y="28"/>
+                    <a:pt x="3" y="14"/>
+                    <a:pt x="0" y="0"/>
+                  </a:cubicBezTo>
+                  <a:close/>
+                </a:path>
+              </a:pathLst>
+            </a:custGeom>
+            <a:solidFill>
+              <a:schemeClr val="tx2">
+                <a:alpha val="20000"/>
+              </a:schemeClr>
+            </a:solidFill>
+            <a:ln>
+              <a:noFill/>
+            </a:ln>
+          </p:spPr>
+        </p:sp>
+        <p:sp>
+          <p:nvSpPr>
+            <p:cNvPr id="31" name="Freeform 18"/>
+            <p:cNvSpPr/>
+            <p:nvPr/>
+          </p:nvSpPr>
+          <p:spPr bwMode="auto">
+            <a:xfrm>
+              <a:off x="3143251" y="4757738"/>
+              <a:ext cx="161925" cy="873125"/>
+            </a:xfrm>
+            <a:custGeom>
+              <a:avLst/>
+              <a:gdLst/>
+              <a:ahLst/>
+              <a:cxnLst/>
+              <a:rect l="0" t="0" r="r" b="b"/>
+              <a:pathLst>
+                <a:path w="41" h="222">
+                  <a:moveTo>
+                    <a:pt x="0" y="0"/>
+                  </a:moveTo>
+                  <a:cubicBezTo>
+                    <a:pt x="0" y="31"/>
+                    <a:pt x="2" y="62"/>
+                    <a:pt x="5" y="93"/>
+                  </a:cubicBezTo>
+                  <a:cubicBezTo>
+                    <a:pt x="8" y="117"/>
+                    <a:pt x="12" y="142"/>
+                    <a:pt x="17" y="166"/>
+                  </a:cubicBezTo>
+                  <a:cubicBezTo>
+                    <a:pt x="19" y="172"/>
+                    <a:pt x="22" y="178"/>
+                    <a:pt x="24" y="184"/>
+                  </a:cubicBezTo>
+                  <a:cubicBezTo>
+                    <a:pt x="30" y="197"/>
+                    <a:pt x="35" y="209"/>
+                    <a:pt x="41" y="222"/>
+                  </a:cubicBezTo>
+                  <a:cubicBezTo>
+                    <a:pt x="40" y="219"/>
+                    <a:pt x="39" y="215"/>
+                    <a:pt x="38" y="212"/>
+                  </a:cubicBezTo>
+                  <a:cubicBezTo>
+                    <a:pt x="26" y="172"/>
+                    <a:pt x="18" y="132"/>
+                    <a:pt x="13" y="92"/>
+                  </a:cubicBezTo>
+                  <a:cubicBezTo>
+                    <a:pt x="11" y="68"/>
+                    <a:pt x="9" y="45"/>
+                    <a:pt x="8" y="22"/>
+                  </a:cubicBezTo>
+                  <a:cubicBezTo>
+                    <a:pt x="8" y="21"/>
+                    <a:pt x="7" y="20"/>
+                    <a:pt x="7" y="18"/>
+                  </a:cubicBezTo>
+                  <a:cubicBezTo>
+                    <a:pt x="5" y="12"/>
+                    <a:pt x="2" y="6"/>
+                    <a:pt x="0" y="0"/>
+                  </a:cubicBezTo>
+                  <a:close/>
+                </a:path>
+              </a:pathLst>
+            </a:custGeom>
+            <a:solidFill>
+              <a:schemeClr val="tx2">
+                <a:alpha val="20000"/>
+              </a:schemeClr>
+            </a:solidFill>
+            <a:ln>
+              <a:noFill/>
+            </a:ln>
+          </p:spPr>
+        </p:sp>
+        <p:sp>
+          <p:nvSpPr>
+            <p:cNvPr id="32" name="Freeform 19"/>
+            <p:cNvSpPr/>
+            <p:nvPr/>
+          </p:nvSpPr>
+          <p:spPr bwMode="auto">
+            <a:xfrm>
+              <a:off x="3148013" y="1282700"/>
+              <a:ext cx="1768475" cy="3448050"/>
+            </a:xfrm>
+            <a:custGeom>
+              <a:avLst/>
+              <a:gdLst/>
+              <a:ahLst/>
+              <a:cxnLst/>
+              <a:rect l="0" t="0" r="r" b="b"/>
+              <a:pathLst>
+                <a:path w="450" h="878">
+                  <a:moveTo>
+                    <a:pt x="7" y="854"/>
+                  </a:moveTo>
+                  <a:cubicBezTo>
+                    <a:pt x="10" y="772"/>
+                    <a:pt x="26" y="691"/>
+                    <a:pt x="50" y="613"/>
+                  </a:cubicBezTo>
+                  <a:cubicBezTo>
+                    <a:pt x="75" y="535"/>
+                    <a:pt x="109" y="460"/>
+                    <a:pt x="149" y="388"/>
+                  </a:cubicBezTo>
+                  <a:cubicBezTo>
+                    <a:pt x="189" y="316"/>
+                    <a:pt x="235" y="248"/>
+                    <a:pt x="285" y="183"/>
+                  </a:cubicBezTo>
+                  <a:cubicBezTo>
+                    <a:pt x="310" y="151"/>
+                    <a:pt x="337" y="119"/>
+                    <a:pt x="364" y="89"/>
+                  </a:cubicBezTo>
+                  <a:cubicBezTo>
+                    <a:pt x="378" y="74"/>
+                    <a:pt x="392" y="58"/>
+                    <a:pt x="406" y="44"/>
+                  </a:cubicBezTo>
+                  <a:cubicBezTo>
+                    <a:pt x="421" y="29"/>
+                    <a:pt x="435" y="15"/>
+                    <a:pt x="450" y="1"/>
+                  </a:cubicBezTo>
+                  <a:cubicBezTo>
+                    <a:pt x="450" y="0"/>
+                    <a:pt x="450" y="0"/>
+                    <a:pt x="450" y="0"/>
+                  </a:cubicBezTo>
+                  <a:cubicBezTo>
+                    <a:pt x="434" y="14"/>
+                    <a:pt x="420" y="28"/>
+                    <a:pt x="405" y="43"/>
+                  </a:cubicBezTo>
+                  <a:cubicBezTo>
+                    <a:pt x="391" y="57"/>
+                    <a:pt x="377" y="72"/>
+                    <a:pt x="363" y="88"/>
+                  </a:cubicBezTo>
+                  <a:cubicBezTo>
+                    <a:pt x="335" y="118"/>
+                    <a:pt x="308" y="149"/>
+                    <a:pt x="283" y="181"/>
+                  </a:cubicBezTo>
+                  <a:cubicBezTo>
+                    <a:pt x="232" y="246"/>
+                    <a:pt x="185" y="314"/>
+                    <a:pt x="145" y="386"/>
+                  </a:cubicBezTo>
+                  <a:cubicBezTo>
+                    <a:pt x="104" y="457"/>
+                    <a:pt x="70" y="533"/>
+                    <a:pt x="45" y="611"/>
+                  </a:cubicBezTo>
+                  <a:cubicBezTo>
+                    <a:pt x="19" y="690"/>
+                    <a:pt x="3" y="771"/>
+                    <a:pt x="0" y="854"/>
+                  </a:cubicBezTo>
+                  <a:cubicBezTo>
+                    <a:pt x="0" y="856"/>
+                    <a:pt x="0" y="857"/>
+                    <a:pt x="0" y="859"/>
+                  </a:cubicBezTo>
+                  <a:cubicBezTo>
+                    <a:pt x="2" y="865"/>
+                    <a:pt x="4" y="872"/>
+                    <a:pt x="7" y="878"/>
+                  </a:cubicBezTo>
+                  <a:cubicBezTo>
+                    <a:pt x="7" y="870"/>
+                    <a:pt x="7" y="862"/>
+                    <a:pt x="7" y="854"/>
+                  </a:cubicBezTo>
+                  <a:close/>
+                </a:path>
+              </a:pathLst>
+            </a:custGeom>
+            <a:solidFill>
+              <a:schemeClr val="tx2">
+                <a:alpha val="20000"/>
+              </a:schemeClr>
+            </a:solidFill>
+            <a:ln>
+              <a:noFill/>
+            </a:ln>
+          </p:spPr>
+        </p:sp>
+        <p:sp>
+          <p:nvSpPr>
+            <p:cNvPr id="33" name="Freeform 20"/>
+            <p:cNvSpPr/>
+            <p:nvPr/>
+          </p:nvSpPr>
+          <p:spPr bwMode="auto">
+            <a:xfrm>
+              <a:off x="3273426" y="5653088"/>
+              <a:ext cx="138113" cy="287338"/>
+            </a:xfrm>
+            <a:custGeom>
+              <a:avLst/>
+              <a:gdLst/>
+              <a:ahLst/>
+              <a:cxnLst/>
+              <a:rect l="0" t="0" r="r" b="b"/>
+              <a:pathLst>
+                <a:path w="35" h="73">
+                  <a:moveTo>
+                    <a:pt x="0" y="0"/>
+                  </a:moveTo>
+                  <a:cubicBezTo>
+                    <a:pt x="7" y="24"/>
+                    <a:pt x="16" y="49"/>
+                    <a:pt x="26" y="73"/>
+                  </a:cubicBezTo>
+                  <a:cubicBezTo>
+                    <a:pt x="35" y="73"/>
+                    <a:pt x="35" y="73"/>
+                    <a:pt x="35" y="73"/>
+                  </a:cubicBezTo>
+                  <a:cubicBezTo>
+                    <a:pt x="23" y="49"/>
+                    <a:pt x="11" y="24"/>
+                    <a:pt x="0" y="0"/>
+                  </a:cubicBezTo>
+                  <a:close/>
+                </a:path>
+              </a:pathLst>
+            </a:custGeom>
+            <a:solidFill>
+              <a:schemeClr val="tx2">
+                <a:alpha val="20000"/>
+              </a:schemeClr>
+            </a:solidFill>
+            <a:ln>
+              <a:noFill/>
+            </a:ln>
+          </p:spPr>
+        </p:sp>
+        <p:sp>
+          <p:nvSpPr>
+            <p:cNvPr id="34" name="Freeform 21"/>
+            <p:cNvSpPr/>
+            <p:nvPr/>
+          </p:nvSpPr>
+          <p:spPr bwMode="auto">
+            <a:xfrm>
+              <a:off x="3143251" y="4656138"/>
+              <a:ext cx="31750" cy="188913"/>
+            </a:xfrm>
+            <a:custGeom>
+              <a:avLst/>
+              <a:gdLst/>
+              <a:ahLst/>
+              <a:cxnLst/>
+              <a:rect l="0" t="0" r="r" b="b"/>
+              <a:pathLst>
+                <a:path w="8" h="48">
+                  <a:moveTo>
+                    <a:pt x="7" y="44"/>
+                  </a:moveTo>
+                  <a:cubicBezTo>
+                    <a:pt x="7" y="46"/>
+                    <a:pt x="8" y="47"/>
+                    <a:pt x="8" y="48"/>
+                  </a:cubicBezTo>
+                  <a:cubicBezTo>
+                    <a:pt x="8" y="38"/>
+                    <a:pt x="8" y="29"/>
+                    <a:pt x="8" y="19"/>
+                  </a:cubicBezTo>
+                  <a:cubicBezTo>
+                    <a:pt x="5" y="13"/>
+                    <a:pt x="3" y="6"/>
+                    <a:pt x="1" y="0"/>
+                  </a:cubicBezTo>
+                  <a:cubicBezTo>
+                    <a:pt x="0" y="9"/>
+                    <a:pt x="0" y="17"/>
+                    <a:pt x="0" y="26"/>
+                  </a:cubicBezTo>
+                  <a:cubicBezTo>
+                    <a:pt x="2" y="32"/>
+                    <a:pt x="5" y="38"/>
+                    <a:pt x="7" y="44"/>
+                  </a:cubicBezTo>
+                  <a:close/>
+                </a:path>
+              </a:pathLst>
+            </a:custGeom>
+            <a:solidFill>
+              <a:schemeClr val="tx2">
+                <a:alpha val="20000"/>
+              </a:schemeClr>
+            </a:solidFill>
+            <a:ln>
+              <a:noFill/>
+            </a:ln>
+          </p:spPr>
+        </p:sp>
+        <p:sp>
+          <p:nvSpPr>
+            <p:cNvPr id="35" name="Freeform 22"/>
+            <p:cNvSpPr/>
+            <p:nvPr/>
+          </p:nvSpPr>
+          <p:spPr bwMode="auto">
+            <a:xfrm>
+              <a:off x="3211513" y="5410200"/>
+              <a:ext cx="203200" cy="530225"/>
+            </a:xfrm>
+            <a:custGeom>
+              <a:avLst/>
+              <a:gdLst/>
+              <a:ahLst/>
+              <a:cxnLst/>
+              <a:rect l="0" t="0" r="r" b="b"/>
+              <a:pathLst>
+                <a:path w="52" h="135">
+                  <a:moveTo>
+                    <a:pt x="7" y="18"/>
+                  </a:moveTo>
+                  <a:cubicBezTo>
+                    <a:pt x="5" y="12"/>
+                    <a:pt x="2" y="6"/>
+                    <a:pt x="0" y="0"/>
+                  </a:cubicBezTo>
+                  <a:cubicBezTo>
+                    <a:pt x="3" y="16"/>
+                    <a:pt x="7" y="32"/>
+                    <a:pt x="12" y="48"/>
+                  </a:cubicBezTo>
+                  <a:cubicBezTo>
+                    <a:pt x="13" y="53"/>
+                    <a:pt x="14" y="57"/>
+                    <a:pt x="16" y="62"/>
+                  </a:cubicBezTo>
+                  <a:cubicBezTo>
+                    <a:pt x="27" y="86"/>
+                    <a:pt x="39" y="111"/>
+                    <a:pt x="51" y="135"/>
+                  </a:cubicBezTo>
+                  <a:cubicBezTo>
+                    <a:pt x="52" y="135"/>
+                    <a:pt x="52" y="135"/>
+                    <a:pt x="52" y="135"/>
+                  </a:cubicBezTo>
+                  <a:cubicBezTo>
+                    <a:pt x="41" y="109"/>
+                    <a:pt x="32" y="83"/>
+                    <a:pt x="24" y="56"/>
+                  </a:cubicBezTo>
+                  <a:cubicBezTo>
+                    <a:pt x="18" y="43"/>
+                    <a:pt x="13" y="31"/>
+                    <a:pt x="7" y="18"/>
+                  </a:cubicBezTo>
+                  <a:close/>
+                </a:path>
+              </a:pathLst>
+            </a:custGeom>
+            <a:solidFill>
+              <a:schemeClr val="tx2">
+                <a:alpha val="20000"/>
+              </a:schemeClr>
+            </a:solidFill>
+            <a:ln>
+              <a:noFill/>
+            </a:ln>
+          </p:spPr>
+        </p:sp>
+      </p:grpSp>
+      <p:grpSp>
+        <p:nvGrpSpPr>
+          <p:cNvPr id="10" name="Group 9"/>
+          <p:cNvGrpSpPr/>
+          <p:nvPr/>
+        </p:nvGrpSpPr>
+        <p:grpSpPr>
+          <a:xfrm>
+            <a:off x="27221" y="-786"/>
+            <a:ext cx="2356674" cy="6854039"/>
+            <a:chOff x="6627813" y="194833"/>
+            <a:chExt cx="1952625" cy="5678918"/>
+          </a:xfrm>
+        </p:grpSpPr>
+        <p:sp>
+          <p:nvSpPr>
+            <p:cNvPr id="11" name="Freeform 27"/>
+            <p:cNvSpPr/>
+            <p:nvPr/>
+          </p:nvSpPr>
+          <p:spPr bwMode="auto">
+            <a:xfrm>
+              <a:off x="6627813" y="194833"/>
+              <a:ext cx="409575" cy="3646488"/>
+            </a:xfrm>
+            <a:custGeom>
+              <a:avLst/>
+              <a:gdLst/>
+              <a:ahLst/>
+              <a:cxnLst/>
+              <a:rect l="0" t="0" r="r" b="b"/>
+              <a:pathLst>
+                <a:path w="103" h="920">
+                  <a:moveTo>
+                    <a:pt x="7" y="210"/>
+                  </a:moveTo>
+                  <a:cubicBezTo>
+                    <a:pt x="11" y="288"/>
+                    <a:pt x="17" y="367"/>
+                    <a:pt x="26" y="445"/>
+                  </a:cubicBezTo>
+                  <a:cubicBezTo>
+                    <a:pt x="34" y="523"/>
+                    <a:pt x="44" y="601"/>
+                    <a:pt x="57" y="679"/>
+                  </a:cubicBezTo>
+                  <a:cubicBezTo>
+                    <a:pt x="69" y="757"/>
+                    <a:pt x="84" y="834"/>
+                    <a:pt x="101" y="911"/>
+                  </a:cubicBezTo>
+                  <a:cubicBezTo>
+                    <a:pt x="102" y="914"/>
+                    <a:pt x="103" y="917"/>
+                    <a:pt x="103" y="920"/>
+                  </a:cubicBezTo>
+                  <a:cubicBezTo>
+                    <a:pt x="102" y="905"/>
+                    <a:pt x="100" y="889"/>
+                    <a:pt x="99" y="874"/>
+                  </a:cubicBezTo>
+                  <a:cubicBezTo>
+                    <a:pt x="99" y="871"/>
+                    <a:pt x="99" y="868"/>
+                    <a:pt x="99" y="866"/>
+                  </a:cubicBezTo>
+                  <a:cubicBezTo>
+                    <a:pt x="85" y="803"/>
+                    <a:pt x="73" y="741"/>
+                    <a:pt x="63" y="678"/>
+                  </a:cubicBezTo>
+                  <a:cubicBezTo>
+                    <a:pt x="50" y="600"/>
+                    <a:pt x="39" y="523"/>
+                    <a:pt x="30" y="444"/>
+                  </a:cubicBezTo>
+                  <a:cubicBezTo>
+                    <a:pt x="21" y="366"/>
+                    <a:pt x="14" y="288"/>
+                    <a:pt x="9" y="209"/>
+                  </a:cubicBezTo>
+                  <a:cubicBezTo>
+                    <a:pt x="7" y="170"/>
+                    <a:pt x="5" y="131"/>
+                    <a:pt x="3" y="92"/>
+                  </a:cubicBezTo>
+                  <a:cubicBezTo>
+                    <a:pt x="2" y="61"/>
+                    <a:pt x="1" y="31"/>
+                    <a:pt x="1" y="0"/>
+                  </a:cubicBezTo>
+                  <a:cubicBezTo>
+                    <a:pt x="0" y="0"/>
+                    <a:pt x="0" y="0"/>
+                    <a:pt x="0" y="0"/>
+                  </a:cubicBezTo>
+                  <a:cubicBezTo>
+                    <a:pt x="0" y="31"/>
+                    <a:pt x="1" y="61"/>
+                    <a:pt x="1" y="92"/>
+                  </a:cubicBezTo>
+                  <a:cubicBezTo>
+                    <a:pt x="3" y="131"/>
+                    <a:pt x="4" y="170"/>
+                    <a:pt x="7" y="210"/>
+                  </a:cubicBezTo>
+                  <a:close/>
+                </a:path>
+              </a:pathLst>
+            </a:custGeom>
+            <a:solidFill>
+              <a:schemeClr val="tx2"/>
+            </a:solidFill>
+            <a:ln>
+              <a:noFill/>
+            </a:ln>
+          </p:spPr>
+        </p:sp>
+        <p:sp>
+          <p:nvSpPr>
+            <p:cNvPr id="12" name="Freeform 28"/>
+            <p:cNvSpPr/>
+            <p:nvPr/>
+          </p:nvSpPr>
+          <p:spPr bwMode="auto">
+            <a:xfrm>
+              <a:off x="7061201" y="3771900"/>
+              <a:ext cx="350838" cy="1309688"/>
+            </a:xfrm>
+            <a:custGeom>
+              <a:avLst/>
+              <a:gdLst/>
+              <a:ahLst/>
+              <a:cxnLst/>
+              <a:rect l="0" t="0" r="r" b="b"/>
+              <a:pathLst>
+                <a:path w="88" h="330">
+                  <a:moveTo>
+                    <a:pt x="53" y="229"/>
+                  </a:moveTo>
+                  <a:cubicBezTo>
+                    <a:pt x="64" y="263"/>
+                    <a:pt x="75" y="297"/>
+                    <a:pt x="88" y="330"/>
+                  </a:cubicBezTo>
+                  <a:cubicBezTo>
+                    <a:pt x="88" y="323"/>
+                    <a:pt x="88" y="315"/>
+                    <a:pt x="88" y="308"/>
+                  </a:cubicBezTo>
+                  <a:cubicBezTo>
+                    <a:pt x="88" y="307"/>
+                    <a:pt x="88" y="305"/>
+                    <a:pt x="88" y="304"/>
+                  </a:cubicBezTo>
+                  <a:cubicBezTo>
+                    <a:pt x="79" y="278"/>
+                    <a:pt x="70" y="252"/>
+                    <a:pt x="62" y="226"/>
+                  </a:cubicBezTo>
+                  <a:cubicBezTo>
+                    <a:pt x="38" y="152"/>
+                    <a:pt x="17" y="76"/>
+                    <a:pt x="0" y="0"/>
+                  </a:cubicBezTo>
+                  <a:cubicBezTo>
+                    <a:pt x="2" y="21"/>
+                    <a:pt x="4" y="42"/>
+                    <a:pt x="7" y="63"/>
+                  </a:cubicBezTo>
+                  <a:cubicBezTo>
+                    <a:pt x="21" y="119"/>
+                    <a:pt x="36" y="174"/>
+                    <a:pt x="53" y="229"/>
+                  </a:cubicBezTo>
+                  <a:close/>
+                </a:path>
+              </a:pathLst>
+            </a:custGeom>
+            <a:solidFill>
+              <a:schemeClr val="tx2"/>
+            </a:solidFill>
+            <a:ln>
+              <a:noFill/>
+            </a:ln>
+          </p:spPr>
+        </p:sp>
+        <p:sp>
+          <p:nvSpPr>
+            <p:cNvPr id="13" name="Freeform 29"/>
+            <p:cNvSpPr/>
+            <p:nvPr/>
+          </p:nvSpPr>
+          <p:spPr bwMode="auto">
+            <a:xfrm>
+              <a:off x="7439026" y="5053013"/>
+              <a:ext cx="357188" cy="820738"/>
+            </a:xfrm>
+            <a:custGeom>
+              <a:avLst/>
+              <a:gdLst/>
+              <a:ahLst/>
+              <a:cxnLst/>
+              <a:rect l="0" t="0" r="r" b="b"/>
+              <a:pathLst>
+                <a:path w="90" h="207">
+                  <a:moveTo>
+                    <a:pt x="6" y="15"/>
+                  </a:moveTo>
+                  <a:cubicBezTo>
+                    <a:pt x="4" y="10"/>
+                    <a:pt x="2" y="5"/>
+                    <a:pt x="0" y="0"/>
+                  </a:cubicBezTo>
+                  <a:cubicBezTo>
+                    <a:pt x="0" y="9"/>
+                    <a:pt x="0" y="19"/>
+                    <a:pt x="1" y="29"/>
+                  </a:cubicBezTo>
+                  <a:cubicBezTo>
+                    <a:pt x="14" y="62"/>
+                    <a:pt x="27" y="95"/>
+                    <a:pt x="42" y="127"/>
+                  </a:cubicBezTo>
+                  <a:cubicBezTo>
+                    <a:pt x="54" y="154"/>
+                    <a:pt x="67" y="181"/>
+                    <a:pt x="80" y="207"/>
+                  </a:cubicBezTo>
+                  <a:cubicBezTo>
+                    <a:pt x="90" y="207"/>
+                    <a:pt x="90" y="207"/>
+                    <a:pt x="90" y="207"/>
+                  </a:cubicBezTo>
+                  <a:cubicBezTo>
+                    <a:pt x="76" y="180"/>
+                    <a:pt x="63" y="152"/>
+                    <a:pt x="50" y="123"/>
+                  </a:cubicBezTo>
+                  <a:cubicBezTo>
+                    <a:pt x="34" y="88"/>
+                    <a:pt x="20" y="51"/>
+                    <a:pt x="6" y="15"/>
+                  </a:cubicBezTo>
+                  <a:close/>
+                </a:path>
+              </a:pathLst>
+            </a:custGeom>
+            <a:solidFill>
+              <a:schemeClr val="tx2"/>
+            </a:solidFill>
+            <a:ln>
+              <a:noFill/>
+            </a:ln>
+          </p:spPr>
+        </p:sp>
+        <p:sp>
+          <p:nvSpPr>
+            <p:cNvPr id="14" name="Freeform 30"/>
+            <p:cNvSpPr/>
+            <p:nvPr/>
+          </p:nvSpPr>
+          <p:spPr bwMode="auto">
+            <a:xfrm>
+              <a:off x="7037388" y="3811588"/>
+              <a:ext cx="457200" cy="1852613"/>
+            </a:xfrm>
+            <a:custGeom>
+              <a:avLst/>
+              <a:gdLst/>
+              <a:ahLst/>
+              <a:cxnLst/>
+              <a:rect l="0" t="0" r="r" b="b"/>
+              <a:pathLst>
+                <a:path w="115" h="467">
+                  <a:moveTo>
+                    <a:pt x="101" y="409"/>
+                  </a:moveTo>
+                  <a:cubicBezTo>
+                    <a:pt x="93" y="388"/>
+                    <a:pt x="85" y="366"/>
+                    <a:pt x="78" y="344"/>
+                  </a:cubicBezTo>
+                  <a:cubicBezTo>
+                    <a:pt x="57" y="281"/>
+                    <a:pt x="41" y="216"/>
+                    <a:pt x="29" y="151"/>
+                  </a:cubicBezTo>
+                  <a:cubicBezTo>
+                    <a:pt x="22" y="119"/>
+                    <a:pt x="17" y="86"/>
+                    <a:pt x="13" y="53"/>
+                  </a:cubicBezTo>
+                  <a:cubicBezTo>
+                    <a:pt x="9" y="35"/>
+                    <a:pt x="4" y="18"/>
+                    <a:pt x="0" y="0"/>
+                  </a:cubicBezTo>
+                  <a:cubicBezTo>
+                    <a:pt x="5" y="51"/>
+                    <a:pt x="12" y="102"/>
+                    <a:pt x="21" y="152"/>
+                  </a:cubicBezTo>
+                  <a:cubicBezTo>
+                    <a:pt x="33" y="218"/>
+                    <a:pt x="49" y="283"/>
+                    <a:pt x="69" y="347"/>
+                  </a:cubicBezTo>
+                  <a:cubicBezTo>
+                    <a:pt x="79" y="378"/>
+                    <a:pt x="90" y="410"/>
+                    <a:pt x="103" y="441"/>
+                  </a:cubicBezTo>
+                  <a:cubicBezTo>
+                    <a:pt x="107" y="449"/>
+                    <a:pt x="111" y="458"/>
+                    <a:pt x="115" y="467"/>
+                  </a:cubicBezTo>
+                  <a:cubicBezTo>
+                    <a:pt x="114" y="464"/>
+                    <a:pt x="113" y="461"/>
+                    <a:pt x="112" y="458"/>
+                  </a:cubicBezTo>
+                  <a:cubicBezTo>
+                    <a:pt x="108" y="442"/>
+                    <a:pt x="104" y="425"/>
+                    <a:pt x="101" y="409"/>
+                  </a:cubicBezTo>
+                  <a:close/>
+                </a:path>
+              </a:pathLst>
+            </a:custGeom>
+            <a:solidFill>
+              <a:schemeClr val="tx2"/>
+            </a:solidFill>
+            <a:ln>
+              <a:noFill/>
+            </a:ln>
+          </p:spPr>
+        </p:sp>
+        <p:sp>
+          <p:nvSpPr>
+            <p:cNvPr id="15" name="Freeform 31"/>
+            <p:cNvSpPr/>
+            <p:nvPr/>
+          </p:nvSpPr>
+          <p:spPr bwMode="auto">
+            <a:xfrm>
+              <a:off x="6992938" y="1263650"/>
+              <a:ext cx="144463" cy="2508250"/>
+            </a:xfrm>
+            <a:custGeom>
+              <a:avLst/>
+              <a:gdLst/>
+              <a:ahLst/>
+              <a:cxnLst/>
+              <a:rect l="0" t="0" r="r" b="b"/>
+              <a:pathLst>
+                <a:path w="36" h="633">
+                  <a:moveTo>
+                    <a:pt x="17" y="633"/>
+                  </a:moveTo>
+                  <a:cubicBezTo>
+                    <a:pt x="15" y="621"/>
+                    <a:pt x="14" y="609"/>
+                    <a:pt x="13" y="597"/>
+                  </a:cubicBezTo>
+                  <a:cubicBezTo>
+                    <a:pt x="8" y="530"/>
+                    <a:pt x="5" y="464"/>
+                    <a:pt x="5" y="398"/>
+                  </a:cubicBezTo>
+                  <a:cubicBezTo>
+                    <a:pt x="5" y="331"/>
+                    <a:pt x="8" y="265"/>
+                    <a:pt x="13" y="198"/>
+                  </a:cubicBezTo>
+                  <a:cubicBezTo>
+                    <a:pt x="15" y="165"/>
+                    <a:pt x="18" y="132"/>
+                    <a:pt x="22" y="99"/>
+                  </a:cubicBezTo>
+                  <a:cubicBezTo>
+                    <a:pt x="26" y="66"/>
+                    <a:pt x="30" y="33"/>
+                    <a:pt x="36" y="0"/>
+                  </a:cubicBezTo>
+                  <a:cubicBezTo>
+                    <a:pt x="35" y="0"/>
+                    <a:pt x="35" y="0"/>
+                    <a:pt x="35" y="0"/>
+                  </a:cubicBezTo>
+                  <a:cubicBezTo>
+                    <a:pt x="29" y="33"/>
+                    <a:pt x="24" y="66"/>
+                    <a:pt x="20" y="99"/>
+                  </a:cubicBezTo>
+                  <a:cubicBezTo>
+                    <a:pt x="16" y="132"/>
+                    <a:pt x="13" y="165"/>
+                    <a:pt x="10" y="198"/>
+                  </a:cubicBezTo>
+                  <a:cubicBezTo>
+                    <a:pt x="4" y="264"/>
+                    <a:pt x="1" y="331"/>
+                    <a:pt x="1" y="398"/>
+                  </a:cubicBezTo>
+                  <a:cubicBezTo>
+                    <a:pt x="0" y="461"/>
+                    <a:pt x="2" y="525"/>
+                    <a:pt x="7" y="589"/>
+                  </a:cubicBezTo>
+                  <a:cubicBezTo>
+                    <a:pt x="10" y="603"/>
+                    <a:pt x="13" y="618"/>
+                    <a:pt x="16" y="632"/>
+                  </a:cubicBezTo>
+                  <a:cubicBezTo>
+                    <a:pt x="16" y="632"/>
+                    <a:pt x="17" y="633"/>
+                    <a:pt x="17" y="633"/>
+                  </a:cubicBezTo>
+                  <a:close/>
+                </a:path>
+              </a:pathLst>
+            </a:custGeom>
+            <a:solidFill>
+              <a:schemeClr val="tx2"/>
+            </a:solidFill>
+            <a:ln>
+              <a:noFill/>
+            </a:ln>
+          </p:spPr>
+        </p:sp>
+        <p:sp>
+          <p:nvSpPr>
+            <p:cNvPr id="16" name="Freeform 32"/>
+            <p:cNvSpPr/>
+            <p:nvPr/>
+          </p:nvSpPr>
+          <p:spPr bwMode="auto">
+            <a:xfrm>
+              <a:off x="7526338" y="5640388"/>
+              <a:ext cx="111125" cy="233363"/>
+            </a:xfrm>
+            <a:custGeom>
+              <a:avLst/>
+              <a:gdLst/>
+              <a:ahLst/>
+              <a:cxnLst/>
+              <a:rect l="0" t="0" r="r" b="b"/>
+              <a:pathLst>
+                <a:path w="28" h="59">
+                  <a:moveTo>
+                    <a:pt x="22" y="59"/>
+                  </a:moveTo>
+                  <a:cubicBezTo>
+                    <a:pt x="28" y="59"/>
+                    <a:pt x="28" y="59"/>
+                    <a:pt x="28" y="59"/>
+                  </a:cubicBezTo>
+                  <a:cubicBezTo>
+                    <a:pt x="18" y="40"/>
+                    <a:pt x="9" y="20"/>
+                    <a:pt x="0" y="0"/>
+                  </a:cubicBezTo>
+                  <a:cubicBezTo>
+                    <a:pt x="6" y="20"/>
+                    <a:pt x="13" y="40"/>
+                    <a:pt x="22" y="59"/>
+                  </a:cubicBezTo>
+                  <a:close/>
+                </a:path>
+              </a:pathLst>
+            </a:custGeom>
+            <a:solidFill>
+              <a:schemeClr val="tx2"/>
+            </a:solidFill>
+            <a:ln>
+              <a:noFill/>
+            </a:ln>
+          </p:spPr>
+        </p:sp>
+        <p:sp>
+          <p:nvSpPr>
+            <p:cNvPr id="17" name="Freeform 33"/>
+            <p:cNvSpPr/>
+            <p:nvPr/>
+          </p:nvSpPr>
+          <p:spPr bwMode="auto">
+            <a:xfrm>
+              <a:off x="7021513" y="3598863"/>
+              <a:ext cx="68263" cy="423863"/>
+            </a:xfrm>
+            <a:custGeom>
+              <a:avLst/>
+              <a:gdLst/>
+              <a:ahLst/>
+              <a:cxnLst/>
+              <a:rect l="0" t="0" r="r" b="b"/>
+              <a:pathLst>
+                <a:path w="17" h="107">
+                  <a:moveTo>
+                    <a:pt x="4" y="54"/>
+                  </a:moveTo>
+                  <a:cubicBezTo>
+                    <a:pt x="8" y="72"/>
+                    <a:pt x="13" y="89"/>
+                    <a:pt x="17" y="107"/>
+                  </a:cubicBezTo>
+                  <a:cubicBezTo>
+                    <a:pt x="14" y="86"/>
+                    <a:pt x="12" y="65"/>
+                    <a:pt x="10" y="44"/>
+                  </a:cubicBezTo>
+                  <a:cubicBezTo>
+                    <a:pt x="10" y="44"/>
+                    <a:pt x="9" y="43"/>
+                    <a:pt x="9" y="43"/>
+                  </a:cubicBezTo>
+                  <a:cubicBezTo>
+                    <a:pt x="6" y="29"/>
+                    <a:pt x="3" y="14"/>
+                    <a:pt x="0" y="0"/>
+                  </a:cubicBezTo>
+                  <a:cubicBezTo>
+                    <a:pt x="0" y="2"/>
+                    <a:pt x="0" y="5"/>
+                    <a:pt x="0" y="8"/>
+                  </a:cubicBezTo>
+                  <a:cubicBezTo>
+                    <a:pt x="1" y="23"/>
+                    <a:pt x="3" y="39"/>
+                    <a:pt x="4" y="54"/>
+                  </a:cubicBezTo>
+                  <a:close/>
+                </a:path>
+              </a:pathLst>
+            </a:custGeom>
+            <a:solidFill>
+              <a:schemeClr val="tx2"/>
+            </a:solidFill>
+            <a:ln>
+              <a:noFill/>
+            </a:ln>
+          </p:spPr>
+        </p:sp>
+        <p:sp>
+          <p:nvSpPr>
+            <p:cNvPr id="18" name="Freeform 34"/>
+            <p:cNvSpPr/>
+            <p:nvPr/>
+          </p:nvSpPr>
+          <p:spPr bwMode="auto">
+            <a:xfrm>
+              <a:off x="7412038" y="2801938"/>
+              <a:ext cx="1168400" cy="2251075"/>
+            </a:xfrm>
+            <a:custGeom>
+              <a:avLst/>
+              <a:gdLst/>
+              <a:ahLst/>
+              <a:cxnLst/>
+              <a:rect l="0" t="0" r="r" b="b"/>
+              <a:pathLst>
+                <a:path w="294" h="568">
+                  <a:moveTo>
+                    <a:pt x="8" y="553"/>
+                  </a:moveTo>
+                  <a:cubicBezTo>
+                    <a:pt x="9" y="501"/>
+                    <a:pt x="19" y="448"/>
+                    <a:pt x="35" y="397"/>
+                  </a:cubicBezTo>
+                  <a:cubicBezTo>
+                    <a:pt x="51" y="347"/>
+                    <a:pt x="73" y="298"/>
+                    <a:pt x="99" y="252"/>
+                  </a:cubicBezTo>
+                  <a:cubicBezTo>
+                    <a:pt x="124" y="205"/>
+                    <a:pt x="154" y="161"/>
+                    <a:pt x="187" y="119"/>
+                  </a:cubicBezTo>
+                  <a:cubicBezTo>
+                    <a:pt x="203" y="98"/>
+                    <a:pt x="220" y="77"/>
+                    <a:pt x="238" y="58"/>
+                  </a:cubicBezTo>
+                  <a:cubicBezTo>
+                    <a:pt x="247" y="48"/>
+                    <a:pt x="256" y="38"/>
+                    <a:pt x="265" y="28"/>
+                  </a:cubicBezTo>
+                  <a:cubicBezTo>
+                    <a:pt x="274" y="19"/>
+                    <a:pt x="284" y="9"/>
+                    <a:pt x="294" y="0"/>
+                  </a:cubicBezTo>
+                  <a:cubicBezTo>
+                    <a:pt x="293" y="0"/>
+                    <a:pt x="293" y="0"/>
+                    <a:pt x="293" y="0"/>
+                  </a:cubicBezTo>
+                  <a:cubicBezTo>
+                    <a:pt x="283" y="9"/>
+                    <a:pt x="273" y="18"/>
+                    <a:pt x="264" y="27"/>
+                  </a:cubicBezTo>
+                  <a:cubicBezTo>
+                    <a:pt x="255" y="37"/>
+                    <a:pt x="246" y="47"/>
+                    <a:pt x="237" y="56"/>
+                  </a:cubicBezTo>
+                  <a:cubicBezTo>
+                    <a:pt x="218" y="76"/>
+                    <a:pt x="201" y="96"/>
+                    <a:pt x="185" y="117"/>
+                  </a:cubicBezTo>
+                  <a:cubicBezTo>
+                    <a:pt x="151" y="159"/>
+                    <a:pt x="121" y="203"/>
+                    <a:pt x="95" y="249"/>
+                  </a:cubicBezTo>
+                  <a:cubicBezTo>
+                    <a:pt x="68" y="296"/>
+                    <a:pt x="46" y="345"/>
+                    <a:pt x="30" y="396"/>
+                  </a:cubicBezTo>
+                  <a:cubicBezTo>
+                    <a:pt x="13" y="445"/>
+                    <a:pt x="3" y="497"/>
+                    <a:pt x="0" y="549"/>
+                  </a:cubicBezTo>
+                  <a:cubicBezTo>
+                    <a:pt x="3" y="555"/>
+                    <a:pt x="5" y="561"/>
+                    <a:pt x="7" y="568"/>
+                  </a:cubicBezTo>
+                  <a:cubicBezTo>
+                    <a:pt x="7" y="563"/>
+                    <a:pt x="7" y="558"/>
+                    <a:pt x="8" y="553"/>
+                  </a:cubicBezTo>
+                  <a:close/>
+                </a:path>
+              </a:pathLst>
+            </a:custGeom>
+            <a:solidFill>
+              <a:schemeClr val="tx2"/>
+            </a:solidFill>
+            <a:ln>
+              <a:noFill/>
+            </a:ln>
+          </p:spPr>
+        </p:sp>
+        <p:sp>
+          <p:nvSpPr>
+            <p:cNvPr id="19" name="Freeform 35"/>
+            <p:cNvSpPr/>
+            <p:nvPr/>
+          </p:nvSpPr>
+          <p:spPr bwMode="auto">
+            <a:xfrm>
+              <a:off x="7494588" y="5664200"/>
+              <a:ext cx="100013" cy="209550"/>
+            </a:xfrm>
+            <a:custGeom>
+              <a:avLst/>
+              <a:gdLst/>
+              <a:ahLst/>
+              <a:cxnLst/>
+              <a:rect l="0" t="0" r="r" b="b"/>
+              <a:pathLst>
+                <a:path w="25" h="53">
+                  <a:moveTo>
+                    <a:pt x="0" y="0"/>
+                  </a:moveTo>
+                  <a:cubicBezTo>
+                    <a:pt x="5" y="18"/>
+                    <a:pt x="12" y="36"/>
+                    <a:pt x="19" y="53"/>
+                  </a:cubicBezTo>
+                  <a:cubicBezTo>
+                    <a:pt x="25" y="53"/>
+                    <a:pt x="25" y="53"/>
+                    <a:pt x="25" y="53"/>
+                  </a:cubicBezTo>
+                  <a:cubicBezTo>
+                    <a:pt x="16" y="36"/>
+                    <a:pt x="8" y="18"/>
+                    <a:pt x="0" y="0"/>
+                  </a:cubicBezTo>
+                  <a:close/>
+                </a:path>
+              </a:pathLst>
+            </a:custGeom>
+            <a:solidFill>
+              <a:schemeClr val="tx2"/>
+            </a:solidFill>
+            <a:ln>
+              <a:noFill/>
+            </a:ln>
+          </p:spPr>
+        </p:sp>
+        <p:sp>
+          <p:nvSpPr>
+            <p:cNvPr id="20" name="Freeform 36"/>
+            <p:cNvSpPr/>
+            <p:nvPr/>
+          </p:nvSpPr>
+          <p:spPr bwMode="auto">
+            <a:xfrm>
+              <a:off x="7412038" y="5081588"/>
+              <a:ext cx="114300" cy="558800"/>
+            </a:xfrm>
+            <a:custGeom>
+              <a:avLst/>
+              <a:gdLst/>
+              <a:ahLst/>
+              <a:cxnLst/>
+              <a:rect l="0" t="0" r="r" b="b"/>
+              <a:pathLst>
+                <a:path w="29" h="141">
+                  <a:moveTo>
+                    <a:pt x="0" y="0"/>
+                  </a:moveTo>
+                  <a:cubicBezTo>
+                    <a:pt x="0" y="30"/>
+                    <a:pt x="2" y="60"/>
+                    <a:pt x="7" y="89"/>
+                  </a:cubicBezTo>
+                  <a:cubicBezTo>
+                    <a:pt x="11" y="98"/>
+                    <a:pt x="14" y="108"/>
+                    <a:pt x="18" y="117"/>
+                  </a:cubicBezTo>
+                  <a:cubicBezTo>
+                    <a:pt x="22" y="125"/>
+                    <a:pt x="25" y="133"/>
+                    <a:pt x="29" y="141"/>
+                  </a:cubicBezTo>
+                  <a:cubicBezTo>
+                    <a:pt x="28" y="139"/>
+                    <a:pt x="28" y="137"/>
+                    <a:pt x="27" y="135"/>
+                  </a:cubicBezTo>
+                  <a:cubicBezTo>
+                    <a:pt x="16" y="98"/>
+                    <a:pt x="10" y="60"/>
+                    <a:pt x="8" y="22"/>
+                  </a:cubicBezTo>
+                  <a:cubicBezTo>
+                    <a:pt x="7" y="18"/>
+                    <a:pt x="5" y="15"/>
+                    <a:pt x="4" y="11"/>
+                  </a:cubicBezTo>
+                  <a:cubicBezTo>
+                    <a:pt x="2" y="7"/>
+                    <a:pt x="1" y="3"/>
+                    <a:pt x="0" y="0"/>
+                  </a:cubicBezTo>
+                  <a:close/>
+                </a:path>
+              </a:pathLst>
+            </a:custGeom>
+            <a:solidFill>
+              <a:schemeClr val="tx2"/>
+            </a:solidFill>
+            <a:ln>
+              <a:noFill/>
+            </a:ln>
+          </p:spPr>
+        </p:sp>
+        <p:sp>
+          <p:nvSpPr>
+            <p:cNvPr id="21" name="Freeform 37"/>
+            <p:cNvSpPr/>
+            <p:nvPr/>
+          </p:nvSpPr>
+          <p:spPr bwMode="auto">
+            <a:xfrm>
+              <a:off x="7412038" y="4978400"/>
+              <a:ext cx="31750" cy="188913"/>
+            </a:xfrm>
+            <a:custGeom>
+              <a:avLst/>
+              <a:gdLst/>
+              <a:ahLst/>
+              <a:cxnLst/>
+              <a:rect l="0" t="0" r="r" b="b"/>
+              <a:pathLst>
+                <a:path w="8" h="48">
+                  <a:moveTo>
+                    <a:pt x="0" y="26"/>
+                  </a:moveTo>
+                  <a:cubicBezTo>
+                    <a:pt x="1" y="29"/>
+                    <a:pt x="2" y="33"/>
+                    <a:pt x="4" y="37"/>
+                  </a:cubicBezTo>
+                  <a:cubicBezTo>
+                    <a:pt x="5" y="41"/>
+                    <a:pt x="7" y="44"/>
+                    <a:pt x="8" y="48"/>
+                  </a:cubicBezTo>
+                  <a:cubicBezTo>
+                    <a:pt x="7" y="38"/>
+                    <a:pt x="7" y="28"/>
+                    <a:pt x="7" y="19"/>
+                  </a:cubicBezTo>
+                  <a:cubicBezTo>
+                    <a:pt x="5" y="12"/>
+                    <a:pt x="3" y="6"/>
+                    <a:pt x="0" y="0"/>
+                  </a:cubicBezTo>
+                  <a:cubicBezTo>
+                    <a:pt x="0" y="1"/>
+                    <a:pt x="0" y="3"/>
+                    <a:pt x="0" y="4"/>
+                  </a:cubicBezTo>
+                  <a:cubicBezTo>
+                    <a:pt x="0" y="11"/>
+                    <a:pt x="0" y="19"/>
+                    <a:pt x="0" y="26"/>
+                  </a:cubicBezTo>
+                  <a:close/>
+                </a:path>
+              </a:pathLst>
+            </a:custGeom>
+            <a:solidFill>
+              <a:schemeClr val="tx2"/>
+            </a:solidFill>
+            <a:ln>
+              <a:noFill/>
+            </a:ln>
+          </p:spPr>
+        </p:sp>
+        <p:sp>
+          <p:nvSpPr>
+            <p:cNvPr id="22" name="Freeform 38"/>
+            <p:cNvSpPr/>
+            <p:nvPr/>
+          </p:nvSpPr>
+          <p:spPr bwMode="auto">
+            <a:xfrm>
+              <a:off x="7439026" y="5434013"/>
+              <a:ext cx="174625" cy="439738"/>
+            </a:xfrm>
+            <a:custGeom>
+              <a:avLst/>
+              <a:gdLst/>
+              <a:ahLst/>
+              <a:cxnLst/>
+              <a:rect l="0" t="0" r="r" b="b"/>
+              <a:pathLst>
+                <a:path w="44" h="111">
+                  <a:moveTo>
+                    <a:pt x="11" y="28"/>
+                  </a:moveTo>
+                  <a:cubicBezTo>
+                    <a:pt x="7" y="19"/>
+                    <a:pt x="4" y="9"/>
+                    <a:pt x="0" y="0"/>
+                  </a:cubicBezTo>
+                  <a:cubicBezTo>
+                    <a:pt x="3" y="16"/>
+                    <a:pt x="7" y="33"/>
+                    <a:pt x="11" y="49"/>
+                  </a:cubicBezTo>
+                  <a:cubicBezTo>
+                    <a:pt x="12" y="52"/>
+                    <a:pt x="13" y="55"/>
+                    <a:pt x="14" y="58"/>
+                  </a:cubicBezTo>
+                  <a:cubicBezTo>
+                    <a:pt x="22" y="76"/>
+                    <a:pt x="30" y="94"/>
+                    <a:pt x="39" y="111"/>
+                  </a:cubicBezTo>
+                  <a:cubicBezTo>
+                    <a:pt x="44" y="111"/>
+                    <a:pt x="44" y="111"/>
+                    <a:pt x="44" y="111"/>
+                  </a:cubicBezTo>
+                  <a:cubicBezTo>
+                    <a:pt x="35" y="92"/>
+                    <a:pt x="28" y="72"/>
+                    <a:pt x="22" y="52"/>
+                  </a:cubicBezTo>
+                  <a:cubicBezTo>
+                    <a:pt x="18" y="44"/>
+                    <a:pt x="15" y="36"/>
+                    <a:pt x="11" y="28"/>
+                  </a:cubicBezTo>
+                  <a:close/>
+                </a:path>
+              </a:pathLst>
+            </a:custGeom>
+            <a:solidFill>
+              <a:schemeClr val="tx2"/>
+            </a:solidFill>
+            <a:ln>
+              <a:noFill/>
+            </a:ln>
+          </p:spPr>
+        </p:sp>
+      </p:grpSp>
+      <p:sp>
+        <p:nvSpPr>
+          <p:cNvPr id="7" name="Rectangle 6"/>
+          <p:cNvSpPr/>
+          <p:nvPr/>
+        </p:nvSpPr>
+        <p:spPr>
+          <a:xfrm>
+            <a:off x="0" y="0"/>
+            <a:ext cx="182880" cy="6858000"/>
+          </a:xfrm>
+          <a:prstGeom prst="rect">
+            <a:avLst/>
+          </a:prstGeom>
+          <a:solidFill>
+            <a:schemeClr val="tx2"/>
+          </a:solidFill>
+          <a:ln>
+            <a:noFill/>
+          </a:ln>
+          <a:effectLst/>
+        </p:spPr>
+        <p:style>
+          <a:lnRef idx="1">
+            <a:schemeClr val="accent1"/>
+          </a:lnRef>
+          <a:fillRef idx="3">
+            <a:schemeClr val="accent1"/>
+          </a:fillRef>
+          <a:effectRef idx="2">
+            <a:schemeClr val="accent1"/>
+          </a:effectRef>
+          <a:fontRef idx="minor">
+            <a:schemeClr val="lt1"/>
+          </a:fontRef>
+        </p:style>
+      </p:sp>
+      <p:sp>
+        <p:nvSpPr>
+          <p:cNvPr id="2" name="Title Placeholder 1"/>
           <p:cNvSpPr>
             <a:spLocks noGrp="1"/>
           </p:cNvSpPr>
@@ -3984,15 +8363,15 @@
         </p:nvSpPr>
         <p:spPr>
           <a:xfrm>
-            <a:off x="838200" y="365125"/>
-            <a:ext cx="10515600" cy="1325563"/>
+            <a:off x="2592924" y="624110"/>
+            <a:ext cx="8911687" cy="1280890"/>
           </a:xfrm>
           <a:prstGeom prst="rect">
             <a:avLst/>
           </a:prstGeom>
         </p:spPr>
         <p:txBody>
-          <a:bodyPr vert="horz" lIns="91440" tIns="45720" rIns="91440" bIns="45720" rtlCol="0" anchor="ctr">
+          <a:bodyPr vert="horz" lIns="91440" tIns="45720" rIns="91440" bIns="45720" rtlCol="0" anchor="t">
             <a:normAutofit/>
           </a:bodyPr>
           <a:lstStyle/>
@@ -4001,19 +8380,13 @@
               <a:rPr lang="en-US"/>
               <a:t>Click to edit Master title style</a:t>
             </a:r>
-            <a:endParaRPr lang="en-IN"/>
-          </a:p>
-        </p:txBody>
-      </p:sp>
-      <p:sp>
-        <p:nvSpPr>
-          <p:cNvPr id="3" name="Text Placeholder 2">
-            <a:extLst>
-              <a:ext uri="{FF2B5EF4-FFF2-40B4-BE49-F238E27FC236}">
-                <a16:creationId xmlns:a16="http://schemas.microsoft.com/office/drawing/2014/main" id="{6C6262E0-E358-1EB0-925E-028ED4B8BC1F}"/>
-              </a:ext>
-            </a:extLst>
-          </p:cNvPr>
+            <a:endParaRPr lang="en-US" dirty="0"/>
+          </a:p>
+        </p:txBody>
+      </p:sp>
+      <p:sp>
+        <p:nvSpPr>
+          <p:cNvPr id="3" name="Text Placeholder 2"/>
           <p:cNvSpPr>
             <a:spLocks noGrp="1"/>
           </p:cNvSpPr>
@@ -4023,8 +8396,8 @@
         </p:nvSpPr>
         <p:spPr>
           <a:xfrm>
-            <a:off x="838200" y="1825625"/>
-            <a:ext cx="10515600" cy="4351338"/>
+            <a:off x="2589212" y="2133600"/>
+            <a:ext cx="8915400" cy="3886200"/>
           </a:xfrm>
           <a:prstGeom prst="rect">
             <a:avLst/>
@@ -4069,19 +8442,13 @@
               <a:rPr lang="en-US"/>
               <a:t>Fifth level</a:t>
             </a:r>
-            <a:endParaRPr lang="en-IN"/>
-          </a:p>
-        </p:txBody>
-      </p:sp>
-      <p:sp>
-        <p:nvSpPr>
-          <p:cNvPr id="4" name="Date Placeholder 3">
-            <a:extLst>
-              <a:ext uri="{FF2B5EF4-FFF2-40B4-BE49-F238E27FC236}">
-                <a16:creationId xmlns:a16="http://schemas.microsoft.com/office/drawing/2014/main" id="{6B0120D3-6601-61F6-47EA-133478B745B4}"/>
-              </a:ext>
-            </a:extLst>
-          </p:cNvPr>
+            <a:endParaRPr lang="en-US" dirty="0"/>
+          </a:p>
+        </p:txBody>
+      </p:sp>
+      <p:sp>
+        <p:nvSpPr>
+          <p:cNvPr id="4" name="Date Placeholder 3"/>
           <p:cNvSpPr>
             <a:spLocks noGrp="1"/>
           </p:cNvSpPr>
@@ -4091,8 +8458,8 @@
         </p:nvSpPr>
         <p:spPr>
           <a:xfrm>
-            <a:off x="838200" y="6356350"/>
-            <a:ext cx="2743200" cy="365125"/>
+            <a:off x="10361612" y="6130437"/>
+            <a:ext cx="1146283" cy="370396"/>
           </a:xfrm>
           <a:prstGeom prst="rect">
             <a:avLst/>
@@ -4101,8 +8468,8 @@
         <p:txBody>
           <a:bodyPr vert="horz" lIns="91440" tIns="45720" rIns="91440" bIns="45720" rtlCol="0" anchor="ctr"/>
           <a:lstStyle>
-            <a:lvl1pPr algn="l">
-              <a:defRPr sz="1200">
+            <a:lvl1pPr algn="r">
+              <a:defRPr sz="900">
                 <a:solidFill>
                   <a:schemeClr val="tx1">
                     <a:tint val="75000"/>
@@ -4114,7 +8481,7 @@
           <a:p>
             <a:fld id="{A05B2AF8-B3A2-4253-A941-30B3882CDF69}" type="datetimeFigureOut">
               <a:rPr lang="en-IN" smtClean="0"/>
-              <a:t>18-01-2024</a:t>
+              <a:t>19-01-2024</a:t>
             </a:fld>
             <a:endParaRPr lang="en-IN"/>
           </a:p>
@@ -4122,13 +8489,7 @@
       </p:sp>
       <p:sp>
         <p:nvSpPr>
-          <p:cNvPr id="5" name="Footer Placeholder 4">
-            <a:extLst>
-              <a:ext uri="{FF2B5EF4-FFF2-40B4-BE49-F238E27FC236}">
-                <a16:creationId xmlns:a16="http://schemas.microsoft.com/office/drawing/2014/main" id="{741227CF-9AF9-031E-732C-2B50420ABD17}"/>
-              </a:ext>
-            </a:extLst>
-          </p:cNvPr>
+          <p:cNvPr id="5" name="Footer Placeholder 4"/>
           <p:cNvSpPr>
             <a:spLocks noGrp="1"/>
           </p:cNvSpPr>
@@ -4138,8 +8499,8 @@
         </p:nvSpPr>
         <p:spPr>
           <a:xfrm>
-            <a:off x="4038600" y="6356350"/>
-            <a:ext cx="4114800" cy="365125"/>
+            <a:off x="2589212" y="6135808"/>
+            <a:ext cx="7619999" cy="365125"/>
           </a:xfrm>
           <a:prstGeom prst="rect">
             <a:avLst/>
@@ -4148,8 +8509,8 @@
         <p:txBody>
           <a:bodyPr vert="horz" lIns="91440" tIns="45720" rIns="91440" bIns="45720" rtlCol="0" anchor="ctr"/>
           <a:lstStyle>
-            <a:lvl1pPr algn="ctr">
-              <a:defRPr sz="1200">
+            <a:lvl1pPr algn="l">
+              <a:defRPr sz="900">
                 <a:solidFill>
                   <a:schemeClr val="tx1">
                     <a:tint val="75000"/>
@@ -4165,13 +8526,7 @@
       </p:sp>
       <p:sp>
         <p:nvSpPr>
-          <p:cNvPr id="6" name="Slide Number Placeholder 5">
-            <a:extLst>
-              <a:ext uri="{FF2B5EF4-FFF2-40B4-BE49-F238E27FC236}">
-                <a16:creationId xmlns:a16="http://schemas.microsoft.com/office/drawing/2014/main" id="{A4EEA16E-762E-EF78-D4F2-56EA1A81E6EA}"/>
-              </a:ext>
-            </a:extLst>
-          </p:cNvPr>
+          <p:cNvPr id="6" name="Slide Number Placeholder 5"/>
           <p:cNvSpPr>
             <a:spLocks noGrp="1"/>
           </p:cNvSpPr>
@@ -4181,8 +8536,8 @@
         </p:nvSpPr>
         <p:spPr>
           <a:xfrm>
-            <a:off x="8610600" y="6356350"/>
-            <a:ext cx="2743200" cy="365125"/>
+            <a:off x="531812" y="787782"/>
+            <a:ext cx="779767" cy="365125"/>
           </a:xfrm>
           <a:prstGeom prst="rect">
             <a:avLst/>
@@ -4192,11 +8547,9 @@
           <a:bodyPr vert="horz" lIns="91440" tIns="45720" rIns="91440" bIns="45720" rtlCol="0" anchor="ctr"/>
           <a:lstStyle>
             <a:lvl1pPr algn="r">
-              <a:defRPr sz="1200">
-                <a:solidFill>
-                  <a:schemeClr val="tx1">
-                    <a:tint val="75000"/>
-                  </a:schemeClr>
+              <a:defRPr sz="2000">
+                <a:solidFill>
+                  <a:srgbClr val="FEFFFF"/>
                 </a:solidFill>
               </a:defRPr>
             </a:lvl1pPr>
@@ -4213,202 +8566,317 @@
     </p:spTree>
     <p:extLst>
       <p:ext uri="{BB962C8B-B14F-4D97-AF65-F5344CB8AC3E}">
-        <p14:creationId xmlns:p14="http://schemas.microsoft.com/office/powerpoint/2010/main" val="3638034470"/>
+        <p14:creationId xmlns:p14="http://schemas.microsoft.com/office/powerpoint/2010/main" val="4199419211"/>
       </p:ext>
     </p:extLst>
   </p:cSld>
   <p:clrMap bg1="lt1" tx1="dk1" bg2="lt2" tx2="dk2" accent1="accent1" accent2="accent2" accent3="accent3" accent4="accent4" accent5="accent5" accent6="accent6" hlink="hlink" folHlink="folHlink"/>
   <p:sldLayoutIdLst>
-    <p:sldLayoutId id="2147483649" r:id="rId1"/>
-    <p:sldLayoutId id="2147483650" r:id="rId2"/>
-    <p:sldLayoutId id="2147483651" r:id="rId3"/>
-    <p:sldLayoutId id="2147483652" r:id="rId4"/>
-    <p:sldLayoutId id="2147483653" r:id="rId5"/>
-    <p:sldLayoutId id="2147483654" r:id="rId6"/>
-    <p:sldLayoutId id="2147483655" r:id="rId7"/>
-    <p:sldLayoutId id="2147483656" r:id="rId8"/>
-    <p:sldLayoutId id="2147483657" r:id="rId9"/>
-    <p:sldLayoutId id="2147483658" r:id="rId10"/>
-    <p:sldLayoutId id="2147483659" r:id="rId11"/>
-    <p:sldLayoutId id="2147483660" r:id="rId12"/>
+    <p:sldLayoutId id="2147483764" r:id="rId1"/>
+    <p:sldLayoutId id="2147483765" r:id="rId2"/>
+    <p:sldLayoutId id="2147483766" r:id="rId3"/>
+    <p:sldLayoutId id="2147483767" r:id="rId4"/>
+    <p:sldLayoutId id="2147483768" r:id="rId5"/>
+    <p:sldLayoutId id="2147483769" r:id="rId6"/>
+    <p:sldLayoutId id="2147483770" r:id="rId7"/>
+    <p:sldLayoutId id="2147483771" r:id="rId8"/>
+    <p:sldLayoutId id="2147483772" r:id="rId9"/>
+    <p:sldLayoutId id="2147483773" r:id="rId10"/>
+    <p:sldLayoutId id="2147483774" r:id="rId11"/>
+    <p:sldLayoutId id="2147483775" r:id="rId12"/>
+    <p:sldLayoutId id="2147483776" r:id="rId13"/>
+    <p:sldLayoutId id="2147483777" r:id="rId14"/>
+    <p:sldLayoutId id="2147483778" r:id="rId15"/>
+    <p:sldLayoutId id="2147483779" r:id="rId16"/>
+    <p:sldLayoutId id="2147483780" r:id="rId17"/>
   </p:sldLayoutIdLst>
   <p:txStyles>
     <p:titleStyle>
-      <a:lvl1pPr algn="l" defTabSz="914400" rtl="0" eaLnBrk="1" latinLnBrk="0" hangingPunct="1">
-        <a:lnSpc>
-          <a:spcPct val="90000"/>
-        </a:lnSpc>
+      <a:lvl1pPr algn="l" defTabSz="457200" rtl="0" eaLnBrk="1" latinLnBrk="0" hangingPunct="1">
         <a:spcBef>
           <a:spcPct val="0"/>
         </a:spcBef>
         <a:buNone/>
-        <a:defRPr sz="4400" kern="1200">
+        <a:defRPr sz="3600" kern="1200">
           <a:solidFill>
-            <a:schemeClr val="tx1"/>
+            <a:schemeClr val="tx1">
+              <a:lumMod val="85000"/>
+              <a:lumOff val="15000"/>
+            </a:schemeClr>
           </a:solidFill>
           <a:latin typeface="+mj-lt"/>
           <a:ea typeface="+mj-ea"/>
           <a:cs typeface="+mj-cs"/>
         </a:defRPr>
       </a:lvl1pPr>
+      <a:lvl2pPr eaLnBrk="1" hangingPunct="1">
+        <a:defRPr>
+          <a:solidFill>
+            <a:schemeClr val="tx2"/>
+          </a:solidFill>
+        </a:defRPr>
+      </a:lvl2pPr>
+      <a:lvl3pPr eaLnBrk="1" hangingPunct="1">
+        <a:defRPr>
+          <a:solidFill>
+            <a:schemeClr val="tx2"/>
+          </a:solidFill>
+        </a:defRPr>
+      </a:lvl3pPr>
+      <a:lvl4pPr eaLnBrk="1" hangingPunct="1">
+        <a:defRPr>
+          <a:solidFill>
+            <a:schemeClr val="tx2"/>
+          </a:solidFill>
+        </a:defRPr>
+      </a:lvl4pPr>
+      <a:lvl5pPr eaLnBrk="1" hangingPunct="1">
+        <a:defRPr>
+          <a:solidFill>
+            <a:schemeClr val="tx2"/>
+          </a:solidFill>
+        </a:defRPr>
+      </a:lvl5pPr>
+      <a:lvl6pPr eaLnBrk="1" hangingPunct="1">
+        <a:defRPr>
+          <a:solidFill>
+            <a:schemeClr val="tx2"/>
+          </a:solidFill>
+        </a:defRPr>
+      </a:lvl6pPr>
+      <a:lvl7pPr eaLnBrk="1" hangingPunct="1">
+        <a:defRPr>
+          <a:solidFill>
+            <a:schemeClr val="tx2"/>
+          </a:solidFill>
+        </a:defRPr>
+      </a:lvl7pPr>
+      <a:lvl8pPr eaLnBrk="1" hangingPunct="1">
+        <a:defRPr>
+          <a:solidFill>
+            <a:schemeClr val="tx2"/>
+          </a:solidFill>
+        </a:defRPr>
+      </a:lvl8pPr>
+      <a:lvl9pPr eaLnBrk="1" hangingPunct="1">
+        <a:defRPr>
+          <a:solidFill>
+            <a:schemeClr val="tx2"/>
+          </a:solidFill>
+        </a:defRPr>
+      </a:lvl9pPr>
     </p:titleStyle>
     <p:bodyStyle>
-      <a:lvl1pPr marL="228600" indent="-228600" algn="l" defTabSz="914400" rtl="0" eaLnBrk="1" latinLnBrk="0" hangingPunct="1">
-        <a:lnSpc>
-          <a:spcPct val="90000"/>
-        </a:lnSpc>
+      <a:lvl1pPr marL="342900" indent="-342900" algn="l" defTabSz="457200" rtl="0" eaLnBrk="1" latinLnBrk="0" hangingPunct="1">
         <a:spcBef>
           <a:spcPts val="1000"/>
         </a:spcBef>
-        <a:buFont typeface="Arial" panose="020B0604020202020204" pitchFamily="34" charset="0"/>
-        <a:buChar char="•"/>
-        <a:defRPr sz="2800" kern="1200">
+        <a:spcAft>
+          <a:spcPts val="0"/>
+        </a:spcAft>
+        <a:buClr>
+          <a:schemeClr val="accent1"/>
+        </a:buClr>
+        <a:buFont typeface="Wingdings 3" charset="2"/>
+        <a:buChar char=""/>
+        <a:defRPr sz="1800" kern="1200">
           <a:solidFill>
-            <a:schemeClr val="tx1"/>
+            <a:schemeClr val="tx1">
+              <a:lumMod val="75000"/>
+              <a:lumOff val="25000"/>
+            </a:schemeClr>
           </a:solidFill>
           <a:latin typeface="+mn-lt"/>
           <a:ea typeface="+mn-ea"/>
           <a:cs typeface="+mn-cs"/>
         </a:defRPr>
       </a:lvl1pPr>
-      <a:lvl2pPr marL="685800" indent="-228600" algn="l" defTabSz="914400" rtl="0" eaLnBrk="1" latinLnBrk="0" hangingPunct="1">
-        <a:lnSpc>
-          <a:spcPct val="90000"/>
-        </a:lnSpc>
+      <a:lvl2pPr marL="742950" indent="-285750" algn="l" defTabSz="457200" rtl="0" eaLnBrk="1" latinLnBrk="0" hangingPunct="1">
         <a:spcBef>
-          <a:spcPts val="500"/>
+          <a:spcPts val="1000"/>
         </a:spcBef>
-        <a:buFont typeface="Arial" panose="020B0604020202020204" pitchFamily="34" charset="0"/>
-        <a:buChar char="•"/>
-        <a:defRPr sz="2400" kern="1200">
+        <a:spcAft>
+          <a:spcPts val="0"/>
+        </a:spcAft>
+        <a:buClr>
+          <a:schemeClr val="accent1"/>
+        </a:buClr>
+        <a:buFont typeface="Wingdings 3" charset="2"/>
+        <a:buChar char=""/>
+        <a:defRPr sz="1600" kern="1200">
           <a:solidFill>
-            <a:schemeClr val="tx1"/>
+            <a:schemeClr val="tx1">
+              <a:lumMod val="75000"/>
+              <a:lumOff val="25000"/>
+            </a:schemeClr>
           </a:solidFill>
           <a:latin typeface="+mn-lt"/>
           <a:ea typeface="+mn-ea"/>
           <a:cs typeface="+mn-cs"/>
         </a:defRPr>
       </a:lvl2pPr>
-      <a:lvl3pPr marL="1143000" indent="-228600" algn="l" defTabSz="914400" rtl="0" eaLnBrk="1" latinLnBrk="0" hangingPunct="1">
-        <a:lnSpc>
-          <a:spcPct val="90000"/>
-        </a:lnSpc>
+      <a:lvl3pPr marL="1143000" indent="-228600" algn="l" defTabSz="457200" rtl="0" eaLnBrk="1" latinLnBrk="0" hangingPunct="1">
         <a:spcBef>
-          <a:spcPts val="500"/>
+          <a:spcPts val="1000"/>
         </a:spcBef>
-        <a:buFont typeface="Arial" panose="020B0604020202020204" pitchFamily="34" charset="0"/>
-        <a:buChar char="•"/>
-        <a:defRPr sz="2000" kern="1200">
+        <a:spcAft>
+          <a:spcPts val="0"/>
+        </a:spcAft>
+        <a:buClr>
+          <a:schemeClr val="accent1"/>
+        </a:buClr>
+        <a:buFont typeface="Wingdings 3" charset="2"/>
+        <a:buChar char=""/>
+        <a:defRPr sz="1400" kern="1200">
           <a:solidFill>
-            <a:schemeClr val="tx1"/>
+            <a:schemeClr val="tx1">
+              <a:lumMod val="75000"/>
+              <a:lumOff val="25000"/>
+            </a:schemeClr>
           </a:solidFill>
           <a:latin typeface="+mn-lt"/>
           <a:ea typeface="+mn-ea"/>
           <a:cs typeface="+mn-cs"/>
         </a:defRPr>
       </a:lvl3pPr>
-      <a:lvl4pPr marL="1600200" indent="-228600" algn="l" defTabSz="914400" rtl="0" eaLnBrk="1" latinLnBrk="0" hangingPunct="1">
-        <a:lnSpc>
-          <a:spcPct val="90000"/>
-        </a:lnSpc>
+      <a:lvl4pPr marL="1600200" indent="-228600" algn="l" defTabSz="457200" rtl="0" eaLnBrk="1" latinLnBrk="0" hangingPunct="1">
         <a:spcBef>
-          <a:spcPts val="500"/>
+          <a:spcPts val="1000"/>
         </a:spcBef>
-        <a:buFont typeface="Arial" panose="020B0604020202020204" pitchFamily="34" charset="0"/>
-        <a:buChar char="•"/>
-        <a:defRPr sz="1800" kern="1200">
+        <a:spcAft>
+          <a:spcPts val="0"/>
+        </a:spcAft>
+        <a:buClr>
+          <a:schemeClr val="accent1"/>
+        </a:buClr>
+        <a:buFont typeface="Wingdings 3" charset="2"/>
+        <a:buChar char=""/>
+        <a:defRPr sz="1200" kern="1200">
           <a:solidFill>
-            <a:schemeClr val="tx1"/>
+            <a:schemeClr val="tx1">
+              <a:lumMod val="75000"/>
+              <a:lumOff val="25000"/>
+            </a:schemeClr>
           </a:solidFill>
           <a:latin typeface="+mn-lt"/>
           <a:ea typeface="+mn-ea"/>
           <a:cs typeface="+mn-cs"/>
         </a:defRPr>
       </a:lvl4pPr>
-      <a:lvl5pPr marL="2057400" indent="-228600" algn="l" defTabSz="914400" rtl="0" eaLnBrk="1" latinLnBrk="0" hangingPunct="1">
-        <a:lnSpc>
-          <a:spcPct val="90000"/>
-        </a:lnSpc>
+      <a:lvl5pPr marL="2057400" indent="-228600" algn="l" defTabSz="457200" rtl="0" eaLnBrk="1" latinLnBrk="0" hangingPunct="1">
         <a:spcBef>
-          <a:spcPts val="500"/>
+          <a:spcPts val="1000"/>
         </a:spcBef>
-        <a:buFont typeface="Arial" panose="020B0604020202020204" pitchFamily="34" charset="0"/>
-        <a:buChar char="•"/>
-        <a:defRPr sz="1800" kern="1200">
+        <a:spcAft>
+          <a:spcPts val="0"/>
+        </a:spcAft>
+        <a:buClr>
+          <a:schemeClr val="accent1"/>
+        </a:buClr>
+        <a:buFont typeface="Wingdings 3" charset="2"/>
+        <a:buChar char=""/>
+        <a:defRPr sz="1200" kern="1200">
           <a:solidFill>
-            <a:schemeClr val="tx1"/>
+            <a:schemeClr val="tx1">
+              <a:lumMod val="75000"/>
+              <a:lumOff val="25000"/>
+            </a:schemeClr>
           </a:solidFill>
           <a:latin typeface="+mn-lt"/>
           <a:ea typeface="+mn-ea"/>
           <a:cs typeface="+mn-cs"/>
         </a:defRPr>
       </a:lvl5pPr>
-      <a:lvl6pPr marL="2514600" indent="-228600" algn="l" defTabSz="914400" rtl="0" eaLnBrk="1" latinLnBrk="0" hangingPunct="1">
-        <a:lnSpc>
-          <a:spcPct val="90000"/>
-        </a:lnSpc>
+      <a:lvl6pPr marL="2514600" indent="-228600" algn="l" defTabSz="457200" rtl="0" eaLnBrk="1" latinLnBrk="0" hangingPunct="1">
         <a:spcBef>
-          <a:spcPts val="500"/>
+          <a:spcPts val="1000"/>
         </a:spcBef>
-        <a:buFont typeface="Arial" panose="020B0604020202020204" pitchFamily="34" charset="0"/>
-        <a:buChar char="•"/>
-        <a:defRPr sz="1800" kern="1200">
+        <a:spcAft>
+          <a:spcPts val="0"/>
+        </a:spcAft>
+        <a:buClr>
+          <a:schemeClr val="accent1"/>
+        </a:buClr>
+        <a:buFont typeface="Wingdings 3" charset="2"/>
+        <a:buChar char=""/>
+        <a:defRPr sz="1200" kern="1200">
           <a:solidFill>
-            <a:schemeClr val="tx1"/>
+            <a:schemeClr val="tx1">
+              <a:lumMod val="75000"/>
+              <a:lumOff val="25000"/>
+            </a:schemeClr>
           </a:solidFill>
           <a:latin typeface="+mn-lt"/>
           <a:ea typeface="+mn-ea"/>
           <a:cs typeface="+mn-cs"/>
         </a:defRPr>
       </a:lvl6pPr>
-      <a:lvl7pPr marL="2971800" indent="-228600" algn="l" defTabSz="914400" rtl="0" eaLnBrk="1" latinLnBrk="0" hangingPunct="1">
-        <a:lnSpc>
-          <a:spcPct val="90000"/>
-        </a:lnSpc>
+      <a:lvl7pPr marL="2971800" indent="-228600" algn="l" defTabSz="457200" rtl="0" eaLnBrk="1" latinLnBrk="0" hangingPunct="1">
         <a:spcBef>
-          <a:spcPts val="500"/>
+          <a:spcPts val="1000"/>
         </a:spcBef>
-        <a:buFont typeface="Arial" panose="020B0604020202020204" pitchFamily="34" charset="0"/>
-        <a:buChar char="•"/>
-        <a:defRPr sz="1800" kern="1200">
+        <a:spcAft>
+          <a:spcPts val="0"/>
+        </a:spcAft>
+        <a:buClr>
+          <a:schemeClr val="accent1"/>
+        </a:buClr>
+        <a:buFont typeface="Wingdings 3" charset="2"/>
+        <a:buChar char=""/>
+        <a:defRPr sz="1200" kern="1200">
           <a:solidFill>
-            <a:schemeClr val="tx1"/>
+            <a:schemeClr val="tx1">
+              <a:lumMod val="75000"/>
+              <a:lumOff val="25000"/>
+            </a:schemeClr>
           </a:solidFill>
           <a:latin typeface="+mn-lt"/>
           <a:ea typeface="+mn-ea"/>
           <a:cs typeface="+mn-cs"/>
         </a:defRPr>
       </a:lvl7pPr>
-      <a:lvl8pPr marL="3429000" indent="-228600" algn="l" defTabSz="914400" rtl="0" eaLnBrk="1" latinLnBrk="0" hangingPunct="1">
-        <a:lnSpc>
-          <a:spcPct val="90000"/>
-        </a:lnSpc>
+      <a:lvl8pPr marL="3429000" indent="-228600" algn="l" defTabSz="457200" rtl="0" eaLnBrk="1" latinLnBrk="0" hangingPunct="1">
         <a:spcBef>
-          <a:spcPts val="500"/>
+          <a:spcPts val="1000"/>
         </a:spcBef>
-        <a:buFont typeface="Arial" panose="020B0604020202020204" pitchFamily="34" charset="0"/>
-        <a:buChar char="•"/>
-        <a:defRPr sz="1800" kern="1200">
+        <a:spcAft>
+          <a:spcPts val="0"/>
+        </a:spcAft>
+        <a:buClr>
+          <a:schemeClr val="accent1"/>
+        </a:buClr>
+        <a:buFont typeface="Wingdings 3" charset="2"/>
+        <a:buChar char=""/>
+        <a:defRPr sz="1200" kern="1200">
           <a:solidFill>
-            <a:schemeClr val="tx1"/>
+            <a:schemeClr val="tx1">
+              <a:lumMod val="75000"/>
+              <a:lumOff val="25000"/>
+            </a:schemeClr>
           </a:solidFill>
           <a:latin typeface="+mn-lt"/>
           <a:ea typeface="+mn-ea"/>
           <a:cs typeface="+mn-cs"/>
         </a:defRPr>
       </a:lvl8pPr>
-      <a:lvl9pPr marL="3886200" indent="-228600" algn="l" defTabSz="914400" rtl="0" eaLnBrk="1" latinLnBrk="0" hangingPunct="1">
-        <a:lnSpc>
-          <a:spcPct val="90000"/>
-        </a:lnSpc>
+      <a:lvl9pPr marL="3886200" indent="-228600" algn="l" defTabSz="457200" rtl="0" eaLnBrk="1" latinLnBrk="0" hangingPunct="1">
         <a:spcBef>
-          <a:spcPts val="500"/>
+          <a:spcPts val="1000"/>
         </a:spcBef>
-        <a:buFont typeface="Arial" panose="020B0604020202020204" pitchFamily="34" charset="0"/>
-        <a:buChar char="•"/>
-        <a:defRPr sz="1800" kern="1200">
+        <a:spcAft>
+          <a:spcPts val="0"/>
+        </a:spcAft>
+        <a:buClr>
+          <a:schemeClr val="accent1"/>
+        </a:buClr>
+        <a:buFont typeface="Wingdings 3" charset="2"/>
+        <a:buChar char=""/>
+        <a:defRPr sz="1200" kern="1200">
           <a:solidFill>
-            <a:schemeClr val="tx1"/>
+            <a:schemeClr val="tx1">
+              <a:lumMod val="75000"/>
+              <a:lumOff val="25000"/>
+            </a:schemeClr>
           </a:solidFill>
           <a:latin typeface="+mn-lt"/>
           <a:ea typeface="+mn-ea"/>
@@ -4420,7 +8888,7 @@
       <a:defPPr>
         <a:defRPr lang="en-US"/>
       </a:defPPr>
-      <a:lvl1pPr marL="0" algn="l" defTabSz="914400" rtl="0" eaLnBrk="1" latinLnBrk="0" hangingPunct="1">
+      <a:lvl1pPr marL="0" algn="l" defTabSz="457200" rtl="0" eaLnBrk="1" latinLnBrk="0" hangingPunct="1">
         <a:defRPr sz="1800" kern="1200">
           <a:solidFill>
             <a:schemeClr val="tx1"/>
@@ -4430,7 +8898,7 @@
           <a:cs typeface="+mn-cs"/>
         </a:defRPr>
       </a:lvl1pPr>
-      <a:lvl2pPr marL="457200" algn="l" defTabSz="914400" rtl="0" eaLnBrk="1" latinLnBrk="0" hangingPunct="1">
+      <a:lvl2pPr marL="457200" algn="l" defTabSz="457200" rtl="0" eaLnBrk="1" latinLnBrk="0" hangingPunct="1">
         <a:defRPr sz="1800" kern="1200">
           <a:solidFill>
             <a:schemeClr val="tx1"/>
@@ -4440,7 +8908,7 @@
           <a:cs typeface="+mn-cs"/>
         </a:defRPr>
       </a:lvl2pPr>
-      <a:lvl3pPr marL="914400" algn="l" defTabSz="914400" rtl="0" eaLnBrk="1" latinLnBrk="0" hangingPunct="1">
+      <a:lvl3pPr marL="914400" algn="l" defTabSz="457200" rtl="0" eaLnBrk="1" latinLnBrk="0" hangingPunct="1">
         <a:defRPr sz="1800" kern="1200">
           <a:solidFill>
             <a:schemeClr val="tx1"/>
@@ -4450,7 +8918,7 @@
           <a:cs typeface="+mn-cs"/>
         </a:defRPr>
       </a:lvl3pPr>
-      <a:lvl4pPr marL="1371600" algn="l" defTabSz="914400" rtl="0" eaLnBrk="1" latinLnBrk="0" hangingPunct="1">
+      <a:lvl4pPr marL="1371600" algn="l" defTabSz="457200" rtl="0" eaLnBrk="1" latinLnBrk="0" hangingPunct="1">
         <a:defRPr sz="1800" kern="1200">
           <a:solidFill>
             <a:schemeClr val="tx1"/>
@@ -4460,7 +8928,7 @@
           <a:cs typeface="+mn-cs"/>
         </a:defRPr>
       </a:lvl4pPr>
-      <a:lvl5pPr marL="1828800" algn="l" defTabSz="914400" rtl="0" eaLnBrk="1" latinLnBrk="0" hangingPunct="1">
+      <a:lvl5pPr marL="1828800" algn="l" defTabSz="457200" rtl="0" eaLnBrk="1" latinLnBrk="0" hangingPunct="1">
         <a:defRPr sz="1800" kern="1200">
           <a:solidFill>
             <a:schemeClr val="tx1"/>
@@ -4470,7 +8938,7 @@
           <a:cs typeface="+mn-cs"/>
         </a:defRPr>
       </a:lvl5pPr>
-      <a:lvl6pPr marL="2286000" algn="l" defTabSz="914400" rtl="0" eaLnBrk="1" latinLnBrk="0" hangingPunct="1">
+      <a:lvl6pPr marL="2286000" algn="l" defTabSz="457200" rtl="0" eaLnBrk="1" latinLnBrk="0" hangingPunct="1">
         <a:defRPr sz="1800" kern="1200">
           <a:solidFill>
             <a:schemeClr val="tx1"/>
@@ -4480,7 +8948,7 @@
           <a:cs typeface="+mn-cs"/>
         </a:defRPr>
       </a:lvl6pPr>
-      <a:lvl7pPr marL="2743200" algn="l" defTabSz="914400" rtl="0" eaLnBrk="1" latinLnBrk="0" hangingPunct="1">
+      <a:lvl7pPr marL="2743200" algn="l" defTabSz="457200" rtl="0" eaLnBrk="1" latinLnBrk="0" hangingPunct="1">
         <a:defRPr sz="1800" kern="1200">
           <a:solidFill>
             <a:schemeClr val="tx1"/>
@@ -4490,7 +8958,7 @@
           <a:cs typeface="+mn-cs"/>
         </a:defRPr>
       </a:lvl7pPr>
-      <a:lvl8pPr marL="3200400" algn="l" defTabSz="914400" rtl="0" eaLnBrk="1" latinLnBrk="0" hangingPunct="1">
+      <a:lvl8pPr marL="3200400" algn="l" defTabSz="457200" rtl="0" eaLnBrk="1" latinLnBrk="0" hangingPunct="1">
         <a:defRPr sz="1800" kern="1200">
           <a:solidFill>
             <a:schemeClr val="tx1"/>
@@ -4500,7 +8968,7 @@
           <a:cs typeface="+mn-cs"/>
         </a:defRPr>
       </a:lvl8pPr>
-      <a:lvl9pPr marL="3657600" algn="l" defTabSz="914400" rtl="0" eaLnBrk="1" latinLnBrk="0" hangingPunct="1">
+      <a:lvl9pPr marL="3657600" algn="l" defTabSz="457200" rtl="0" eaLnBrk="1" latinLnBrk="0" hangingPunct="1">
         <a:defRPr sz="1800" kern="1200">
           <a:solidFill>
             <a:schemeClr val="tx1"/>
@@ -5160,6 +9628,72 @@
       </p:grpSpPr>
       <p:pic>
         <p:nvPicPr>
+          <p:cNvPr id="5" name="Picture 4">
+            <a:extLst>
+              <a:ext uri="{FF2B5EF4-FFF2-40B4-BE49-F238E27FC236}">
+                <a16:creationId xmlns:a16="http://schemas.microsoft.com/office/drawing/2014/main" id="{A44653A2-DE23-E1B6-F3D9-F1F2EA17CA0B}"/>
+              </a:ext>
+            </a:extLst>
+          </p:cNvPr>
+          <p:cNvPicPr>
+            <a:picLocks noChangeAspect="1"/>
+          </p:cNvPicPr>
+          <p:nvPr/>
+        </p:nvPicPr>
+        <p:blipFill>
+          <a:blip r:embed="rId2">
+            <a:extLst>
+              <a:ext uri="{28A0092B-C50C-407E-A947-70E740481C1C}">
+                <a14:useLocalDpi xmlns:a14="http://schemas.microsoft.com/office/drawing/2010/main" val="0"/>
+              </a:ext>
+            </a:extLst>
+          </a:blip>
+          <a:stretch>
+            <a:fillRect/>
+          </a:stretch>
+        </p:blipFill>
+        <p:spPr>
+          <a:xfrm>
+            <a:off x="2057400" y="963386"/>
+            <a:ext cx="8229600" cy="5404757"/>
+          </a:xfrm>
+          <a:prstGeom prst="rect">
+            <a:avLst/>
+          </a:prstGeom>
+        </p:spPr>
+      </p:pic>
+    </p:spTree>
+    <p:extLst>
+      <p:ext uri="{BB962C8B-B14F-4D97-AF65-F5344CB8AC3E}">
+        <p14:creationId xmlns:p14="http://schemas.microsoft.com/office/powerpoint/2010/main" val="856484837"/>
+      </p:ext>
+    </p:extLst>
+  </p:cSld>
+  <p:clrMapOvr>
+    <a:masterClrMapping/>
+  </p:clrMapOvr>
+</p:sld>
+</file>
+
+<file path=ppt/slides/slide18.xml><?xml version="1.0" encoding="utf-8"?>
+<p:sld xmlns:a="http://schemas.openxmlformats.org/drawingml/2006/main" xmlns:r="http://schemas.openxmlformats.org/officeDocument/2006/relationships" xmlns:p="http://schemas.openxmlformats.org/presentationml/2006/main">
+  <p:cSld>
+    <p:spTree>
+      <p:nvGrpSpPr>
+        <p:cNvPr id="1" name=""/>
+        <p:cNvGrpSpPr/>
+        <p:nvPr/>
+      </p:nvGrpSpPr>
+      <p:grpSpPr>
+        <a:xfrm>
+          <a:off x="0" y="0"/>
+          <a:ext cx="0" cy="0"/>
+          <a:chOff x="0" y="0"/>
+          <a:chExt cx="0" cy="0"/>
+        </a:xfrm>
+      </p:grpSpPr>
+      <p:pic>
+        <p:nvPicPr>
           <p:cNvPr id="6" name="Picture 5">
             <a:extLst>
               <a:ext uri="{FF2B5EF4-FFF2-40B4-BE49-F238E27FC236}">
@@ -5358,7 +9892,7 @@
         <p:spPr/>
         <p:txBody>
           <a:bodyPr>
-            <a:normAutofit/>
+            <a:normAutofit fontScale="85000" lnSpcReduction="20000"/>
           </a:bodyPr>
           <a:lstStyle/>
           <a:p>
@@ -5486,7 +10020,7 @@
         <p:spPr/>
         <p:txBody>
           <a:bodyPr>
-            <a:normAutofit fontScale="85000" lnSpcReduction="20000"/>
+            <a:normAutofit fontScale="62500" lnSpcReduction="20000"/>
           </a:bodyPr>
           <a:lstStyle/>
           <a:p>
@@ -10310,9 +14844,9 @@
 </file>
 
 <file path=ppt/theme/theme1.xml><?xml version="1.0" encoding="utf-8"?>
-<a:theme xmlns:a="http://schemas.openxmlformats.org/drawingml/2006/main" name="Office Theme">
+<a:theme xmlns:a="http://schemas.openxmlformats.org/drawingml/2006/main" name="Wisp">
   <a:themeElements>
-    <a:clrScheme name="Office">
+    <a:clrScheme name="Wisp">
       <a:dk1>
         <a:sysClr val="windowText" lastClr="000000"/>
       </a:dk1>
@@ -10320,100 +14854,48 @@
         <a:sysClr val="window" lastClr="FFFFFF"/>
       </a:lt1>
       <a:dk2>
-        <a:srgbClr val="44546A"/>
+        <a:srgbClr val="766F54"/>
       </a:dk2>
       <a:lt2>
-        <a:srgbClr val="E7E6E6"/>
+        <a:srgbClr val="E3EACF"/>
       </a:lt2>
       <a:accent1>
-        <a:srgbClr val="4472C4"/>
+        <a:srgbClr val="A53010"/>
       </a:accent1>
       <a:accent2>
-        <a:srgbClr val="ED7D31"/>
+        <a:srgbClr val="DE7E18"/>
       </a:accent2>
       <a:accent3>
-        <a:srgbClr val="A5A5A5"/>
+        <a:srgbClr val="9F8351"/>
       </a:accent3>
       <a:accent4>
-        <a:srgbClr val="FFC000"/>
+        <a:srgbClr val="728653"/>
       </a:accent4>
       <a:accent5>
-        <a:srgbClr val="5B9BD5"/>
+        <a:srgbClr val="92AA4C"/>
       </a:accent5>
       <a:accent6>
-        <a:srgbClr val="70AD47"/>
+        <a:srgbClr val="6AAC91"/>
       </a:accent6>
       <a:hlink>
-        <a:srgbClr val="0563C1"/>
+        <a:srgbClr val="FB4A18"/>
       </a:hlink>
       <a:folHlink>
-        <a:srgbClr val="954F72"/>
+        <a:srgbClr val="FB9318"/>
       </a:folHlink>
     </a:clrScheme>
-    <a:fontScheme name="Office">
+    <a:fontScheme name="Wisp">
       <a:majorFont>
-        <a:latin typeface="Calibri Light" panose="020F0302020204030204"/>
+        <a:latin typeface="Century Gothic" panose="020B0502020202020204"/>
         <a:ea typeface=""/>
         <a:cs typeface=""/>
-        <a:font script="Jpan" typeface="游ゴシック Light"/>
-        <a:font script="Hang" typeface="맑은 고딕"/>
-        <a:font script="Hans" typeface="等线 Light"/>
-        <a:font script="Hant" typeface="新細明體"/>
-        <a:font script="Arab" typeface="Times New Roman"/>
-        <a:font script="Hebr" typeface="Times New Roman"/>
-        <a:font script="Thai" typeface="Angsana New"/>
-        <a:font script="Ethi" typeface="Nyala"/>
-        <a:font script="Beng" typeface="Vrinda"/>
-        <a:font script="Gujr" typeface="Shruti"/>
-        <a:font script="Khmr" typeface="MoolBoran"/>
-        <a:font script="Knda" typeface="Tunga"/>
-        <a:font script="Guru" typeface="Raavi"/>
-        <a:font script="Cans" typeface="Euphemia"/>
-        <a:font script="Cher" typeface="Plantagenet Cherokee"/>
-        <a:font script="Yiii" typeface="Microsoft Yi Baiti"/>
-        <a:font script="Tibt" typeface="Microsoft Himalaya"/>
-        <a:font script="Thaa" typeface="MV Boli"/>
-        <a:font script="Deva" typeface="Mangal"/>
-        <a:font script="Telu" typeface="Gautami"/>
-        <a:font script="Taml" typeface="Latha"/>
-        <a:font script="Syrc" typeface="Estrangelo Edessa"/>
-        <a:font script="Orya" typeface="Kalinga"/>
-        <a:font script="Mlym" typeface="Kartika"/>
-        <a:font script="Laoo" typeface="DokChampa"/>
-        <a:font script="Sinh" typeface="Iskoola Pota"/>
-        <a:font script="Mong" typeface="Mongolian Baiti"/>
-        <a:font script="Viet" typeface="Times New Roman"/>
-        <a:font script="Uigh" typeface="Microsoft Uighur"/>
-        <a:font script="Geor" typeface="Sylfaen"/>
-        <a:font script="Armn" typeface="Arial"/>
-        <a:font script="Bugi" typeface="Leelawadee UI"/>
-        <a:font script="Bopo" typeface="Microsoft JhengHei"/>
-        <a:font script="Java" typeface="Javanese Text"/>
-        <a:font script="Lisu" typeface="Segoe UI"/>
-        <a:font script="Mymr" typeface="Myanmar Text"/>
-        <a:font script="Nkoo" typeface="Ebrima"/>
-        <a:font script="Olck" typeface="Nirmala UI"/>
-        <a:font script="Osma" typeface="Ebrima"/>
-        <a:font script="Phag" typeface="Phagspa"/>
-        <a:font script="Syrn" typeface="Estrangelo Edessa"/>
-        <a:font script="Syrj" typeface="Estrangelo Edessa"/>
-        <a:font script="Syre" typeface="Estrangelo Edessa"/>
-        <a:font script="Sora" typeface="Nirmala UI"/>
-        <a:font script="Tale" typeface="Microsoft Tai Le"/>
-        <a:font script="Talu" typeface="Microsoft New Tai Lue"/>
-        <a:font script="Tfng" typeface="Ebrima"/>
-      </a:majorFont>
-      <a:minorFont>
-        <a:latin typeface="Calibri" panose="020F0502020204030204"/>
-        <a:ea typeface=""/>
-        <a:cs typeface=""/>
-        <a:font script="Jpan" typeface="游ゴシック"/>
-        <a:font script="Hang" typeface="맑은 고딕"/>
-        <a:font script="Hans" typeface="等线"/>
-        <a:font script="Hant" typeface="新細明體"/>
-        <a:font script="Arab" typeface="Arial"/>
-        <a:font script="Hebr" typeface="Arial"/>
-        <a:font script="Thai" typeface="Cordia New"/>
+        <a:font script="Jpan" typeface="メイリオ"/>
+        <a:font script="Hang" typeface="HY중고딕"/>
+        <a:font script="Hans" typeface="幼圆"/>
+        <a:font script="Hant" typeface="微軟正黑體"/>
+        <a:font script="Arab" typeface="Tahoma"/>
+        <a:font script="Hebr" typeface="Gisha"/>
+        <a:font script="Thai" typeface="DilleniaUPC"/>
         <a:font script="Ethi" typeface="Nyala"/>
         <a:font script="Beng" typeface="Vrinda"/>
         <a:font script="Gujr" typeface="Shruti"/>
@@ -10434,30 +14916,121 @@
         <a:font script="Laoo" typeface="DokChampa"/>
         <a:font script="Sinh" typeface="Iskoola Pota"/>
         <a:font script="Mong" typeface="Mongolian Baiti"/>
-        <a:font script="Viet" typeface="Arial"/>
+        <a:font script="Viet" typeface="Tahoma"/>
         <a:font script="Uigh" typeface="Microsoft Uighur"/>
         <a:font script="Geor" typeface="Sylfaen"/>
-        <a:font script="Armn" typeface="Arial"/>
-        <a:font script="Bugi" typeface="Leelawadee UI"/>
-        <a:font script="Bopo" typeface="Microsoft JhengHei"/>
-        <a:font script="Java" typeface="Javanese Text"/>
-        <a:font script="Lisu" typeface="Segoe UI"/>
-        <a:font script="Mymr" typeface="Myanmar Text"/>
-        <a:font script="Nkoo" typeface="Ebrima"/>
-        <a:font script="Olck" typeface="Nirmala UI"/>
-        <a:font script="Osma" typeface="Ebrima"/>
-        <a:font script="Phag" typeface="Phagspa"/>
-        <a:font script="Syrn" typeface="Estrangelo Edessa"/>
-        <a:font script="Syrj" typeface="Estrangelo Edessa"/>
-        <a:font script="Syre" typeface="Estrangelo Edessa"/>
-        <a:font script="Sora" typeface="Nirmala UI"/>
-        <a:font script="Tale" typeface="Microsoft Tai Le"/>
-        <a:font script="Talu" typeface="Microsoft New Tai Lue"/>
-        <a:font script="Tfng" typeface="Ebrima"/>
+      </a:majorFont>
+      <a:minorFont>
+        <a:latin typeface="Century Gothic" panose="020B0502020202020204"/>
+        <a:ea typeface=""/>
+        <a:cs typeface=""/>
+        <a:font script="Jpan" typeface="メイリオ"/>
+        <a:font script="Hang" typeface="HY중고딕"/>
+        <a:font script="Hans" typeface="幼圆"/>
+        <a:font script="Hant" typeface="微軟正黑體"/>
+        <a:font script="Arab" typeface="Tahoma"/>
+        <a:font script="Hebr" typeface="Gisha"/>
+        <a:font script="Thai" typeface="DilleniaUPC"/>
+        <a:font script="Ethi" typeface="Nyala"/>
+        <a:font script="Beng" typeface="Vrinda"/>
+        <a:font script="Gujr" typeface="Shruti"/>
+        <a:font script="Khmr" typeface="DaunPenh"/>
+        <a:font script="Knda" typeface="Tunga"/>
+        <a:font script="Guru" typeface="Raavi"/>
+        <a:font script="Cans" typeface="Euphemia"/>
+        <a:font script="Cher" typeface="Plantagenet Cherokee"/>
+        <a:font script="Yiii" typeface="Microsoft Yi Baiti"/>
+        <a:font script="Tibt" typeface="Microsoft Himalaya"/>
+        <a:font script="Thaa" typeface="MV Boli"/>
+        <a:font script="Deva" typeface="Mangal"/>
+        <a:font script="Telu" typeface="Gautami"/>
+        <a:font script="Taml" typeface="Latha"/>
+        <a:font script="Syrc" typeface="Estrangelo Edessa"/>
+        <a:font script="Orya" typeface="Kalinga"/>
+        <a:font script="Mlym" typeface="Kartika"/>
+        <a:font script="Laoo" typeface="DokChampa"/>
+        <a:font script="Sinh" typeface="Iskoola Pota"/>
+        <a:font script="Mong" typeface="Mongolian Baiti"/>
+        <a:font script="Viet" typeface="Tahoma"/>
+        <a:font script="Uigh" typeface="Microsoft Uighur"/>
+        <a:font script="Geor" typeface="Sylfaen"/>
       </a:minorFont>
     </a:fontScheme>
-    <a:fmtScheme name="Office">
+    <a:fmtScheme name="Wisp">
       <a:fillStyleLst>
+        <a:solidFill>
+          <a:schemeClr val="phClr"/>
+        </a:solidFill>
+        <a:solidFill>
+          <a:schemeClr val="phClr">
+            <a:tint val="70000"/>
+            <a:lumMod val="104000"/>
+          </a:schemeClr>
+        </a:solidFill>
+        <a:gradFill rotWithShape="1">
+          <a:gsLst>
+            <a:gs pos="0">
+              <a:schemeClr val="phClr">
+                <a:tint val="96000"/>
+                <a:lumMod val="104000"/>
+              </a:schemeClr>
+            </a:gs>
+            <a:gs pos="100000">
+              <a:schemeClr val="phClr">
+                <a:shade val="98000"/>
+                <a:lumMod val="94000"/>
+              </a:schemeClr>
+            </a:gs>
+          </a:gsLst>
+          <a:lin ang="5400000" scaled="0"/>
+        </a:gradFill>
+      </a:fillStyleLst>
+      <a:lnStyleLst>
+        <a:ln w="9525" cap="rnd" cmpd="sng" algn="ctr">
+          <a:solidFill>
+            <a:schemeClr val="phClr">
+              <a:shade val="90000"/>
+            </a:schemeClr>
+          </a:solidFill>
+          <a:prstDash val="solid"/>
+        </a:ln>
+        <a:ln w="15875" cap="rnd" cmpd="sng" algn="ctr">
+          <a:solidFill>
+            <a:schemeClr val="phClr"/>
+          </a:solidFill>
+          <a:prstDash val="solid"/>
+        </a:ln>
+        <a:ln w="22225" cap="rnd" cmpd="sng" algn="ctr">
+          <a:solidFill>
+            <a:schemeClr val="phClr"/>
+          </a:solidFill>
+          <a:prstDash val="solid"/>
+        </a:ln>
+      </a:lnStyleLst>
+      <a:effectStyleLst>
+        <a:effectStyle>
+          <a:effectLst/>
+        </a:effectStyle>
+        <a:effectStyle>
+          <a:effectLst>
+            <a:outerShdw blurRad="38100" dist="25400" dir="5400000" rotWithShape="0">
+              <a:srgbClr val="000000">
+                <a:alpha val="25000"/>
+              </a:srgbClr>
+            </a:outerShdw>
+          </a:effectLst>
+        </a:effectStyle>
+        <a:effectStyle>
+          <a:effectLst>
+            <a:outerShdw blurRad="50800" dist="38100" dir="5400000" rotWithShape="0">
+              <a:srgbClr val="000000">
+                <a:alpha val="60000"/>
+              </a:srgbClr>
+            </a:outerShdw>
+          </a:effectLst>
+        </a:effectStyle>
+      </a:effectStyleLst>
+      <a:bgFillStyleLst>
         <a:solidFill>
           <a:schemeClr val="phClr"/>
         </a:solidFill>
@@ -10465,23 +15038,15 @@
           <a:gsLst>
             <a:gs pos="0">
               <a:schemeClr val="phClr">
-                <a:lumMod val="110000"/>
-                <a:satMod val="105000"/>
-                <a:tint val="67000"/>
-              </a:schemeClr>
-            </a:gs>
-            <a:gs pos="50000">
-              <a:schemeClr val="phClr">
-                <a:lumMod val="105000"/>
-                <a:satMod val="103000"/>
-                <a:tint val="73000"/>
+                <a:tint val="90000"/>
+                <a:lumMod val="120000"/>
               </a:schemeClr>
             </a:gs>
             <a:gs pos="100000">
               <a:schemeClr val="phClr">
-                <a:lumMod val="105000"/>
-                <a:satMod val="109000"/>
-                <a:tint val="81000"/>
+                <a:shade val="98000"/>
+                <a:satMod val="120000"/>
+                <a:lumMod val="98000"/>
               </a:schemeClr>
             </a:gs>
           </a:gsLst>
@@ -10491,105 +15056,22 @@
           <a:gsLst>
             <a:gs pos="0">
               <a:schemeClr val="phClr">
-                <a:satMod val="103000"/>
-                <a:lumMod val="102000"/>
-                <a:tint val="94000"/>
-              </a:schemeClr>
-            </a:gs>
-            <a:gs pos="50000">
-              <a:schemeClr val="phClr">
-                <a:satMod val="110000"/>
-                <a:lumMod val="100000"/>
-                <a:shade val="100000"/>
+                <a:tint val="90000"/>
+                <a:satMod val="92000"/>
+                <a:lumMod val="120000"/>
               </a:schemeClr>
             </a:gs>
             <a:gs pos="100000">
               <a:schemeClr val="phClr">
-                <a:lumMod val="99000"/>
+                <a:shade val="98000"/>
                 <a:satMod val="120000"/>
-                <a:shade val="78000"/>
+                <a:lumMod val="98000"/>
               </a:schemeClr>
             </a:gs>
           </a:gsLst>
-          <a:lin ang="5400000" scaled="0"/>
-        </a:gradFill>
-      </a:fillStyleLst>
-      <a:lnStyleLst>
-        <a:ln w="6350" cap="flat" cmpd="sng" algn="ctr">
-          <a:solidFill>
-            <a:schemeClr val="phClr"/>
-          </a:solidFill>
-          <a:prstDash val="solid"/>
-          <a:miter lim="800000"/>
-        </a:ln>
-        <a:ln w="12700" cap="flat" cmpd="sng" algn="ctr">
-          <a:solidFill>
-            <a:schemeClr val="phClr"/>
-          </a:solidFill>
-          <a:prstDash val="solid"/>
-          <a:miter lim="800000"/>
-        </a:ln>
-        <a:ln w="19050" cap="flat" cmpd="sng" algn="ctr">
-          <a:solidFill>
-            <a:schemeClr val="phClr"/>
-          </a:solidFill>
-          <a:prstDash val="solid"/>
-          <a:miter lim="800000"/>
-        </a:ln>
-      </a:lnStyleLst>
-      <a:effectStyleLst>
-        <a:effectStyle>
-          <a:effectLst/>
-        </a:effectStyle>
-        <a:effectStyle>
-          <a:effectLst/>
-        </a:effectStyle>
-        <a:effectStyle>
-          <a:effectLst>
-            <a:outerShdw blurRad="57150" dist="19050" dir="5400000" algn="ctr" rotWithShape="0">
-              <a:srgbClr val="000000">
-                <a:alpha val="63000"/>
-              </a:srgbClr>
-            </a:outerShdw>
-          </a:effectLst>
-        </a:effectStyle>
-      </a:effectStyleLst>
-      <a:bgFillStyleLst>
-        <a:solidFill>
-          <a:schemeClr val="phClr"/>
-        </a:solidFill>
-        <a:solidFill>
-          <a:schemeClr val="phClr">
-            <a:tint val="95000"/>
-            <a:satMod val="170000"/>
-          </a:schemeClr>
-        </a:solidFill>
-        <a:gradFill rotWithShape="1">
-          <a:gsLst>
-            <a:gs pos="0">
-              <a:schemeClr val="phClr">
-                <a:tint val="93000"/>
-                <a:satMod val="150000"/>
-                <a:shade val="98000"/>
-                <a:lumMod val="102000"/>
-              </a:schemeClr>
-            </a:gs>
-            <a:gs pos="50000">
-              <a:schemeClr val="phClr">
-                <a:tint val="98000"/>
-                <a:satMod val="130000"/>
-                <a:shade val="90000"/>
-                <a:lumMod val="103000"/>
-              </a:schemeClr>
-            </a:gs>
-            <a:gs pos="100000">
-              <a:schemeClr val="phClr">
-                <a:shade val="63000"/>
-                <a:satMod val="120000"/>
-              </a:schemeClr>
-            </a:gs>
-          </a:gsLst>
-          <a:lin ang="5400000" scaled="0"/>
+          <a:path path="circle">
+            <a:fillToRect l="50000" t="50000" r="100000" b="100000"/>
+          </a:path>
         </a:gradFill>
       </a:bgFillStyleLst>
     </a:fmtScheme>
@@ -10598,7 +15080,7 @@
   <a:extraClrSchemeLst/>
   <a:extLst>
     <a:ext uri="{05A4C25C-085E-4340-85A3-A5531E510DB2}">
-      <thm15:themeFamily xmlns:thm15="http://schemas.microsoft.com/office/thememl/2012/main" name="Office Theme" id="{62F939B6-93AF-4DB8-9C6B-D6C7DFDC589F}" vid="{4A3C46E8-61CC-4603-A589-7422A47A8E4A}"/>
+      <thm15:themeFamily xmlns:thm15="http://schemas.microsoft.com/office/thememl/2012/main" name="Wisp" id="{7CB32D59-10C0-40DD-B7BD-2E94284A981C}" vid="{24B1A44C-C006-48B2-A4D7-E5549B3D8CD4}"/>
     </a:ext>
   </a:extLst>
 </a:theme>

--- a/YouTube Comment Analyzer_presentation.pptx
+++ b/YouTube Comment Analyzer_presentation.pptx
@@ -5,7 +5,7 @@
     <p:sldMasterId id="2147483763" r:id="rId1"/>
   </p:sldMasterIdLst>
   <p:notesMasterIdLst>
-    <p:notesMasterId r:id="rId20"/>
+    <p:notesMasterId r:id="rId16"/>
   </p:notesMasterIdLst>
   <p:sldIdLst>
     <p:sldId id="256" r:id="rId2"/>
@@ -13,19 +13,15 @@
     <p:sldId id="260" r:id="rId4"/>
     <p:sldId id="258" r:id="rId5"/>
     <p:sldId id="259" r:id="rId6"/>
-    <p:sldId id="261" r:id="rId7"/>
-    <p:sldId id="262" r:id="rId8"/>
-    <p:sldId id="263" r:id="rId9"/>
-    <p:sldId id="264" r:id="rId10"/>
-    <p:sldId id="270" r:id="rId11"/>
-    <p:sldId id="271" r:id="rId12"/>
-    <p:sldId id="265" r:id="rId13"/>
-    <p:sldId id="266" r:id="rId14"/>
-    <p:sldId id="267" r:id="rId15"/>
-    <p:sldId id="268" r:id="rId16"/>
-    <p:sldId id="269" r:id="rId17"/>
-    <p:sldId id="273" r:id="rId18"/>
-    <p:sldId id="272" r:id="rId19"/>
+    <p:sldId id="270" r:id="rId7"/>
+    <p:sldId id="271" r:id="rId8"/>
+    <p:sldId id="265" r:id="rId9"/>
+    <p:sldId id="266" r:id="rId10"/>
+    <p:sldId id="267" r:id="rId11"/>
+    <p:sldId id="268" r:id="rId12"/>
+    <p:sldId id="269" r:id="rId13"/>
+    <p:sldId id="273" r:id="rId14"/>
+    <p:sldId id="272" r:id="rId15"/>
   </p:sldIdLst>
   <p:sldSz cx="12192000" cy="6858000"/>
   <p:notesSz cx="6858000" cy="9144000"/>
@@ -147,8 +143,8 @@
 <pc:chgInfo xmlns:a="http://schemas.openxmlformats.org/drawingml/2006/main" xmlns:r="http://schemas.openxmlformats.org/officeDocument/2006/relationships" xmlns:ac="http://schemas.microsoft.com/office/drawing/2013/main/command" xmlns:pc="http://schemas.microsoft.com/office/powerpoint/2013/main/command">
   <pc:docChgLst>
     <pc:chgData name="rudra patel" userId="e0bf67ee025e264e" providerId="LiveId" clId="{23C5664A-FCCD-4308-927E-0059E52ABF24}"/>
-    <pc:docChg chg="undo custSel addSld modSld sldOrd">
-      <pc:chgData name="rudra patel" userId="e0bf67ee025e264e" providerId="LiveId" clId="{23C5664A-FCCD-4308-927E-0059E52ABF24}" dt="2024-01-19T07:50:05.274" v="273" actId="14100"/>
+    <pc:docChg chg="undo custSel addSld delSld modSld sldOrd">
+      <pc:chgData name="rudra patel" userId="e0bf67ee025e264e" providerId="LiveId" clId="{23C5664A-FCCD-4308-927E-0059E52ABF24}" dt="2024-01-19T11:08:25.124" v="277" actId="47"/>
       <pc:docMkLst>
         <pc:docMk/>
       </pc:docMkLst>
@@ -250,6 +246,34 @@
             <ac:spMk id="3" creationId="{404AC652-5E8D-6EAA-15B8-AD5E5A9B0586}"/>
           </ac:spMkLst>
         </pc:spChg>
+      </pc:sldChg>
+      <pc:sldChg chg="del">
+        <pc:chgData name="rudra patel" userId="e0bf67ee025e264e" providerId="LiveId" clId="{23C5664A-FCCD-4308-927E-0059E52ABF24}" dt="2024-01-19T11:08:18.591" v="274" actId="47"/>
+        <pc:sldMkLst>
+          <pc:docMk/>
+          <pc:sldMk cId="1351678471" sldId="261"/>
+        </pc:sldMkLst>
+      </pc:sldChg>
+      <pc:sldChg chg="del">
+        <pc:chgData name="rudra patel" userId="e0bf67ee025e264e" providerId="LiveId" clId="{23C5664A-FCCD-4308-927E-0059E52ABF24}" dt="2024-01-19T11:08:21.466" v="275" actId="47"/>
+        <pc:sldMkLst>
+          <pc:docMk/>
+          <pc:sldMk cId="1693145462" sldId="262"/>
+        </pc:sldMkLst>
+      </pc:sldChg>
+      <pc:sldChg chg="del">
+        <pc:chgData name="rudra patel" userId="e0bf67ee025e264e" providerId="LiveId" clId="{23C5664A-FCCD-4308-927E-0059E52ABF24}" dt="2024-01-19T11:08:22.136" v="276" actId="47"/>
+        <pc:sldMkLst>
+          <pc:docMk/>
+          <pc:sldMk cId="1720585400" sldId="263"/>
+        </pc:sldMkLst>
+      </pc:sldChg>
+      <pc:sldChg chg="del">
+        <pc:chgData name="rudra patel" userId="e0bf67ee025e264e" providerId="LiveId" clId="{23C5664A-FCCD-4308-927E-0059E52ABF24}" dt="2024-01-19T11:08:25.124" v="277" actId="47"/>
+        <pc:sldMkLst>
+          <pc:docMk/>
+          <pc:sldMk cId="767066137" sldId="264"/>
+        </pc:sldMkLst>
       </pc:sldChg>
       <pc:sldChg chg="addSp delSp modSp mod modClrScheme chgLayout">
         <pc:chgData name="rudra patel" userId="e0bf67ee025e264e" providerId="LiveId" clId="{23C5664A-FCCD-4308-927E-0059E52ABF24}" dt="2024-01-19T03:51:56.200" v="117" actId="20577"/>
@@ -968,24 +992,12 @@
       </p:grpSpPr>
       <p:sp>
         <p:nvSpPr>
-          <p:cNvPr id="2" name="Slide Image Placeholder 1"/>
-          <p:cNvSpPr>
-            <a:spLocks noGrp="1" noRot="1" noChangeAspect="1"/>
-          </p:cNvSpPr>
-          <p:nvPr>
-            <p:ph type="sldImg"/>
-          </p:nvPr>
-        </p:nvSpPr>
-        <p:spPr/>
-      </p:sp>
-      <p:sp>
-        <p:nvSpPr>
-          <p:cNvPr id="4" name="Slide Number Placeholder 3"/>
-          <p:cNvSpPr>
-            <a:spLocks noGrp="1"/>
-          </p:cNvSpPr>
-          <p:nvPr>
-            <p:ph type="sldNum" sz="quarter" idx="5"/>
+          <p:cNvPr id="3" name="Notes Placeholder 2"/>
+          <p:cNvSpPr>
+            <a:spLocks noGrp="1"/>
+          </p:cNvSpPr>
+          <p:nvPr>
+            <p:ph type="body" idx="1"/>
           </p:nvPr>
         </p:nvSpPr>
         <p:spPr/>
@@ -993,55 +1005,9 @@
           <a:bodyPr/>
           <a:lstStyle/>
           <a:p>
-            <a:fld id="{F0B4C27B-6443-41C1-AC75-6D59BDC3E7F2}" type="slidenum">
-              <a:rPr lang="en-IN" smtClean="0"/>
-              <a:t>6</a:t>
-            </a:fld>
-            <a:endParaRPr lang="en-IN"/>
-          </a:p>
-        </p:txBody>
-      </p:sp>
-    </p:spTree>
-    <p:extLst>
-      <p:ext uri="{BB962C8B-B14F-4D97-AF65-F5344CB8AC3E}">
-        <p14:creationId xmlns:p14="http://schemas.microsoft.com/office/powerpoint/2010/main" val="2457990229"/>
-      </p:ext>
-    </p:extLst>
-  </p:cSld>
-  <p:clrMapOvr>
-    <a:masterClrMapping/>
-  </p:clrMapOvr>
-</p:notes>
-</file>
-
-<file path=ppt/notesSlides/notesSlide2.xml><?xml version="1.0" encoding="utf-8"?>
-<p:notes xmlns:a="http://schemas.openxmlformats.org/drawingml/2006/main" xmlns:r="http://schemas.openxmlformats.org/officeDocument/2006/relationships" xmlns:p="http://schemas.openxmlformats.org/presentationml/2006/main">
-  <p:cSld>
-    <p:spTree>
-      <p:nvGrpSpPr>
-        <p:cNvPr id="1" name=""/>
-        <p:cNvGrpSpPr/>
-        <p:nvPr/>
-      </p:nvGrpSpPr>
-      <p:grpSpPr>
-        <a:xfrm>
-          <a:off x="0" y="0"/>
-          <a:ext cx="0" cy="0"/>
-          <a:chOff x="0" y="0"/>
-          <a:chExt cx="0" cy="0"/>
-        </a:xfrm>
-      </p:grpSpPr>
-      <p:sp>
-        <p:nvSpPr>
-          <p:cNvPr id="2" name="Slide Image Placeholder 1"/>
-          <p:cNvSpPr>
-            <a:spLocks noGrp="1" noRot="1" noChangeAspect="1"/>
-          </p:cNvSpPr>
-          <p:nvPr>
-            <p:ph type="sldImg"/>
-          </p:nvPr>
-        </p:nvSpPr>
-        <p:spPr/>
+            <a:endParaRPr lang="en-IN" dirty="0"/>
+          </a:p>
+        </p:txBody>
       </p:sp>
       <p:sp>
         <p:nvSpPr>
@@ -1058,165 +1024,9 @@
           <a:bodyPr/>
           <a:lstStyle/>
           <a:p>
-            <a:fld id="{F0B4C27B-6443-41C1-AC75-6D59BDC3E7F2}" type="slidenum">
-              <a:rPr lang="en-IN" smtClean="0"/>
-              <a:t>7</a:t>
-            </a:fld>
-            <a:endParaRPr lang="en-IN"/>
-          </a:p>
-        </p:txBody>
-      </p:sp>
-    </p:spTree>
-    <p:extLst>
-      <p:ext uri="{BB962C8B-B14F-4D97-AF65-F5344CB8AC3E}">
-        <p14:creationId xmlns:p14="http://schemas.microsoft.com/office/powerpoint/2010/main" val="3551245991"/>
-      </p:ext>
-    </p:extLst>
-  </p:cSld>
-  <p:clrMapOvr>
-    <a:masterClrMapping/>
-  </p:clrMapOvr>
-</p:notes>
-</file>
-
-<file path=ppt/notesSlides/notesSlide3.xml><?xml version="1.0" encoding="utf-8"?>
-<p:notes xmlns:a="http://schemas.openxmlformats.org/drawingml/2006/main" xmlns:r="http://schemas.openxmlformats.org/officeDocument/2006/relationships" xmlns:p="http://schemas.openxmlformats.org/presentationml/2006/main">
-  <p:cSld>
-    <p:spTree>
-      <p:nvGrpSpPr>
-        <p:cNvPr id="1" name=""/>
-        <p:cNvGrpSpPr/>
-        <p:nvPr/>
-      </p:nvGrpSpPr>
-      <p:grpSpPr>
-        <a:xfrm>
-          <a:off x="0" y="0"/>
-          <a:ext cx="0" cy="0"/>
-          <a:chOff x="0" y="0"/>
-          <a:chExt cx="0" cy="0"/>
-        </a:xfrm>
-      </p:grpSpPr>
-      <p:sp>
-        <p:nvSpPr>
-          <p:cNvPr id="2" name="Slide Image Placeholder 1"/>
-          <p:cNvSpPr>
-            <a:spLocks noGrp="1" noRot="1" noChangeAspect="1"/>
-          </p:cNvSpPr>
-          <p:nvPr>
-            <p:ph type="sldImg"/>
-          </p:nvPr>
-        </p:nvSpPr>
-        <p:spPr/>
-      </p:sp>
-      <p:sp>
-        <p:nvSpPr>
-          <p:cNvPr id="3" name="Notes Placeholder 2"/>
-          <p:cNvSpPr>
-            <a:spLocks noGrp="1"/>
-          </p:cNvSpPr>
-          <p:nvPr>
-            <p:ph type="body" idx="1"/>
-          </p:nvPr>
-        </p:nvSpPr>
-        <p:spPr/>
-        <p:txBody>
-          <a:bodyPr/>
-          <a:lstStyle/>
-          <a:p>
-            <a:endParaRPr lang="en-IN" dirty="0"/>
-          </a:p>
-        </p:txBody>
-      </p:sp>
-      <p:sp>
-        <p:nvSpPr>
-          <p:cNvPr id="4" name="Slide Number Placeholder 3"/>
-          <p:cNvSpPr>
-            <a:spLocks noGrp="1"/>
-          </p:cNvSpPr>
-          <p:nvPr>
-            <p:ph type="sldNum" sz="quarter" idx="5"/>
-          </p:nvPr>
-        </p:nvSpPr>
-        <p:spPr/>
-        <p:txBody>
-          <a:bodyPr/>
-          <a:lstStyle/>
-          <a:p>
-            <a:fld id="{F0B4C27B-6443-41C1-AC75-6D59BDC3E7F2}" type="slidenum">
-              <a:rPr lang="en-IN" smtClean="0"/>
-              <a:t>9</a:t>
-            </a:fld>
-            <a:endParaRPr lang="en-IN"/>
-          </a:p>
-        </p:txBody>
-      </p:sp>
-    </p:spTree>
-    <p:extLst>
-      <p:ext uri="{BB962C8B-B14F-4D97-AF65-F5344CB8AC3E}">
-        <p14:creationId xmlns:p14="http://schemas.microsoft.com/office/powerpoint/2010/main" val="2378637144"/>
-      </p:ext>
-    </p:extLst>
-  </p:cSld>
-  <p:clrMapOvr>
-    <a:masterClrMapping/>
-  </p:clrMapOvr>
-</p:notes>
-</file>
-
-<file path=ppt/notesSlides/notesSlide4.xml><?xml version="1.0" encoding="utf-8"?>
-<p:notes xmlns:a="http://schemas.openxmlformats.org/drawingml/2006/main" xmlns:r="http://schemas.openxmlformats.org/officeDocument/2006/relationships" xmlns:p="http://schemas.openxmlformats.org/presentationml/2006/main">
-  <p:cSld>
-    <p:spTree>
-      <p:nvGrpSpPr>
-        <p:cNvPr id="1" name=""/>
-        <p:cNvGrpSpPr/>
-        <p:nvPr/>
-      </p:nvGrpSpPr>
-      <p:grpSpPr>
-        <a:xfrm>
-          <a:off x="0" y="0"/>
-          <a:ext cx="0" cy="0"/>
-          <a:chOff x="0" y="0"/>
-          <a:chExt cx="0" cy="0"/>
-        </a:xfrm>
-      </p:grpSpPr>
-      <p:sp>
-        <p:nvSpPr>
-          <p:cNvPr id="3" name="Notes Placeholder 2"/>
-          <p:cNvSpPr>
-            <a:spLocks noGrp="1"/>
-          </p:cNvSpPr>
-          <p:nvPr>
-            <p:ph type="body" idx="1"/>
-          </p:nvPr>
-        </p:nvSpPr>
-        <p:spPr/>
-        <p:txBody>
-          <a:bodyPr/>
-          <a:lstStyle/>
-          <a:p>
-            <a:endParaRPr lang="en-IN" dirty="0"/>
-          </a:p>
-        </p:txBody>
-      </p:sp>
-      <p:sp>
-        <p:nvSpPr>
-          <p:cNvPr id="4" name="Slide Number Placeholder 3"/>
-          <p:cNvSpPr>
-            <a:spLocks noGrp="1"/>
-          </p:cNvSpPr>
-          <p:nvPr>
-            <p:ph type="sldNum" sz="quarter" idx="5"/>
-          </p:nvPr>
-        </p:nvSpPr>
-        <p:spPr/>
-        <p:txBody>
-          <a:bodyPr/>
-          <a:lstStyle/>
-          <a:p>
             <a:fld id="{28BA2F87-5839-4362-B3C4-5E3EB54AAECE}" type="slidenum">
               <a:rPr lang="en-IN" smtClean="0"/>
-              <a:t>12</a:t>
+              <a:t>8</a:t>
             </a:fld>
             <a:endParaRPr lang="en-IN"/>
           </a:p>
@@ -9058,6 +8868,977 @@
           <a:chExt cx="0" cy="0"/>
         </a:xfrm>
       </p:grpSpPr>
+      <p:sp>
+        <p:nvSpPr>
+          <p:cNvPr id="4" name="Title 3">
+            <a:extLst>
+              <a:ext uri="{FF2B5EF4-FFF2-40B4-BE49-F238E27FC236}">
+                <a16:creationId xmlns:a16="http://schemas.microsoft.com/office/drawing/2014/main" id="{532DC7CD-1B78-C7D6-190D-96DE915EA3C9}"/>
+              </a:ext>
+            </a:extLst>
+          </p:cNvPr>
+          <p:cNvSpPr>
+            <a:spLocks noGrp="1"/>
+          </p:cNvSpPr>
+          <p:nvPr>
+            <p:ph type="title"/>
+          </p:nvPr>
+        </p:nvSpPr>
+        <p:spPr>
+          <a:xfrm>
+            <a:off x="838200" y="365126"/>
+            <a:ext cx="10185400" cy="744008"/>
+          </a:xfrm>
+        </p:spPr>
+        <p:txBody>
+          <a:bodyPr>
+            <a:normAutofit/>
+          </a:bodyPr>
+          <a:lstStyle/>
+          <a:p>
+            <a:r>
+              <a:rPr lang="en-IN" sz="2000" dirty="0"/>
+              <a:t>				Train_model with Word Embedding</a:t>
+            </a:r>
+          </a:p>
+        </p:txBody>
+      </p:sp>
+      <p:pic>
+        <p:nvPicPr>
+          <p:cNvPr id="7" name="Picture 6">
+            <a:extLst>
+              <a:ext uri="{FF2B5EF4-FFF2-40B4-BE49-F238E27FC236}">
+                <a16:creationId xmlns:a16="http://schemas.microsoft.com/office/drawing/2014/main" id="{74E03F0D-80B5-CFCF-377C-8D221E080CD3}"/>
+              </a:ext>
+            </a:extLst>
+          </p:cNvPr>
+          <p:cNvPicPr>
+            <a:picLocks noChangeAspect="1"/>
+          </p:cNvPicPr>
+          <p:nvPr/>
+        </p:nvPicPr>
+        <p:blipFill>
+          <a:blip r:embed="rId2">
+            <a:extLst>
+              <a:ext uri="{28A0092B-C50C-407E-A947-70E740481C1C}">
+                <a14:useLocalDpi xmlns:a14="http://schemas.microsoft.com/office/drawing/2010/main" val="0"/>
+              </a:ext>
+            </a:extLst>
+          </a:blip>
+          <a:stretch>
+            <a:fillRect/>
+          </a:stretch>
+        </p:blipFill>
+        <p:spPr>
+          <a:xfrm>
+            <a:off x="3990867" y="1412771"/>
+            <a:ext cx="4210266" cy="4032457"/>
+          </a:xfrm>
+          <a:prstGeom prst="rect">
+            <a:avLst/>
+          </a:prstGeom>
+        </p:spPr>
+      </p:pic>
+    </p:spTree>
+    <p:extLst>
+      <p:ext uri="{BB962C8B-B14F-4D97-AF65-F5344CB8AC3E}">
+        <p14:creationId xmlns:p14="http://schemas.microsoft.com/office/powerpoint/2010/main" val="979851756"/>
+      </p:ext>
+    </p:extLst>
+  </p:cSld>
+  <p:clrMapOvr>
+    <a:masterClrMapping/>
+  </p:clrMapOvr>
+</p:sld>
+</file>
+
+<file path=ppt/slides/slide11.xml><?xml version="1.0" encoding="utf-8"?>
+<p:sld xmlns:a="http://schemas.openxmlformats.org/drawingml/2006/main" xmlns:r="http://schemas.openxmlformats.org/officeDocument/2006/relationships" xmlns:p="http://schemas.openxmlformats.org/presentationml/2006/main">
+  <p:cSld>
+    <p:spTree>
+      <p:nvGrpSpPr>
+        <p:cNvPr id="1" name=""/>
+        <p:cNvGrpSpPr/>
+        <p:nvPr/>
+      </p:nvGrpSpPr>
+      <p:grpSpPr>
+        <a:xfrm>
+          <a:off x="0" y="0"/>
+          <a:ext cx="0" cy="0"/>
+          <a:chOff x="0" y="0"/>
+          <a:chExt cx="0" cy="0"/>
+        </a:xfrm>
+      </p:grpSpPr>
+      <p:pic>
+        <p:nvPicPr>
+          <p:cNvPr id="5" name="Picture 4">
+            <a:extLst>
+              <a:ext uri="{FF2B5EF4-FFF2-40B4-BE49-F238E27FC236}">
+                <a16:creationId xmlns:a16="http://schemas.microsoft.com/office/drawing/2014/main" id="{48CCF3EF-8C6D-1401-98F4-11FB10F3BFB5}"/>
+              </a:ext>
+            </a:extLst>
+          </p:cNvPr>
+          <p:cNvPicPr>
+            <a:picLocks noChangeAspect="1"/>
+          </p:cNvPicPr>
+          <p:nvPr/>
+        </p:nvPicPr>
+        <p:blipFill>
+          <a:blip r:embed="rId2">
+            <a:extLst>
+              <a:ext uri="{28A0092B-C50C-407E-A947-70E740481C1C}">
+                <a14:useLocalDpi xmlns:a14="http://schemas.microsoft.com/office/drawing/2010/main" val="0"/>
+              </a:ext>
+            </a:extLst>
+          </a:blip>
+          <a:stretch>
+            <a:fillRect/>
+          </a:stretch>
+        </p:blipFill>
+        <p:spPr>
+          <a:xfrm>
+            <a:off x="3835284" y="631681"/>
+            <a:ext cx="4521432" cy="5594638"/>
+          </a:xfrm>
+          <a:prstGeom prst="rect">
+            <a:avLst/>
+          </a:prstGeom>
+        </p:spPr>
+      </p:pic>
+    </p:spTree>
+    <p:extLst>
+      <p:ext uri="{BB962C8B-B14F-4D97-AF65-F5344CB8AC3E}">
+        <p14:creationId xmlns:p14="http://schemas.microsoft.com/office/powerpoint/2010/main" val="4167409268"/>
+      </p:ext>
+    </p:extLst>
+  </p:cSld>
+  <p:clrMapOvr>
+    <a:masterClrMapping/>
+  </p:clrMapOvr>
+</p:sld>
+</file>
+
+<file path=ppt/slides/slide12.xml><?xml version="1.0" encoding="utf-8"?>
+<p:sld xmlns:a="http://schemas.openxmlformats.org/drawingml/2006/main" xmlns:r="http://schemas.openxmlformats.org/officeDocument/2006/relationships" xmlns:p="http://schemas.openxmlformats.org/presentationml/2006/main">
+  <p:cSld>
+    <p:spTree>
+      <p:nvGrpSpPr>
+        <p:cNvPr id="1" name=""/>
+        <p:cNvGrpSpPr/>
+        <p:nvPr/>
+      </p:nvGrpSpPr>
+      <p:grpSpPr>
+        <a:xfrm>
+          <a:off x="0" y="0"/>
+          <a:ext cx="0" cy="0"/>
+          <a:chOff x="0" y="0"/>
+          <a:chExt cx="0" cy="0"/>
+        </a:xfrm>
+      </p:grpSpPr>
+      <p:pic>
+        <p:nvPicPr>
+          <p:cNvPr id="5" name="Picture 4">
+            <a:extLst>
+              <a:ext uri="{FF2B5EF4-FFF2-40B4-BE49-F238E27FC236}">
+                <a16:creationId xmlns:a16="http://schemas.microsoft.com/office/drawing/2014/main" id="{070876B1-5FB9-A36B-DD76-9F19E5D86327}"/>
+              </a:ext>
+            </a:extLst>
+          </p:cNvPr>
+          <p:cNvPicPr>
+            <a:picLocks noChangeAspect="1"/>
+          </p:cNvPicPr>
+          <p:nvPr/>
+        </p:nvPicPr>
+        <p:blipFill>
+          <a:blip r:embed="rId2">
+            <a:extLst>
+              <a:ext uri="{28A0092B-C50C-407E-A947-70E740481C1C}">
+                <a14:useLocalDpi xmlns:a14="http://schemas.microsoft.com/office/drawing/2010/main" val="0"/>
+              </a:ext>
+            </a:extLst>
+          </a:blip>
+          <a:stretch>
+            <a:fillRect/>
+          </a:stretch>
+        </p:blipFill>
+        <p:spPr>
+          <a:xfrm>
+            <a:off x="3955940" y="638031"/>
+            <a:ext cx="4280120" cy="5581937"/>
+          </a:xfrm>
+          <a:prstGeom prst="rect">
+            <a:avLst/>
+          </a:prstGeom>
+        </p:spPr>
+      </p:pic>
+    </p:spTree>
+    <p:extLst>
+      <p:ext uri="{BB962C8B-B14F-4D97-AF65-F5344CB8AC3E}">
+        <p14:creationId xmlns:p14="http://schemas.microsoft.com/office/powerpoint/2010/main" val="3230009529"/>
+      </p:ext>
+    </p:extLst>
+  </p:cSld>
+  <p:clrMapOvr>
+    <a:masterClrMapping/>
+  </p:clrMapOvr>
+</p:sld>
+</file>
+
+<file path=ppt/slides/slide13.xml><?xml version="1.0" encoding="utf-8"?>
+<p:sld xmlns:a="http://schemas.openxmlformats.org/drawingml/2006/main" xmlns:r="http://schemas.openxmlformats.org/officeDocument/2006/relationships" xmlns:p="http://schemas.openxmlformats.org/presentationml/2006/main">
+  <p:cSld>
+    <p:spTree>
+      <p:nvGrpSpPr>
+        <p:cNvPr id="1" name=""/>
+        <p:cNvGrpSpPr/>
+        <p:nvPr/>
+      </p:nvGrpSpPr>
+      <p:grpSpPr>
+        <a:xfrm>
+          <a:off x="0" y="0"/>
+          <a:ext cx="0" cy="0"/>
+          <a:chOff x="0" y="0"/>
+          <a:chExt cx="0" cy="0"/>
+        </a:xfrm>
+      </p:grpSpPr>
+      <p:pic>
+        <p:nvPicPr>
+          <p:cNvPr id="5" name="Picture 4">
+            <a:extLst>
+              <a:ext uri="{FF2B5EF4-FFF2-40B4-BE49-F238E27FC236}">
+                <a16:creationId xmlns:a16="http://schemas.microsoft.com/office/drawing/2014/main" id="{A44653A2-DE23-E1B6-F3D9-F1F2EA17CA0B}"/>
+              </a:ext>
+            </a:extLst>
+          </p:cNvPr>
+          <p:cNvPicPr>
+            <a:picLocks noChangeAspect="1"/>
+          </p:cNvPicPr>
+          <p:nvPr/>
+        </p:nvPicPr>
+        <p:blipFill>
+          <a:blip r:embed="rId2">
+            <a:extLst>
+              <a:ext uri="{28A0092B-C50C-407E-A947-70E740481C1C}">
+                <a14:useLocalDpi xmlns:a14="http://schemas.microsoft.com/office/drawing/2010/main" val="0"/>
+              </a:ext>
+            </a:extLst>
+          </a:blip>
+          <a:stretch>
+            <a:fillRect/>
+          </a:stretch>
+        </p:blipFill>
+        <p:spPr>
+          <a:xfrm>
+            <a:off x="2057400" y="963386"/>
+            <a:ext cx="8229600" cy="5404757"/>
+          </a:xfrm>
+          <a:prstGeom prst="rect">
+            <a:avLst/>
+          </a:prstGeom>
+        </p:spPr>
+      </p:pic>
+    </p:spTree>
+    <p:extLst>
+      <p:ext uri="{BB962C8B-B14F-4D97-AF65-F5344CB8AC3E}">
+        <p14:creationId xmlns:p14="http://schemas.microsoft.com/office/powerpoint/2010/main" val="856484837"/>
+      </p:ext>
+    </p:extLst>
+  </p:cSld>
+  <p:clrMapOvr>
+    <a:masterClrMapping/>
+  </p:clrMapOvr>
+</p:sld>
+</file>
+
+<file path=ppt/slides/slide14.xml><?xml version="1.0" encoding="utf-8"?>
+<p:sld xmlns:a="http://schemas.openxmlformats.org/drawingml/2006/main" xmlns:r="http://schemas.openxmlformats.org/officeDocument/2006/relationships" xmlns:p="http://schemas.openxmlformats.org/presentationml/2006/main">
+  <p:cSld>
+    <p:spTree>
+      <p:nvGrpSpPr>
+        <p:cNvPr id="1" name=""/>
+        <p:cNvGrpSpPr/>
+        <p:nvPr/>
+      </p:nvGrpSpPr>
+      <p:grpSpPr>
+        <a:xfrm>
+          <a:off x="0" y="0"/>
+          <a:ext cx="0" cy="0"/>
+          <a:chOff x="0" y="0"/>
+          <a:chExt cx="0" cy="0"/>
+        </a:xfrm>
+      </p:grpSpPr>
+      <p:pic>
+        <p:nvPicPr>
+          <p:cNvPr id="6" name="Picture 5">
+            <a:extLst>
+              <a:ext uri="{FF2B5EF4-FFF2-40B4-BE49-F238E27FC236}">
+                <a16:creationId xmlns:a16="http://schemas.microsoft.com/office/drawing/2014/main" id="{958C38FD-E5FF-8C59-EB79-4FA5BF05DFED}"/>
+              </a:ext>
+            </a:extLst>
+          </p:cNvPr>
+          <p:cNvPicPr>
+            <a:picLocks noChangeAspect="1"/>
+          </p:cNvPicPr>
+          <p:nvPr/>
+        </p:nvPicPr>
+        <p:blipFill>
+          <a:blip r:embed="rId2">
+            <a:extLst>
+              <a:ext uri="{28A0092B-C50C-407E-A947-70E740481C1C}">
+                <a14:useLocalDpi xmlns:a14="http://schemas.microsoft.com/office/drawing/2010/main" val="0"/>
+              </a:ext>
+            </a:extLst>
+          </a:blip>
+          <a:stretch>
+            <a:fillRect/>
+          </a:stretch>
+        </p:blipFill>
+        <p:spPr>
+          <a:xfrm>
+            <a:off x="18737" y="279401"/>
+            <a:ext cx="12173263" cy="5757332"/>
+          </a:xfrm>
+          <a:prstGeom prst="rect">
+            <a:avLst/>
+          </a:prstGeom>
+        </p:spPr>
+      </p:pic>
+    </p:spTree>
+    <p:extLst>
+      <p:ext uri="{BB962C8B-B14F-4D97-AF65-F5344CB8AC3E}">
+        <p14:creationId xmlns:p14="http://schemas.microsoft.com/office/powerpoint/2010/main" val="4261540826"/>
+      </p:ext>
+    </p:extLst>
+  </p:cSld>
+  <p:clrMapOvr>
+    <a:masterClrMapping/>
+  </p:clrMapOvr>
+</p:sld>
+</file>
+
+<file path=ppt/slides/slide2.xml><?xml version="1.0" encoding="utf-8"?>
+<p:sld xmlns:a="http://schemas.openxmlformats.org/drawingml/2006/main" xmlns:r="http://schemas.openxmlformats.org/officeDocument/2006/relationships" xmlns:p="http://schemas.openxmlformats.org/presentationml/2006/main">
+  <p:cSld>
+    <p:spTree>
+      <p:nvGrpSpPr>
+        <p:cNvPr id="1" name=""/>
+        <p:cNvGrpSpPr/>
+        <p:nvPr/>
+      </p:nvGrpSpPr>
+      <p:grpSpPr>
+        <a:xfrm>
+          <a:off x="0" y="0"/>
+          <a:ext cx="0" cy="0"/>
+          <a:chOff x="0" y="0"/>
+          <a:chExt cx="0" cy="0"/>
+        </a:xfrm>
+      </p:grpSpPr>
+      <p:sp>
+        <p:nvSpPr>
+          <p:cNvPr id="2" name="Title 1">
+            <a:extLst>
+              <a:ext uri="{FF2B5EF4-FFF2-40B4-BE49-F238E27FC236}">
+                <a16:creationId xmlns:a16="http://schemas.microsoft.com/office/drawing/2014/main" id="{602952F7-96FA-7F21-BF68-8B5124EB806E}"/>
+              </a:ext>
+            </a:extLst>
+          </p:cNvPr>
+          <p:cNvSpPr>
+            <a:spLocks noGrp="1"/>
+          </p:cNvSpPr>
+          <p:nvPr>
+            <p:ph type="title"/>
+          </p:nvPr>
+        </p:nvSpPr>
+        <p:spPr/>
+        <p:txBody>
+          <a:bodyPr/>
+          <a:lstStyle/>
+          <a:p>
+            <a:r>
+              <a:rPr lang="en-IN"/>
+              <a:t>Definition</a:t>
+            </a:r>
+          </a:p>
+        </p:txBody>
+      </p:sp>
+      <p:sp>
+        <p:nvSpPr>
+          <p:cNvPr id="3" name="Text Placeholder 2">
+            <a:extLst>
+              <a:ext uri="{FF2B5EF4-FFF2-40B4-BE49-F238E27FC236}">
+                <a16:creationId xmlns:a16="http://schemas.microsoft.com/office/drawing/2014/main" id="{E43043B5-3421-08FA-84A8-06322A1C28E3}"/>
+              </a:ext>
+            </a:extLst>
+          </p:cNvPr>
+          <p:cNvSpPr>
+            <a:spLocks noGrp="1"/>
+          </p:cNvSpPr>
+          <p:nvPr>
+            <p:ph type="body" idx="1"/>
+          </p:nvPr>
+        </p:nvSpPr>
+        <p:spPr/>
+        <p:txBody>
+          <a:bodyPr/>
+          <a:lstStyle/>
+          <a:p>
+            <a:r>
+              <a:rPr lang="en-US"/>
+              <a:t>A YouTube Comment Analyzer is a system or tool that automatically collects, processes, and analyzes comments associated with YouTube videos. It utilizes various techniques, including natural language processing (NLP) and sentiment analysis, to derive insights into user sentiments, engagement, and topics discussed in the comments section.</a:t>
+            </a:r>
+            <a:endParaRPr lang="en-IN"/>
+          </a:p>
+        </p:txBody>
+      </p:sp>
+    </p:spTree>
+    <p:extLst>
+      <p:ext uri="{BB962C8B-B14F-4D97-AF65-F5344CB8AC3E}">
+        <p14:creationId xmlns:p14="http://schemas.microsoft.com/office/powerpoint/2010/main" val="512526330"/>
+      </p:ext>
+    </p:extLst>
+  </p:cSld>
+  <p:clrMapOvr>
+    <a:masterClrMapping/>
+  </p:clrMapOvr>
+</p:sld>
+</file>
+
+<file path=ppt/slides/slide3.xml><?xml version="1.0" encoding="utf-8"?>
+<p:sld xmlns:a="http://schemas.openxmlformats.org/drawingml/2006/main" xmlns:r="http://schemas.openxmlformats.org/officeDocument/2006/relationships" xmlns:p="http://schemas.openxmlformats.org/presentationml/2006/main">
+  <p:cSld>
+    <p:spTree>
+      <p:nvGrpSpPr>
+        <p:cNvPr id="1" name=""/>
+        <p:cNvGrpSpPr/>
+        <p:nvPr/>
+      </p:nvGrpSpPr>
+      <p:grpSpPr>
+        <a:xfrm>
+          <a:off x="0" y="0"/>
+          <a:ext cx="0" cy="0"/>
+          <a:chOff x="0" y="0"/>
+          <a:chExt cx="0" cy="0"/>
+        </a:xfrm>
+      </p:grpSpPr>
+      <p:sp>
+        <p:nvSpPr>
+          <p:cNvPr id="2" name="Title 1">
+            <a:extLst>
+              <a:ext uri="{FF2B5EF4-FFF2-40B4-BE49-F238E27FC236}">
+                <a16:creationId xmlns:a16="http://schemas.microsoft.com/office/drawing/2014/main" id="{AD18C9F2-0787-EAE5-609B-DEE9378D6BF5}"/>
+              </a:ext>
+            </a:extLst>
+          </p:cNvPr>
+          <p:cNvSpPr>
+            <a:spLocks noGrp="1"/>
+          </p:cNvSpPr>
+          <p:nvPr>
+            <p:ph type="title"/>
+          </p:nvPr>
+        </p:nvSpPr>
+        <p:spPr/>
+        <p:txBody>
+          <a:bodyPr/>
+          <a:lstStyle/>
+          <a:p>
+            <a:r>
+              <a:rPr lang="en-IN"/>
+              <a:t>Tools</a:t>
+            </a:r>
+          </a:p>
+        </p:txBody>
+      </p:sp>
+      <p:sp>
+        <p:nvSpPr>
+          <p:cNvPr id="3" name="Text Placeholder 2">
+            <a:extLst>
+              <a:ext uri="{FF2B5EF4-FFF2-40B4-BE49-F238E27FC236}">
+                <a16:creationId xmlns:a16="http://schemas.microsoft.com/office/drawing/2014/main" id="{404AC652-5E8D-6EAA-15B8-AD5E5A9B0586}"/>
+              </a:ext>
+            </a:extLst>
+          </p:cNvPr>
+          <p:cNvSpPr>
+            <a:spLocks noGrp="1"/>
+          </p:cNvSpPr>
+          <p:nvPr>
+            <p:ph type="body" idx="1"/>
+          </p:nvPr>
+        </p:nvSpPr>
+        <p:spPr/>
+        <p:txBody>
+          <a:bodyPr>
+            <a:normAutofit fontScale="85000" lnSpcReduction="20000"/>
+          </a:bodyPr>
+          <a:lstStyle/>
+          <a:p>
+            <a:r>
+              <a:rPr lang="en-US" dirty="0"/>
+              <a:t> </a:t>
+            </a:r>
+            <a:r>
+              <a:rPr lang="en-US" sz="2200" dirty="0"/>
+              <a:t>Programming Language: Use a programming language such as Python for implementing the analyzer due to its extensive libraries and frameworks for data analysis.</a:t>
+            </a:r>
+          </a:p>
+          <a:p>
+            <a:endParaRPr lang="en-US" sz="2200" dirty="0"/>
+          </a:p>
+          <a:p>
+            <a:r>
+              <a:rPr lang="en-US" sz="2200" dirty="0"/>
+              <a:t> IDE (Integrated Development Environment): Choose an IDE like </a:t>
+            </a:r>
+            <a:r>
+              <a:rPr lang="en-US" sz="2200" dirty="0" err="1"/>
+              <a:t>Jupyter</a:t>
+            </a:r>
+            <a:r>
+              <a:rPr lang="en-US" sz="2200" dirty="0"/>
+              <a:t> Notebook or Visual Studio Code for developing and testing your code.</a:t>
+            </a:r>
+          </a:p>
+          <a:p>
+            <a:endParaRPr lang="en-US" sz="2200" dirty="0"/>
+          </a:p>
+          <a:p>
+            <a:r>
+              <a:rPr lang="en-US" sz="2200" dirty="0"/>
+              <a:t> Version Control: Utilize version control systems like Git to track changes and collaborate on the project.</a:t>
+            </a:r>
+          </a:p>
+          <a:p>
+            <a:endParaRPr lang="en-US" sz="2200" dirty="0"/>
+          </a:p>
+          <a:p>
+            <a:r>
+              <a:rPr lang="en-US" sz="2200" dirty="0"/>
+              <a:t>Collaboration Tools: Use collaboration tools like GitHub for version control and project management.</a:t>
+            </a:r>
+            <a:endParaRPr lang="en-IN" sz="2200" dirty="0"/>
+          </a:p>
+        </p:txBody>
+      </p:sp>
+    </p:spTree>
+    <p:extLst>
+      <p:ext uri="{BB962C8B-B14F-4D97-AF65-F5344CB8AC3E}">
+        <p14:creationId xmlns:p14="http://schemas.microsoft.com/office/powerpoint/2010/main" val="3310734504"/>
+      </p:ext>
+    </p:extLst>
+  </p:cSld>
+  <p:clrMapOvr>
+    <a:masterClrMapping/>
+  </p:clrMapOvr>
+</p:sld>
+</file>
+
+<file path=ppt/slides/slide4.xml><?xml version="1.0" encoding="utf-8"?>
+<p:sld xmlns:a="http://schemas.openxmlformats.org/drawingml/2006/main" xmlns:r="http://schemas.openxmlformats.org/officeDocument/2006/relationships" xmlns:p="http://schemas.openxmlformats.org/presentationml/2006/main">
+  <p:cSld>
+    <p:spTree>
+      <p:nvGrpSpPr>
+        <p:cNvPr id="1" name=""/>
+        <p:cNvGrpSpPr/>
+        <p:nvPr/>
+      </p:nvGrpSpPr>
+      <p:grpSpPr>
+        <a:xfrm>
+          <a:off x="0" y="0"/>
+          <a:ext cx="0" cy="0"/>
+          <a:chOff x="0" y="0"/>
+          <a:chExt cx="0" cy="0"/>
+        </a:xfrm>
+      </p:grpSpPr>
+      <p:sp>
+        <p:nvSpPr>
+          <p:cNvPr id="2" name="Title 1">
+            <a:extLst>
+              <a:ext uri="{FF2B5EF4-FFF2-40B4-BE49-F238E27FC236}">
+                <a16:creationId xmlns:a16="http://schemas.microsoft.com/office/drawing/2014/main" id="{5379AC7F-63BC-0255-56D0-B9FF542BB752}"/>
+              </a:ext>
+            </a:extLst>
+          </p:cNvPr>
+          <p:cNvSpPr>
+            <a:spLocks noGrp="1"/>
+          </p:cNvSpPr>
+          <p:nvPr>
+            <p:ph type="title"/>
+          </p:nvPr>
+        </p:nvSpPr>
+        <p:spPr/>
+        <p:txBody>
+          <a:bodyPr/>
+          <a:lstStyle/>
+          <a:p>
+            <a:r>
+              <a:rPr lang="en-IN"/>
+              <a:t>Resources</a:t>
+            </a:r>
+          </a:p>
+        </p:txBody>
+      </p:sp>
+      <p:sp>
+        <p:nvSpPr>
+          <p:cNvPr id="3" name="Text Placeholder 2">
+            <a:extLst>
+              <a:ext uri="{FF2B5EF4-FFF2-40B4-BE49-F238E27FC236}">
+                <a16:creationId xmlns:a16="http://schemas.microsoft.com/office/drawing/2014/main" id="{BDCAD2B2-843E-0B42-FA40-9D169738EAE5}"/>
+              </a:ext>
+            </a:extLst>
+          </p:cNvPr>
+          <p:cNvSpPr>
+            <a:spLocks noGrp="1"/>
+          </p:cNvSpPr>
+          <p:nvPr>
+            <p:ph type="body" idx="1"/>
+          </p:nvPr>
+        </p:nvSpPr>
+        <p:spPr/>
+        <p:txBody>
+          <a:bodyPr>
+            <a:normAutofit fontScale="62500" lnSpcReduction="20000"/>
+          </a:bodyPr>
+          <a:lstStyle/>
+          <a:p>
+            <a:r>
+              <a:rPr lang="en-IN" sz="2200" dirty="0"/>
+              <a:t>YouTube Data API: [YouTube Data API Documentation]</a:t>
+            </a:r>
+          </a:p>
+          <a:p>
+            <a:r>
+              <a:rPr lang="en-IN" sz="2200" dirty="0"/>
+              <a:t> NLP Libraries: SpaCy ([SpaCy Documentation]</a:t>
+            </a:r>
+          </a:p>
+          <a:p>
+            <a:r>
+              <a:rPr lang="en-IN" sz="2200" dirty="0"/>
+              <a:t> Machine Learning Models: Scikit-learn ([Scikit-learn Documentation]</a:t>
+            </a:r>
+          </a:p>
+          <a:p>
+            <a:r>
+              <a:rPr lang="en-IN" sz="2200" dirty="0"/>
+              <a:t>Visualization Tools: Matplotlib ([Matplotlib Documentation],Seaborn ([Seaborn Documentation],Plotly ([Plotly Documentation]</a:t>
+            </a:r>
+          </a:p>
+          <a:p>
+            <a:r>
+              <a:rPr lang="en-IN" sz="2200" dirty="0"/>
+              <a:t>Kaggle : for dataset train and test our model.</a:t>
+            </a:r>
+          </a:p>
+          <a:p>
+            <a:endParaRPr lang="en-IN" sz="2200" dirty="0"/>
+          </a:p>
+          <a:p>
+            <a:r>
+              <a:rPr lang="en-IN" sz="2200" dirty="0"/>
+              <a:t>Websites</a:t>
+            </a:r>
+          </a:p>
+          <a:p>
+            <a:pPr marL="457200">
+              <a:lnSpc>
+                <a:spcPct val="107000"/>
+              </a:lnSpc>
+              <a:spcAft>
+                <a:spcPts val="800"/>
+              </a:spcAft>
+            </a:pPr>
+            <a:r>
+              <a:rPr lang="en-IN" sz="2200" kern="100" dirty="0" err="1">
+                <a:effectLst/>
+                <a:latin typeface="Calibri" panose="020F0502020204030204" pitchFamily="34" charset="0"/>
+                <a:ea typeface="Calibri" panose="020F0502020204030204" pitchFamily="34" charset="0"/>
+                <a:cs typeface="Times New Roman" panose="02020603050405020304" pitchFamily="18" charset="0"/>
+              </a:rPr>
+              <a:t>Socialbee</a:t>
+            </a:r>
+            <a:endParaRPr lang="en-IN" sz="2200" kern="100" dirty="0">
+              <a:effectLst/>
+              <a:latin typeface="Calibri" panose="020F0502020204030204" pitchFamily="34" charset="0"/>
+              <a:ea typeface="Calibri" panose="020F0502020204030204" pitchFamily="34" charset="0"/>
+              <a:cs typeface="Times New Roman" panose="02020603050405020304" pitchFamily="18" charset="0"/>
+            </a:endParaRPr>
+          </a:p>
+          <a:p>
+            <a:pPr marL="457200">
+              <a:lnSpc>
+                <a:spcPct val="107000"/>
+              </a:lnSpc>
+              <a:spcAft>
+                <a:spcPts val="800"/>
+              </a:spcAft>
+            </a:pPr>
+            <a:r>
+              <a:rPr lang="en-IN" sz="2200" kern="100" dirty="0">
+                <a:effectLst/>
+                <a:latin typeface="Calibri" panose="020F0502020204030204" pitchFamily="34" charset="0"/>
+                <a:ea typeface="Calibri" panose="020F0502020204030204" pitchFamily="34" charset="0"/>
+                <a:cs typeface="Times New Roman" panose="02020603050405020304" pitchFamily="18" charset="0"/>
+              </a:rPr>
+              <a:t>Hootsuite</a:t>
+            </a:r>
+          </a:p>
+          <a:p>
+            <a:pPr marL="457200">
+              <a:lnSpc>
+                <a:spcPct val="107000"/>
+              </a:lnSpc>
+              <a:spcAft>
+                <a:spcPts val="800"/>
+              </a:spcAft>
+            </a:pPr>
+            <a:r>
+              <a:rPr lang="en-IN" sz="2200" kern="100" dirty="0" err="1">
+                <a:effectLst/>
+                <a:latin typeface="Calibri" panose="020F0502020204030204" pitchFamily="34" charset="0"/>
+                <a:ea typeface="Calibri" panose="020F0502020204030204" pitchFamily="34" charset="0"/>
+                <a:cs typeface="Times New Roman" panose="02020603050405020304" pitchFamily="18" charset="0"/>
+              </a:rPr>
+              <a:t>Brandwatch</a:t>
+            </a:r>
+            <a:endParaRPr lang="en-IN" sz="2200" kern="100" dirty="0">
+              <a:effectLst/>
+              <a:latin typeface="Calibri" panose="020F0502020204030204" pitchFamily="34" charset="0"/>
+              <a:ea typeface="Calibri" panose="020F0502020204030204" pitchFamily="34" charset="0"/>
+              <a:cs typeface="Times New Roman" panose="02020603050405020304" pitchFamily="18" charset="0"/>
+            </a:endParaRPr>
+          </a:p>
+          <a:p>
+            <a:r>
+              <a:rPr lang="en-IN" sz="2200" u="sng" dirty="0">
+                <a:solidFill>
+                  <a:srgbClr val="0563C1"/>
+                </a:solidFill>
+                <a:effectLst/>
+                <a:latin typeface="Calibri" panose="020F0502020204030204" pitchFamily="34" charset="0"/>
+                <a:ea typeface="Calibri" panose="020F0502020204030204" pitchFamily="34" charset="0"/>
+                <a:cs typeface="Times New Roman" panose="02020603050405020304" pitchFamily="18" charset="0"/>
+                <a:hlinkClick r:id="rId2"/>
+              </a:rPr>
+              <a:t>https://commentanalyzer.com</a:t>
+            </a:r>
+            <a:endParaRPr lang="en-IN" sz="2200" dirty="0"/>
+          </a:p>
+        </p:txBody>
+      </p:sp>
+    </p:spTree>
+    <p:extLst>
+      <p:ext uri="{BB962C8B-B14F-4D97-AF65-F5344CB8AC3E}">
+        <p14:creationId xmlns:p14="http://schemas.microsoft.com/office/powerpoint/2010/main" val="2302547906"/>
+      </p:ext>
+    </p:extLst>
+  </p:cSld>
+  <p:clrMapOvr>
+    <a:masterClrMapping/>
+  </p:clrMapOvr>
+</p:sld>
+</file>
+
+<file path=ppt/slides/slide5.xml><?xml version="1.0" encoding="utf-8"?>
+<p:sld xmlns:a="http://schemas.openxmlformats.org/drawingml/2006/main" xmlns:r="http://schemas.openxmlformats.org/officeDocument/2006/relationships" xmlns:p="http://schemas.openxmlformats.org/presentationml/2006/main">
+  <p:cSld>
+    <p:spTree>
+      <p:nvGrpSpPr>
+        <p:cNvPr id="1" name=""/>
+        <p:cNvGrpSpPr/>
+        <p:nvPr/>
+      </p:nvGrpSpPr>
+      <p:grpSpPr>
+        <a:xfrm>
+          <a:off x="0" y="0"/>
+          <a:ext cx="0" cy="0"/>
+          <a:chOff x="0" y="0"/>
+          <a:chExt cx="0" cy="0"/>
+        </a:xfrm>
+      </p:grpSpPr>
+      <p:sp>
+        <p:nvSpPr>
+          <p:cNvPr id="2" name="Title 1">
+            <a:extLst>
+              <a:ext uri="{FF2B5EF4-FFF2-40B4-BE49-F238E27FC236}">
+                <a16:creationId xmlns:a16="http://schemas.microsoft.com/office/drawing/2014/main" id="{CA63243E-EFC8-1F27-1779-B0E2DCF5C86F}"/>
+              </a:ext>
+            </a:extLst>
+          </p:cNvPr>
+          <p:cNvSpPr>
+            <a:spLocks noGrp="1"/>
+          </p:cNvSpPr>
+          <p:nvPr>
+            <p:ph type="title"/>
+          </p:nvPr>
+        </p:nvSpPr>
+        <p:spPr/>
+        <p:txBody>
+          <a:bodyPr/>
+          <a:lstStyle/>
+          <a:p>
+            <a:r>
+              <a:rPr lang="en-IN" dirty="0"/>
+              <a:t>Flow</a:t>
+            </a:r>
+          </a:p>
+        </p:txBody>
+      </p:sp>
+      <p:sp>
+        <p:nvSpPr>
+          <p:cNvPr id="3" name="Text Placeholder 2">
+            <a:extLst>
+              <a:ext uri="{FF2B5EF4-FFF2-40B4-BE49-F238E27FC236}">
+                <a16:creationId xmlns:a16="http://schemas.microsoft.com/office/drawing/2014/main" id="{20235CDB-2AC6-7B2C-46C3-7558885788A8}"/>
+              </a:ext>
+            </a:extLst>
+          </p:cNvPr>
+          <p:cNvSpPr>
+            <a:spLocks noGrp="1"/>
+          </p:cNvSpPr>
+          <p:nvPr>
+            <p:ph type="body" idx="1"/>
+          </p:nvPr>
+        </p:nvSpPr>
+        <p:spPr>
+          <a:xfrm>
+            <a:off x="838200" y="1825625"/>
+            <a:ext cx="10515600" cy="4185708"/>
+          </a:xfrm>
+        </p:spPr>
+        <p:txBody>
+          <a:bodyPr>
+            <a:noAutofit/>
+          </a:bodyPr>
+          <a:lstStyle/>
+          <a:p>
+            <a:r>
+              <a:rPr lang="en-US" sz="2000" dirty="0"/>
+              <a:t>1. Extract Data from YouTube : </a:t>
+            </a:r>
+          </a:p>
+          <a:p>
+            <a:pPr lvl="1"/>
+            <a:r>
+              <a:rPr lang="en-US" sz="1500" dirty="0"/>
+              <a:t>Use the YouTube Data API to extract comments and related information from a specific video.   </a:t>
+            </a:r>
+            <a:r>
+              <a:rPr lang="en-US" sz="1100" dirty="0"/>
+              <a:t>	</a:t>
+            </a:r>
+          </a:p>
+          <a:p>
+            <a:pPr lvl="1"/>
+            <a:endParaRPr lang="en-US" sz="1100" dirty="0"/>
+          </a:p>
+          <a:p>
+            <a:r>
+              <a:rPr lang="en-US" sz="2000" dirty="0"/>
+              <a:t>2. Data Preprocessing:</a:t>
+            </a:r>
+          </a:p>
+          <a:p>
+            <a:pPr lvl="1"/>
+            <a:r>
+              <a:rPr lang="en-US" sz="1500" dirty="0"/>
+              <a:t>Tokenization: Breaking down comments into individual words or tokens.Removing stop words</a:t>
+            </a:r>
+          </a:p>
+          <a:p>
+            <a:pPr lvl="1"/>
+            <a:r>
+              <a:rPr lang="en-US" sz="1500" dirty="0"/>
+              <a:t>Lemmatization: Reducing words to their base or root form.</a:t>
+            </a:r>
+          </a:p>
+          <a:p>
+            <a:pPr lvl="1"/>
+            <a:endParaRPr lang="en-US" sz="1000" dirty="0"/>
+          </a:p>
+          <a:p>
+            <a:r>
+              <a:rPr lang="en-US" sz="2000" dirty="0"/>
+              <a:t>3. Sentiment Analysis Model:</a:t>
+            </a:r>
+          </a:p>
+          <a:p>
+            <a:pPr lvl="1"/>
+            <a:r>
+              <a:rPr lang="en-US" sz="1500" dirty="0"/>
+              <a:t>Train a sentiment analysis model using machine leargning techniques. You can use a pre-trained model or train one using labeled data. The goal is to classigfy comments into categories like positive,negative, or neutral based on sentiment.</a:t>
+            </a:r>
+          </a:p>
+          <a:p>
+            <a:endParaRPr lang="en-US" sz="1500" dirty="0"/>
+          </a:p>
+          <a:p>
+            <a:r>
+              <a:rPr lang="en-US" sz="2000" dirty="0"/>
+              <a:t>4. Insights and Reporting:</a:t>
+            </a:r>
+          </a:p>
+          <a:p>
+            <a:pPr lvl="1"/>
+            <a:r>
+              <a:rPr lang="en-US" sz="1500" dirty="0"/>
+              <a:t>Generate report summarizing the  finding  from the sentiment analysis. Provide positive negative and neutral comments</a:t>
+            </a:r>
+          </a:p>
+          <a:p>
+            <a:pPr lvl="1"/>
+            <a:endParaRPr lang="en-US" sz="1500" dirty="0"/>
+          </a:p>
+          <a:p>
+            <a:pPr lvl="1"/>
+            <a:endParaRPr lang="en-US" sz="1500" dirty="0"/>
+          </a:p>
+          <a:p>
+            <a:pPr lvl="1"/>
+            <a:endParaRPr lang="en-US" sz="1500" dirty="0"/>
+          </a:p>
+          <a:p>
+            <a:pPr lvl="1"/>
+            <a:endParaRPr lang="en-US" sz="1500" dirty="0"/>
+          </a:p>
+          <a:p>
+            <a:pPr lvl="1"/>
+            <a:endParaRPr lang="en-US" sz="1500" dirty="0"/>
+          </a:p>
+          <a:p>
+            <a:pPr lvl="1"/>
+            <a:endParaRPr lang="en-US" sz="1500" dirty="0"/>
+          </a:p>
+        </p:txBody>
+      </p:sp>
+    </p:spTree>
+    <p:extLst>
+      <p:ext uri="{BB962C8B-B14F-4D97-AF65-F5344CB8AC3E}">
+        <p14:creationId xmlns:p14="http://schemas.microsoft.com/office/powerpoint/2010/main" val="2453259420"/>
+      </p:ext>
+    </p:extLst>
+  </p:cSld>
+  <p:clrMapOvr>
+    <a:masterClrMapping/>
+  </p:clrMapOvr>
+</p:sld>
+</file>
+
+<file path=ppt/slides/slide6.xml><?xml version="1.0" encoding="utf-8"?>
+<p:sld xmlns:a="http://schemas.openxmlformats.org/drawingml/2006/main" xmlns:r="http://schemas.openxmlformats.org/officeDocument/2006/relationships" xmlns:p="http://schemas.openxmlformats.org/presentationml/2006/main">
+  <p:cSld>
+    <p:spTree>
+      <p:nvGrpSpPr>
+        <p:cNvPr id="1" name=""/>
+        <p:cNvGrpSpPr/>
+        <p:nvPr/>
+      </p:nvGrpSpPr>
+      <p:grpSpPr>
+        <a:xfrm>
+          <a:off x="0" y="0"/>
+          <a:ext cx="0" cy="0"/>
+          <a:chOff x="0" y="0"/>
+          <a:chExt cx="0" cy="0"/>
+        </a:xfrm>
+      </p:grpSpPr>
       <p:pic>
         <p:nvPicPr>
           <p:cNvPr id="5" name="Picture 4">
@@ -9143,7 +9924,7 @@
 </p:sld>
 </file>
 
-<file path=ppt/slides/slide11.xml><?xml version="1.0" encoding="utf-8"?>
+<file path=ppt/slides/slide7.xml><?xml version="1.0" encoding="utf-8"?>
 <p:sld xmlns:a="http://schemas.openxmlformats.org/drawingml/2006/main" xmlns:r="http://schemas.openxmlformats.org/officeDocument/2006/relationships" xmlns:p="http://schemas.openxmlformats.org/presentationml/2006/main">
   <p:cSld>
     <p:spTree>
@@ -9209,7 +9990,7 @@
 </p:sld>
 </file>
 
-<file path=ppt/slides/slide12.xml><?xml version="1.0" encoding="utf-8"?>
+<file path=ppt/slides/slide8.xml><?xml version="1.0" encoding="utf-8"?>
 <p:sld xmlns:a="http://schemas.openxmlformats.org/drawingml/2006/main" xmlns:r="http://schemas.openxmlformats.org/officeDocument/2006/relationships" xmlns:p="http://schemas.openxmlformats.org/presentationml/2006/main">
   <p:cSld>
     <p:spTree>
@@ -9310,7 +10091,7 @@
 </p:sld>
 </file>
 
-<file path=ppt/slides/slide13.xml><?xml version="1.0" encoding="utf-8"?>
+<file path=ppt/slides/slide9.xml><?xml version="1.0" encoding="utf-8"?>
 <p:sld xmlns:a="http://schemas.openxmlformats.org/drawingml/2006/main" xmlns:r="http://schemas.openxmlformats.org/officeDocument/2006/relationships" xmlns:p="http://schemas.openxmlformats.org/presentationml/2006/main">
   <p:cSld>
     <p:spTree>
@@ -9367,5473 +10148,6 @@
     <p:extLst>
       <p:ext uri="{BB962C8B-B14F-4D97-AF65-F5344CB8AC3E}">
         <p14:creationId xmlns:p14="http://schemas.microsoft.com/office/powerpoint/2010/main" val="1924382026"/>
-      </p:ext>
-    </p:extLst>
-  </p:cSld>
-  <p:clrMapOvr>
-    <a:masterClrMapping/>
-  </p:clrMapOvr>
-</p:sld>
-</file>
-
-<file path=ppt/slides/slide14.xml><?xml version="1.0" encoding="utf-8"?>
-<p:sld xmlns:a="http://schemas.openxmlformats.org/drawingml/2006/main" xmlns:r="http://schemas.openxmlformats.org/officeDocument/2006/relationships" xmlns:p="http://schemas.openxmlformats.org/presentationml/2006/main">
-  <p:cSld>
-    <p:spTree>
-      <p:nvGrpSpPr>
-        <p:cNvPr id="1" name=""/>
-        <p:cNvGrpSpPr/>
-        <p:nvPr/>
-      </p:nvGrpSpPr>
-      <p:grpSpPr>
-        <a:xfrm>
-          <a:off x="0" y="0"/>
-          <a:ext cx="0" cy="0"/>
-          <a:chOff x="0" y="0"/>
-          <a:chExt cx="0" cy="0"/>
-        </a:xfrm>
-      </p:grpSpPr>
-      <p:sp>
-        <p:nvSpPr>
-          <p:cNvPr id="4" name="Title 3">
-            <a:extLst>
-              <a:ext uri="{FF2B5EF4-FFF2-40B4-BE49-F238E27FC236}">
-                <a16:creationId xmlns:a16="http://schemas.microsoft.com/office/drawing/2014/main" id="{532DC7CD-1B78-C7D6-190D-96DE915EA3C9}"/>
-              </a:ext>
-            </a:extLst>
-          </p:cNvPr>
-          <p:cNvSpPr>
-            <a:spLocks noGrp="1"/>
-          </p:cNvSpPr>
-          <p:nvPr>
-            <p:ph type="title"/>
-          </p:nvPr>
-        </p:nvSpPr>
-        <p:spPr>
-          <a:xfrm>
-            <a:off x="838200" y="365126"/>
-            <a:ext cx="10185400" cy="744008"/>
-          </a:xfrm>
-        </p:spPr>
-        <p:txBody>
-          <a:bodyPr>
-            <a:normAutofit/>
-          </a:bodyPr>
-          <a:lstStyle/>
-          <a:p>
-            <a:r>
-              <a:rPr lang="en-IN" sz="2000" dirty="0"/>
-              <a:t>				Train_model with Word Embedding</a:t>
-            </a:r>
-          </a:p>
-        </p:txBody>
-      </p:sp>
-      <p:pic>
-        <p:nvPicPr>
-          <p:cNvPr id="7" name="Picture 6">
-            <a:extLst>
-              <a:ext uri="{FF2B5EF4-FFF2-40B4-BE49-F238E27FC236}">
-                <a16:creationId xmlns:a16="http://schemas.microsoft.com/office/drawing/2014/main" id="{74E03F0D-80B5-CFCF-377C-8D221E080CD3}"/>
-              </a:ext>
-            </a:extLst>
-          </p:cNvPr>
-          <p:cNvPicPr>
-            <a:picLocks noChangeAspect="1"/>
-          </p:cNvPicPr>
-          <p:nvPr/>
-        </p:nvPicPr>
-        <p:blipFill>
-          <a:blip r:embed="rId2">
-            <a:extLst>
-              <a:ext uri="{28A0092B-C50C-407E-A947-70E740481C1C}">
-                <a14:useLocalDpi xmlns:a14="http://schemas.microsoft.com/office/drawing/2010/main" val="0"/>
-              </a:ext>
-            </a:extLst>
-          </a:blip>
-          <a:stretch>
-            <a:fillRect/>
-          </a:stretch>
-        </p:blipFill>
-        <p:spPr>
-          <a:xfrm>
-            <a:off x="3990867" y="1412771"/>
-            <a:ext cx="4210266" cy="4032457"/>
-          </a:xfrm>
-          <a:prstGeom prst="rect">
-            <a:avLst/>
-          </a:prstGeom>
-        </p:spPr>
-      </p:pic>
-    </p:spTree>
-    <p:extLst>
-      <p:ext uri="{BB962C8B-B14F-4D97-AF65-F5344CB8AC3E}">
-        <p14:creationId xmlns:p14="http://schemas.microsoft.com/office/powerpoint/2010/main" val="979851756"/>
-      </p:ext>
-    </p:extLst>
-  </p:cSld>
-  <p:clrMapOvr>
-    <a:masterClrMapping/>
-  </p:clrMapOvr>
-</p:sld>
-</file>
-
-<file path=ppt/slides/slide15.xml><?xml version="1.0" encoding="utf-8"?>
-<p:sld xmlns:a="http://schemas.openxmlformats.org/drawingml/2006/main" xmlns:r="http://schemas.openxmlformats.org/officeDocument/2006/relationships" xmlns:p="http://schemas.openxmlformats.org/presentationml/2006/main">
-  <p:cSld>
-    <p:spTree>
-      <p:nvGrpSpPr>
-        <p:cNvPr id="1" name=""/>
-        <p:cNvGrpSpPr/>
-        <p:nvPr/>
-      </p:nvGrpSpPr>
-      <p:grpSpPr>
-        <a:xfrm>
-          <a:off x="0" y="0"/>
-          <a:ext cx="0" cy="0"/>
-          <a:chOff x="0" y="0"/>
-          <a:chExt cx="0" cy="0"/>
-        </a:xfrm>
-      </p:grpSpPr>
-      <p:pic>
-        <p:nvPicPr>
-          <p:cNvPr id="5" name="Picture 4">
-            <a:extLst>
-              <a:ext uri="{FF2B5EF4-FFF2-40B4-BE49-F238E27FC236}">
-                <a16:creationId xmlns:a16="http://schemas.microsoft.com/office/drawing/2014/main" id="{48CCF3EF-8C6D-1401-98F4-11FB10F3BFB5}"/>
-              </a:ext>
-            </a:extLst>
-          </p:cNvPr>
-          <p:cNvPicPr>
-            <a:picLocks noChangeAspect="1"/>
-          </p:cNvPicPr>
-          <p:nvPr/>
-        </p:nvPicPr>
-        <p:blipFill>
-          <a:blip r:embed="rId2">
-            <a:extLst>
-              <a:ext uri="{28A0092B-C50C-407E-A947-70E740481C1C}">
-                <a14:useLocalDpi xmlns:a14="http://schemas.microsoft.com/office/drawing/2010/main" val="0"/>
-              </a:ext>
-            </a:extLst>
-          </a:blip>
-          <a:stretch>
-            <a:fillRect/>
-          </a:stretch>
-        </p:blipFill>
-        <p:spPr>
-          <a:xfrm>
-            <a:off x="3835284" y="631681"/>
-            <a:ext cx="4521432" cy="5594638"/>
-          </a:xfrm>
-          <a:prstGeom prst="rect">
-            <a:avLst/>
-          </a:prstGeom>
-        </p:spPr>
-      </p:pic>
-    </p:spTree>
-    <p:extLst>
-      <p:ext uri="{BB962C8B-B14F-4D97-AF65-F5344CB8AC3E}">
-        <p14:creationId xmlns:p14="http://schemas.microsoft.com/office/powerpoint/2010/main" val="4167409268"/>
-      </p:ext>
-    </p:extLst>
-  </p:cSld>
-  <p:clrMapOvr>
-    <a:masterClrMapping/>
-  </p:clrMapOvr>
-</p:sld>
-</file>
-
-<file path=ppt/slides/slide16.xml><?xml version="1.0" encoding="utf-8"?>
-<p:sld xmlns:a="http://schemas.openxmlformats.org/drawingml/2006/main" xmlns:r="http://schemas.openxmlformats.org/officeDocument/2006/relationships" xmlns:p="http://schemas.openxmlformats.org/presentationml/2006/main">
-  <p:cSld>
-    <p:spTree>
-      <p:nvGrpSpPr>
-        <p:cNvPr id="1" name=""/>
-        <p:cNvGrpSpPr/>
-        <p:nvPr/>
-      </p:nvGrpSpPr>
-      <p:grpSpPr>
-        <a:xfrm>
-          <a:off x="0" y="0"/>
-          <a:ext cx="0" cy="0"/>
-          <a:chOff x="0" y="0"/>
-          <a:chExt cx="0" cy="0"/>
-        </a:xfrm>
-      </p:grpSpPr>
-      <p:pic>
-        <p:nvPicPr>
-          <p:cNvPr id="5" name="Picture 4">
-            <a:extLst>
-              <a:ext uri="{FF2B5EF4-FFF2-40B4-BE49-F238E27FC236}">
-                <a16:creationId xmlns:a16="http://schemas.microsoft.com/office/drawing/2014/main" id="{070876B1-5FB9-A36B-DD76-9F19E5D86327}"/>
-              </a:ext>
-            </a:extLst>
-          </p:cNvPr>
-          <p:cNvPicPr>
-            <a:picLocks noChangeAspect="1"/>
-          </p:cNvPicPr>
-          <p:nvPr/>
-        </p:nvPicPr>
-        <p:blipFill>
-          <a:blip r:embed="rId2">
-            <a:extLst>
-              <a:ext uri="{28A0092B-C50C-407E-A947-70E740481C1C}">
-                <a14:useLocalDpi xmlns:a14="http://schemas.microsoft.com/office/drawing/2010/main" val="0"/>
-              </a:ext>
-            </a:extLst>
-          </a:blip>
-          <a:stretch>
-            <a:fillRect/>
-          </a:stretch>
-        </p:blipFill>
-        <p:spPr>
-          <a:xfrm>
-            <a:off x="3955940" y="638031"/>
-            <a:ext cx="4280120" cy="5581937"/>
-          </a:xfrm>
-          <a:prstGeom prst="rect">
-            <a:avLst/>
-          </a:prstGeom>
-        </p:spPr>
-      </p:pic>
-    </p:spTree>
-    <p:extLst>
-      <p:ext uri="{BB962C8B-B14F-4D97-AF65-F5344CB8AC3E}">
-        <p14:creationId xmlns:p14="http://schemas.microsoft.com/office/powerpoint/2010/main" val="3230009529"/>
-      </p:ext>
-    </p:extLst>
-  </p:cSld>
-  <p:clrMapOvr>
-    <a:masterClrMapping/>
-  </p:clrMapOvr>
-</p:sld>
-</file>
-
-<file path=ppt/slides/slide17.xml><?xml version="1.0" encoding="utf-8"?>
-<p:sld xmlns:a="http://schemas.openxmlformats.org/drawingml/2006/main" xmlns:r="http://schemas.openxmlformats.org/officeDocument/2006/relationships" xmlns:p="http://schemas.openxmlformats.org/presentationml/2006/main">
-  <p:cSld>
-    <p:spTree>
-      <p:nvGrpSpPr>
-        <p:cNvPr id="1" name=""/>
-        <p:cNvGrpSpPr/>
-        <p:nvPr/>
-      </p:nvGrpSpPr>
-      <p:grpSpPr>
-        <a:xfrm>
-          <a:off x="0" y="0"/>
-          <a:ext cx="0" cy="0"/>
-          <a:chOff x="0" y="0"/>
-          <a:chExt cx="0" cy="0"/>
-        </a:xfrm>
-      </p:grpSpPr>
-      <p:pic>
-        <p:nvPicPr>
-          <p:cNvPr id="5" name="Picture 4">
-            <a:extLst>
-              <a:ext uri="{FF2B5EF4-FFF2-40B4-BE49-F238E27FC236}">
-                <a16:creationId xmlns:a16="http://schemas.microsoft.com/office/drawing/2014/main" id="{A44653A2-DE23-E1B6-F3D9-F1F2EA17CA0B}"/>
-              </a:ext>
-            </a:extLst>
-          </p:cNvPr>
-          <p:cNvPicPr>
-            <a:picLocks noChangeAspect="1"/>
-          </p:cNvPicPr>
-          <p:nvPr/>
-        </p:nvPicPr>
-        <p:blipFill>
-          <a:blip r:embed="rId2">
-            <a:extLst>
-              <a:ext uri="{28A0092B-C50C-407E-A947-70E740481C1C}">
-                <a14:useLocalDpi xmlns:a14="http://schemas.microsoft.com/office/drawing/2010/main" val="0"/>
-              </a:ext>
-            </a:extLst>
-          </a:blip>
-          <a:stretch>
-            <a:fillRect/>
-          </a:stretch>
-        </p:blipFill>
-        <p:spPr>
-          <a:xfrm>
-            <a:off x="2057400" y="963386"/>
-            <a:ext cx="8229600" cy="5404757"/>
-          </a:xfrm>
-          <a:prstGeom prst="rect">
-            <a:avLst/>
-          </a:prstGeom>
-        </p:spPr>
-      </p:pic>
-    </p:spTree>
-    <p:extLst>
-      <p:ext uri="{BB962C8B-B14F-4D97-AF65-F5344CB8AC3E}">
-        <p14:creationId xmlns:p14="http://schemas.microsoft.com/office/powerpoint/2010/main" val="856484837"/>
-      </p:ext>
-    </p:extLst>
-  </p:cSld>
-  <p:clrMapOvr>
-    <a:masterClrMapping/>
-  </p:clrMapOvr>
-</p:sld>
-</file>
-
-<file path=ppt/slides/slide18.xml><?xml version="1.0" encoding="utf-8"?>
-<p:sld xmlns:a="http://schemas.openxmlformats.org/drawingml/2006/main" xmlns:r="http://schemas.openxmlformats.org/officeDocument/2006/relationships" xmlns:p="http://schemas.openxmlformats.org/presentationml/2006/main">
-  <p:cSld>
-    <p:spTree>
-      <p:nvGrpSpPr>
-        <p:cNvPr id="1" name=""/>
-        <p:cNvGrpSpPr/>
-        <p:nvPr/>
-      </p:nvGrpSpPr>
-      <p:grpSpPr>
-        <a:xfrm>
-          <a:off x="0" y="0"/>
-          <a:ext cx="0" cy="0"/>
-          <a:chOff x="0" y="0"/>
-          <a:chExt cx="0" cy="0"/>
-        </a:xfrm>
-      </p:grpSpPr>
-      <p:pic>
-        <p:nvPicPr>
-          <p:cNvPr id="6" name="Picture 5">
-            <a:extLst>
-              <a:ext uri="{FF2B5EF4-FFF2-40B4-BE49-F238E27FC236}">
-                <a16:creationId xmlns:a16="http://schemas.microsoft.com/office/drawing/2014/main" id="{958C38FD-E5FF-8C59-EB79-4FA5BF05DFED}"/>
-              </a:ext>
-            </a:extLst>
-          </p:cNvPr>
-          <p:cNvPicPr>
-            <a:picLocks noChangeAspect="1"/>
-          </p:cNvPicPr>
-          <p:nvPr/>
-        </p:nvPicPr>
-        <p:blipFill>
-          <a:blip r:embed="rId2">
-            <a:extLst>
-              <a:ext uri="{28A0092B-C50C-407E-A947-70E740481C1C}">
-                <a14:useLocalDpi xmlns:a14="http://schemas.microsoft.com/office/drawing/2010/main" val="0"/>
-              </a:ext>
-            </a:extLst>
-          </a:blip>
-          <a:stretch>
-            <a:fillRect/>
-          </a:stretch>
-        </p:blipFill>
-        <p:spPr>
-          <a:xfrm>
-            <a:off x="18737" y="279401"/>
-            <a:ext cx="12173263" cy="5757332"/>
-          </a:xfrm>
-          <a:prstGeom prst="rect">
-            <a:avLst/>
-          </a:prstGeom>
-        </p:spPr>
-      </p:pic>
-    </p:spTree>
-    <p:extLst>
-      <p:ext uri="{BB962C8B-B14F-4D97-AF65-F5344CB8AC3E}">
-        <p14:creationId xmlns:p14="http://schemas.microsoft.com/office/powerpoint/2010/main" val="4261540826"/>
-      </p:ext>
-    </p:extLst>
-  </p:cSld>
-  <p:clrMapOvr>
-    <a:masterClrMapping/>
-  </p:clrMapOvr>
-</p:sld>
-</file>
-
-<file path=ppt/slides/slide2.xml><?xml version="1.0" encoding="utf-8"?>
-<p:sld xmlns:a="http://schemas.openxmlformats.org/drawingml/2006/main" xmlns:r="http://schemas.openxmlformats.org/officeDocument/2006/relationships" xmlns:p="http://schemas.openxmlformats.org/presentationml/2006/main">
-  <p:cSld>
-    <p:spTree>
-      <p:nvGrpSpPr>
-        <p:cNvPr id="1" name=""/>
-        <p:cNvGrpSpPr/>
-        <p:nvPr/>
-      </p:nvGrpSpPr>
-      <p:grpSpPr>
-        <a:xfrm>
-          <a:off x="0" y="0"/>
-          <a:ext cx="0" cy="0"/>
-          <a:chOff x="0" y="0"/>
-          <a:chExt cx="0" cy="0"/>
-        </a:xfrm>
-      </p:grpSpPr>
-      <p:sp>
-        <p:nvSpPr>
-          <p:cNvPr id="2" name="Title 1">
-            <a:extLst>
-              <a:ext uri="{FF2B5EF4-FFF2-40B4-BE49-F238E27FC236}">
-                <a16:creationId xmlns:a16="http://schemas.microsoft.com/office/drawing/2014/main" id="{602952F7-96FA-7F21-BF68-8B5124EB806E}"/>
-              </a:ext>
-            </a:extLst>
-          </p:cNvPr>
-          <p:cNvSpPr>
-            <a:spLocks noGrp="1"/>
-          </p:cNvSpPr>
-          <p:nvPr>
-            <p:ph type="title"/>
-          </p:nvPr>
-        </p:nvSpPr>
-        <p:spPr/>
-        <p:txBody>
-          <a:bodyPr/>
-          <a:lstStyle/>
-          <a:p>
-            <a:r>
-              <a:rPr lang="en-IN"/>
-              <a:t>Definition</a:t>
-            </a:r>
-          </a:p>
-        </p:txBody>
-      </p:sp>
-      <p:sp>
-        <p:nvSpPr>
-          <p:cNvPr id="3" name="Text Placeholder 2">
-            <a:extLst>
-              <a:ext uri="{FF2B5EF4-FFF2-40B4-BE49-F238E27FC236}">
-                <a16:creationId xmlns:a16="http://schemas.microsoft.com/office/drawing/2014/main" id="{E43043B5-3421-08FA-84A8-06322A1C28E3}"/>
-              </a:ext>
-            </a:extLst>
-          </p:cNvPr>
-          <p:cNvSpPr>
-            <a:spLocks noGrp="1"/>
-          </p:cNvSpPr>
-          <p:nvPr>
-            <p:ph type="body" idx="1"/>
-          </p:nvPr>
-        </p:nvSpPr>
-        <p:spPr/>
-        <p:txBody>
-          <a:bodyPr/>
-          <a:lstStyle/>
-          <a:p>
-            <a:r>
-              <a:rPr lang="en-US"/>
-              <a:t>A YouTube Comment Analyzer is a system or tool that automatically collects, processes, and analyzes comments associated with YouTube videos. It utilizes various techniques, including natural language processing (NLP) and sentiment analysis, to derive insights into user sentiments, engagement, and topics discussed in the comments section.</a:t>
-            </a:r>
-            <a:endParaRPr lang="en-IN"/>
-          </a:p>
-        </p:txBody>
-      </p:sp>
-    </p:spTree>
-    <p:extLst>
-      <p:ext uri="{BB962C8B-B14F-4D97-AF65-F5344CB8AC3E}">
-        <p14:creationId xmlns:p14="http://schemas.microsoft.com/office/powerpoint/2010/main" val="512526330"/>
-      </p:ext>
-    </p:extLst>
-  </p:cSld>
-  <p:clrMapOvr>
-    <a:masterClrMapping/>
-  </p:clrMapOvr>
-</p:sld>
-</file>
-
-<file path=ppt/slides/slide3.xml><?xml version="1.0" encoding="utf-8"?>
-<p:sld xmlns:a="http://schemas.openxmlformats.org/drawingml/2006/main" xmlns:r="http://schemas.openxmlformats.org/officeDocument/2006/relationships" xmlns:p="http://schemas.openxmlformats.org/presentationml/2006/main">
-  <p:cSld>
-    <p:spTree>
-      <p:nvGrpSpPr>
-        <p:cNvPr id="1" name=""/>
-        <p:cNvGrpSpPr/>
-        <p:nvPr/>
-      </p:nvGrpSpPr>
-      <p:grpSpPr>
-        <a:xfrm>
-          <a:off x="0" y="0"/>
-          <a:ext cx="0" cy="0"/>
-          <a:chOff x="0" y="0"/>
-          <a:chExt cx="0" cy="0"/>
-        </a:xfrm>
-      </p:grpSpPr>
-      <p:sp>
-        <p:nvSpPr>
-          <p:cNvPr id="2" name="Title 1">
-            <a:extLst>
-              <a:ext uri="{FF2B5EF4-FFF2-40B4-BE49-F238E27FC236}">
-                <a16:creationId xmlns:a16="http://schemas.microsoft.com/office/drawing/2014/main" id="{AD18C9F2-0787-EAE5-609B-DEE9378D6BF5}"/>
-              </a:ext>
-            </a:extLst>
-          </p:cNvPr>
-          <p:cNvSpPr>
-            <a:spLocks noGrp="1"/>
-          </p:cNvSpPr>
-          <p:nvPr>
-            <p:ph type="title"/>
-          </p:nvPr>
-        </p:nvSpPr>
-        <p:spPr/>
-        <p:txBody>
-          <a:bodyPr/>
-          <a:lstStyle/>
-          <a:p>
-            <a:r>
-              <a:rPr lang="en-IN"/>
-              <a:t>Tools</a:t>
-            </a:r>
-          </a:p>
-        </p:txBody>
-      </p:sp>
-      <p:sp>
-        <p:nvSpPr>
-          <p:cNvPr id="3" name="Text Placeholder 2">
-            <a:extLst>
-              <a:ext uri="{FF2B5EF4-FFF2-40B4-BE49-F238E27FC236}">
-                <a16:creationId xmlns:a16="http://schemas.microsoft.com/office/drawing/2014/main" id="{404AC652-5E8D-6EAA-15B8-AD5E5A9B0586}"/>
-              </a:ext>
-            </a:extLst>
-          </p:cNvPr>
-          <p:cNvSpPr>
-            <a:spLocks noGrp="1"/>
-          </p:cNvSpPr>
-          <p:nvPr>
-            <p:ph type="body" idx="1"/>
-          </p:nvPr>
-        </p:nvSpPr>
-        <p:spPr/>
-        <p:txBody>
-          <a:bodyPr>
-            <a:normAutofit fontScale="85000" lnSpcReduction="20000"/>
-          </a:bodyPr>
-          <a:lstStyle/>
-          <a:p>
-            <a:r>
-              <a:rPr lang="en-US" dirty="0"/>
-              <a:t> </a:t>
-            </a:r>
-            <a:r>
-              <a:rPr lang="en-US" sz="2200" dirty="0"/>
-              <a:t>Programming Language: Use a programming language such as Python for implementing the analyzer due to its extensive libraries and frameworks for data analysis.</a:t>
-            </a:r>
-          </a:p>
-          <a:p>
-            <a:endParaRPr lang="en-US" sz="2200" dirty="0"/>
-          </a:p>
-          <a:p>
-            <a:r>
-              <a:rPr lang="en-US" sz="2200" dirty="0"/>
-              <a:t> IDE (Integrated Development Environment): Choose an IDE like </a:t>
-            </a:r>
-            <a:r>
-              <a:rPr lang="en-US" sz="2200" dirty="0" err="1"/>
-              <a:t>Jupyter</a:t>
-            </a:r>
-            <a:r>
-              <a:rPr lang="en-US" sz="2200" dirty="0"/>
-              <a:t> Notebook or Visual Studio Code for developing and testing your code.</a:t>
-            </a:r>
-          </a:p>
-          <a:p>
-            <a:endParaRPr lang="en-US" sz="2200" dirty="0"/>
-          </a:p>
-          <a:p>
-            <a:r>
-              <a:rPr lang="en-US" sz="2200" dirty="0"/>
-              <a:t> Version Control: Utilize version control systems like Git to track changes and collaborate on the project.</a:t>
-            </a:r>
-          </a:p>
-          <a:p>
-            <a:endParaRPr lang="en-US" sz="2200" dirty="0"/>
-          </a:p>
-          <a:p>
-            <a:r>
-              <a:rPr lang="en-US" sz="2200" dirty="0"/>
-              <a:t>Collaboration Tools: Use collaboration tools like GitHub for version control and project management.</a:t>
-            </a:r>
-            <a:endParaRPr lang="en-IN" sz="2200" dirty="0"/>
-          </a:p>
-        </p:txBody>
-      </p:sp>
-    </p:spTree>
-    <p:extLst>
-      <p:ext uri="{BB962C8B-B14F-4D97-AF65-F5344CB8AC3E}">
-        <p14:creationId xmlns:p14="http://schemas.microsoft.com/office/powerpoint/2010/main" val="3310734504"/>
-      </p:ext>
-    </p:extLst>
-  </p:cSld>
-  <p:clrMapOvr>
-    <a:masterClrMapping/>
-  </p:clrMapOvr>
-</p:sld>
-</file>
-
-<file path=ppt/slides/slide4.xml><?xml version="1.0" encoding="utf-8"?>
-<p:sld xmlns:a="http://schemas.openxmlformats.org/drawingml/2006/main" xmlns:r="http://schemas.openxmlformats.org/officeDocument/2006/relationships" xmlns:p="http://schemas.openxmlformats.org/presentationml/2006/main">
-  <p:cSld>
-    <p:spTree>
-      <p:nvGrpSpPr>
-        <p:cNvPr id="1" name=""/>
-        <p:cNvGrpSpPr/>
-        <p:nvPr/>
-      </p:nvGrpSpPr>
-      <p:grpSpPr>
-        <a:xfrm>
-          <a:off x="0" y="0"/>
-          <a:ext cx="0" cy="0"/>
-          <a:chOff x="0" y="0"/>
-          <a:chExt cx="0" cy="0"/>
-        </a:xfrm>
-      </p:grpSpPr>
-      <p:sp>
-        <p:nvSpPr>
-          <p:cNvPr id="2" name="Title 1">
-            <a:extLst>
-              <a:ext uri="{FF2B5EF4-FFF2-40B4-BE49-F238E27FC236}">
-                <a16:creationId xmlns:a16="http://schemas.microsoft.com/office/drawing/2014/main" id="{5379AC7F-63BC-0255-56D0-B9FF542BB752}"/>
-              </a:ext>
-            </a:extLst>
-          </p:cNvPr>
-          <p:cNvSpPr>
-            <a:spLocks noGrp="1"/>
-          </p:cNvSpPr>
-          <p:nvPr>
-            <p:ph type="title"/>
-          </p:nvPr>
-        </p:nvSpPr>
-        <p:spPr/>
-        <p:txBody>
-          <a:bodyPr/>
-          <a:lstStyle/>
-          <a:p>
-            <a:r>
-              <a:rPr lang="en-IN"/>
-              <a:t>Resources</a:t>
-            </a:r>
-          </a:p>
-        </p:txBody>
-      </p:sp>
-      <p:sp>
-        <p:nvSpPr>
-          <p:cNvPr id="3" name="Text Placeholder 2">
-            <a:extLst>
-              <a:ext uri="{FF2B5EF4-FFF2-40B4-BE49-F238E27FC236}">
-                <a16:creationId xmlns:a16="http://schemas.microsoft.com/office/drawing/2014/main" id="{BDCAD2B2-843E-0B42-FA40-9D169738EAE5}"/>
-              </a:ext>
-            </a:extLst>
-          </p:cNvPr>
-          <p:cNvSpPr>
-            <a:spLocks noGrp="1"/>
-          </p:cNvSpPr>
-          <p:nvPr>
-            <p:ph type="body" idx="1"/>
-          </p:nvPr>
-        </p:nvSpPr>
-        <p:spPr/>
-        <p:txBody>
-          <a:bodyPr>
-            <a:normAutofit fontScale="62500" lnSpcReduction="20000"/>
-          </a:bodyPr>
-          <a:lstStyle/>
-          <a:p>
-            <a:r>
-              <a:rPr lang="en-IN" sz="2200" dirty="0"/>
-              <a:t>YouTube Data API: [YouTube Data API Documentation]</a:t>
-            </a:r>
-          </a:p>
-          <a:p>
-            <a:r>
-              <a:rPr lang="en-IN" sz="2200" dirty="0"/>
-              <a:t> NLP Libraries: SpaCy ([SpaCy Documentation]</a:t>
-            </a:r>
-          </a:p>
-          <a:p>
-            <a:r>
-              <a:rPr lang="en-IN" sz="2200" dirty="0"/>
-              <a:t> Machine Learning Models: Scikit-learn ([Scikit-learn Documentation]</a:t>
-            </a:r>
-          </a:p>
-          <a:p>
-            <a:r>
-              <a:rPr lang="en-IN" sz="2200" dirty="0"/>
-              <a:t>Visualization Tools: Matplotlib ([Matplotlib Documentation],Seaborn ([Seaborn Documentation],Plotly ([Plotly Documentation]</a:t>
-            </a:r>
-          </a:p>
-          <a:p>
-            <a:r>
-              <a:rPr lang="en-IN" sz="2200" dirty="0"/>
-              <a:t>Kaggle : for dataset train and test our model.</a:t>
-            </a:r>
-          </a:p>
-          <a:p>
-            <a:endParaRPr lang="en-IN" sz="2200" dirty="0"/>
-          </a:p>
-          <a:p>
-            <a:r>
-              <a:rPr lang="en-IN" sz="2200" dirty="0"/>
-              <a:t>Websites</a:t>
-            </a:r>
-          </a:p>
-          <a:p>
-            <a:pPr marL="457200">
-              <a:lnSpc>
-                <a:spcPct val="107000"/>
-              </a:lnSpc>
-              <a:spcAft>
-                <a:spcPts val="800"/>
-              </a:spcAft>
-            </a:pPr>
-            <a:r>
-              <a:rPr lang="en-IN" sz="2200" kern="100" dirty="0" err="1">
-                <a:effectLst/>
-                <a:latin typeface="Calibri" panose="020F0502020204030204" pitchFamily="34" charset="0"/>
-                <a:ea typeface="Calibri" panose="020F0502020204030204" pitchFamily="34" charset="0"/>
-                <a:cs typeface="Times New Roman" panose="02020603050405020304" pitchFamily="18" charset="0"/>
-              </a:rPr>
-              <a:t>Socialbee</a:t>
-            </a:r>
-            <a:endParaRPr lang="en-IN" sz="2200" kern="100" dirty="0">
-              <a:effectLst/>
-              <a:latin typeface="Calibri" panose="020F0502020204030204" pitchFamily="34" charset="0"/>
-              <a:ea typeface="Calibri" panose="020F0502020204030204" pitchFamily="34" charset="0"/>
-              <a:cs typeface="Times New Roman" panose="02020603050405020304" pitchFamily="18" charset="0"/>
-            </a:endParaRPr>
-          </a:p>
-          <a:p>
-            <a:pPr marL="457200">
-              <a:lnSpc>
-                <a:spcPct val="107000"/>
-              </a:lnSpc>
-              <a:spcAft>
-                <a:spcPts val="800"/>
-              </a:spcAft>
-            </a:pPr>
-            <a:r>
-              <a:rPr lang="en-IN" sz="2200" kern="100" dirty="0">
-                <a:effectLst/>
-                <a:latin typeface="Calibri" panose="020F0502020204030204" pitchFamily="34" charset="0"/>
-                <a:ea typeface="Calibri" panose="020F0502020204030204" pitchFamily="34" charset="0"/>
-                <a:cs typeface="Times New Roman" panose="02020603050405020304" pitchFamily="18" charset="0"/>
-              </a:rPr>
-              <a:t>Hootsuite</a:t>
-            </a:r>
-          </a:p>
-          <a:p>
-            <a:pPr marL="457200">
-              <a:lnSpc>
-                <a:spcPct val="107000"/>
-              </a:lnSpc>
-              <a:spcAft>
-                <a:spcPts val="800"/>
-              </a:spcAft>
-            </a:pPr>
-            <a:r>
-              <a:rPr lang="en-IN" sz="2200" kern="100" dirty="0" err="1">
-                <a:effectLst/>
-                <a:latin typeface="Calibri" panose="020F0502020204030204" pitchFamily="34" charset="0"/>
-                <a:ea typeface="Calibri" panose="020F0502020204030204" pitchFamily="34" charset="0"/>
-                <a:cs typeface="Times New Roman" panose="02020603050405020304" pitchFamily="18" charset="0"/>
-              </a:rPr>
-              <a:t>Brandwatch</a:t>
-            </a:r>
-            <a:endParaRPr lang="en-IN" sz="2200" kern="100" dirty="0">
-              <a:effectLst/>
-              <a:latin typeface="Calibri" panose="020F0502020204030204" pitchFamily="34" charset="0"/>
-              <a:ea typeface="Calibri" panose="020F0502020204030204" pitchFamily="34" charset="0"/>
-              <a:cs typeface="Times New Roman" panose="02020603050405020304" pitchFamily="18" charset="0"/>
-            </a:endParaRPr>
-          </a:p>
-          <a:p>
-            <a:r>
-              <a:rPr lang="en-IN" sz="2200" u="sng" dirty="0">
-                <a:solidFill>
-                  <a:srgbClr val="0563C1"/>
-                </a:solidFill>
-                <a:effectLst/>
-                <a:latin typeface="Calibri" panose="020F0502020204030204" pitchFamily="34" charset="0"/>
-                <a:ea typeface="Calibri" panose="020F0502020204030204" pitchFamily="34" charset="0"/>
-                <a:cs typeface="Times New Roman" panose="02020603050405020304" pitchFamily="18" charset="0"/>
-                <a:hlinkClick r:id="rId2"/>
-              </a:rPr>
-              <a:t>https://commentanalyzer.com</a:t>
-            </a:r>
-            <a:endParaRPr lang="en-IN" sz="2200" dirty="0"/>
-          </a:p>
-        </p:txBody>
-      </p:sp>
-    </p:spTree>
-    <p:extLst>
-      <p:ext uri="{BB962C8B-B14F-4D97-AF65-F5344CB8AC3E}">
-        <p14:creationId xmlns:p14="http://schemas.microsoft.com/office/powerpoint/2010/main" val="2302547906"/>
-      </p:ext>
-    </p:extLst>
-  </p:cSld>
-  <p:clrMapOvr>
-    <a:masterClrMapping/>
-  </p:clrMapOvr>
-</p:sld>
-</file>
-
-<file path=ppt/slides/slide5.xml><?xml version="1.0" encoding="utf-8"?>
-<p:sld xmlns:a="http://schemas.openxmlformats.org/drawingml/2006/main" xmlns:r="http://schemas.openxmlformats.org/officeDocument/2006/relationships" xmlns:p="http://schemas.openxmlformats.org/presentationml/2006/main">
-  <p:cSld>
-    <p:spTree>
-      <p:nvGrpSpPr>
-        <p:cNvPr id="1" name=""/>
-        <p:cNvGrpSpPr/>
-        <p:nvPr/>
-      </p:nvGrpSpPr>
-      <p:grpSpPr>
-        <a:xfrm>
-          <a:off x="0" y="0"/>
-          <a:ext cx="0" cy="0"/>
-          <a:chOff x="0" y="0"/>
-          <a:chExt cx="0" cy="0"/>
-        </a:xfrm>
-      </p:grpSpPr>
-      <p:sp>
-        <p:nvSpPr>
-          <p:cNvPr id="2" name="Title 1">
-            <a:extLst>
-              <a:ext uri="{FF2B5EF4-FFF2-40B4-BE49-F238E27FC236}">
-                <a16:creationId xmlns:a16="http://schemas.microsoft.com/office/drawing/2014/main" id="{CA63243E-EFC8-1F27-1779-B0E2DCF5C86F}"/>
-              </a:ext>
-            </a:extLst>
-          </p:cNvPr>
-          <p:cNvSpPr>
-            <a:spLocks noGrp="1"/>
-          </p:cNvSpPr>
-          <p:nvPr>
-            <p:ph type="title"/>
-          </p:nvPr>
-        </p:nvSpPr>
-        <p:spPr/>
-        <p:txBody>
-          <a:bodyPr/>
-          <a:lstStyle/>
-          <a:p>
-            <a:r>
-              <a:rPr lang="en-IN" dirty="0"/>
-              <a:t>Flow</a:t>
-            </a:r>
-          </a:p>
-        </p:txBody>
-      </p:sp>
-      <p:sp>
-        <p:nvSpPr>
-          <p:cNvPr id="3" name="Text Placeholder 2">
-            <a:extLst>
-              <a:ext uri="{FF2B5EF4-FFF2-40B4-BE49-F238E27FC236}">
-                <a16:creationId xmlns:a16="http://schemas.microsoft.com/office/drawing/2014/main" id="{20235CDB-2AC6-7B2C-46C3-7558885788A8}"/>
-              </a:ext>
-            </a:extLst>
-          </p:cNvPr>
-          <p:cNvSpPr>
-            <a:spLocks noGrp="1"/>
-          </p:cNvSpPr>
-          <p:nvPr>
-            <p:ph type="body" idx="1"/>
-          </p:nvPr>
-        </p:nvSpPr>
-        <p:spPr>
-          <a:xfrm>
-            <a:off x="838200" y="1825625"/>
-            <a:ext cx="10515600" cy="4185708"/>
-          </a:xfrm>
-        </p:spPr>
-        <p:txBody>
-          <a:bodyPr>
-            <a:noAutofit/>
-          </a:bodyPr>
-          <a:lstStyle/>
-          <a:p>
-            <a:r>
-              <a:rPr lang="en-US" sz="2000" dirty="0"/>
-              <a:t>1. Extract Data from YouTube : </a:t>
-            </a:r>
-          </a:p>
-          <a:p>
-            <a:pPr lvl="1"/>
-            <a:r>
-              <a:rPr lang="en-US" sz="1500" dirty="0"/>
-              <a:t>Use the YouTube Data API to extract comments and related information from a specific video.   </a:t>
-            </a:r>
-            <a:r>
-              <a:rPr lang="en-US" sz="1100" dirty="0"/>
-              <a:t>	</a:t>
-            </a:r>
-          </a:p>
-          <a:p>
-            <a:pPr lvl="1"/>
-            <a:endParaRPr lang="en-US" sz="1100" dirty="0"/>
-          </a:p>
-          <a:p>
-            <a:r>
-              <a:rPr lang="en-US" sz="2000" dirty="0"/>
-              <a:t>2. Data Preprocessing:</a:t>
-            </a:r>
-          </a:p>
-          <a:p>
-            <a:pPr lvl="1"/>
-            <a:r>
-              <a:rPr lang="en-US" sz="1500" dirty="0"/>
-              <a:t>Tokenization: Breaking down comments into individual words or tokens.Removing stop words</a:t>
-            </a:r>
-          </a:p>
-          <a:p>
-            <a:pPr lvl="1"/>
-            <a:r>
-              <a:rPr lang="en-US" sz="1500" dirty="0"/>
-              <a:t>Lemmatization: Reducing words to their base or root form.</a:t>
-            </a:r>
-          </a:p>
-          <a:p>
-            <a:pPr lvl="1"/>
-            <a:endParaRPr lang="en-US" sz="1000" dirty="0"/>
-          </a:p>
-          <a:p>
-            <a:r>
-              <a:rPr lang="en-US" sz="2000" dirty="0"/>
-              <a:t>3. Sentiment Analysis Model:</a:t>
-            </a:r>
-          </a:p>
-          <a:p>
-            <a:pPr lvl="1"/>
-            <a:r>
-              <a:rPr lang="en-US" sz="1500" dirty="0"/>
-              <a:t>Train a sentiment analysis model using machine leargning techniques. You can use a pre-trained model or train one using labeled data. The goal is to classigfy comments into categories like positive,negative, or neutral based on sentiment.</a:t>
-            </a:r>
-          </a:p>
-          <a:p>
-            <a:endParaRPr lang="en-US" sz="1500" dirty="0"/>
-          </a:p>
-          <a:p>
-            <a:r>
-              <a:rPr lang="en-US" sz="2000" dirty="0"/>
-              <a:t>4. Insights and Reporting:</a:t>
-            </a:r>
-          </a:p>
-          <a:p>
-            <a:pPr lvl="1"/>
-            <a:r>
-              <a:rPr lang="en-US" sz="1500" dirty="0"/>
-              <a:t>Generate report summarizing the  finding  from the sentiment analysis. Provide positive negative and neutral comments</a:t>
-            </a:r>
-          </a:p>
-          <a:p>
-            <a:pPr lvl="1"/>
-            <a:endParaRPr lang="en-US" sz="1500" dirty="0"/>
-          </a:p>
-          <a:p>
-            <a:pPr lvl="1"/>
-            <a:endParaRPr lang="en-US" sz="1500" dirty="0"/>
-          </a:p>
-          <a:p>
-            <a:pPr lvl="1"/>
-            <a:endParaRPr lang="en-US" sz="1500" dirty="0"/>
-          </a:p>
-          <a:p>
-            <a:pPr lvl="1"/>
-            <a:endParaRPr lang="en-US" sz="1500" dirty="0"/>
-          </a:p>
-          <a:p>
-            <a:pPr lvl="1"/>
-            <a:endParaRPr lang="en-US" sz="1500" dirty="0"/>
-          </a:p>
-          <a:p>
-            <a:pPr lvl="1"/>
-            <a:endParaRPr lang="en-US" sz="1500" dirty="0"/>
-          </a:p>
-        </p:txBody>
-      </p:sp>
-    </p:spTree>
-    <p:extLst>
-      <p:ext uri="{BB962C8B-B14F-4D97-AF65-F5344CB8AC3E}">
-        <p14:creationId xmlns:p14="http://schemas.microsoft.com/office/powerpoint/2010/main" val="2453259420"/>
-      </p:ext>
-    </p:extLst>
-  </p:cSld>
-  <p:clrMapOvr>
-    <a:masterClrMapping/>
-  </p:clrMapOvr>
-</p:sld>
-</file>
-
-<file path=ppt/slides/slide6.xml><?xml version="1.0" encoding="utf-8"?>
-<p:sld xmlns:a="http://schemas.openxmlformats.org/drawingml/2006/main" xmlns:r="http://schemas.openxmlformats.org/officeDocument/2006/relationships" xmlns:p="http://schemas.openxmlformats.org/presentationml/2006/main">
-  <p:cSld>
-    <p:spTree>
-      <p:nvGrpSpPr>
-        <p:cNvPr id="1" name=""/>
-        <p:cNvGrpSpPr/>
-        <p:nvPr/>
-      </p:nvGrpSpPr>
-      <p:grpSpPr>
-        <a:xfrm>
-          <a:off x="0" y="0"/>
-          <a:ext cx="0" cy="0"/>
-          <a:chOff x="0" y="0"/>
-          <a:chExt cx="0" cy="0"/>
-        </a:xfrm>
-      </p:grpSpPr>
-      <p:sp>
-        <p:nvSpPr>
-          <p:cNvPr id="2" name="object 2"/>
-          <p:cNvSpPr txBox="1"/>
-          <p:nvPr/>
-        </p:nvSpPr>
-        <p:spPr>
-          <a:xfrm>
-            <a:off x="3333475" y="596676"/>
-            <a:ext cx="5525049" cy="230832"/>
-          </a:xfrm>
-          <a:prstGeom prst="rect">
-            <a:avLst/>
-          </a:prstGeom>
-        </p:spPr>
-        <p:txBody>
-          <a:bodyPr vert="horz" wrap="square" lIns="0" tIns="0" rIns="0" bIns="0" rtlCol="0">
-            <a:spAutoFit/>
-          </a:bodyPr>
-          <a:lstStyle/>
-          <a:p>
-            <a:pPr marL="340343">
-              <a:lnSpc>
-                <a:spcPts val="1793"/>
-              </a:lnSpc>
-            </a:pPr>
-            <a:r>
-              <a:rPr sz="1541" b="1" dirty="0">
-                <a:solidFill>
-                  <a:srgbClr val="000000"/>
-                </a:solidFill>
-                <a:latin typeface="DejaVu Sans"/>
-                <a:cs typeface="DejaVu Sans"/>
-              </a:rPr>
-              <a:t>Software Requirements</a:t>
-            </a:r>
-            <a:r>
-              <a:rPr lang="en-IN" sz="1541" b="1" dirty="0">
-                <a:solidFill>
-                  <a:srgbClr val="000000"/>
-                </a:solidFill>
-                <a:latin typeface="DejaVu Sans"/>
-                <a:cs typeface="DejaVu Sans"/>
-              </a:rPr>
-              <a:t> </a:t>
-            </a:r>
-            <a:r>
-              <a:rPr sz="1541" b="1" dirty="0">
-                <a:solidFill>
-                  <a:srgbClr val="000000"/>
-                </a:solidFill>
-                <a:latin typeface="DejaVu Sans"/>
-                <a:cs typeface="DejaVu Sans"/>
-              </a:rPr>
-              <a:t>Speciﬁcation </a:t>
-            </a:r>
-            <a:r>
-              <a:rPr lang="en-IN" sz="1541" b="1" dirty="0">
-                <a:solidFill>
-                  <a:srgbClr val="000000"/>
-                </a:solidFill>
-                <a:latin typeface="DejaVu Sans"/>
-                <a:cs typeface="DejaVu Sans"/>
-              </a:rPr>
-              <a:t>	</a:t>
-            </a:r>
-            <a:r>
-              <a:rPr sz="1541" b="1" dirty="0">
-                <a:solidFill>
-                  <a:srgbClr val="000000"/>
-                </a:solidFill>
-                <a:latin typeface="DejaVu Sans"/>
-                <a:cs typeface="DejaVu Sans"/>
-              </a:rPr>
-              <a:t>(SRS)</a:t>
-            </a:r>
-          </a:p>
-        </p:txBody>
-      </p:sp>
-      <p:sp>
-        <p:nvSpPr>
-          <p:cNvPr id="3" name="object 3"/>
-          <p:cNvSpPr txBox="1"/>
-          <p:nvPr/>
-        </p:nvSpPr>
-        <p:spPr>
-          <a:xfrm>
-            <a:off x="4784469" y="982194"/>
-            <a:ext cx="2254558" cy="230832"/>
-          </a:xfrm>
-          <a:prstGeom prst="rect">
-            <a:avLst/>
-          </a:prstGeom>
-        </p:spPr>
-        <p:txBody>
-          <a:bodyPr vert="horz" wrap="square" lIns="0" tIns="0" rIns="0" bIns="0" rtlCol="0">
-            <a:spAutoFit/>
-          </a:bodyPr>
-          <a:lstStyle/>
-          <a:p>
-            <a:pPr>
-              <a:lnSpc>
-                <a:spcPts val="1793"/>
-              </a:lnSpc>
-            </a:pPr>
-            <a:r>
-              <a:rPr sz="1541" b="1" dirty="0">
-                <a:solidFill>
-                  <a:srgbClr val="000000"/>
-                </a:solidFill>
-                <a:latin typeface="DejaVu Sans"/>
-                <a:cs typeface="DejaVu Sans"/>
-              </a:rPr>
-              <a:t>Comment Analyzer:</a:t>
-            </a:r>
-          </a:p>
-        </p:txBody>
-      </p:sp>
-      <p:sp>
-        <p:nvSpPr>
-          <p:cNvPr id="4" name="object 4"/>
-          <p:cNvSpPr txBox="1"/>
-          <p:nvPr/>
-        </p:nvSpPr>
-        <p:spPr>
-          <a:xfrm>
-            <a:off x="4257958" y="1759427"/>
-            <a:ext cx="1053022" cy="384721"/>
-          </a:xfrm>
-          <a:prstGeom prst="rect">
-            <a:avLst/>
-          </a:prstGeom>
-        </p:spPr>
-        <p:txBody>
-          <a:bodyPr vert="horz" wrap="square" lIns="0" tIns="0" rIns="0" bIns="0" rtlCol="0">
-            <a:spAutoFit/>
-          </a:bodyPr>
-          <a:lstStyle/>
-          <a:p>
-            <a:pPr>
-              <a:lnSpc>
-                <a:spcPts val="1196"/>
-              </a:lnSpc>
-            </a:pPr>
-            <a:r>
-              <a:rPr sz="1027" dirty="0">
-                <a:solidFill>
-                  <a:srgbClr val="000000"/>
-                </a:solidFill>
-                <a:latin typeface="DejaVu Sans"/>
-                <a:cs typeface="DejaVu Sans"/>
-              </a:rPr>
-              <a:t>1. Introduction</a:t>
-            </a:r>
-          </a:p>
-          <a:p>
-            <a:pPr>
-              <a:lnSpc>
-                <a:spcPts val="1196"/>
-              </a:lnSpc>
-              <a:spcBef>
-                <a:spcPts val="608"/>
-              </a:spcBef>
-            </a:pPr>
-            <a:r>
-              <a:rPr sz="1027" dirty="0">
-                <a:solidFill>
-                  <a:srgbClr val="000000"/>
-                </a:solidFill>
-                <a:latin typeface="DejaVu Sans"/>
-                <a:cs typeface="DejaVu Sans"/>
-              </a:rPr>
-              <a:t>1.1 Purpose</a:t>
-            </a:r>
-          </a:p>
-        </p:txBody>
-      </p:sp>
-      <p:sp>
-        <p:nvSpPr>
-          <p:cNvPr id="5" name="object 5"/>
-          <p:cNvSpPr txBox="1"/>
-          <p:nvPr/>
-        </p:nvSpPr>
-        <p:spPr>
-          <a:xfrm>
-            <a:off x="4257959" y="2217714"/>
-            <a:ext cx="3761151" cy="1320874"/>
-          </a:xfrm>
-          <a:prstGeom prst="rect">
-            <a:avLst/>
-          </a:prstGeom>
-        </p:spPr>
-        <p:txBody>
-          <a:bodyPr vert="horz" wrap="square" lIns="0" tIns="0" rIns="0" bIns="0" rtlCol="0">
-            <a:spAutoFit/>
-          </a:bodyPr>
-          <a:lstStyle/>
-          <a:p>
-            <a:pPr>
-              <a:lnSpc>
-                <a:spcPts val="1196"/>
-              </a:lnSpc>
-            </a:pPr>
-            <a:r>
-              <a:rPr sz="1027" dirty="0">
-                <a:solidFill>
-                  <a:srgbClr val="000000"/>
-                </a:solidFill>
-                <a:latin typeface="DejaVu Sans"/>
-                <a:cs typeface="DejaVu Sans"/>
-              </a:rPr>
-              <a:t>The purpose of this document</a:t>
-            </a:r>
-            <a:r>
-              <a:rPr sz="1027" spc="8" dirty="0">
-                <a:solidFill>
-                  <a:srgbClr val="000000"/>
-                </a:solidFill>
-                <a:latin typeface="DejaVu Sans"/>
-                <a:cs typeface="DejaVu Sans"/>
-              </a:rPr>
-              <a:t> </a:t>
-            </a:r>
-            <a:r>
-              <a:rPr sz="1027" dirty="0">
-                <a:solidFill>
-                  <a:srgbClr val="000000"/>
-                </a:solidFill>
-                <a:latin typeface="DejaVu Sans"/>
-                <a:cs typeface="DejaVu Sans"/>
-              </a:rPr>
-              <a:t>is to deﬁne the</a:t>
-            </a:r>
-          </a:p>
-          <a:p>
-            <a:pPr>
-              <a:lnSpc>
-                <a:spcPts val="1196"/>
-              </a:lnSpc>
-              <a:spcBef>
-                <a:spcPts val="94"/>
-              </a:spcBef>
-            </a:pPr>
-            <a:r>
-              <a:rPr sz="1027" dirty="0">
-                <a:solidFill>
-                  <a:srgbClr val="000000"/>
-                </a:solidFill>
-                <a:latin typeface="DejaVu Sans"/>
-                <a:cs typeface="DejaVu Sans"/>
-              </a:rPr>
-              <a:t>requirements</a:t>
-            </a:r>
-            <a:r>
-              <a:rPr sz="1027" spc="8" dirty="0">
-                <a:solidFill>
-                  <a:srgbClr val="000000"/>
-                </a:solidFill>
-                <a:latin typeface="DejaVu Sans"/>
-                <a:cs typeface="DejaVu Sans"/>
-              </a:rPr>
-              <a:t> </a:t>
-            </a:r>
-            <a:r>
-              <a:rPr sz="1027" dirty="0">
-                <a:solidFill>
-                  <a:srgbClr val="000000"/>
-                </a:solidFill>
-                <a:latin typeface="DejaVu Sans"/>
-                <a:cs typeface="DejaVu Sans"/>
-              </a:rPr>
-              <a:t>for the development of the </a:t>
-            </a:r>
-            <a:r>
-              <a:rPr sz="1027" spc="-42" dirty="0">
-                <a:solidFill>
-                  <a:srgbClr val="000000"/>
-                </a:solidFill>
-                <a:latin typeface="DejaVu Sans"/>
-                <a:cs typeface="DejaVu Sans"/>
-              </a:rPr>
-              <a:t>YouTube</a:t>
-            </a:r>
-          </a:p>
-          <a:p>
-            <a:pPr>
-              <a:lnSpc>
-                <a:spcPts val="1196"/>
-              </a:lnSpc>
-              <a:spcBef>
-                <a:spcPts val="94"/>
-              </a:spcBef>
-            </a:pPr>
-            <a:r>
-              <a:rPr sz="1027" dirty="0">
-                <a:solidFill>
-                  <a:srgbClr val="000000"/>
-                </a:solidFill>
-                <a:latin typeface="DejaVu Sans"/>
-                <a:cs typeface="DejaVu Sans"/>
-              </a:rPr>
-              <a:t>Comment Analyzer, a specialized software application</a:t>
-            </a:r>
-          </a:p>
-          <a:p>
-            <a:pPr>
-              <a:lnSpc>
-                <a:spcPts val="1196"/>
-              </a:lnSpc>
-              <a:spcBef>
-                <a:spcPts val="94"/>
-              </a:spcBef>
-            </a:pPr>
-            <a:r>
-              <a:rPr sz="1027" dirty="0">
-                <a:solidFill>
-                  <a:srgbClr val="000000"/>
-                </a:solidFill>
-                <a:latin typeface="DejaVu Sans"/>
-                <a:cs typeface="DejaVu Sans"/>
-              </a:rPr>
-              <a:t>tailored</a:t>
-            </a:r>
-            <a:r>
-              <a:rPr sz="1027" spc="6" dirty="0">
-                <a:solidFill>
-                  <a:srgbClr val="000000"/>
-                </a:solidFill>
-                <a:latin typeface="DejaVu Sans"/>
-                <a:cs typeface="DejaVu Sans"/>
-              </a:rPr>
-              <a:t> </a:t>
-            </a:r>
-            <a:r>
-              <a:rPr sz="1027" dirty="0">
-                <a:solidFill>
-                  <a:srgbClr val="000000"/>
-                </a:solidFill>
-                <a:latin typeface="DejaVu Sans"/>
-                <a:cs typeface="DejaVu Sans"/>
-              </a:rPr>
-              <a:t>for analysing comments speciﬁcally on the</a:t>
-            </a:r>
-          </a:p>
-          <a:p>
-            <a:pPr>
-              <a:lnSpc>
-                <a:spcPts val="1196"/>
-              </a:lnSpc>
-              <a:spcBef>
-                <a:spcPts val="94"/>
-              </a:spcBef>
-            </a:pPr>
-            <a:r>
-              <a:rPr sz="1027" spc="-42" dirty="0">
-                <a:solidFill>
-                  <a:srgbClr val="000000"/>
-                </a:solidFill>
-                <a:latin typeface="DejaVu Sans"/>
-                <a:cs typeface="DejaVu Sans"/>
-              </a:rPr>
-              <a:t>YouTube</a:t>
-            </a:r>
-            <a:r>
-              <a:rPr sz="1027" spc="45" dirty="0">
-                <a:solidFill>
-                  <a:srgbClr val="000000"/>
-                </a:solidFill>
-                <a:latin typeface="DejaVu Sans"/>
-                <a:cs typeface="DejaVu Sans"/>
-              </a:rPr>
-              <a:t> </a:t>
-            </a:r>
-            <a:r>
-              <a:rPr sz="1027" dirty="0">
-                <a:solidFill>
-                  <a:srgbClr val="000000"/>
-                </a:solidFill>
-                <a:latin typeface="DejaVu Sans"/>
-                <a:cs typeface="DejaVu Sans"/>
-              </a:rPr>
-              <a:t>platform. The </a:t>
-            </a:r>
-            <a:r>
-              <a:rPr sz="1027" spc="-42" dirty="0">
-                <a:solidFill>
-                  <a:srgbClr val="000000"/>
-                </a:solidFill>
-                <a:latin typeface="DejaVu Sans"/>
-                <a:cs typeface="DejaVu Sans"/>
-              </a:rPr>
-              <a:t>YouTube</a:t>
-            </a:r>
-            <a:r>
-              <a:rPr sz="1027" spc="39" dirty="0">
-                <a:solidFill>
-                  <a:srgbClr val="000000"/>
-                </a:solidFill>
-                <a:latin typeface="DejaVu Sans"/>
-                <a:cs typeface="DejaVu Sans"/>
-              </a:rPr>
-              <a:t> </a:t>
-            </a:r>
-            <a:r>
-              <a:rPr sz="1027" dirty="0">
-                <a:solidFill>
-                  <a:srgbClr val="000000"/>
-                </a:solidFill>
-                <a:latin typeface="DejaVu Sans"/>
-                <a:cs typeface="DejaVu Sans"/>
-              </a:rPr>
-              <a:t>Comment Analyzer aims</a:t>
-            </a:r>
-          </a:p>
-          <a:p>
-            <a:pPr>
-              <a:lnSpc>
-                <a:spcPts val="1196"/>
-              </a:lnSpc>
-              <a:spcBef>
-                <a:spcPts val="94"/>
-              </a:spcBef>
-            </a:pPr>
-            <a:r>
-              <a:rPr sz="1027" dirty="0">
-                <a:solidFill>
-                  <a:srgbClr val="000000"/>
-                </a:solidFill>
-                <a:latin typeface="DejaVu Sans"/>
-                <a:cs typeface="DejaVu Sans"/>
-              </a:rPr>
-              <a:t>to provide users with valuable insights into the</a:t>
-            </a:r>
-          </a:p>
-          <a:p>
-            <a:pPr>
-              <a:lnSpc>
-                <a:spcPts val="1196"/>
-              </a:lnSpc>
-              <a:spcBef>
-                <a:spcPts val="94"/>
-              </a:spcBef>
-            </a:pPr>
-            <a:r>
-              <a:rPr sz="1027" dirty="0">
-                <a:solidFill>
-                  <a:srgbClr val="000000"/>
-                </a:solidFill>
-                <a:latin typeface="DejaVu Sans"/>
-                <a:cs typeface="DejaVu Sans"/>
-              </a:rPr>
-              <a:t>sentiment, relevance, and potential impact of</a:t>
-            </a:r>
-          </a:p>
-          <a:p>
-            <a:pPr>
-              <a:lnSpc>
-                <a:spcPts val="1196"/>
-              </a:lnSpc>
-              <a:spcBef>
-                <a:spcPts val="94"/>
-              </a:spcBef>
-            </a:pPr>
-            <a:r>
-              <a:rPr sz="1027" dirty="0">
-                <a:solidFill>
-                  <a:srgbClr val="000000"/>
-                </a:solidFill>
-                <a:latin typeface="DejaVu Sans"/>
-                <a:cs typeface="DejaVu Sans"/>
-              </a:rPr>
-              <a:t>comments on </a:t>
-            </a:r>
-            <a:r>
-              <a:rPr sz="1027" spc="-42" dirty="0">
-                <a:solidFill>
-                  <a:srgbClr val="000000"/>
-                </a:solidFill>
-                <a:latin typeface="DejaVu Sans"/>
-                <a:cs typeface="DejaVu Sans"/>
-              </a:rPr>
-              <a:t>YouTube</a:t>
-            </a:r>
-            <a:r>
-              <a:rPr sz="1027" spc="39" dirty="0">
-                <a:solidFill>
-                  <a:srgbClr val="000000"/>
-                </a:solidFill>
-                <a:latin typeface="DejaVu Sans"/>
-                <a:cs typeface="DejaVu Sans"/>
-              </a:rPr>
-              <a:t> </a:t>
-            </a:r>
-            <a:r>
-              <a:rPr sz="1027" dirty="0">
-                <a:solidFill>
-                  <a:srgbClr val="000000"/>
-                </a:solidFill>
-                <a:latin typeface="DejaVu Sans"/>
-                <a:cs typeface="DejaVu Sans"/>
-              </a:rPr>
-              <a:t>videos.</a:t>
-            </a:r>
-          </a:p>
-        </p:txBody>
-      </p:sp>
-      <p:sp>
-        <p:nvSpPr>
-          <p:cNvPr id="6" name="object 6"/>
-          <p:cNvSpPr txBox="1"/>
-          <p:nvPr/>
-        </p:nvSpPr>
-        <p:spPr>
-          <a:xfrm>
-            <a:off x="4257958" y="3823351"/>
-            <a:ext cx="744250" cy="153888"/>
-          </a:xfrm>
-          <a:prstGeom prst="rect">
-            <a:avLst/>
-          </a:prstGeom>
-        </p:spPr>
-        <p:txBody>
-          <a:bodyPr vert="horz" wrap="square" lIns="0" tIns="0" rIns="0" bIns="0" rtlCol="0">
-            <a:spAutoFit/>
-          </a:bodyPr>
-          <a:lstStyle/>
-          <a:p>
-            <a:pPr>
-              <a:lnSpc>
-                <a:spcPts val="1196"/>
-              </a:lnSpc>
-            </a:pPr>
-            <a:r>
-              <a:rPr sz="1027" dirty="0">
-                <a:solidFill>
-                  <a:srgbClr val="000000"/>
-                </a:solidFill>
-                <a:latin typeface="DejaVu Sans"/>
-                <a:cs typeface="DejaVu Sans"/>
-              </a:rPr>
-              <a:t>1.2 Scope</a:t>
-            </a:r>
-          </a:p>
-        </p:txBody>
-      </p:sp>
-      <p:sp>
-        <p:nvSpPr>
-          <p:cNvPr id="7" name="object 7"/>
-          <p:cNvSpPr txBox="1"/>
-          <p:nvPr/>
-        </p:nvSpPr>
-        <p:spPr>
-          <a:xfrm>
-            <a:off x="4257958" y="4052495"/>
-            <a:ext cx="3752801" cy="1154162"/>
-          </a:xfrm>
-          <a:prstGeom prst="rect">
-            <a:avLst/>
-          </a:prstGeom>
-        </p:spPr>
-        <p:txBody>
-          <a:bodyPr vert="horz" wrap="square" lIns="0" tIns="0" rIns="0" bIns="0" rtlCol="0">
-            <a:spAutoFit/>
-          </a:bodyPr>
-          <a:lstStyle/>
-          <a:p>
-            <a:pPr>
-              <a:lnSpc>
-                <a:spcPts val="1196"/>
-              </a:lnSpc>
-            </a:pPr>
-            <a:r>
-              <a:rPr sz="1027" dirty="0">
-                <a:solidFill>
-                  <a:srgbClr val="000000"/>
-                </a:solidFill>
-                <a:latin typeface="DejaVu Sans"/>
-                <a:cs typeface="DejaVu Sans"/>
-              </a:rPr>
-              <a:t>The </a:t>
-            </a:r>
-            <a:r>
-              <a:rPr sz="1027" spc="-42" dirty="0">
-                <a:solidFill>
-                  <a:srgbClr val="000000"/>
-                </a:solidFill>
-                <a:latin typeface="DejaVu Sans"/>
-                <a:cs typeface="DejaVu Sans"/>
-              </a:rPr>
-              <a:t>YouTube</a:t>
-            </a:r>
-            <a:r>
-              <a:rPr sz="1027" spc="39" dirty="0">
-                <a:solidFill>
-                  <a:srgbClr val="000000"/>
-                </a:solidFill>
-                <a:latin typeface="DejaVu Sans"/>
-                <a:cs typeface="DejaVu Sans"/>
-              </a:rPr>
-              <a:t> </a:t>
-            </a:r>
-            <a:r>
-              <a:rPr sz="1027" dirty="0">
-                <a:solidFill>
-                  <a:srgbClr val="000000"/>
-                </a:solidFill>
-                <a:latin typeface="DejaVu Sans"/>
-                <a:cs typeface="DejaVu Sans"/>
-              </a:rPr>
-              <a:t>Comment Analyzer will focus exclusively</a:t>
-            </a:r>
-          </a:p>
-          <a:p>
-            <a:pPr>
-              <a:lnSpc>
-                <a:spcPts val="1196"/>
-              </a:lnSpc>
-              <a:spcBef>
-                <a:spcPts val="94"/>
-              </a:spcBef>
-            </a:pPr>
-            <a:r>
-              <a:rPr sz="1027" dirty="0">
-                <a:solidFill>
-                  <a:srgbClr val="000000"/>
-                </a:solidFill>
-                <a:latin typeface="DejaVu Sans"/>
-                <a:cs typeface="DejaVu Sans"/>
-              </a:rPr>
-              <a:t>on processing and analysing text-based comments</a:t>
-            </a:r>
-          </a:p>
-          <a:p>
-            <a:pPr>
-              <a:lnSpc>
-                <a:spcPts val="1196"/>
-              </a:lnSpc>
-              <a:spcBef>
-                <a:spcPts val="94"/>
-              </a:spcBef>
-            </a:pPr>
-            <a:r>
-              <a:rPr sz="1027" dirty="0">
-                <a:solidFill>
-                  <a:srgbClr val="000000"/>
-                </a:solidFill>
-                <a:latin typeface="DejaVu Sans"/>
-                <a:cs typeface="DejaVu Sans"/>
-              </a:rPr>
-              <a:t>posted on </a:t>
-            </a:r>
-            <a:r>
-              <a:rPr sz="1027" spc="-42" dirty="0">
-                <a:solidFill>
-                  <a:srgbClr val="000000"/>
-                </a:solidFill>
-                <a:latin typeface="DejaVu Sans"/>
-                <a:cs typeface="DejaVu Sans"/>
-              </a:rPr>
-              <a:t>YouTube</a:t>
-            </a:r>
-            <a:r>
-              <a:rPr sz="1027" spc="39" dirty="0">
-                <a:solidFill>
-                  <a:srgbClr val="000000"/>
-                </a:solidFill>
-                <a:latin typeface="DejaVu Sans"/>
-                <a:cs typeface="DejaVu Sans"/>
-              </a:rPr>
-              <a:t> </a:t>
-            </a:r>
-            <a:r>
-              <a:rPr sz="1027" dirty="0">
-                <a:solidFill>
-                  <a:srgbClr val="000000"/>
-                </a:solidFill>
-                <a:latin typeface="DejaVu Sans"/>
-                <a:cs typeface="DejaVu Sans"/>
-              </a:rPr>
-              <a:t>videos. The </a:t>
-            </a:r>
-            <a:r>
-              <a:rPr sz="1027" spc="-7" dirty="0">
-                <a:solidFill>
-                  <a:srgbClr val="000000"/>
-                </a:solidFill>
-                <a:latin typeface="DejaVu Sans"/>
-                <a:cs typeface="DejaVu Sans"/>
-              </a:rPr>
-              <a:t>software</a:t>
-            </a:r>
-            <a:r>
-              <a:rPr sz="1027" spc="10" dirty="0">
-                <a:solidFill>
-                  <a:srgbClr val="000000"/>
-                </a:solidFill>
-                <a:latin typeface="DejaVu Sans"/>
-                <a:cs typeface="DejaVu Sans"/>
-              </a:rPr>
-              <a:t> </a:t>
-            </a:r>
-            <a:r>
-              <a:rPr sz="1027" dirty="0">
-                <a:solidFill>
-                  <a:srgbClr val="000000"/>
-                </a:solidFill>
-                <a:latin typeface="DejaVu Sans"/>
-                <a:cs typeface="DejaVu Sans"/>
-              </a:rPr>
-              <a:t>will leverage</a:t>
-            </a:r>
-          </a:p>
-          <a:p>
-            <a:pPr>
-              <a:lnSpc>
-                <a:spcPts val="1196"/>
-              </a:lnSpc>
-              <a:spcBef>
-                <a:spcPts val="94"/>
-              </a:spcBef>
-            </a:pPr>
-            <a:r>
-              <a:rPr sz="1027" dirty="0">
-                <a:solidFill>
-                  <a:srgbClr val="000000"/>
-                </a:solidFill>
-                <a:latin typeface="DejaVu Sans"/>
-                <a:cs typeface="DejaVu Sans"/>
-              </a:rPr>
-              <a:t>natural language processing (NLP) techniques to</a:t>
-            </a:r>
-            <a:r>
-              <a:rPr sz="1027" spc="-7" dirty="0">
-                <a:solidFill>
-                  <a:srgbClr val="000000"/>
-                </a:solidFill>
-                <a:latin typeface="DejaVu Sans"/>
-                <a:cs typeface="DejaVu Sans"/>
-              </a:rPr>
-              <a:t> </a:t>
-            </a:r>
-            <a:r>
-              <a:rPr sz="1027" dirty="0">
-                <a:solidFill>
-                  <a:srgbClr val="000000"/>
-                </a:solidFill>
-                <a:latin typeface="DejaVu Sans"/>
-                <a:cs typeface="DejaVu Sans"/>
-              </a:rPr>
-              <a:t>assess</a:t>
-            </a:r>
-          </a:p>
-          <a:p>
-            <a:pPr>
-              <a:lnSpc>
-                <a:spcPts val="1196"/>
-              </a:lnSpc>
-              <a:spcBef>
-                <a:spcPts val="94"/>
-              </a:spcBef>
-            </a:pPr>
-            <a:r>
-              <a:rPr sz="1027" dirty="0">
-                <a:solidFill>
-                  <a:srgbClr val="000000"/>
-                </a:solidFill>
-                <a:latin typeface="DejaVu Sans"/>
-                <a:cs typeface="DejaVu Sans"/>
-              </a:rPr>
-              <a:t>the sentiment of comments,</a:t>
-            </a:r>
-            <a:r>
-              <a:rPr sz="1027" spc="8" dirty="0">
-                <a:solidFill>
-                  <a:srgbClr val="000000"/>
-                </a:solidFill>
-                <a:latin typeface="DejaVu Sans"/>
-                <a:cs typeface="DejaVu Sans"/>
-              </a:rPr>
-              <a:t> </a:t>
-            </a:r>
-            <a:r>
-              <a:rPr sz="1027" dirty="0">
-                <a:solidFill>
-                  <a:srgbClr val="000000"/>
-                </a:solidFill>
-                <a:latin typeface="DejaVu Sans"/>
-                <a:cs typeface="DejaVu Sans"/>
-              </a:rPr>
-              <a:t>identify </a:t>
-            </a:r>
-            <a:r>
-              <a:rPr sz="1027" spc="-20" dirty="0">
-                <a:solidFill>
-                  <a:srgbClr val="000000"/>
-                </a:solidFill>
-                <a:latin typeface="DejaVu Sans"/>
-                <a:cs typeface="DejaVu Sans"/>
-              </a:rPr>
-              <a:t>key</a:t>
-            </a:r>
-            <a:r>
-              <a:rPr sz="1027" spc="15" dirty="0">
-                <a:solidFill>
-                  <a:srgbClr val="000000"/>
-                </a:solidFill>
-                <a:latin typeface="DejaVu Sans"/>
-                <a:cs typeface="DejaVu Sans"/>
-              </a:rPr>
-              <a:t> </a:t>
-            </a:r>
-            <a:r>
-              <a:rPr sz="1027" dirty="0">
-                <a:solidFill>
-                  <a:srgbClr val="000000"/>
-                </a:solidFill>
-                <a:latin typeface="DejaVu Sans"/>
-                <a:cs typeface="DejaVu Sans"/>
-              </a:rPr>
-              <a:t>topics, and</a:t>
-            </a:r>
-          </a:p>
-          <a:p>
-            <a:pPr>
-              <a:lnSpc>
-                <a:spcPts val="1196"/>
-              </a:lnSpc>
-              <a:spcBef>
-                <a:spcPts val="94"/>
-              </a:spcBef>
-            </a:pPr>
-            <a:r>
-              <a:rPr sz="1027" dirty="0">
-                <a:solidFill>
-                  <a:srgbClr val="000000"/>
-                </a:solidFill>
-                <a:latin typeface="DejaVu Sans"/>
-                <a:cs typeface="DejaVu Sans"/>
-              </a:rPr>
-              <a:t>provide an overall evaluation of the comment's impact</a:t>
-            </a:r>
-          </a:p>
-          <a:p>
-            <a:pPr>
-              <a:lnSpc>
-                <a:spcPts val="1196"/>
-              </a:lnSpc>
-              <a:spcBef>
-                <a:spcPts val="94"/>
-              </a:spcBef>
-            </a:pPr>
-            <a:r>
-              <a:rPr sz="1027" dirty="0">
-                <a:solidFill>
-                  <a:srgbClr val="000000"/>
-                </a:solidFill>
-                <a:latin typeface="DejaVu Sans"/>
-                <a:cs typeface="DejaVu Sans"/>
-              </a:rPr>
-              <a:t>within the </a:t>
-            </a:r>
-            <a:r>
-              <a:rPr sz="1027" spc="-42" dirty="0">
-                <a:solidFill>
-                  <a:srgbClr val="000000"/>
-                </a:solidFill>
-                <a:latin typeface="DejaVu Sans"/>
-                <a:cs typeface="DejaVu Sans"/>
-              </a:rPr>
-              <a:t>YouTube</a:t>
-            </a:r>
-            <a:r>
-              <a:rPr sz="1027" spc="39" dirty="0">
-                <a:solidFill>
-                  <a:srgbClr val="000000"/>
-                </a:solidFill>
-                <a:latin typeface="DejaVu Sans"/>
-                <a:cs typeface="DejaVu Sans"/>
-              </a:rPr>
-              <a:t> </a:t>
-            </a:r>
-            <a:r>
-              <a:rPr sz="1027" dirty="0">
-                <a:solidFill>
-                  <a:srgbClr val="000000"/>
-                </a:solidFill>
-                <a:latin typeface="DejaVu Sans"/>
-                <a:cs typeface="DejaVu Sans"/>
-              </a:rPr>
-              <a:t>context.</a:t>
-            </a:r>
-          </a:p>
-        </p:txBody>
-      </p:sp>
-      <p:sp>
-        <p:nvSpPr>
-          <p:cNvPr id="8" name="object 8"/>
-          <p:cNvSpPr txBox="1"/>
-          <p:nvPr/>
-        </p:nvSpPr>
-        <p:spPr>
-          <a:xfrm>
-            <a:off x="4257959" y="5494223"/>
-            <a:ext cx="3038590" cy="384721"/>
-          </a:xfrm>
-          <a:prstGeom prst="rect">
-            <a:avLst/>
-          </a:prstGeom>
-        </p:spPr>
-        <p:txBody>
-          <a:bodyPr vert="horz" wrap="square" lIns="0" tIns="0" rIns="0" bIns="0" rtlCol="0">
-            <a:spAutoFit/>
-          </a:bodyPr>
-          <a:lstStyle/>
-          <a:p>
-            <a:pPr>
-              <a:lnSpc>
-                <a:spcPts val="1196"/>
-              </a:lnSpc>
-            </a:pPr>
-            <a:r>
-              <a:rPr sz="1027" dirty="0">
-                <a:solidFill>
-                  <a:srgbClr val="000000"/>
-                </a:solidFill>
-                <a:latin typeface="DejaVu Sans"/>
-                <a:cs typeface="DejaVu Sans"/>
-              </a:rPr>
-              <a:t>1.3 Deﬁnitions, Acronyms, and Abbreviations</a:t>
-            </a:r>
-          </a:p>
-          <a:p>
-            <a:pPr>
-              <a:lnSpc>
-                <a:spcPts val="1196"/>
-              </a:lnSpc>
-              <a:spcBef>
-                <a:spcPts val="608"/>
-              </a:spcBef>
-            </a:pPr>
-            <a:r>
-              <a:rPr sz="1027" dirty="0">
-                <a:solidFill>
-                  <a:srgbClr val="000000"/>
-                </a:solidFill>
-                <a:latin typeface="DejaVu Sans"/>
-                <a:cs typeface="DejaVu Sans"/>
-              </a:rPr>
-              <a:t>NLP: Natural Language Processing</a:t>
-            </a:r>
-          </a:p>
-        </p:txBody>
-      </p:sp>
-      <p:sp>
-        <p:nvSpPr>
-          <p:cNvPr id="9" name="object 9"/>
-          <p:cNvSpPr txBox="1"/>
-          <p:nvPr/>
-        </p:nvSpPr>
-        <p:spPr>
-          <a:xfrm>
-            <a:off x="4257958" y="5952511"/>
-            <a:ext cx="2839722" cy="153888"/>
-          </a:xfrm>
-          <a:prstGeom prst="rect">
-            <a:avLst/>
-          </a:prstGeom>
-        </p:spPr>
-        <p:txBody>
-          <a:bodyPr vert="horz" wrap="square" lIns="0" tIns="0" rIns="0" bIns="0" rtlCol="0">
-            <a:spAutoFit/>
-          </a:bodyPr>
-          <a:lstStyle/>
-          <a:p>
-            <a:pPr>
-              <a:lnSpc>
-                <a:spcPts val="1196"/>
-              </a:lnSpc>
-            </a:pPr>
-            <a:r>
-              <a:rPr sz="1027" dirty="0">
-                <a:solidFill>
-                  <a:srgbClr val="000000"/>
-                </a:solidFill>
-                <a:latin typeface="DejaVu Sans"/>
-                <a:cs typeface="DejaVu Sans"/>
-              </a:rPr>
-              <a:t>SRS:</a:t>
-            </a:r>
-            <a:r>
-              <a:rPr sz="1027" spc="-7" dirty="0">
-                <a:solidFill>
-                  <a:srgbClr val="000000"/>
-                </a:solidFill>
-                <a:latin typeface="DejaVu Sans"/>
-                <a:cs typeface="DejaVu Sans"/>
-              </a:rPr>
-              <a:t> </a:t>
-            </a:r>
-            <a:r>
-              <a:rPr sz="1027" spc="-6" dirty="0">
-                <a:solidFill>
-                  <a:srgbClr val="000000"/>
-                </a:solidFill>
-                <a:latin typeface="DejaVu Sans"/>
-                <a:cs typeface="DejaVu Sans"/>
-              </a:rPr>
-              <a:t>Software</a:t>
-            </a:r>
-            <a:r>
-              <a:rPr sz="1027" spc="9" dirty="0">
-                <a:solidFill>
-                  <a:srgbClr val="000000"/>
-                </a:solidFill>
-                <a:latin typeface="DejaVu Sans"/>
-                <a:cs typeface="DejaVu Sans"/>
-              </a:rPr>
-              <a:t> </a:t>
-            </a:r>
-            <a:r>
-              <a:rPr sz="1027" spc="-7" dirty="0">
-                <a:solidFill>
-                  <a:srgbClr val="000000"/>
-                </a:solidFill>
-                <a:latin typeface="DejaVu Sans"/>
-                <a:cs typeface="DejaVu Sans"/>
-              </a:rPr>
-              <a:t>Requirements</a:t>
-            </a:r>
-            <a:r>
-              <a:rPr sz="1027" spc="10" dirty="0">
-                <a:solidFill>
-                  <a:srgbClr val="000000"/>
-                </a:solidFill>
-                <a:latin typeface="DejaVu Sans"/>
-                <a:cs typeface="DejaVu Sans"/>
-              </a:rPr>
-              <a:t> </a:t>
-            </a:r>
-            <a:r>
-              <a:rPr sz="1027" dirty="0">
-                <a:solidFill>
-                  <a:srgbClr val="000000"/>
-                </a:solidFill>
-                <a:latin typeface="DejaVu Sans"/>
-                <a:cs typeface="DejaVu Sans"/>
-              </a:rPr>
-              <a:t>Speciﬁcation</a:t>
-            </a:r>
-          </a:p>
-        </p:txBody>
-      </p:sp>
-    </p:spTree>
-    <p:extLst>
-      <p:ext uri="{BB962C8B-B14F-4D97-AF65-F5344CB8AC3E}">
-        <p14:creationId xmlns:p14="http://schemas.microsoft.com/office/powerpoint/2010/main" val="1351678471"/>
-      </p:ext>
-    </p:extLst>
-  </p:cSld>
-  <p:clrMapOvr>
-    <a:masterClrMapping/>
-  </p:clrMapOvr>
-</p:sld>
-</file>
-
-<file path=ppt/slides/slide7.xml><?xml version="1.0" encoding="utf-8"?>
-<p:sld xmlns:a="http://schemas.openxmlformats.org/drawingml/2006/main" xmlns:r="http://schemas.openxmlformats.org/officeDocument/2006/relationships" xmlns:p="http://schemas.openxmlformats.org/presentationml/2006/main">
-  <p:cSld>
-    <p:spTree>
-      <p:nvGrpSpPr>
-        <p:cNvPr id="1" name=""/>
-        <p:cNvGrpSpPr/>
-        <p:nvPr/>
-      </p:nvGrpSpPr>
-      <p:grpSpPr>
-        <a:xfrm>
-          <a:off x="0" y="0"/>
-          <a:ext cx="0" cy="0"/>
-          <a:chOff x="0" y="0"/>
-          <a:chExt cx="0" cy="0"/>
-        </a:xfrm>
-      </p:grpSpPr>
-      <p:sp>
-        <p:nvSpPr>
-          <p:cNvPr id="2" name="object 2"/>
-          <p:cNvSpPr txBox="1"/>
-          <p:nvPr/>
-        </p:nvSpPr>
-        <p:spPr>
-          <a:xfrm>
-            <a:off x="4257958" y="580275"/>
-            <a:ext cx="2662988" cy="153888"/>
-          </a:xfrm>
-          <a:prstGeom prst="rect">
-            <a:avLst/>
-          </a:prstGeom>
-        </p:spPr>
-        <p:txBody>
-          <a:bodyPr vert="horz" wrap="square" lIns="0" tIns="0" rIns="0" bIns="0" rtlCol="0">
-            <a:spAutoFit/>
-          </a:bodyPr>
-          <a:lstStyle/>
-          <a:p>
-            <a:pPr>
-              <a:lnSpc>
-                <a:spcPts val="1196"/>
-              </a:lnSpc>
-            </a:pPr>
-            <a:r>
-              <a:rPr sz="1027" dirty="0">
-                <a:solidFill>
-                  <a:srgbClr val="000000"/>
-                </a:solidFill>
-                <a:latin typeface="DejaVu Sans"/>
-                <a:cs typeface="DejaVu Sans"/>
-              </a:rPr>
-              <a:t>API: Application Programming</a:t>
-            </a:r>
-            <a:r>
-              <a:rPr sz="1027" spc="8" dirty="0">
-                <a:solidFill>
-                  <a:srgbClr val="000000"/>
-                </a:solidFill>
-                <a:latin typeface="DejaVu Sans"/>
-                <a:cs typeface="DejaVu Sans"/>
-              </a:rPr>
-              <a:t> </a:t>
-            </a:r>
-            <a:r>
-              <a:rPr sz="1027" dirty="0">
-                <a:solidFill>
-                  <a:srgbClr val="000000"/>
-                </a:solidFill>
-                <a:latin typeface="DejaVu Sans"/>
-                <a:cs typeface="DejaVu Sans"/>
-              </a:rPr>
-              <a:t>Interface</a:t>
-            </a:r>
-          </a:p>
-        </p:txBody>
-      </p:sp>
-      <p:sp>
-        <p:nvSpPr>
-          <p:cNvPr id="3" name="object 3"/>
-          <p:cNvSpPr txBox="1"/>
-          <p:nvPr/>
-        </p:nvSpPr>
-        <p:spPr>
-          <a:xfrm>
-            <a:off x="4257958" y="1038457"/>
-            <a:ext cx="1691785" cy="192360"/>
-          </a:xfrm>
-          <a:prstGeom prst="rect">
-            <a:avLst/>
-          </a:prstGeom>
-        </p:spPr>
-        <p:txBody>
-          <a:bodyPr vert="horz" wrap="square" lIns="0" tIns="0" rIns="0" bIns="0" rtlCol="0">
-            <a:spAutoFit/>
-          </a:bodyPr>
-          <a:lstStyle/>
-          <a:p>
-            <a:pPr>
-              <a:lnSpc>
-                <a:spcPts val="1495"/>
-              </a:lnSpc>
-            </a:pPr>
-            <a:r>
-              <a:rPr sz="1284" b="1" dirty="0">
-                <a:solidFill>
-                  <a:srgbClr val="000000"/>
-                </a:solidFill>
-                <a:latin typeface="DejaVu Sans"/>
-                <a:cs typeface="DejaVu Sans"/>
-              </a:rPr>
-              <a:t>System Features</a:t>
-            </a:r>
-            <a:r>
-              <a:rPr sz="1156" dirty="0">
-                <a:solidFill>
-                  <a:srgbClr val="000000"/>
-                </a:solidFill>
-                <a:latin typeface="DejaVu Sans"/>
-                <a:cs typeface="DejaVu Sans"/>
-              </a:rPr>
-              <a:t>:</a:t>
-            </a:r>
-          </a:p>
-        </p:txBody>
-      </p:sp>
-      <p:sp>
-        <p:nvSpPr>
-          <p:cNvPr id="4" name="object 4"/>
-          <p:cNvSpPr txBox="1"/>
-          <p:nvPr/>
-        </p:nvSpPr>
-        <p:spPr>
-          <a:xfrm>
-            <a:off x="4257958" y="1308479"/>
-            <a:ext cx="3562545" cy="487313"/>
-          </a:xfrm>
-          <a:prstGeom prst="rect">
-            <a:avLst/>
-          </a:prstGeom>
-        </p:spPr>
-        <p:txBody>
-          <a:bodyPr vert="horz" wrap="square" lIns="0" tIns="0" rIns="0" bIns="0" rtlCol="0">
-            <a:spAutoFit/>
-          </a:bodyPr>
-          <a:lstStyle/>
-          <a:p>
-            <a:pPr>
-              <a:lnSpc>
-                <a:spcPts val="1196"/>
-              </a:lnSpc>
-            </a:pPr>
-            <a:r>
-              <a:rPr sz="1027" b="1" spc="-30" dirty="0">
-                <a:solidFill>
-                  <a:srgbClr val="000000"/>
-                </a:solidFill>
-                <a:latin typeface="DejaVu Sans"/>
-                <a:cs typeface="DejaVu Sans"/>
-              </a:rPr>
-              <a:t>YouTube</a:t>
-            </a:r>
-            <a:r>
-              <a:rPr sz="1027" b="1" spc="28" dirty="0">
-                <a:solidFill>
-                  <a:srgbClr val="000000"/>
-                </a:solidFill>
-                <a:latin typeface="DejaVu Sans"/>
-                <a:cs typeface="DejaVu Sans"/>
-              </a:rPr>
-              <a:t> </a:t>
-            </a:r>
-            <a:r>
-              <a:rPr sz="1027" b="1" dirty="0">
-                <a:solidFill>
-                  <a:srgbClr val="000000"/>
-                </a:solidFill>
-                <a:latin typeface="DejaVu Sans"/>
-                <a:cs typeface="DejaVu Sans"/>
-              </a:rPr>
-              <a:t>Video Input:</a:t>
-            </a:r>
-            <a:r>
-              <a:rPr sz="1027" b="1" spc="-21" dirty="0">
-                <a:solidFill>
-                  <a:srgbClr val="000000"/>
-                </a:solidFill>
-                <a:latin typeface="DejaVu Sans"/>
-                <a:cs typeface="DejaVu Sans"/>
-              </a:rPr>
-              <a:t> </a:t>
-            </a:r>
-            <a:r>
-              <a:rPr sz="1027" dirty="0">
-                <a:solidFill>
-                  <a:srgbClr val="000000"/>
-                </a:solidFill>
-                <a:latin typeface="DejaVu Sans"/>
-                <a:cs typeface="DejaVu Sans"/>
-              </a:rPr>
-              <a:t>Users can input the URL of a</a:t>
-            </a:r>
-          </a:p>
-          <a:p>
-            <a:pPr>
-              <a:lnSpc>
-                <a:spcPts val="1196"/>
-              </a:lnSpc>
-              <a:spcBef>
-                <a:spcPts val="94"/>
-              </a:spcBef>
-            </a:pPr>
-            <a:r>
-              <a:rPr sz="1027" spc="-42" dirty="0">
-                <a:solidFill>
-                  <a:srgbClr val="000000"/>
-                </a:solidFill>
-                <a:latin typeface="DejaVu Sans"/>
-                <a:cs typeface="DejaVu Sans"/>
-              </a:rPr>
-              <a:t>YouTube</a:t>
-            </a:r>
-            <a:r>
-              <a:rPr sz="1027" spc="45" dirty="0">
-                <a:solidFill>
-                  <a:srgbClr val="000000"/>
-                </a:solidFill>
-                <a:latin typeface="DejaVu Sans"/>
-                <a:cs typeface="DejaVu Sans"/>
-              </a:rPr>
-              <a:t> </a:t>
-            </a:r>
-            <a:r>
-              <a:rPr sz="1027" dirty="0">
-                <a:solidFill>
-                  <a:srgbClr val="000000"/>
-                </a:solidFill>
-                <a:latin typeface="DejaVu Sans"/>
-                <a:cs typeface="DejaVu Sans"/>
-              </a:rPr>
-              <a:t>video</a:t>
-            </a:r>
-            <a:r>
-              <a:rPr sz="1027" spc="9" dirty="0">
-                <a:solidFill>
-                  <a:srgbClr val="000000"/>
-                </a:solidFill>
-                <a:latin typeface="DejaVu Sans"/>
-                <a:cs typeface="DejaVu Sans"/>
-              </a:rPr>
-              <a:t> </a:t>
-            </a:r>
-            <a:r>
-              <a:rPr sz="1027" dirty="0">
-                <a:solidFill>
-                  <a:srgbClr val="000000"/>
-                </a:solidFill>
-                <a:latin typeface="DejaVu Sans"/>
-                <a:cs typeface="DejaVu Sans"/>
-              </a:rPr>
-              <a:t>to analyse the comments associated</a:t>
-            </a:r>
-          </a:p>
-          <a:p>
-            <a:pPr>
-              <a:lnSpc>
-                <a:spcPts val="1196"/>
-              </a:lnSpc>
-              <a:spcBef>
-                <a:spcPts val="94"/>
-              </a:spcBef>
-            </a:pPr>
-            <a:r>
-              <a:rPr sz="1027" dirty="0">
-                <a:solidFill>
-                  <a:srgbClr val="000000"/>
-                </a:solidFill>
-                <a:latin typeface="DejaVu Sans"/>
-                <a:cs typeface="DejaVu Sans"/>
-              </a:rPr>
-              <a:t>with that video.</a:t>
-            </a:r>
-          </a:p>
-        </p:txBody>
-      </p:sp>
-      <p:sp>
-        <p:nvSpPr>
-          <p:cNvPr id="5" name="object 5"/>
-          <p:cNvSpPr txBox="1"/>
-          <p:nvPr/>
-        </p:nvSpPr>
-        <p:spPr>
-          <a:xfrm>
-            <a:off x="4257958" y="1865437"/>
-            <a:ext cx="3553291" cy="487313"/>
-          </a:xfrm>
-          <a:prstGeom prst="rect">
-            <a:avLst/>
-          </a:prstGeom>
-        </p:spPr>
-        <p:txBody>
-          <a:bodyPr vert="horz" wrap="square" lIns="0" tIns="0" rIns="0" bIns="0" rtlCol="0">
-            <a:spAutoFit/>
-          </a:bodyPr>
-          <a:lstStyle/>
-          <a:p>
-            <a:pPr>
-              <a:lnSpc>
-                <a:spcPts val="1196"/>
-              </a:lnSpc>
-            </a:pPr>
-            <a:r>
-              <a:rPr sz="1027" b="1" dirty="0">
-                <a:solidFill>
-                  <a:srgbClr val="000000"/>
-                </a:solidFill>
-                <a:latin typeface="DejaVu Sans"/>
-                <a:cs typeface="DejaVu Sans"/>
-              </a:rPr>
-              <a:t>Comment Sentiment Analysis</a:t>
-            </a:r>
-            <a:r>
-              <a:rPr sz="1027" dirty="0">
-                <a:solidFill>
-                  <a:srgbClr val="000000"/>
-                </a:solidFill>
-                <a:latin typeface="DejaVu Sans"/>
-                <a:cs typeface="DejaVu Sans"/>
-              </a:rPr>
-              <a:t>: The system</a:t>
-            </a:r>
-            <a:r>
-              <a:rPr sz="1027" spc="7" dirty="0">
-                <a:solidFill>
-                  <a:srgbClr val="000000"/>
-                </a:solidFill>
-                <a:latin typeface="DejaVu Sans"/>
-                <a:cs typeface="DejaVu Sans"/>
-              </a:rPr>
-              <a:t> </a:t>
-            </a:r>
-            <a:r>
-              <a:rPr sz="1027" dirty="0">
-                <a:solidFill>
-                  <a:srgbClr val="000000"/>
-                </a:solidFill>
-                <a:latin typeface="DejaVu Sans"/>
-                <a:cs typeface="DejaVu Sans"/>
-              </a:rPr>
-              <a:t>will</a:t>
-            </a:r>
-          </a:p>
-          <a:p>
-            <a:pPr>
-              <a:lnSpc>
-                <a:spcPts val="1196"/>
-              </a:lnSpc>
-              <a:spcBef>
-                <a:spcPts val="94"/>
-              </a:spcBef>
-            </a:pPr>
-            <a:r>
-              <a:rPr sz="1027" dirty="0">
-                <a:solidFill>
-                  <a:srgbClr val="000000"/>
-                </a:solidFill>
-                <a:latin typeface="DejaVu Sans"/>
-                <a:cs typeface="DejaVu Sans"/>
-              </a:rPr>
-              <a:t>determine the sentiment of each comment (positive,</a:t>
-            </a:r>
-          </a:p>
-          <a:p>
-            <a:pPr>
-              <a:lnSpc>
-                <a:spcPts val="1196"/>
-              </a:lnSpc>
-              <a:spcBef>
-                <a:spcPts val="94"/>
-              </a:spcBef>
-            </a:pPr>
-            <a:r>
-              <a:rPr sz="1027" dirty="0">
-                <a:solidFill>
-                  <a:srgbClr val="000000"/>
-                </a:solidFill>
-                <a:latin typeface="DejaVu Sans"/>
-                <a:cs typeface="DejaVu Sans"/>
-              </a:rPr>
-              <a:t>negative, neutral) within the context of </a:t>
-            </a:r>
-            <a:r>
-              <a:rPr sz="1027" spc="-37" dirty="0">
-                <a:solidFill>
-                  <a:srgbClr val="000000"/>
-                </a:solidFill>
-                <a:latin typeface="DejaVu Sans"/>
-                <a:cs typeface="DejaVu Sans"/>
-              </a:rPr>
-              <a:t>YouTube.</a:t>
-            </a:r>
-          </a:p>
-        </p:txBody>
-      </p:sp>
-      <p:sp>
-        <p:nvSpPr>
-          <p:cNvPr id="6" name="object 6"/>
-          <p:cNvSpPr txBox="1"/>
-          <p:nvPr/>
-        </p:nvSpPr>
-        <p:spPr>
-          <a:xfrm>
-            <a:off x="4257959" y="2422395"/>
-            <a:ext cx="3754956" cy="487313"/>
-          </a:xfrm>
-          <a:prstGeom prst="rect">
-            <a:avLst/>
-          </a:prstGeom>
-        </p:spPr>
-        <p:txBody>
-          <a:bodyPr vert="horz" wrap="square" lIns="0" tIns="0" rIns="0" bIns="0" rtlCol="0">
-            <a:spAutoFit/>
-          </a:bodyPr>
-          <a:lstStyle/>
-          <a:p>
-            <a:pPr>
-              <a:lnSpc>
-                <a:spcPts val="1196"/>
-              </a:lnSpc>
-            </a:pPr>
-            <a:r>
-              <a:rPr sz="1027" b="1" spc="-28" dirty="0">
-                <a:solidFill>
-                  <a:srgbClr val="000000"/>
-                </a:solidFill>
-                <a:latin typeface="DejaVu Sans"/>
-                <a:cs typeface="DejaVu Sans"/>
-              </a:rPr>
-              <a:t>Topic</a:t>
-            </a:r>
-            <a:r>
-              <a:rPr sz="1027" b="1" spc="29" dirty="0">
-                <a:solidFill>
-                  <a:srgbClr val="000000"/>
-                </a:solidFill>
-                <a:latin typeface="DejaVu Sans"/>
-                <a:cs typeface="DejaVu Sans"/>
-              </a:rPr>
-              <a:t> </a:t>
-            </a:r>
-            <a:r>
-              <a:rPr sz="1027" b="1" dirty="0">
-                <a:solidFill>
-                  <a:srgbClr val="000000"/>
-                </a:solidFill>
-                <a:latin typeface="DejaVu Sans"/>
-                <a:cs typeface="DejaVu Sans"/>
-              </a:rPr>
-              <a:t>Extraction for </a:t>
-            </a:r>
-            <a:r>
-              <a:rPr sz="1027" b="1" spc="-31" dirty="0">
-                <a:solidFill>
-                  <a:srgbClr val="000000"/>
-                </a:solidFill>
-                <a:latin typeface="DejaVu Sans"/>
-                <a:cs typeface="DejaVu Sans"/>
-              </a:rPr>
-              <a:t>YouTube</a:t>
-            </a:r>
-            <a:r>
-              <a:rPr sz="1027" dirty="0">
-                <a:solidFill>
-                  <a:srgbClr val="000000"/>
-                </a:solidFill>
-                <a:latin typeface="DejaVu Sans"/>
-                <a:cs typeface="DejaVu Sans"/>
-              </a:rPr>
-              <a:t>: Identify </a:t>
-            </a:r>
-            <a:r>
-              <a:rPr sz="1027" spc="-20" dirty="0">
-                <a:solidFill>
-                  <a:srgbClr val="000000"/>
-                </a:solidFill>
-                <a:latin typeface="DejaVu Sans"/>
-                <a:cs typeface="DejaVu Sans"/>
-              </a:rPr>
-              <a:t>key</a:t>
-            </a:r>
-            <a:r>
-              <a:rPr sz="1027" spc="21" dirty="0">
-                <a:solidFill>
-                  <a:srgbClr val="000000"/>
-                </a:solidFill>
-                <a:latin typeface="DejaVu Sans"/>
-                <a:cs typeface="DejaVu Sans"/>
-              </a:rPr>
-              <a:t> </a:t>
-            </a:r>
-            <a:r>
-              <a:rPr sz="1027" dirty="0">
-                <a:solidFill>
-                  <a:srgbClr val="000000"/>
-                </a:solidFill>
-                <a:latin typeface="DejaVu Sans"/>
-                <a:cs typeface="DejaVu Sans"/>
-              </a:rPr>
-              <a:t>topics and</a:t>
-            </a:r>
-          </a:p>
-          <a:p>
-            <a:pPr>
-              <a:lnSpc>
-                <a:spcPts val="1196"/>
-              </a:lnSpc>
-              <a:spcBef>
-                <a:spcPts val="94"/>
-              </a:spcBef>
-            </a:pPr>
-            <a:r>
-              <a:rPr sz="1027" dirty="0">
-                <a:solidFill>
-                  <a:srgbClr val="000000"/>
-                </a:solidFill>
-                <a:latin typeface="DejaVu Sans"/>
-                <a:cs typeface="DejaVu Sans"/>
-              </a:rPr>
-              <a:t>themes within the comments speciﬁc to </a:t>
-            </a:r>
-            <a:r>
-              <a:rPr sz="1027" spc="-42" dirty="0">
-                <a:solidFill>
-                  <a:srgbClr val="000000"/>
-                </a:solidFill>
-                <a:latin typeface="DejaVu Sans"/>
-                <a:cs typeface="DejaVu Sans"/>
-              </a:rPr>
-              <a:t>YouTube</a:t>
-            </a:r>
-          </a:p>
-          <a:p>
-            <a:pPr>
-              <a:lnSpc>
-                <a:spcPts val="1196"/>
-              </a:lnSpc>
-              <a:spcBef>
-                <a:spcPts val="94"/>
-              </a:spcBef>
-            </a:pPr>
-            <a:r>
-              <a:rPr sz="1027" dirty="0">
-                <a:solidFill>
-                  <a:srgbClr val="000000"/>
-                </a:solidFill>
-                <a:latin typeface="DejaVu Sans"/>
-                <a:cs typeface="DejaVu Sans"/>
-              </a:rPr>
-              <a:t>content.</a:t>
-            </a:r>
-          </a:p>
-        </p:txBody>
-      </p:sp>
-      <p:sp>
-        <p:nvSpPr>
-          <p:cNvPr id="7" name="object 7"/>
-          <p:cNvSpPr txBox="1"/>
-          <p:nvPr/>
-        </p:nvSpPr>
-        <p:spPr>
-          <a:xfrm>
-            <a:off x="4257958" y="2979352"/>
-            <a:ext cx="3714556" cy="320601"/>
-          </a:xfrm>
-          <a:prstGeom prst="rect">
-            <a:avLst/>
-          </a:prstGeom>
-        </p:spPr>
-        <p:txBody>
-          <a:bodyPr vert="horz" wrap="square" lIns="0" tIns="0" rIns="0" bIns="0" rtlCol="0">
-            <a:spAutoFit/>
-          </a:bodyPr>
-          <a:lstStyle/>
-          <a:p>
-            <a:pPr>
-              <a:lnSpc>
-                <a:spcPts val="1196"/>
-              </a:lnSpc>
-            </a:pPr>
-            <a:r>
-              <a:rPr sz="1027" b="1" dirty="0">
-                <a:solidFill>
-                  <a:srgbClr val="000000"/>
-                </a:solidFill>
-                <a:latin typeface="DejaVu Sans"/>
-                <a:cs typeface="DejaVu Sans"/>
-              </a:rPr>
-              <a:t>Relevance Assessment for </a:t>
-            </a:r>
-            <a:r>
-              <a:rPr sz="1027" b="1" spc="-26" dirty="0">
-                <a:solidFill>
-                  <a:srgbClr val="000000"/>
-                </a:solidFill>
-                <a:latin typeface="DejaVu Sans"/>
-                <a:cs typeface="DejaVu Sans"/>
-              </a:rPr>
-              <a:t>YouTube:</a:t>
-            </a:r>
-            <a:r>
-              <a:rPr sz="1027" b="1" spc="13" dirty="0">
-                <a:solidFill>
-                  <a:srgbClr val="000000"/>
-                </a:solidFill>
-                <a:latin typeface="DejaVu Sans"/>
-                <a:cs typeface="DejaVu Sans"/>
-              </a:rPr>
-              <a:t> </a:t>
-            </a:r>
-            <a:r>
-              <a:rPr sz="1027" dirty="0">
-                <a:solidFill>
-                  <a:srgbClr val="000000"/>
-                </a:solidFill>
-                <a:latin typeface="DejaVu Sans"/>
-                <a:cs typeface="DejaVu Sans"/>
-              </a:rPr>
-              <a:t>Evaluate the</a:t>
-            </a:r>
-          </a:p>
-          <a:p>
-            <a:pPr>
-              <a:lnSpc>
-                <a:spcPts val="1196"/>
-              </a:lnSpc>
-              <a:spcBef>
-                <a:spcPts val="94"/>
-              </a:spcBef>
-            </a:pPr>
-            <a:r>
-              <a:rPr sz="1027" dirty="0">
-                <a:solidFill>
-                  <a:srgbClr val="000000"/>
-                </a:solidFill>
-                <a:latin typeface="DejaVu Sans"/>
-                <a:cs typeface="DejaVu Sans"/>
-              </a:rPr>
-              <a:t>relevance of comments to the </a:t>
-            </a:r>
-            <a:r>
-              <a:rPr sz="1027" spc="-42" dirty="0">
-                <a:solidFill>
-                  <a:srgbClr val="000000"/>
-                </a:solidFill>
-                <a:latin typeface="DejaVu Sans"/>
-                <a:cs typeface="DejaVu Sans"/>
-              </a:rPr>
-              <a:t>YouTube</a:t>
-            </a:r>
-            <a:r>
-              <a:rPr sz="1027" spc="39" dirty="0">
-                <a:solidFill>
-                  <a:srgbClr val="000000"/>
-                </a:solidFill>
-                <a:latin typeface="DejaVu Sans"/>
-                <a:cs typeface="DejaVu Sans"/>
-              </a:rPr>
-              <a:t> </a:t>
-            </a:r>
-            <a:r>
-              <a:rPr sz="1027" dirty="0">
-                <a:solidFill>
-                  <a:srgbClr val="000000"/>
-                </a:solidFill>
-                <a:latin typeface="DejaVu Sans"/>
-                <a:cs typeface="DejaVu Sans"/>
-              </a:rPr>
-              <a:t>video's content.</a:t>
-            </a:r>
-          </a:p>
-        </p:txBody>
-      </p:sp>
-      <p:sp>
-        <p:nvSpPr>
-          <p:cNvPr id="8" name="object 8"/>
-          <p:cNvSpPr txBox="1"/>
-          <p:nvPr/>
-        </p:nvSpPr>
-        <p:spPr>
-          <a:xfrm>
-            <a:off x="4257958" y="3601796"/>
-            <a:ext cx="2703453" cy="205184"/>
-          </a:xfrm>
-          <a:prstGeom prst="rect">
-            <a:avLst/>
-          </a:prstGeom>
-        </p:spPr>
-        <p:txBody>
-          <a:bodyPr vert="horz" wrap="square" lIns="0" tIns="0" rIns="0" bIns="0" rtlCol="0">
-            <a:spAutoFit/>
-          </a:bodyPr>
-          <a:lstStyle/>
-          <a:p>
-            <a:pPr>
-              <a:lnSpc>
-                <a:spcPts val="1644"/>
-              </a:lnSpc>
-            </a:pPr>
-            <a:r>
-              <a:rPr sz="1413" b="1" spc="-8" dirty="0">
-                <a:solidFill>
-                  <a:srgbClr val="000000"/>
-                </a:solidFill>
-                <a:latin typeface="DejaVu Sans"/>
-                <a:cs typeface="DejaVu Sans"/>
-              </a:rPr>
-              <a:t>Functional</a:t>
-            </a:r>
-            <a:r>
-              <a:rPr sz="1413" b="1" spc="7" dirty="0">
-                <a:solidFill>
-                  <a:srgbClr val="000000"/>
-                </a:solidFill>
-                <a:latin typeface="DejaVu Sans"/>
-                <a:cs typeface="DejaVu Sans"/>
-              </a:rPr>
-              <a:t> </a:t>
-            </a:r>
-            <a:r>
-              <a:rPr sz="1413" b="1" dirty="0">
-                <a:solidFill>
-                  <a:srgbClr val="000000"/>
-                </a:solidFill>
-                <a:latin typeface="DejaVu Sans"/>
-                <a:cs typeface="DejaVu Sans"/>
-              </a:rPr>
-              <a:t>Requirements:</a:t>
-            </a:r>
-          </a:p>
-        </p:txBody>
-      </p:sp>
-      <p:sp>
-        <p:nvSpPr>
-          <p:cNvPr id="9" name="object 9"/>
-          <p:cNvSpPr txBox="1"/>
-          <p:nvPr/>
-        </p:nvSpPr>
-        <p:spPr>
-          <a:xfrm>
-            <a:off x="4404741" y="3892205"/>
-            <a:ext cx="1943207" cy="333425"/>
-          </a:xfrm>
-          <a:prstGeom prst="rect">
-            <a:avLst/>
-          </a:prstGeom>
-        </p:spPr>
-        <p:txBody>
-          <a:bodyPr vert="horz" wrap="square" lIns="0" tIns="0" rIns="0" bIns="0" rtlCol="0">
-            <a:spAutoFit/>
-          </a:bodyPr>
-          <a:lstStyle/>
-          <a:p>
-            <a:pPr>
-              <a:lnSpc>
-                <a:spcPts val="1345"/>
-              </a:lnSpc>
-            </a:pPr>
-            <a:r>
-              <a:rPr sz="1156" dirty="0">
-                <a:solidFill>
-                  <a:srgbClr val="000000"/>
-                </a:solidFill>
-                <a:latin typeface="AIVKES+OpenSymbol"/>
-                <a:cs typeface="AIVKES+OpenSymbol"/>
-              </a:rPr>
-              <a:t></a:t>
-            </a:r>
-            <a:r>
-              <a:rPr sz="1156" spc="391" dirty="0">
-                <a:solidFill>
-                  <a:srgbClr val="000000"/>
-                </a:solidFill>
-                <a:latin typeface="Times New Roman"/>
-                <a:cs typeface="Times New Roman"/>
-              </a:rPr>
-              <a:t> </a:t>
-            </a:r>
-            <a:r>
-              <a:rPr sz="1156" b="1" spc="-33" dirty="0">
-                <a:solidFill>
-                  <a:srgbClr val="000000"/>
-                </a:solidFill>
-                <a:latin typeface="DejaVu Sans"/>
-                <a:cs typeface="DejaVu Sans"/>
-              </a:rPr>
-              <a:t>YouTube</a:t>
-            </a:r>
-            <a:r>
-              <a:rPr sz="1156" b="1" spc="33" dirty="0">
-                <a:solidFill>
-                  <a:srgbClr val="000000"/>
-                </a:solidFill>
-                <a:latin typeface="DejaVu Sans"/>
-                <a:cs typeface="DejaVu Sans"/>
-              </a:rPr>
-              <a:t> </a:t>
-            </a:r>
-            <a:r>
-              <a:rPr sz="1156" b="1" spc="-6" dirty="0">
-                <a:solidFill>
-                  <a:srgbClr val="000000"/>
-                </a:solidFill>
-                <a:latin typeface="DejaVu Sans"/>
-                <a:cs typeface="DejaVu Sans"/>
-              </a:rPr>
-              <a:t>Video</a:t>
-            </a:r>
-            <a:r>
-              <a:rPr sz="1156" b="1" spc="8" dirty="0">
-                <a:solidFill>
-                  <a:srgbClr val="000000"/>
-                </a:solidFill>
-                <a:latin typeface="DejaVu Sans"/>
-                <a:cs typeface="DejaVu Sans"/>
-              </a:rPr>
-              <a:t> </a:t>
-            </a:r>
-            <a:r>
-              <a:rPr sz="1156" b="1" dirty="0">
-                <a:solidFill>
-                  <a:srgbClr val="000000"/>
-                </a:solidFill>
-                <a:latin typeface="DejaVu Sans"/>
-                <a:cs typeface="DejaVu Sans"/>
-              </a:rPr>
-              <a:t>Input</a:t>
-            </a:r>
-          </a:p>
-          <a:p>
-            <a:pPr marL="146784">
-              <a:lnSpc>
-                <a:spcPts val="1196"/>
-              </a:lnSpc>
-              <a:spcBef>
-                <a:spcPts val="71"/>
-              </a:spcBef>
-            </a:pPr>
-            <a:r>
-              <a:rPr sz="1027" dirty="0">
-                <a:solidFill>
-                  <a:srgbClr val="000000"/>
-                </a:solidFill>
-                <a:latin typeface="DejaVu Sans"/>
-                <a:cs typeface="DejaVu Sans"/>
-              </a:rPr>
-              <a:t>1.</a:t>
-            </a:r>
-            <a:r>
-              <a:rPr sz="1027" spc="-151" dirty="0">
-                <a:solidFill>
-                  <a:srgbClr val="000000"/>
-                </a:solidFill>
-                <a:latin typeface="DejaVu Sans"/>
-                <a:cs typeface="DejaVu Sans"/>
-              </a:rPr>
-              <a:t> </a:t>
-            </a:r>
-            <a:r>
-              <a:rPr sz="1027" dirty="0">
-                <a:solidFill>
-                  <a:srgbClr val="000000"/>
-                </a:solidFill>
-                <a:latin typeface="DejaVu Sans"/>
-                <a:cs typeface="DejaVu Sans"/>
-              </a:rPr>
-              <a:t>Description:</a:t>
-            </a:r>
-          </a:p>
-        </p:txBody>
-      </p:sp>
-      <p:sp>
-        <p:nvSpPr>
-          <p:cNvPr id="10" name="object 10"/>
-          <p:cNvSpPr txBox="1"/>
-          <p:nvPr/>
-        </p:nvSpPr>
-        <p:spPr>
-          <a:xfrm>
-            <a:off x="4698306" y="4240050"/>
-            <a:ext cx="3079068" cy="487313"/>
-          </a:xfrm>
-          <a:prstGeom prst="rect">
-            <a:avLst/>
-          </a:prstGeom>
-        </p:spPr>
-        <p:txBody>
-          <a:bodyPr vert="horz" wrap="square" lIns="0" tIns="0" rIns="0" bIns="0" rtlCol="0">
-            <a:spAutoFit/>
-          </a:bodyPr>
-          <a:lstStyle/>
-          <a:p>
-            <a:pPr>
-              <a:lnSpc>
-                <a:spcPts val="1196"/>
-              </a:lnSpc>
-            </a:pPr>
-            <a:r>
-              <a:rPr sz="1027" dirty="0">
-                <a:solidFill>
-                  <a:srgbClr val="000000"/>
-                </a:solidFill>
-                <a:latin typeface="DejaVu Sans"/>
-                <a:cs typeface="DejaVu Sans"/>
-              </a:rPr>
-              <a:t>Users should be able to input the URL of a</a:t>
-            </a:r>
-          </a:p>
-          <a:p>
-            <a:pPr>
-              <a:lnSpc>
-                <a:spcPts val="1196"/>
-              </a:lnSpc>
-              <a:spcBef>
-                <a:spcPts val="94"/>
-              </a:spcBef>
-            </a:pPr>
-            <a:r>
-              <a:rPr sz="1027" spc="-42" dirty="0">
-                <a:solidFill>
-                  <a:srgbClr val="000000"/>
-                </a:solidFill>
-                <a:latin typeface="DejaVu Sans"/>
-                <a:cs typeface="DejaVu Sans"/>
-              </a:rPr>
-              <a:t>YouTube</a:t>
-            </a:r>
-            <a:r>
-              <a:rPr sz="1027" spc="45" dirty="0">
-                <a:solidFill>
-                  <a:srgbClr val="000000"/>
-                </a:solidFill>
-                <a:latin typeface="DejaVu Sans"/>
-                <a:cs typeface="DejaVu Sans"/>
-              </a:rPr>
-              <a:t> </a:t>
-            </a:r>
-            <a:r>
-              <a:rPr sz="1027" dirty="0">
-                <a:solidFill>
-                  <a:srgbClr val="000000"/>
-                </a:solidFill>
-                <a:latin typeface="DejaVu Sans"/>
-                <a:cs typeface="DejaVu Sans"/>
-              </a:rPr>
-              <a:t>video</a:t>
-            </a:r>
-            <a:r>
-              <a:rPr sz="1027" spc="9" dirty="0">
-                <a:solidFill>
-                  <a:srgbClr val="000000"/>
-                </a:solidFill>
-                <a:latin typeface="DejaVu Sans"/>
-                <a:cs typeface="DejaVu Sans"/>
-              </a:rPr>
-              <a:t> </a:t>
-            </a:r>
-            <a:r>
-              <a:rPr sz="1027" dirty="0">
-                <a:solidFill>
-                  <a:srgbClr val="000000"/>
-                </a:solidFill>
-                <a:latin typeface="DejaVu Sans"/>
-                <a:cs typeface="DejaVu Sans"/>
-              </a:rPr>
-              <a:t>for which they want to analyse</a:t>
-            </a:r>
-          </a:p>
-          <a:p>
-            <a:pPr>
-              <a:lnSpc>
-                <a:spcPts val="1196"/>
-              </a:lnSpc>
-              <a:spcBef>
-                <a:spcPts val="94"/>
-              </a:spcBef>
-            </a:pPr>
-            <a:r>
-              <a:rPr sz="1027" dirty="0">
-                <a:solidFill>
-                  <a:srgbClr val="000000"/>
-                </a:solidFill>
-                <a:latin typeface="DejaVu Sans"/>
-                <a:cs typeface="DejaVu Sans"/>
-              </a:rPr>
-              <a:t>comments.</a:t>
-            </a:r>
-          </a:p>
-        </p:txBody>
-      </p:sp>
-      <p:sp>
-        <p:nvSpPr>
-          <p:cNvPr id="11" name="object 11"/>
-          <p:cNvSpPr txBox="1"/>
-          <p:nvPr/>
-        </p:nvSpPr>
-        <p:spPr>
-          <a:xfrm>
-            <a:off x="4551523" y="4731770"/>
-            <a:ext cx="650017" cy="153888"/>
-          </a:xfrm>
-          <a:prstGeom prst="rect">
-            <a:avLst/>
-          </a:prstGeom>
-        </p:spPr>
-        <p:txBody>
-          <a:bodyPr vert="horz" wrap="square" lIns="0" tIns="0" rIns="0" bIns="0" rtlCol="0">
-            <a:spAutoFit/>
-          </a:bodyPr>
-          <a:lstStyle/>
-          <a:p>
-            <a:pPr>
-              <a:lnSpc>
-                <a:spcPts val="1196"/>
-              </a:lnSpc>
-            </a:pPr>
-            <a:r>
-              <a:rPr sz="1027" dirty="0">
-                <a:solidFill>
-                  <a:srgbClr val="000000"/>
-                </a:solidFill>
-                <a:latin typeface="DejaVu Sans"/>
-                <a:cs typeface="DejaVu Sans"/>
-              </a:rPr>
-              <a:t>2.</a:t>
-            </a:r>
-            <a:r>
-              <a:rPr sz="1027" spc="-151" dirty="0">
-                <a:solidFill>
-                  <a:srgbClr val="000000"/>
-                </a:solidFill>
-                <a:latin typeface="DejaVu Sans"/>
-                <a:cs typeface="DejaVu Sans"/>
-              </a:rPr>
-              <a:t> </a:t>
-            </a:r>
-            <a:r>
-              <a:rPr sz="1027" dirty="0">
-                <a:solidFill>
-                  <a:srgbClr val="000000"/>
-                </a:solidFill>
-                <a:latin typeface="DejaVu Sans"/>
-                <a:cs typeface="DejaVu Sans"/>
-              </a:rPr>
-              <a:t>Inputs</a:t>
-            </a:r>
-          </a:p>
-        </p:txBody>
-      </p:sp>
-      <p:sp>
-        <p:nvSpPr>
-          <p:cNvPr id="12" name="object 12"/>
-          <p:cNvSpPr txBox="1"/>
-          <p:nvPr/>
-        </p:nvSpPr>
-        <p:spPr>
-          <a:xfrm>
-            <a:off x="4551523" y="4960915"/>
-            <a:ext cx="1472798" cy="384721"/>
-          </a:xfrm>
-          <a:prstGeom prst="rect">
-            <a:avLst/>
-          </a:prstGeom>
-        </p:spPr>
-        <p:txBody>
-          <a:bodyPr vert="horz" wrap="square" lIns="0" tIns="0" rIns="0" bIns="0" rtlCol="0">
-            <a:spAutoFit/>
-          </a:bodyPr>
-          <a:lstStyle/>
-          <a:p>
-            <a:pPr marL="146784">
-              <a:lnSpc>
-                <a:spcPts val="1196"/>
-              </a:lnSpc>
-            </a:pPr>
-            <a:r>
-              <a:rPr sz="1027" spc="-42" dirty="0">
-                <a:solidFill>
-                  <a:srgbClr val="000000"/>
-                </a:solidFill>
-                <a:latin typeface="DejaVu Sans"/>
-                <a:cs typeface="DejaVu Sans"/>
-              </a:rPr>
-              <a:t>YouTube</a:t>
-            </a:r>
-            <a:r>
-              <a:rPr sz="1027" spc="45" dirty="0">
-                <a:solidFill>
-                  <a:srgbClr val="000000"/>
-                </a:solidFill>
-                <a:latin typeface="DejaVu Sans"/>
-                <a:cs typeface="DejaVu Sans"/>
-              </a:rPr>
-              <a:t> </a:t>
-            </a:r>
-            <a:r>
-              <a:rPr sz="1027" dirty="0">
-                <a:solidFill>
-                  <a:srgbClr val="000000"/>
-                </a:solidFill>
-                <a:latin typeface="DejaVu Sans"/>
-                <a:cs typeface="DejaVu Sans"/>
-              </a:rPr>
-              <a:t>video</a:t>
-            </a:r>
-            <a:r>
-              <a:rPr sz="1027" spc="9" dirty="0">
-                <a:solidFill>
-                  <a:srgbClr val="000000"/>
-                </a:solidFill>
-                <a:latin typeface="DejaVu Sans"/>
-                <a:cs typeface="DejaVu Sans"/>
-              </a:rPr>
-              <a:t> </a:t>
-            </a:r>
-            <a:r>
-              <a:rPr sz="1027" dirty="0">
-                <a:solidFill>
-                  <a:srgbClr val="000000"/>
-                </a:solidFill>
-                <a:latin typeface="DejaVu Sans"/>
-                <a:cs typeface="DejaVu Sans"/>
-              </a:rPr>
-              <a:t>URL</a:t>
-            </a:r>
-          </a:p>
-          <a:p>
-            <a:pPr>
-              <a:lnSpc>
-                <a:spcPts val="1196"/>
-              </a:lnSpc>
-              <a:spcBef>
-                <a:spcPts val="608"/>
-              </a:spcBef>
-            </a:pPr>
-            <a:r>
-              <a:rPr sz="1027" dirty="0">
-                <a:solidFill>
-                  <a:srgbClr val="000000"/>
-                </a:solidFill>
-                <a:latin typeface="DejaVu Sans"/>
-                <a:cs typeface="DejaVu Sans"/>
-              </a:rPr>
-              <a:t>3.</a:t>
-            </a:r>
-            <a:r>
-              <a:rPr sz="1027" spc="-151" dirty="0">
-                <a:solidFill>
-                  <a:srgbClr val="000000"/>
-                </a:solidFill>
-                <a:latin typeface="DejaVu Sans"/>
-                <a:cs typeface="DejaVu Sans"/>
-              </a:rPr>
-              <a:t> </a:t>
-            </a:r>
-            <a:r>
-              <a:rPr sz="1027" dirty="0">
-                <a:solidFill>
-                  <a:srgbClr val="000000"/>
-                </a:solidFill>
-                <a:latin typeface="DejaVu Sans"/>
-                <a:cs typeface="DejaVu Sans"/>
-              </a:rPr>
-              <a:t>Outputs</a:t>
-            </a:r>
-          </a:p>
-        </p:txBody>
-      </p:sp>
-      <p:sp>
-        <p:nvSpPr>
-          <p:cNvPr id="13" name="object 13"/>
-          <p:cNvSpPr txBox="1"/>
-          <p:nvPr/>
-        </p:nvSpPr>
-        <p:spPr>
-          <a:xfrm>
-            <a:off x="4698306" y="5419202"/>
-            <a:ext cx="2882528" cy="320601"/>
-          </a:xfrm>
-          <a:prstGeom prst="rect">
-            <a:avLst/>
-          </a:prstGeom>
-        </p:spPr>
-        <p:txBody>
-          <a:bodyPr vert="horz" wrap="square" lIns="0" tIns="0" rIns="0" bIns="0" rtlCol="0">
-            <a:spAutoFit/>
-          </a:bodyPr>
-          <a:lstStyle/>
-          <a:p>
-            <a:pPr>
-              <a:lnSpc>
-                <a:spcPts val="1196"/>
-              </a:lnSpc>
-            </a:pPr>
-            <a:r>
-              <a:rPr sz="1027" dirty="0">
-                <a:solidFill>
-                  <a:srgbClr val="000000"/>
-                </a:solidFill>
-                <a:latin typeface="DejaVu Sans"/>
-                <a:cs typeface="DejaVu Sans"/>
-              </a:rPr>
-              <a:t>Processed</a:t>
-            </a:r>
-            <a:r>
-              <a:rPr sz="1027" spc="8" dirty="0">
-                <a:solidFill>
-                  <a:srgbClr val="000000"/>
-                </a:solidFill>
-                <a:latin typeface="DejaVu Sans"/>
-                <a:cs typeface="DejaVu Sans"/>
-              </a:rPr>
-              <a:t> </a:t>
-            </a:r>
-            <a:r>
-              <a:rPr sz="1027" dirty="0">
-                <a:solidFill>
-                  <a:srgbClr val="000000"/>
-                </a:solidFill>
-                <a:latin typeface="DejaVu Sans"/>
-                <a:cs typeface="DejaVu Sans"/>
-              </a:rPr>
-              <a:t>comments associated with the</a:t>
-            </a:r>
-          </a:p>
-          <a:p>
-            <a:pPr>
-              <a:lnSpc>
-                <a:spcPts val="1196"/>
-              </a:lnSpc>
-              <a:spcBef>
-                <a:spcPts val="94"/>
-              </a:spcBef>
-            </a:pPr>
-            <a:r>
-              <a:rPr sz="1027" dirty="0">
-                <a:solidFill>
-                  <a:srgbClr val="000000"/>
-                </a:solidFill>
-                <a:latin typeface="DejaVu Sans"/>
-                <a:cs typeface="DejaVu Sans"/>
-              </a:rPr>
-              <a:t>provided </a:t>
-            </a:r>
-            <a:r>
-              <a:rPr sz="1027" spc="-42" dirty="0">
-                <a:solidFill>
-                  <a:srgbClr val="000000"/>
-                </a:solidFill>
-                <a:latin typeface="DejaVu Sans"/>
-                <a:cs typeface="DejaVu Sans"/>
-              </a:rPr>
-              <a:t>YouTube</a:t>
-            </a:r>
-            <a:r>
-              <a:rPr sz="1027" spc="39" dirty="0">
-                <a:solidFill>
-                  <a:srgbClr val="000000"/>
-                </a:solidFill>
-                <a:latin typeface="DejaVu Sans"/>
-                <a:cs typeface="DejaVu Sans"/>
-              </a:rPr>
-              <a:t> </a:t>
-            </a:r>
-            <a:r>
-              <a:rPr sz="1027" dirty="0">
-                <a:solidFill>
-                  <a:srgbClr val="000000"/>
-                </a:solidFill>
-                <a:latin typeface="DejaVu Sans"/>
-                <a:cs typeface="DejaVu Sans"/>
-              </a:rPr>
-              <a:t>video </a:t>
-            </a:r>
-            <a:r>
-              <a:rPr sz="1027" spc="-6" dirty="0">
-                <a:solidFill>
-                  <a:srgbClr val="000000"/>
-                </a:solidFill>
-                <a:latin typeface="DejaVu Sans"/>
-                <a:cs typeface="DejaVu Sans"/>
-              </a:rPr>
-              <a:t>ready</a:t>
-            </a:r>
-            <a:r>
-              <a:rPr sz="1027" spc="8" dirty="0">
-                <a:solidFill>
-                  <a:srgbClr val="000000"/>
-                </a:solidFill>
-                <a:latin typeface="DejaVu Sans"/>
-                <a:cs typeface="DejaVu Sans"/>
-              </a:rPr>
-              <a:t> </a:t>
-            </a:r>
-            <a:r>
-              <a:rPr sz="1027" dirty="0">
-                <a:solidFill>
-                  <a:srgbClr val="000000"/>
-                </a:solidFill>
-                <a:latin typeface="DejaVu Sans"/>
-                <a:cs typeface="DejaVu Sans"/>
-              </a:rPr>
-              <a:t>for analysis.</a:t>
-            </a:r>
-          </a:p>
-        </p:txBody>
-      </p:sp>
-      <p:sp>
-        <p:nvSpPr>
-          <p:cNvPr id="14" name="object 14"/>
-          <p:cNvSpPr txBox="1"/>
-          <p:nvPr/>
-        </p:nvSpPr>
-        <p:spPr>
-          <a:xfrm>
-            <a:off x="4257958" y="5829834"/>
-            <a:ext cx="2679495" cy="166712"/>
-          </a:xfrm>
-          <a:prstGeom prst="rect">
-            <a:avLst/>
-          </a:prstGeom>
-        </p:spPr>
-        <p:txBody>
-          <a:bodyPr vert="horz" wrap="square" lIns="0" tIns="0" rIns="0" bIns="0" rtlCol="0">
-            <a:spAutoFit/>
-          </a:bodyPr>
-          <a:lstStyle/>
-          <a:p>
-            <a:pPr>
-              <a:lnSpc>
-                <a:spcPts val="1345"/>
-              </a:lnSpc>
-            </a:pPr>
-            <a:r>
-              <a:rPr sz="1156" dirty="0">
-                <a:solidFill>
-                  <a:srgbClr val="000000"/>
-                </a:solidFill>
-                <a:latin typeface="AIVKES+OpenSymbol"/>
-                <a:cs typeface="AIVKES+OpenSymbol"/>
-              </a:rPr>
-              <a:t></a:t>
-            </a:r>
-            <a:r>
-              <a:rPr sz="1156" spc="391" dirty="0">
-                <a:solidFill>
-                  <a:srgbClr val="000000"/>
-                </a:solidFill>
-                <a:latin typeface="Times New Roman"/>
-                <a:cs typeface="Times New Roman"/>
-              </a:rPr>
-              <a:t> </a:t>
-            </a:r>
-            <a:r>
-              <a:rPr sz="1156" b="1" dirty="0">
-                <a:solidFill>
-                  <a:srgbClr val="000000"/>
-                </a:solidFill>
-                <a:latin typeface="DejaVu Sans"/>
-                <a:cs typeface="DejaVu Sans"/>
-              </a:rPr>
-              <a:t>Comment Sentiment Analysis</a:t>
-            </a:r>
-          </a:p>
-        </p:txBody>
-      </p:sp>
-      <p:sp>
-        <p:nvSpPr>
-          <p:cNvPr id="15" name="object 15"/>
-          <p:cNvSpPr txBox="1"/>
-          <p:nvPr/>
-        </p:nvSpPr>
-        <p:spPr>
-          <a:xfrm>
-            <a:off x="4698306" y="5996546"/>
-            <a:ext cx="1009383" cy="153888"/>
-          </a:xfrm>
-          <a:prstGeom prst="rect">
-            <a:avLst/>
-          </a:prstGeom>
-        </p:spPr>
-        <p:txBody>
-          <a:bodyPr vert="horz" wrap="square" lIns="0" tIns="0" rIns="0" bIns="0" rtlCol="0">
-            <a:spAutoFit/>
-          </a:bodyPr>
-          <a:lstStyle/>
-          <a:p>
-            <a:pPr>
-              <a:lnSpc>
-                <a:spcPts val="1196"/>
-              </a:lnSpc>
-            </a:pPr>
-            <a:r>
-              <a:rPr sz="1027" dirty="0">
-                <a:solidFill>
-                  <a:srgbClr val="000000"/>
-                </a:solidFill>
-                <a:latin typeface="DejaVu Sans"/>
-                <a:cs typeface="DejaVu Sans"/>
-              </a:rPr>
-              <a:t>1.Description:</a:t>
-            </a:r>
-          </a:p>
-        </p:txBody>
-      </p:sp>
-    </p:spTree>
-    <p:extLst>
-      <p:ext uri="{BB962C8B-B14F-4D97-AF65-F5344CB8AC3E}">
-        <p14:creationId xmlns:p14="http://schemas.microsoft.com/office/powerpoint/2010/main" val="1693145462"/>
-      </p:ext>
-    </p:extLst>
-  </p:cSld>
-  <p:clrMapOvr>
-    <a:masterClrMapping/>
-  </p:clrMapOvr>
-</p:sld>
-</file>
-
-<file path=ppt/slides/slide8.xml><?xml version="1.0" encoding="utf-8"?>
-<p:sld xmlns:a="http://schemas.openxmlformats.org/drawingml/2006/main" xmlns:r="http://schemas.openxmlformats.org/officeDocument/2006/relationships" xmlns:p="http://schemas.openxmlformats.org/presentationml/2006/main">
-  <p:cSld>
-    <p:spTree>
-      <p:nvGrpSpPr>
-        <p:cNvPr id="1" name=""/>
-        <p:cNvGrpSpPr/>
-        <p:nvPr/>
-      </p:nvGrpSpPr>
-      <p:grpSpPr>
-        <a:xfrm>
-          <a:off x="0" y="0"/>
-          <a:ext cx="0" cy="0"/>
-          <a:chOff x="0" y="0"/>
-          <a:chExt cx="0" cy="0"/>
-        </a:xfrm>
-      </p:grpSpPr>
-      <p:sp>
-        <p:nvSpPr>
-          <p:cNvPr id="2" name="object 2"/>
-          <p:cNvSpPr txBox="1"/>
-          <p:nvPr/>
-        </p:nvSpPr>
-        <p:spPr>
-          <a:xfrm>
-            <a:off x="4698306" y="580275"/>
-            <a:ext cx="3124672" cy="654025"/>
-          </a:xfrm>
-          <a:prstGeom prst="rect">
-            <a:avLst/>
-          </a:prstGeom>
-        </p:spPr>
-        <p:txBody>
-          <a:bodyPr vert="horz" wrap="square" lIns="0" tIns="0" rIns="0" bIns="0" rtlCol="0">
-            <a:spAutoFit/>
-          </a:bodyPr>
-          <a:lstStyle/>
-          <a:p>
-            <a:pPr>
-              <a:lnSpc>
-                <a:spcPts val="1196"/>
-              </a:lnSpc>
-            </a:pPr>
-            <a:r>
-              <a:rPr sz="1027" dirty="0">
-                <a:solidFill>
-                  <a:srgbClr val="000000"/>
-                </a:solidFill>
-                <a:latin typeface="DejaVu Sans"/>
-                <a:cs typeface="DejaVu Sans"/>
-              </a:rPr>
-              <a:t>The system should analyse the sentiment of</a:t>
-            </a:r>
-          </a:p>
-          <a:p>
-            <a:pPr>
-              <a:lnSpc>
-                <a:spcPts val="1196"/>
-              </a:lnSpc>
-              <a:spcBef>
-                <a:spcPts val="94"/>
-              </a:spcBef>
-            </a:pPr>
-            <a:r>
-              <a:rPr sz="1027" dirty="0">
-                <a:solidFill>
-                  <a:srgbClr val="000000"/>
-                </a:solidFill>
-                <a:latin typeface="DejaVu Sans"/>
-                <a:cs typeface="DejaVu Sans"/>
-              </a:rPr>
-              <a:t>each comment related</a:t>
-            </a:r>
-            <a:r>
-              <a:rPr sz="1027" spc="7" dirty="0">
-                <a:solidFill>
-                  <a:srgbClr val="000000"/>
-                </a:solidFill>
-                <a:latin typeface="DejaVu Sans"/>
-                <a:cs typeface="DejaVu Sans"/>
-              </a:rPr>
-              <a:t> </a:t>
-            </a:r>
-            <a:r>
-              <a:rPr sz="1027" dirty="0">
-                <a:solidFill>
-                  <a:srgbClr val="000000"/>
-                </a:solidFill>
-                <a:latin typeface="DejaVu Sans"/>
-                <a:cs typeface="DejaVu Sans"/>
-              </a:rPr>
-              <a:t>to a </a:t>
-            </a:r>
-            <a:r>
-              <a:rPr sz="1027" spc="-42" dirty="0">
-                <a:solidFill>
-                  <a:srgbClr val="000000"/>
-                </a:solidFill>
-                <a:latin typeface="DejaVu Sans"/>
-                <a:cs typeface="DejaVu Sans"/>
-              </a:rPr>
-              <a:t>YouTube</a:t>
-            </a:r>
-            <a:r>
-              <a:rPr sz="1027" spc="45" dirty="0">
-                <a:solidFill>
-                  <a:srgbClr val="000000"/>
-                </a:solidFill>
-                <a:latin typeface="DejaVu Sans"/>
-                <a:cs typeface="DejaVu Sans"/>
-              </a:rPr>
-              <a:t> </a:t>
-            </a:r>
-            <a:r>
-              <a:rPr sz="1027" dirty="0">
-                <a:solidFill>
-                  <a:srgbClr val="000000"/>
-                </a:solidFill>
-                <a:latin typeface="DejaVu Sans"/>
-                <a:cs typeface="DejaVu Sans"/>
-              </a:rPr>
-              <a:t>video</a:t>
-            </a:r>
-            <a:r>
-              <a:rPr sz="1027" spc="9" dirty="0">
-                <a:solidFill>
-                  <a:srgbClr val="000000"/>
-                </a:solidFill>
-                <a:latin typeface="DejaVu Sans"/>
-                <a:cs typeface="DejaVu Sans"/>
-              </a:rPr>
-              <a:t> </a:t>
-            </a:r>
-            <a:r>
-              <a:rPr sz="1027" dirty="0">
-                <a:solidFill>
-                  <a:srgbClr val="000000"/>
-                </a:solidFill>
-                <a:latin typeface="DejaVu Sans"/>
-                <a:cs typeface="DejaVu Sans"/>
-              </a:rPr>
-              <a:t>and</a:t>
-            </a:r>
-          </a:p>
-          <a:p>
-            <a:pPr>
-              <a:lnSpc>
-                <a:spcPts val="1196"/>
-              </a:lnSpc>
-              <a:spcBef>
-                <a:spcPts val="94"/>
-              </a:spcBef>
-            </a:pPr>
-            <a:r>
-              <a:rPr sz="1027" dirty="0">
-                <a:solidFill>
-                  <a:srgbClr val="000000"/>
-                </a:solidFill>
-                <a:latin typeface="DejaVu Sans"/>
-                <a:cs typeface="DejaVu Sans"/>
-              </a:rPr>
-              <a:t>categorize it as positive, negative, or neutral,</a:t>
-            </a:r>
-          </a:p>
-          <a:p>
-            <a:pPr>
-              <a:lnSpc>
-                <a:spcPts val="1196"/>
-              </a:lnSpc>
-              <a:spcBef>
-                <a:spcPts val="94"/>
-              </a:spcBef>
-            </a:pPr>
-            <a:r>
-              <a:rPr sz="1027" dirty="0">
-                <a:solidFill>
-                  <a:srgbClr val="000000"/>
-                </a:solidFill>
-                <a:latin typeface="DejaVu Sans"/>
-                <a:cs typeface="DejaVu Sans"/>
-              </a:rPr>
-              <a:t>considering the </a:t>
-            </a:r>
-            <a:r>
-              <a:rPr sz="1027" spc="-21" dirty="0">
-                <a:solidFill>
-                  <a:srgbClr val="000000"/>
-                </a:solidFill>
-                <a:latin typeface="DejaVu Sans"/>
-                <a:cs typeface="DejaVu Sans"/>
-              </a:rPr>
-              <a:t>YouTube-speciﬁc</a:t>
-            </a:r>
-            <a:r>
-              <a:rPr sz="1027" spc="26" dirty="0">
-                <a:solidFill>
-                  <a:srgbClr val="000000"/>
-                </a:solidFill>
-                <a:latin typeface="DejaVu Sans"/>
-                <a:cs typeface="DejaVu Sans"/>
-              </a:rPr>
-              <a:t> </a:t>
-            </a:r>
-            <a:r>
-              <a:rPr sz="1027" dirty="0">
-                <a:solidFill>
-                  <a:srgbClr val="000000"/>
-                </a:solidFill>
-                <a:latin typeface="DejaVu Sans"/>
-                <a:cs typeface="DejaVu Sans"/>
-              </a:rPr>
-              <a:t>context.</a:t>
-            </a:r>
-          </a:p>
-        </p:txBody>
-      </p:sp>
-      <p:sp>
-        <p:nvSpPr>
-          <p:cNvPr id="3" name="object 3"/>
-          <p:cNvSpPr txBox="1"/>
-          <p:nvPr/>
-        </p:nvSpPr>
-        <p:spPr>
-          <a:xfrm>
-            <a:off x="4257958" y="1301390"/>
-            <a:ext cx="3142447" cy="205184"/>
-          </a:xfrm>
-          <a:prstGeom prst="rect">
-            <a:avLst/>
-          </a:prstGeom>
-        </p:spPr>
-        <p:txBody>
-          <a:bodyPr vert="horz" wrap="square" lIns="0" tIns="0" rIns="0" bIns="0" rtlCol="0">
-            <a:spAutoFit/>
-          </a:bodyPr>
-          <a:lstStyle/>
-          <a:p>
-            <a:pPr>
-              <a:lnSpc>
-                <a:spcPts val="1644"/>
-              </a:lnSpc>
-            </a:pPr>
-            <a:r>
-              <a:rPr sz="1413" b="1" dirty="0">
-                <a:solidFill>
-                  <a:srgbClr val="000000"/>
-                </a:solidFill>
-                <a:latin typeface="DejaVu Sans"/>
-                <a:cs typeface="DejaVu Sans"/>
-              </a:rPr>
-              <a:t>Non-functional Requirements:</a:t>
-            </a:r>
-          </a:p>
-        </p:txBody>
-      </p:sp>
-      <p:sp>
-        <p:nvSpPr>
-          <p:cNvPr id="4" name="object 4"/>
-          <p:cNvSpPr txBox="1"/>
-          <p:nvPr/>
-        </p:nvSpPr>
-        <p:spPr>
-          <a:xfrm>
-            <a:off x="4404740" y="1590982"/>
-            <a:ext cx="1362371" cy="166712"/>
-          </a:xfrm>
-          <a:prstGeom prst="rect">
-            <a:avLst/>
-          </a:prstGeom>
-        </p:spPr>
-        <p:txBody>
-          <a:bodyPr vert="horz" wrap="square" lIns="0" tIns="0" rIns="0" bIns="0" rtlCol="0">
-            <a:spAutoFit/>
-          </a:bodyPr>
-          <a:lstStyle/>
-          <a:p>
-            <a:pPr>
-              <a:lnSpc>
-                <a:spcPts val="1345"/>
-              </a:lnSpc>
-            </a:pPr>
-            <a:r>
-              <a:rPr sz="1156" dirty="0">
-                <a:solidFill>
-                  <a:srgbClr val="000000"/>
-                </a:solidFill>
-                <a:latin typeface="AIVKES+OpenSymbol"/>
-                <a:cs typeface="AIVKES+OpenSymbol"/>
-              </a:rPr>
-              <a:t></a:t>
-            </a:r>
-            <a:r>
-              <a:rPr sz="1156" spc="391" dirty="0">
-                <a:solidFill>
-                  <a:srgbClr val="000000"/>
-                </a:solidFill>
-                <a:latin typeface="Times New Roman"/>
-                <a:cs typeface="Times New Roman"/>
-              </a:rPr>
-              <a:t> </a:t>
-            </a:r>
-            <a:r>
-              <a:rPr sz="1156" b="1" dirty="0">
-                <a:solidFill>
-                  <a:srgbClr val="000000"/>
-                </a:solidFill>
-                <a:latin typeface="DejaVu Sans"/>
-                <a:cs typeface="DejaVu Sans"/>
-              </a:rPr>
-              <a:t>Performance:</a:t>
-            </a:r>
-          </a:p>
-        </p:txBody>
-      </p:sp>
-      <p:sp>
-        <p:nvSpPr>
-          <p:cNvPr id="5" name="object 5"/>
-          <p:cNvSpPr txBox="1"/>
-          <p:nvPr/>
-        </p:nvSpPr>
-        <p:spPr>
-          <a:xfrm>
-            <a:off x="4551523" y="1775737"/>
-            <a:ext cx="1231958" cy="153888"/>
-          </a:xfrm>
-          <a:prstGeom prst="rect">
-            <a:avLst/>
-          </a:prstGeom>
-        </p:spPr>
-        <p:txBody>
-          <a:bodyPr vert="horz" wrap="square" lIns="0" tIns="0" rIns="0" bIns="0" rtlCol="0">
-            <a:spAutoFit/>
-          </a:bodyPr>
-          <a:lstStyle/>
-          <a:p>
-            <a:pPr>
-              <a:lnSpc>
-                <a:spcPts val="1196"/>
-              </a:lnSpc>
-            </a:pPr>
-            <a:r>
-              <a:rPr sz="1027" dirty="0">
-                <a:solidFill>
-                  <a:srgbClr val="000000"/>
-                </a:solidFill>
-                <a:latin typeface="DejaVu Sans"/>
-                <a:cs typeface="DejaVu Sans"/>
-              </a:rPr>
-              <a:t>1.</a:t>
-            </a:r>
-            <a:r>
-              <a:rPr sz="1027" spc="-151" dirty="0">
-                <a:solidFill>
-                  <a:srgbClr val="000000"/>
-                </a:solidFill>
-                <a:latin typeface="DejaVu Sans"/>
-                <a:cs typeface="DejaVu Sans"/>
-              </a:rPr>
-              <a:t> </a:t>
-            </a:r>
-            <a:r>
-              <a:rPr sz="1027" dirty="0">
-                <a:solidFill>
-                  <a:srgbClr val="000000"/>
-                </a:solidFill>
-                <a:latin typeface="DejaVu Sans"/>
-                <a:cs typeface="DejaVu Sans"/>
-              </a:rPr>
-              <a:t>Response</a:t>
-            </a:r>
-            <a:r>
-              <a:rPr sz="1027" spc="9" dirty="0">
-                <a:solidFill>
-                  <a:srgbClr val="000000"/>
-                </a:solidFill>
-                <a:latin typeface="DejaVu Sans"/>
-                <a:cs typeface="DejaVu Sans"/>
-              </a:rPr>
-              <a:t> </a:t>
-            </a:r>
-            <a:r>
-              <a:rPr sz="1027" spc="-11" dirty="0">
-                <a:solidFill>
-                  <a:srgbClr val="000000"/>
-                </a:solidFill>
-                <a:latin typeface="DejaVu Sans"/>
-                <a:cs typeface="DejaVu Sans"/>
-              </a:rPr>
-              <a:t>Time</a:t>
-            </a:r>
-          </a:p>
-        </p:txBody>
-      </p:sp>
-      <p:sp>
-        <p:nvSpPr>
-          <p:cNvPr id="6" name="object 6"/>
-          <p:cNvSpPr txBox="1"/>
-          <p:nvPr/>
-        </p:nvSpPr>
-        <p:spPr>
-          <a:xfrm>
-            <a:off x="4551523" y="2004880"/>
-            <a:ext cx="3056352" cy="487313"/>
-          </a:xfrm>
-          <a:prstGeom prst="rect">
-            <a:avLst/>
-          </a:prstGeom>
-        </p:spPr>
-        <p:txBody>
-          <a:bodyPr vert="horz" wrap="square" lIns="0" tIns="0" rIns="0" bIns="0" rtlCol="0">
-            <a:spAutoFit/>
-          </a:bodyPr>
-          <a:lstStyle/>
-          <a:p>
-            <a:pPr>
-              <a:lnSpc>
-                <a:spcPts val="1196"/>
-              </a:lnSpc>
-            </a:pPr>
-            <a:r>
-              <a:rPr sz="1027" dirty="0">
-                <a:solidFill>
-                  <a:srgbClr val="000000"/>
-                </a:solidFill>
-                <a:latin typeface="DejaVu Sans"/>
-                <a:cs typeface="DejaVu Sans"/>
-              </a:rPr>
-              <a:t>The system should provide responses to user</a:t>
-            </a:r>
-          </a:p>
-          <a:p>
-            <a:pPr>
-              <a:lnSpc>
-                <a:spcPts val="1196"/>
-              </a:lnSpc>
-              <a:spcBef>
-                <a:spcPts val="94"/>
-              </a:spcBef>
-            </a:pPr>
-            <a:r>
-              <a:rPr sz="1027" dirty="0">
-                <a:solidFill>
-                  <a:srgbClr val="000000"/>
-                </a:solidFill>
-                <a:latin typeface="DejaVu Sans"/>
-                <a:cs typeface="DejaVu Sans"/>
-              </a:rPr>
-              <a:t>queries within 3 seconds for optimal user</a:t>
-            </a:r>
-          </a:p>
-          <a:p>
-            <a:pPr>
-              <a:lnSpc>
-                <a:spcPts val="1196"/>
-              </a:lnSpc>
-              <a:spcBef>
-                <a:spcPts val="94"/>
-              </a:spcBef>
-            </a:pPr>
-            <a:r>
-              <a:rPr sz="1027" dirty="0">
-                <a:solidFill>
-                  <a:srgbClr val="000000"/>
-                </a:solidFill>
-                <a:latin typeface="DejaVu Sans"/>
-                <a:cs typeface="DejaVu Sans"/>
-              </a:rPr>
-              <a:t>experience.</a:t>
-            </a:r>
-          </a:p>
-        </p:txBody>
-      </p:sp>
-      <p:sp>
-        <p:nvSpPr>
-          <p:cNvPr id="7" name="object 7"/>
-          <p:cNvSpPr txBox="1"/>
-          <p:nvPr/>
-        </p:nvSpPr>
-        <p:spPr>
-          <a:xfrm>
-            <a:off x="4551523" y="2561837"/>
-            <a:ext cx="914851" cy="153888"/>
-          </a:xfrm>
-          <a:prstGeom prst="rect">
-            <a:avLst/>
-          </a:prstGeom>
-        </p:spPr>
-        <p:txBody>
-          <a:bodyPr vert="horz" wrap="square" lIns="0" tIns="0" rIns="0" bIns="0" rtlCol="0">
-            <a:spAutoFit/>
-          </a:bodyPr>
-          <a:lstStyle/>
-          <a:p>
-            <a:pPr>
-              <a:lnSpc>
-                <a:spcPts val="1196"/>
-              </a:lnSpc>
-            </a:pPr>
-            <a:r>
-              <a:rPr sz="1027" dirty="0">
-                <a:solidFill>
-                  <a:srgbClr val="000000"/>
-                </a:solidFill>
-                <a:latin typeface="DejaVu Sans"/>
-                <a:cs typeface="DejaVu Sans"/>
-              </a:rPr>
-              <a:t>2.</a:t>
-            </a:r>
-            <a:r>
-              <a:rPr sz="1027" spc="-151" dirty="0">
-                <a:solidFill>
-                  <a:srgbClr val="000000"/>
-                </a:solidFill>
-                <a:latin typeface="DejaVu Sans"/>
-                <a:cs typeface="DejaVu Sans"/>
-              </a:rPr>
-              <a:t> </a:t>
-            </a:r>
-            <a:r>
-              <a:rPr sz="1027" dirty="0">
-                <a:solidFill>
-                  <a:srgbClr val="000000"/>
-                </a:solidFill>
-                <a:latin typeface="DejaVu Sans"/>
-                <a:cs typeface="DejaVu Sans"/>
-              </a:rPr>
-              <a:t>Scalability</a:t>
-            </a:r>
-          </a:p>
-        </p:txBody>
-      </p:sp>
-      <p:sp>
-        <p:nvSpPr>
-          <p:cNvPr id="8" name="object 8"/>
-          <p:cNvSpPr txBox="1"/>
-          <p:nvPr/>
-        </p:nvSpPr>
-        <p:spPr>
-          <a:xfrm>
-            <a:off x="4551523" y="2790981"/>
-            <a:ext cx="3375195" cy="320601"/>
-          </a:xfrm>
-          <a:prstGeom prst="rect">
-            <a:avLst/>
-          </a:prstGeom>
-        </p:spPr>
-        <p:txBody>
-          <a:bodyPr vert="horz" wrap="square" lIns="0" tIns="0" rIns="0" bIns="0" rtlCol="0">
-            <a:spAutoFit/>
-          </a:bodyPr>
-          <a:lstStyle/>
-          <a:p>
-            <a:pPr>
-              <a:lnSpc>
-                <a:spcPts val="1196"/>
-              </a:lnSpc>
-            </a:pPr>
-            <a:r>
-              <a:rPr sz="1027" dirty="0">
-                <a:solidFill>
-                  <a:srgbClr val="000000"/>
-                </a:solidFill>
-                <a:latin typeface="DejaVu Sans"/>
-                <a:cs typeface="DejaVu Sans"/>
-              </a:rPr>
-              <a:t>The system should be scalable to handle a</a:t>
-            </a:r>
-          </a:p>
-          <a:p>
-            <a:pPr>
-              <a:lnSpc>
-                <a:spcPts val="1196"/>
-              </a:lnSpc>
-              <a:spcBef>
-                <a:spcPts val="94"/>
-              </a:spcBef>
-            </a:pPr>
-            <a:r>
-              <a:rPr sz="1027" dirty="0">
-                <a:solidFill>
-                  <a:srgbClr val="000000"/>
-                </a:solidFill>
-                <a:latin typeface="DejaVu Sans"/>
-                <a:cs typeface="DejaVu Sans"/>
-              </a:rPr>
-              <a:t>minimum of 10,000 comments per </a:t>
-            </a:r>
-            <a:r>
-              <a:rPr sz="1027" spc="-42" dirty="0">
-                <a:solidFill>
-                  <a:srgbClr val="000000"/>
-                </a:solidFill>
-                <a:latin typeface="DejaVu Sans"/>
-                <a:cs typeface="DejaVu Sans"/>
-              </a:rPr>
-              <a:t>YouTube</a:t>
-            </a:r>
-            <a:r>
-              <a:rPr sz="1027" spc="45" dirty="0">
-                <a:solidFill>
-                  <a:srgbClr val="000000"/>
-                </a:solidFill>
-                <a:latin typeface="DejaVu Sans"/>
-                <a:cs typeface="DejaVu Sans"/>
-              </a:rPr>
-              <a:t> </a:t>
-            </a:r>
-            <a:r>
-              <a:rPr sz="1027" dirty="0">
-                <a:solidFill>
-                  <a:srgbClr val="000000"/>
-                </a:solidFill>
-                <a:latin typeface="DejaVu Sans"/>
-                <a:cs typeface="DejaVu Sans"/>
-              </a:rPr>
-              <a:t>video.</a:t>
-            </a:r>
-          </a:p>
-        </p:txBody>
-      </p:sp>
-      <p:sp>
-        <p:nvSpPr>
-          <p:cNvPr id="9" name="object 9"/>
-          <p:cNvSpPr txBox="1"/>
-          <p:nvPr/>
-        </p:nvSpPr>
-        <p:spPr>
-          <a:xfrm>
-            <a:off x="4404741" y="3184032"/>
-            <a:ext cx="985445" cy="153888"/>
-          </a:xfrm>
-          <a:prstGeom prst="rect">
-            <a:avLst/>
-          </a:prstGeom>
-        </p:spPr>
-        <p:txBody>
-          <a:bodyPr vert="horz" wrap="square" lIns="0" tIns="0" rIns="0" bIns="0" rtlCol="0">
-            <a:spAutoFit/>
-          </a:bodyPr>
-          <a:lstStyle/>
-          <a:p>
-            <a:pPr>
-              <a:lnSpc>
-                <a:spcPts val="1196"/>
-              </a:lnSpc>
-            </a:pPr>
-            <a:r>
-              <a:rPr sz="1027" dirty="0">
-                <a:solidFill>
-                  <a:srgbClr val="000000"/>
-                </a:solidFill>
-                <a:latin typeface="AIVKES+OpenSymbol"/>
-                <a:cs typeface="AIVKES+OpenSymbol"/>
-              </a:rPr>
-              <a:t></a:t>
-            </a:r>
-            <a:r>
-              <a:rPr sz="1027" spc="476" dirty="0">
-                <a:solidFill>
-                  <a:srgbClr val="000000"/>
-                </a:solidFill>
-                <a:latin typeface="Times New Roman"/>
-                <a:cs typeface="Times New Roman"/>
-              </a:rPr>
-              <a:t> </a:t>
-            </a:r>
-            <a:r>
-              <a:rPr sz="1027" b="1" dirty="0">
-                <a:solidFill>
-                  <a:srgbClr val="000000"/>
-                </a:solidFill>
-                <a:latin typeface="DejaVu Sans"/>
-                <a:cs typeface="DejaVu Sans"/>
-              </a:rPr>
-              <a:t>Reliability</a:t>
-            </a:r>
-          </a:p>
-        </p:txBody>
-      </p:sp>
-      <p:sp>
-        <p:nvSpPr>
-          <p:cNvPr id="10" name="object 10"/>
-          <p:cNvSpPr txBox="1"/>
-          <p:nvPr/>
-        </p:nvSpPr>
-        <p:spPr>
-          <a:xfrm>
-            <a:off x="4551523" y="3347939"/>
-            <a:ext cx="954907" cy="153888"/>
-          </a:xfrm>
-          <a:prstGeom prst="rect">
-            <a:avLst/>
-          </a:prstGeom>
-        </p:spPr>
-        <p:txBody>
-          <a:bodyPr vert="horz" wrap="square" lIns="0" tIns="0" rIns="0" bIns="0" rtlCol="0">
-            <a:spAutoFit/>
-          </a:bodyPr>
-          <a:lstStyle/>
-          <a:p>
-            <a:pPr>
-              <a:lnSpc>
-                <a:spcPts val="1196"/>
-              </a:lnSpc>
-            </a:pPr>
-            <a:r>
-              <a:rPr sz="1027" dirty="0">
-                <a:solidFill>
-                  <a:srgbClr val="000000"/>
-                </a:solidFill>
-                <a:latin typeface="DejaVu Sans"/>
-                <a:cs typeface="DejaVu Sans"/>
-              </a:rPr>
-              <a:t>1.</a:t>
-            </a:r>
-            <a:r>
-              <a:rPr sz="1027" spc="-151" dirty="0">
-                <a:solidFill>
-                  <a:srgbClr val="000000"/>
-                </a:solidFill>
-                <a:latin typeface="DejaVu Sans"/>
-                <a:cs typeface="DejaVu Sans"/>
-              </a:rPr>
-              <a:t> </a:t>
-            </a:r>
-            <a:r>
-              <a:rPr sz="1027" dirty="0">
-                <a:solidFill>
-                  <a:srgbClr val="000000"/>
-                </a:solidFill>
-                <a:latin typeface="DejaVu Sans"/>
-                <a:cs typeface="DejaVu Sans"/>
-              </a:rPr>
-              <a:t>Availability</a:t>
-            </a:r>
-          </a:p>
-        </p:txBody>
-      </p:sp>
-      <p:sp>
-        <p:nvSpPr>
-          <p:cNvPr id="11" name="object 11"/>
-          <p:cNvSpPr txBox="1"/>
-          <p:nvPr/>
-        </p:nvSpPr>
-        <p:spPr>
-          <a:xfrm>
-            <a:off x="4551523" y="3577082"/>
-            <a:ext cx="2981544" cy="487313"/>
-          </a:xfrm>
-          <a:prstGeom prst="rect">
-            <a:avLst/>
-          </a:prstGeom>
-        </p:spPr>
-        <p:txBody>
-          <a:bodyPr vert="horz" wrap="square" lIns="0" tIns="0" rIns="0" bIns="0" rtlCol="0">
-            <a:spAutoFit/>
-          </a:bodyPr>
-          <a:lstStyle/>
-          <a:p>
-            <a:pPr>
-              <a:lnSpc>
-                <a:spcPts val="1196"/>
-              </a:lnSpc>
-            </a:pPr>
-            <a:r>
-              <a:rPr sz="1027" dirty="0">
-                <a:solidFill>
-                  <a:srgbClr val="000000"/>
-                </a:solidFill>
-                <a:latin typeface="DejaVu Sans"/>
-                <a:cs typeface="DejaVu Sans"/>
-              </a:rPr>
-              <a:t>The </a:t>
-            </a:r>
-            <a:r>
-              <a:rPr sz="1027" spc="-42" dirty="0">
-                <a:solidFill>
-                  <a:srgbClr val="000000"/>
-                </a:solidFill>
-                <a:latin typeface="DejaVu Sans"/>
-                <a:cs typeface="DejaVu Sans"/>
-              </a:rPr>
-              <a:t>YouTube</a:t>
-            </a:r>
-            <a:r>
-              <a:rPr sz="1027" spc="39" dirty="0">
-                <a:solidFill>
-                  <a:srgbClr val="000000"/>
-                </a:solidFill>
-                <a:latin typeface="DejaVu Sans"/>
-                <a:cs typeface="DejaVu Sans"/>
-              </a:rPr>
-              <a:t> </a:t>
-            </a:r>
-            <a:r>
-              <a:rPr sz="1027" dirty="0">
-                <a:solidFill>
-                  <a:srgbClr val="000000"/>
-                </a:solidFill>
-                <a:latin typeface="DejaVu Sans"/>
-                <a:cs typeface="DejaVu Sans"/>
-              </a:rPr>
-              <a:t>Comment Analyzer should be</a:t>
-            </a:r>
-          </a:p>
-          <a:p>
-            <a:pPr>
-              <a:lnSpc>
-                <a:spcPts val="1196"/>
-              </a:lnSpc>
-              <a:spcBef>
-                <a:spcPts val="94"/>
-              </a:spcBef>
-            </a:pPr>
-            <a:r>
-              <a:rPr sz="1027" dirty="0">
-                <a:solidFill>
-                  <a:srgbClr val="000000"/>
-                </a:solidFill>
-                <a:latin typeface="DejaVu Sans"/>
-                <a:cs typeface="DejaVu Sans"/>
-              </a:rPr>
-              <a:t>available 99.9%</a:t>
-            </a:r>
-            <a:r>
-              <a:rPr sz="1027" spc="-7" dirty="0">
-                <a:solidFill>
-                  <a:srgbClr val="000000"/>
-                </a:solidFill>
-                <a:latin typeface="DejaVu Sans"/>
-                <a:cs typeface="DejaVu Sans"/>
-              </a:rPr>
-              <a:t> </a:t>
-            </a:r>
-            <a:r>
-              <a:rPr sz="1027" dirty="0">
-                <a:solidFill>
-                  <a:srgbClr val="000000"/>
-                </a:solidFill>
-                <a:latin typeface="DejaVu Sans"/>
-                <a:cs typeface="DejaVu Sans"/>
-              </a:rPr>
-              <a:t>of the time during standard</a:t>
-            </a:r>
-          </a:p>
-          <a:p>
-            <a:pPr>
-              <a:lnSpc>
-                <a:spcPts val="1196"/>
-              </a:lnSpc>
-              <a:spcBef>
-                <a:spcPts val="94"/>
-              </a:spcBef>
-            </a:pPr>
-            <a:r>
-              <a:rPr sz="1027" dirty="0">
-                <a:solidFill>
-                  <a:srgbClr val="000000"/>
-                </a:solidFill>
-                <a:latin typeface="DejaVu Sans"/>
-                <a:cs typeface="DejaVu Sans"/>
-              </a:rPr>
-              <a:t>operating hours.</a:t>
-            </a:r>
-          </a:p>
-        </p:txBody>
-      </p:sp>
-      <p:sp>
-        <p:nvSpPr>
-          <p:cNvPr id="12" name="object 12"/>
-          <p:cNvSpPr txBox="1"/>
-          <p:nvPr/>
-        </p:nvSpPr>
-        <p:spPr>
-          <a:xfrm>
-            <a:off x="4551523" y="4134040"/>
-            <a:ext cx="1184666" cy="153888"/>
-          </a:xfrm>
-          <a:prstGeom prst="rect">
-            <a:avLst/>
-          </a:prstGeom>
-        </p:spPr>
-        <p:txBody>
-          <a:bodyPr vert="horz" wrap="square" lIns="0" tIns="0" rIns="0" bIns="0" rtlCol="0">
-            <a:spAutoFit/>
-          </a:bodyPr>
-          <a:lstStyle/>
-          <a:p>
-            <a:pPr>
-              <a:lnSpc>
-                <a:spcPts val="1196"/>
-              </a:lnSpc>
-            </a:pPr>
-            <a:r>
-              <a:rPr sz="1027" dirty="0">
-                <a:solidFill>
-                  <a:srgbClr val="000000"/>
-                </a:solidFill>
-                <a:latin typeface="DejaVu Sans"/>
-                <a:cs typeface="DejaVu Sans"/>
-              </a:rPr>
-              <a:t>2.</a:t>
-            </a:r>
-            <a:r>
-              <a:rPr sz="1027" spc="-151" dirty="0">
-                <a:solidFill>
-                  <a:srgbClr val="000000"/>
-                </a:solidFill>
-                <a:latin typeface="DejaVu Sans"/>
-                <a:cs typeface="DejaVu Sans"/>
-              </a:rPr>
-              <a:t> </a:t>
-            </a:r>
-            <a:r>
-              <a:rPr sz="1027" spc="-8" dirty="0">
-                <a:solidFill>
-                  <a:srgbClr val="000000"/>
-                </a:solidFill>
-                <a:latin typeface="DejaVu Sans"/>
-                <a:cs typeface="DejaVu Sans"/>
-              </a:rPr>
-              <a:t>Error</a:t>
-            </a:r>
-            <a:r>
-              <a:rPr sz="1027" spc="10" dirty="0">
-                <a:solidFill>
-                  <a:srgbClr val="000000"/>
-                </a:solidFill>
-                <a:latin typeface="DejaVu Sans"/>
-                <a:cs typeface="DejaVu Sans"/>
-              </a:rPr>
-              <a:t> </a:t>
-            </a:r>
-            <a:r>
-              <a:rPr sz="1027" dirty="0">
-                <a:solidFill>
-                  <a:srgbClr val="000000"/>
-                </a:solidFill>
-                <a:latin typeface="DejaVu Sans"/>
-                <a:cs typeface="DejaVu Sans"/>
-              </a:rPr>
-              <a:t>Handling</a:t>
-            </a:r>
-          </a:p>
-        </p:txBody>
-      </p:sp>
-      <p:sp>
-        <p:nvSpPr>
-          <p:cNvPr id="13" name="object 13"/>
-          <p:cNvSpPr txBox="1"/>
-          <p:nvPr/>
-        </p:nvSpPr>
-        <p:spPr>
-          <a:xfrm>
-            <a:off x="4551523" y="4363184"/>
-            <a:ext cx="3381705" cy="487313"/>
-          </a:xfrm>
-          <a:prstGeom prst="rect">
-            <a:avLst/>
-          </a:prstGeom>
-        </p:spPr>
-        <p:txBody>
-          <a:bodyPr vert="horz" wrap="square" lIns="0" tIns="0" rIns="0" bIns="0" rtlCol="0">
-            <a:spAutoFit/>
-          </a:bodyPr>
-          <a:lstStyle/>
-          <a:p>
-            <a:pPr>
-              <a:lnSpc>
-                <a:spcPts val="1196"/>
-              </a:lnSpc>
-            </a:pPr>
-            <a:r>
-              <a:rPr sz="1027" dirty="0">
-                <a:solidFill>
-                  <a:srgbClr val="000000"/>
-                </a:solidFill>
-                <a:latin typeface="DejaVu Sans"/>
-                <a:cs typeface="DejaVu Sans"/>
-              </a:rPr>
-              <a:t>The system should provide clear and </a:t>
-            </a:r>
-            <a:r>
-              <a:rPr sz="1027" spc="-6" dirty="0">
-                <a:solidFill>
-                  <a:srgbClr val="000000"/>
-                </a:solidFill>
-                <a:latin typeface="DejaVu Sans"/>
-                <a:cs typeface="DejaVu Sans"/>
-              </a:rPr>
-              <a:t>user-friendly</a:t>
-            </a:r>
-          </a:p>
-          <a:p>
-            <a:pPr>
-              <a:lnSpc>
-                <a:spcPts val="1196"/>
-              </a:lnSpc>
-              <a:spcBef>
-                <a:spcPts val="94"/>
-              </a:spcBef>
-            </a:pPr>
-            <a:r>
-              <a:rPr sz="1027" spc="-12" dirty="0">
-                <a:solidFill>
-                  <a:srgbClr val="000000"/>
-                </a:solidFill>
-                <a:latin typeface="DejaVu Sans"/>
-                <a:cs typeface="DejaVu Sans"/>
-              </a:rPr>
-              <a:t>error</a:t>
-            </a:r>
-            <a:r>
-              <a:rPr sz="1027" spc="12" dirty="0">
-                <a:solidFill>
-                  <a:srgbClr val="000000"/>
-                </a:solidFill>
-                <a:latin typeface="DejaVu Sans"/>
-                <a:cs typeface="DejaVu Sans"/>
-              </a:rPr>
-              <a:t> </a:t>
-            </a:r>
-            <a:r>
-              <a:rPr sz="1027" dirty="0">
-                <a:solidFill>
-                  <a:srgbClr val="000000"/>
-                </a:solidFill>
-                <a:latin typeface="DejaVu Sans"/>
-                <a:cs typeface="DejaVu Sans"/>
-              </a:rPr>
-              <a:t>messages for any issues encountered</a:t>
-            </a:r>
-            <a:r>
-              <a:rPr sz="1027" spc="6" dirty="0">
-                <a:solidFill>
-                  <a:srgbClr val="000000"/>
-                </a:solidFill>
-                <a:latin typeface="DejaVu Sans"/>
-                <a:cs typeface="DejaVu Sans"/>
-              </a:rPr>
-              <a:t> </a:t>
-            </a:r>
-            <a:r>
-              <a:rPr sz="1027" dirty="0">
-                <a:solidFill>
-                  <a:srgbClr val="000000"/>
-                </a:solidFill>
-                <a:latin typeface="DejaVu Sans"/>
-                <a:cs typeface="DejaVu Sans"/>
-              </a:rPr>
-              <a:t>during</a:t>
-            </a:r>
-          </a:p>
-          <a:p>
-            <a:pPr>
-              <a:lnSpc>
-                <a:spcPts val="1196"/>
-              </a:lnSpc>
-              <a:spcBef>
-                <a:spcPts val="94"/>
-              </a:spcBef>
-            </a:pPr>
-            <a:r>
-              <a:rPr sz="1027" dirty="0">
-                <a:solidFill>
-                  <a:srgbClr val="000000"/>
-                </a:solidFill>
-                <a:latin typeface="DejaVu Sans"/>
-                <a:cs typeface="DejaVu Sans"/>
-              </a:rPr>
-              <a:t>the analysis process.</a:t>
-            </a:r>
-          </a:p>
-        </p:txBody>
-      </p:sp>
-      <p:sp>
-        <p:nvSpPr>
-          <p:cNvPr id="14" name="object 14"/>
-          <p:cNvSpPr txBox="1"/>
-          <p:nvPr/>
-        </p:nvSpPr>
-        <p:spPr>
-          <a:xfrm>
-            <a:off x="4404741" y="4919681"/>
-            <a:ext cx="1030055" cy="166712"/>
-          </a:xfrm>
-          <a:prstGeom prst="rect">
-            <a:avLst/>
-          </a:prstGeom>
-        </p:spPr>
-        <p:txBody>
-          <a:bodyPr vert="horz" wrap="square" lIns="0" tIns="0" rIns="0" bIns="0" rtlCol="0">
-            <a:spAutoFit/>
-          </a:bodyPr>
-          <a:lstStyle/>
-          <a:p>
-            <a:pPr>
-              <a:lnSpc>
-                <a:spcPts val="1345"/>
-              </a:lnSpc>
-            </a:pPr>
-            <a:r>
-              <a:rPr sz="1156" dirty="0">
-                <a:solidFill>
-                  <a:srgbClr val="000000"/>
-                </a:solidFill>
-                <a:latin typeface="AIVKES+OpenSymbol"/>
-                <a:cs typeface="AIVKES+OpenSymbol"/>
-              </a:rPr>
-              <a:t></a:t>
-            </a:r>
-            <a:r>
-              <a:rPr sz="1156" spc="391" dirty="0">
-                <a:solidFill>
-                  <a:srgbClr val="000000"/>
-                </a:solidFill>
-                <a:latin typeface="Times New Roman"/>
-                <a:cs typeface="Times New Roman"/>
-              </a:rPr>
-              <a:t> </a:t>
-            </a:r>
-            <a:r>
-              <a:rPr sz="1156" b="1" dirty="0">
-                <a:solidFill>
-                  <a:srgbClr val="000000"/>
-                </a:solidFill>
-                <a:latin typeface="DejaVu Sans"/>
-                <a:cs typeface="DejaVu Sans"/>
-              </a:rPr>
-              <a:t>Usability:</a:t>
-            </a:r>
-          </a:p>
-        </p:txBody>
-      </p:sp>
-      <p:sp>
-        <p:nvSpPr>
-          <p:cNvPr id="15" name="object 15"/>
-          <p:cNvSpPr txBox="1"/>
-          <p:nvPr/>
-        </p:nvSpPr>
-        <p:spPr>
-          <a:xfrm>
-            <a:off x="4551523" y="5104435"/>
-            <a:ext cx="1167244" cy="153888"/>
-          </a:xfrm>
-          <a:prstGeom prst="rect">
-            <a:avLst/>
-          </a:prstGeom>
-        </p:spPr>
-        <p:txBody>
-          <a:bodyPr vert="horz" wrap="square" lIns="0" tIns="0" rIns="0" bIns="0" rtlCol="0">
-            <a:spAutoFit/>
-          </a:bodyPr>
-          <a:lstStyle/>
-          <a:p>
-            <a:pPr>
-              <a:lnSpc>
-                <a:spcPts val="1196"/>
-              </a:lnSpc>
-            </a:pPr>
-            <a:r>
-              <a:rPr sz="1027" dirty="0">
-                <a:solidFill>
-                  <a:srgbClr val="000000"/>
-                </a:solidFill>
-                <a:latin typeface="DejaVu Sans"/>
-                <a:cs typeface="DejaVu Sans"/>
-              </a:rPr>
-              <a:t>1.</a:t>
-            </a:r>
-            <a:r>
-              <a:rPr sz="1027" spc="-151" dirty="0">
-                <a:solidFill>
-                  <a:srgbClr val="000000"/>
-                </a:solidFill>
-                <a:latin typeface="DejaVu Sans"/>
-                <a:cs typeface="DejaVu Sans"/>
-              </a:rPr>
-              <a:t> </a:t>
-            </a:r>
-            <a:r>
-              <a:rPr sz="1027" dirty="0">
-                <a:solidFill>
-                  <a:srgbClr val="000000"/>
-                </a:solidFill>
-                <a:latin typeface="DejaVu Sans"/>
-                <a:cs typeface="DejaVu Sans"/>
-              </a:rPr>
-              <a:t>User Interface</a:t>
-            </a:r>
-          </a:p>
-        </p:txBody>
-      </p:sp>
-      <p:sp>
-        <p:nvSpPr>
-          <p:cNvPr id="16" name="object 16"/>
-          <p:cNvSpPr txBox="1"/>
-          <p:nvPr/>
-        </p:nvSpPr>
-        <p:spPr>
-          <a:xfrm>
-            <a:off x="4551523" y="5333579"/>
-            <a:ext cx="3192659" cy="487313"/>
-          </a:xfrm>
-          <a:prstGeom prst="rect">
-            <a:avLst/>
-          </a:prstGeom>
-        </p:spPr>
-        <p:txBody>
-          <a:bodyPr vert="horz" wrap="square" lIns="0" tIns="0" rIns="0" bIns="0" rtlCol="0">
-            <a:spAutoFit/>
-          </a:bodyPr>
-          <a:lstStyle/>
-          <a:p>
-            <a:pPr>
-              <a:lnSpc>
-                <a:spcPts val="1196"/>
-              </a:lnSpc>
-            </a:pPr>
-            <a:r>
-              <a:rPr sz="1027" dirty="0">
-                <a:solidFill>
-                  <a:srgbClr val="000000"/>
-                </a:solidFill>
-                <a:latin typeface="DejaVu Sans"/>
-                <a:cs typeface="DejaVu Sans"/>
-              </a:rPr>
-              <a:t>The user interface should be intuitive and </a:t>
-            </a:r>
-            <a:r>
-              <a:rPr sz="1027" spc="-17" dirty="0">
-                <a:solidFill>
-                  <a:srgbClr val="000000"/>
-                </a:solidFill>
-                <a:latin typeface="DejaVu Sans"/>
-                <a:cs typeface="DejaVu Sans"/>
-              </a:rPr>
-              <a:t>user-</a:t>
-            </a:r>
-          </a:p>
-          <a:p>
-            <a:pPr>
-              <a:lnSpc>
-                <a:spcPts val="1196"/>
-              </a:lnSpc>
-              <a:spcBef>
-                <a:spcPts val="94"/>
-              </a:spcBef>
-            </a:pPr>
-            <a:r>
-              <a:rPr sz="1027" dirty="0">
-                <a:solidFill>
-                  <a:srgbClr val="000000"/>
-                </a:solidFill>
-                <a:latin typeface="DejaVu Sans"/>
-                <a:cs typeface="DejaVu Sans"/>
-              </a:rPr>
-              <a:t>friendly, requiring</a:t>
-            </a:r>
-            <a:r>
-              <a:rPr sz="1027" spc="6" dirty="0">
-                <a:solidFill>
-                  <a:srgbClr val="000000"/>
-                </a:solidFill>
-                <a:latin typeface="DejaVu Sans"/>
-                <a:cs typeface="DejaVu Sans"/>
-              </a:rPr>
-              <a:t> </a:t>
-            </a:r>
-            <a:r>
-              <a:rPr sz="1027" dirty="0">
-                <a:solidFill>
-                  <a:srgbClr val="000000"/>
-                </a:solidFill>
-                <a:latin typeface="DejaVu Sans"/>
-                <a:cs typeface="DejaVu Sans"/>
-              </a:rPr>
-              <a:t>minimal training for users to</a:t>
-            </a:r>
-          </a:p>
-          <a:p>
-            <a:pPr>
-              <a:lnSpc>
-                <a:spcPts val="1196"/>
-              </a:lnSpc>
-              <a:spcBef>
-                <a:spcPts val="94"/>
-              </a:spcBef>
-            </a:pPr>
-            <a:r>
-              <a:rPr sz="1027" dirty="0">
-                <a:solidFill>
-                  <a:srgbClr val="000000"/>
-                </a:solidFill>
-                <a:latin typeface="DejaVu Sans"/>
-                <a:cs typeface="DejaVu Sans"/>
-              </a:rPr>
-              <a:t>navigate and utilize the features.</a:t>
-            </a:r>
-          </a:p>
-        </p:txBody>
-      </p:sp>
-      <p:sp>
-        <p:nvSpPr>
-          <p:cNvPr id="17" name="object 17"/>
-          <p:cNvSpPr txBox="1"/>
-          <p:nvPr/>
-        </p:nvSpPr>
-        <p:spPr>
-          <a:xfrm>
-            <a:off x="4551524" y="5890537"/>
-            <a:ext cx="1046890" cy="153888"/>
-          </a:xfrm>
-          <a:prstGeom prst="rect">
-            <a:avLst/>
-          </a:prstGeom>
-        </p:spPr>
-        <p:txBody>
-          <a:bodyPr vert="horz" wrap="square" lIns="0" tIns="0" rIns="0" bIns="0" rtlCol="0">
-            <a:spAutoFit/>
-          </a:bodyPr>
-          <a:lstStyle/>
-          <a:p>
-            <a:pPr>
-              <a:lnSpc>
-                <a:spcPts val="1196"/>
-              </a:lnSpc>
-            </a:pPr>
-            <a:r>
-              <a:rPr sz="1027" dirty="0">
-                <a:solidFill>
-                  <a:srgbClr val="000000"/>
-                </a:solidFill>
-                <a:latin typeface="DejaVu Sans"/>
-                <a:cs typeface="DejaVu Sans"/>
-              </a:rPr>
-              <a:t>2.</a:t>
-            </a:r>
-            <a:r>
-              <a:rPr sz="1027" spc="-151" dirty="0">
-                <a:solidFill>
-                  <a:srgbClr val="000000"/>
-                </a:solidFill>
-                <a:latin typeface="DejaVu Sans"/>
-                <a:cs typeface="DejaVu Sans"/>
-              </a:rPr>
-              <a:t> </a:t>
-            </a:r>
-            <a:r>
-              <a:rPr sz="1027" dirty="0">
-                <a:solidFill>
-                  <a:srgbClr val="000000"/>
-                </a:solidFill>
-                <a:latin typeface="DejaVu Sans"/>
-                <a:cs typeface="DejaVu Sans"/>
-              </a:rPr>
-              <a:t>Accessibility</a:t>
-            </a:r>
-          </a:p>
-        </p:txBody>
-      </p:sp>
-    </p:spTree>
-    <p:extLst>
-      <p:ext uri="{BB962C8B-B14F-4D97-AF65-F5344CB8AC3E}">
-        <p14:creationId xmlns:p14="http://schemas.microsoft.com/office/powerpoint/2010/main" val="1720585400"/>
-      </p:ext>
-    </p:extLst>
-  </p:cSld>
-  <p:clrMapOvr>
-    <a:masterClrMapping/>
-  </p:clrMapOvr>
-</p:sld>
-</file>
-
-<file path=ppt/slides/slide9.xml><?xml version="1.0" encoding="utf-8"?>
-<p:sld xmlns:a="http://schemas.openxmlformats.org/drawingml/2006/main" xmlns:r="http://schemas.openxmlformats.org/officeDocument/2006/relationships" xmlns:p="http://schemas.openxmlformats.org/presentationml/2006/main">
-  <p:cSld>
-    <p:spTree>
-      <p:nvGrpSpPr>
-        <p:cNvPr id="1" name=""/>
-        <p:cNvGrpSpPr/>
-        <p:nvPr/>
-      </p:nvGrpSpPr>
-      <p:grpSpPr>
-        <a:xfrm>
-          <a:off x="0" y="0"/>
-          <a:ext cx="0" cy="0"/>
-          <a:chOff x="0" y="0"/>
-          <a:chExt cx="0" cy="0"/>
-        </a:xfrm>
-      </p:grpSpPr>
-      <p:sp>
-        <p:nvSpPr>
-          <p:cNvPr id="2" name="object 2"/>
-          <p:cNvSpPr txBox="1"/>
-          <p:nvPr/>
-        </p:nvSpPr>
-        <p:spPr>
-          <a:xfrm>
-            <a:off x="4551523" y="580275"/>
-            <a:ext cx="3430505" cy="487313"/>
-          </a:xfrm>
-          <a:prstGeom prst="rect">
-            <a:avLst/>
-          </a:prstGeom>
-        </p:spPr>
-        <p:txBody>
-          <a:bodyPr vert="horz" wrap="square" lIns="0" tIns="0" rIns="0" bIns="0" rtlCol="0">
-            <a:spAutoFit/>
-          </a:bodyPr>
-          <a:lstStyle/>
-          <a:p>
-            <a:pPr>
-              <a:lnSpc>
-                <a:spcPts val="1196"/>
-              </a:lnSpc>
-            </a:pPr>
-            <a:r>
-              <a:rPr sz="1027" dirty="0">
-                <a:solidFill>
-                  <a:srgbClr val="000000"/>
-                </a:solidFill>
-                <a:latin typeface="DejaVu Sans"/>
-                <a:cs typeface="DejaVu Sans"/>
-              </a:rPr>
-              <a:t>The system should adhere</a:t>
-            </a:r>
-            <a:r>
-              <a:rPr sz="1027" spc="9" dirty="0">
-                <a:solidFill>
-                  <a:srgbClr val="000000"/>
-                </a:solidFill>
-                <a:latin typeface="DejaVu Sans"/>
-                <a:cs typeface="DejaVu Sans"/>
-              </a:rPr>
-              <a:t> </a:t>
-            </a:r>
-            <a:r>
-              <a:rPr sz="1027" dirty="0">
-                <a:solidFill>
-                  <a:srgbClr val="000000"/>
-                </a:solidFill>
-                <a:latin typeface="DejaVu Sans"/>
-                <a:cs typeface="DejaVu Sans"/>
-              </a:rPr>
-              <a:t>to accessibility</a:t>
-            </a:r>
-          </a:p>
-          <a:p>
-            <a:pPr>
-              <a:lnSpc>
-                <a:spcPts val="1196"/>
-              </a:lnSpc>
-              <a:spcBef>
-                <a:spcPts val="94"/>
-              </a:spcBef>
-            </a:pPr>
-            <a:r>
-              <a:rPr sz="1027" dirty="0">
-                <a:solidFill>
-                  <a:srgbClr val="000000"/>
-                </a:solidFill>
-                <a:latin typeface="DejaVu Sans"/>
-                <a:cs typeface="DejaVu Sans"/>
-              </a:rPr>
-              <a:t>standards to ensure that users with disabilities can</a:t>
-            </a:r>
-          </a:p>
-          <a:p>
-            <a:pPr>
-              <a:lnSpc>
-                <a:spcPts val="1196"/>
-              </a:lnSpc>
-              <a:spcBef>
-                <a:spcPts val="94"/>
-              </a:spcBef>
-            </a:pPr>
-            <a:r>
-              <a:rPr sz="1027" dirty="0">
-                <a:solidFill>
-                  <a:srgbClr val="000000"/>
-                </a:solidFill>
-                <a:latin typeface="DejaVu Sans"/>
-                <a:cs typeface="DejaVu Sans"/>
-              </a:rPr>
-              <a:t>use the Comment Analyzer </a:t>
-            </a:r>
-            <a:r>
-              <a:rPr sz="1027" spc="-13" dirty="0">
-                <a:solidFill>
-                  <a:srgbClr val="000000"/>
-                </a:solidFill>
-                <a:latin typeface="DejaVu Sans"/>
-                <a:cs typeface="DejaVu Sans"/>
-              </a:rPr>
-              <a:t>eﬀectively.</a:t>
-            </a:r>
-          </a:p>
-        </p:txBody>
-      </p:sp>
-      <p:sp>
-        <p:nvSpPr>
-          <p:cNvPr id="3" name="object 3"/>
-          <p:cNvSpPr txBox="1"/>
-          <p:nvPr/>
-        </p:nvSpPr>
-        <p:spPr>
-          <a:xfrm>
-            <a:off x="4404741" y="1386302"/>
-            <a:ext cx="1410368" cy="166712"/>
-          </a:xfrm>
-          <a:prstGeom prst="rect">
-            <a:avLst/>
-          </a:prstGeom>
-        </p:spPr>
-        <p:txBody>
-          <a:bodyPr vert="horz" wrap="square" lIns="0" tIns="0" rIns="0" bIns="0" rtlCol="0">
-            <a:spAutoFit/>
-          </a:bodyPr>
-          <a:lstStyle/>
-          <a:p>
-            <a:pPr>
-              <a:lnSpc>
-                <a:spcPts val="1345"/>
-              </a:lnSpc>
-            </a:pPr>
-            <a:r>
-              <a:rPr sz="1156" dirty="0">
-                <a:solidFill>
-                  <a:srgbClr val="000000"/>
-                </a:solidFill>
-                <a:latin typeface="AIVKES+OpenSymbol"/>
-                <a:cs typeface="AIVKES+OpenSymbol"/>
-              </a:rPr>
-              <a:t></a:t>
-            </a:r>
-            <a:r>
-              <a:rPr sz="1156" spc="391" dirty="0">
-                <a:solidFill>
-                  <a:srgbClr val="000000"/>
-                </a:solidFill>
-                <a:latin typeface="Times New Roman"/>
-                <a:cs typeface="Times New Roman"/>
-              </a:rPr>
-              <a:t> </a:t>
-            </a:r>
-            <a:r>
-              <a:rPr sz="1156" b="1" dirty="0">
-                <a:solidFill>
-                  <a:srgbClr val="000000"/>
-                </a:solidFill>
-                <a:latin typeface="DejaVu Sans"/>
-                <a:cs typeface="DejaVu Sans"/>
-              </a:rPr>
-              <a:t>Compatibility:</a:t>
-            </a:r>
-          </a:p>
-        </p:txBody>
-      </p:sp>
-      <p:sp>
-        <p:nvSpPr>
-          <p:cNvPr id="4" name="object 4"/>
-          <p:cNvSpPr txBox="1"/>
-          <p:nvPr/>
-        </p:nvSpPr>
-        <p:spPr>
-          <a:xfrm>
-            <a:off x="4551523" y="1571056"/>
-            <a:ext cx="1716103" cy="153888"/>
-          </a:xfrm>
-          <a:prstGeom prst="rect">
-            <a:avLst/>
-          </a:prstGeom>
-        </p:spPr>
-        <p:txBody>
-          <a:bodyPr vert="horz" wrap="square" lIns="0" tIns="0" rIns="0" bIns="0" rtlCol="0">
-            <a:spAutoFit/>
-          </a:bodyPr>
-          <a:lstStyle/>
-          <a:p>
-            <a:pPr>
-              <a:lnSpc>
-                <a:spcPts val="1196"/>
-              </a:lnSpc>
-            </a:pPr>
-            <a:r>
-              <a:rPr sz="1027" dirty="0">
-                <a:solidFill>
-                  <a:srgbClr val="000000"/>
-                </a:solidFill>
-                <a:latin typeface="DejaVu Sans"/>
-                <a:cs typeface="DejaVu Sans"/>
-              </a:rPr>
-              <a:t>1.</a:t>
-            </a:r>
-            <a:r>
-              <a:rPr sz="1027" spc="-151" dirty="0">
-                <a:solidFill>
-                  <a:srgbClr val="000000"/>
-                </a:solidFill>
-                <a:latin typeface="DejaVu Sans"/>
-                <a:cs typeface="DejaVu Sans"/>
-              </a:rPr>
-              <a:t> </a:t>
-            </a:r>
-            <a:r>
-              <a:rPr sz="1027" dirty="0">
-                <a:solidFill>
-                  <a:srgbClr val="000000"/>
-                </a:solidFill>
-                <a:latin typeface="DejaVu Sans"/>
-                <a:cs typeface="DejaVu Sans"/>
-              </a:rPr>
-              <a:t>Browser </a:t>
-            </a:r>
-            <a:r>
-              <a:rPr sz="1027" spc="-6" dirty="0">
-                <a:solidFill>
-                  <a:srgbClr val="000000"/>
-                </a:solidFill>
-                <a:latin typeface="DejaVu Sans"/>
-                <a:cs typeface="DejaVu Sans"/>
-              </a:rPr>
-              <a:t>Compatibility:</a:t>
-            </a:r>
-          </a:p>
-        </p:txBody>
-      </p:sp>
-      <p:sp>
-        <p:nvSpPr>
-          <p:cNvPr id="5" name="object 5"/>
-          <p:cNvSpPr txBox="1"/>
-          <p:nvPr/>
-        </p:nvSpPr>
-        <p:spPr>
-          <a:xfrm>
-            <a:off x="4551523" y="1800201"/>
-            <a:ext cx="3393451" cy="487313"/>
-          </a:xfrm>
-          <a:prstGeom prst="rect">
-            <a:avLst/>
-          </a:prstGeom>
-        </p:spPr>
-        <p:txBody>
-          <a:bodyPr vert="horz" wrap="square" lIns="0" tIns="0" rIns="0" bIns="0" rtlCol="0">
-            <a:spAutoFit/>
-          </a:bodyPr>
-          <a:lstStyle/>
-          <a:p>
-            <a:pPr>
-              <a:lnSpc>
-                <a:spcPts val="1196"/>
-              </a:lnSpc>
-            </a:pPr>
-            <a:r>
-              <a:rPr sz="1027" dirty="0">
-                <a:solidFill>
-                  <a:srgbClr val="000000"/>
-                </a:solidFill>
-                <a:latin typeface="DejaVu Sans"/>
-                <a:cs typeface="DejaVu Sans"/>
-              </a:rPr>
-              <a:t>The Comment Analyzer should be compatible with</a:t>
-            </a:r>
-          </a:p>
-          <a:p>
-            <a:pPr>
-              <a:lnSpc>
-                <a:spcPts val="1196"/>
-              </a:lnSpc>
-              <a:spcBef>
-                <a:spcPts val="94"/>
-              </a:spcBef>
-            </a:pPr>
-            <a:r>
-              <a:rPr sz="1027" dirty="0">
-                <a:solidFill>
-                  <a:srgbClr val="000000"/>
-                </a:solidFill>
-                <a:latin typeface="DejaVu Sans"/>
-                <a:cs typeface="DejaVu Sans"/>
-              </a:rPr>
-              <a:t>major web browsers such as Chrome,</a:t>
-            </a:r>
-            <a:r>
-              <a:rPr sz="1027" spc="12" dirty="0">
-                <a:solidFill>
-                  <a:srgbClr val="000000"/>
-                </a:solidFill>
-                <a:latin typeface="DejaVu Sans"/>
-                <a:cs typeface="DejaVu Sans"/>
-              </a:rPr>
-              <a:t> </a:t>
-            </a:r>
-            <a:r>
-              <a:rPr sz="1027" spc="-19" dirty="0">
-                <a:solidFill>
-                  <a:srgbClr val="000000"/>
-                </a:solidFill>
-                <a:latin typeface="DejaVu Sans"/>
-                <a:cs typeface="DejaVu Sans"/>
-              </a:rPr>
-              <a:t>Firefox,</a:t>
-            </a:r>
-            <a:r>
-              <a:rPr sz="1027" spc="19" dirty="0">
-                <a:solidFill>
-                  <a:srgbClr val="000000"/>
-                </a:solidFill>
-                <a:latin typeface="DejaVu Sans"/>
-                <a:cs typeface="DejaVu Sans"/>
-              </a:rPr>
-              <a:t> </a:t>
-            </a:r>
-            <a:r>
-              <a:rPr sz="1027" dirty="0">
-                <a:solidFill>
-                  <a:srgbClr val="000000"/>
-                </a:solidFill>
-                <a:latin typeface="DejaVu Sans"/>
-                <a:cs typeface="DejaVu Sans"/>
-              </a:rPr>
-              <a:t>and</a:t>
-            </a:r>
-          </a:p>
-          <a:p>
-            <a:pPr>
-              <a:lnSpc>
-                <a:spcPts val="1196"/>
-              </a:lnSpc>
-              <a:spcBef>
-                <a:spcPts val="94"/>
-              </a:spcBef>
-            </a:pPr>
-            <a:r>
-              <a:rPr sz="1027" dirty="0">
-                <a:solidFill>
-                  <a:srgbClr val="000000"/>
-                </a:solidFill>
-                <a:latin typeface="DejaVu Sans"/>
-                <a:cs typeface="DejaVu Sans"/>
-              </a:rPr>
-              <a:t>Safari.</a:t>
-            </a:r>
-          </a:p>
-        </p:txBody>
-      </p:sp>
-      <p:sp>
-        <p:nvSpPr>
-          <p:cNvPr id="6" name="object 6"/>
-          <p:cNvSpPr txBox="1"/>
-          <p:nvPr/>
-        </p:nvSpPr>
-        <p:spPr>
-          <a:xfrm>
-            <a:off x="4551523" y="2357158"/>
-            <a:ext cx="1984878" cy="153888"/>
-          </a:xfrm>
-          <a:prstGeom prst="rect">
-            <a:avLst/>
-          </a:prstGeom>
-        </p:spPr>
-        <p:txBody>
-          <a:bodyPr vert="horz" wrap="square" lIns="0" tIns="0" rIns="0" bIns="0" rtlCol="0">
-            <a:spAutoFit/>
-          </a:bodyPr>
-          <a:lstStyle/>
-          <a:p>
-            <a:pPr>
-              <a:lnSpc>
-                <a:spcPts val="1196"/>
-              </a:lnSpc>
-            </a:pPr>
-            <a:r>
-              <a:rPr sz="1027" dirty="0">
-                <a:solidFill>
-                  <a:srgbClr val="000000"/>
-                </a:solidFill>
-                <a:latin typeface="DejaVu Sans"/>
-                <a:cs typeface="DejaVu Sans"/>
-              </a:rPr>
-              <a:t>2. </a:t>
-            </a:r>
-            <a:r>
-              <a:rPr sz="1027" spc="-42" dirty="0">
-                <a:solidFill>
-                  <a:srgbClr val="000000"/>
-                </a:solidFill>
-                <a:latin typeface="DejaVu Sans"/>
-                <a:cs typeface="DejaVu Sans"/>
-              </a:rPr>
-              <a:t>YouTube</a:t>
-            </a:r>
-            <a:r>
-              <a:rPr sz="1027" spc="39" dirty="0">
-                <a:solidFill>
-                  <a:srgbClr val="000000"/>
-                </a:solidFill>
-                <a:latin typeface="DejaVu Sans"/>
-                <a:cs typeface="DejaVu Sans"/>
-              </a:rPr>
-              <a:t> </a:t>
-            </a:r>
-            <a:r>
-              <a:rPr sz="1027" dirty="0">
-                <a:solidFill>
-                  <a:srgbClr val="000000"/>
-                </a:solidFill>
-                <a:latin typeface="DejaVu Sans"/>
-                <a:cs typeface="DejaVu Sans"/>
-              </a:rPr>
-              <a:t>API </a:t>
-            </a:r>
-            <a:r>
-              <a:rPr sz="1027" spc="-6" dirty="0">
-                <a:solidFill>
-                  <a:srgbClr val="000000"/>
-                </a:solidFill>
-                <a:latin typeface="DejaVu Sans"/>
-                <a:cs typeface="DejaVu Sans"/>
-              </a:rPr>
-              <a:t>Compatibility:</a:t>
-            </a:r>
-          </a:p>
-        </p:txBody>
-      </p:sp>
-      <p:sp>
-        <p:nvSpPr>
-          <p:cNvPr id="7" name="object 7"/>
-          <p:cNvSpPr txBox="1"/>
-          <p:nvPr/>
-        </p:nvSpPr>
-        <p:spPr>
-          <a:xfrm>
-            <a:off x="4551523" y="2586301"/>
-            <a:ext cx="3373225" cy="487313"/>
-          </a:xfrm>
-          <a:prstGeom prst="rect">
-            <a:avLst/>
-          </a:prstGeom>
-        </p:spPr>
-        <p:txBody>
-          <a:bodyPr vert="horz" wrap="square" lIns="0" tIns="0" rIns="0" bIns="0" rtlCol="0">
-            <a:spAutoFit/>
-          </a:bodyPr>
-          <a:lstStyle/>
-          <a:p>
-            <a:pPr>
-              <a:lnSpc>
-                <a:spcPts val="1196"/>
-              </a:lnSpc>
-            </a:pPr>
-            <a:r>
-              <a:rPr sz="1027" dirty="0">
-                <a:solidFill>
-                  <a:srgbClr val="000000"/>
-                </a:solidFill>
-                <a:latin typeface="DejaVu Sans"/>
-                <a:cs typeface="DejaVu Sans"/>
-              </a:rPr>
-              <a:t>The system should be compatible with the latest</a:t>
-            </a:r>
-          </a:p>
-          <a:p>
-            <a:pPr>
-              <a:lnSpc>
-                <a:spcPts val="1196"/>
-              </a:lnSpc>
-              <a:spcBef>
-                <a:spcPts val="94"/>
-              </a:spcBef>
-            </a:pPr>
-            <a:r>
-              <a:rPr sz="1027" dirty="0">
-                <a:solidFill>
-                  <a:srgbClr val="000000"/>
-                </a:solidFill>
-                <a:latin typeface="DejaVu Sans"/>
-                <a:cs typeface="DejaVu Sans"/>
-              </a:rPr>
-              <a:t>version of the </a:t>
-            </a:r>
-            <a:r>
-              <a:rPr sz="1027" spc="-42" dirty="0">
-                <a:solidFill>
-                  <a:srgbClr val="000000"/>
-                </a:solidFill>
-                <a:latin typeface="DejaVu Sans"/>
-                <a:cs typeface="DejaVu Sans"/>
-              </a:rPr>
-              <a:t>YouTube</a:t>
-            </a:r>
-            <a:r>
-              <a:rPr sz="1027" spc="39" dirty="0">
-                <a:solidFill>
-                  <a:srgbClr val="000000"/>
-                </a:solidFill>
-                <a:latin typeface="DejaVu Sans"/>
-                <a:cs typeface="DejaVu Sans"/>
-              </a:rPr>
-              <a:t> </a:t>
-            </a:r>
-            <a:r>
-              <a:rPr sz="1027" dirty="0">
-                <a:solidFill>
-                  <a:srgbClr val="000000"/>
-                </a:solidFill>
-                <a:latin typeface="DejaVu Sans"/>
-                <a:cs typeface="DejaVu Sans"/>
-              </a:rPr>
-              <a:t>API to</a:t>
-            </a:r>
-            <a:r>
-              <a:rPr sz="1027" spc="-7" dirty="0">
-                <a:solidFill>
-                  <a:srgbClr val="000000"/>
-                </a:solidFill>
-                <a:latin typeface="DejaVu Sans"/>
-                <a:cs typeface="DejaVu Sans"/>
-              </a:rPr>
-              <a:t> </a:t>
-            </a:r>
-            <a:r>
-              <a:rPr sz="1027" dirty="0">
-                <a:solidFill>
-                  <a:srgbClr val="000000"/>
-                </a:solidFill>
-                <a:latin typeface="DejaVu Sans"/>
-                <a:cs typeface="DejaVu Sans"/>
-              </a:rPr>
-              <a:t>ensure</a:t>
-            </a:r>
-            <a:r>
-              <a:rPr sz="1027" spc="8" dirty="0">
-                <a:solidFill>
-                  <a:srgbClr val="000000"/>
-                </a:solidFill>
-                <a:latin typeface="DejaVu Sans"/>
-                <a:cs typeface="DejaVu Sans"/>
-              </a:rPr>
-              <a:t> </a:t>
-            </a:r>
-            <a:r>
-              <a:rPr sz="1027" dirty="0">
-                <a:solidFill>
-                  <a:srgbClr val="000000"/>
-                </a:solidFill>
-                <a:latin typeface="DejaVu Sans"/>
-                <a:cs typeface="DejaVu Sans"/>
-              </a:rPr>
-              <a:t>accurate and</a:t>
-            </a:r>
-          </a:p>
-          <a:p>
-            <a:pPr>
-              <a:lnSpc>
-                <a:spcPts val="1196"/>
-              </a:lnSpc>
-              <a:spcBef>
-                <a:spcPts val="94"/>
-              </a:spcBef>
-            </a:pPr>
-            <a:r>
-              <a:rPr sz="1027" dirty="0">
-                <a:solidFill>
-                  <a:srgbClr val="000000"/>
-                </a:solidFill>
-                <a:latin typeface="DejaVu Sans"/>
-                <a:cs typeface="DejaVu Sans"/>
-              </a:rPr>
-              <a:t>up-to-date comment retrieval.</a:t>
-            </a:r>
-          </a:p>
-        </p:txBody>
-      </p:sp>
-    </p:spTree>
-    <p:extLst>
-      <p:ext uri="{BB962C8B-B14F-4D97-AF65-F5344CB8AC3E}">
-        <p14:creationId xmlns:p14="http://schemas.microsoft.com/office/powerpoint/2010/main" val="767066137"/>
       </p:ext>
     </p:extLst>
   </p:cSld>

--- a/YouTube Comment Analyzer_presentation.pptx
+++ b/YouTube Comment Analyzer_presentation.pptx
@@ -5,23 +5,24 @@
     <p:sldMasterId id="2147483763" r:id="rId1"/>
   </p:sldMasterIdLst>
   <p:notesMasterIdLst>
-    <p:notesMasterId r:id="rId16"/>
+    <p:notesMasterId r:id="rId17"/>
   </p:notesMasterIdLst>
   <p:sldIdLst>
     <p:sldId id="256" r:id="rId2"/>
     <p:sldId id="257" r:id="rId3"/>
     <p:sldId id="260" r:id="rId4"/>
     <p:sldId id="258" r:id="rId5"/>
-    <p:sldId id="259" r:id="rId6"/>
+    <p:sldId id="274" r:id="rId6"/>
     <p:sldId id="270" r:id="rId7"/>
-    <p:sldId id="271" r:id="rId8"/>
-    <p:sldId id="265" r:id="rId9"/>
-    <p:sldId id="266" r:id="rId10"/>
+    <p:sldId id="277" r:id="rId8"/>
+    <p:sldId id="259" r:id="rId9"/>
+    <p:sldId id="265" r:id="rId10"/>
     <p:sldId id="267" r:id="rId11"/>
     <p:sldId id="268" r:id="rId12"/>
-    <p:sldId id="269" r:id="rId13"/>
-    <p:sldId id="273" r:id="rId14"/>
-    <p:sldId id="272" r:id="rId15"/>
+    <p:sldId id="273" r:id="rId13"/>
+    <p:sldId id="272" r:id="rId14"/>
+    <p:sldId id="275" r:id="rId15"/>
+    <p:sldId id="276" r:id="rId16"/>
   </p:sldIdLst>
   <p:sldSz cx="12192000" cy="6858000"/>
   <p:notesSz cx="6858000" cy="9144000"/>
@@ -134,7 +135,7 @@
 <file path=ppt/revisionInfo.xml><?xml version="1.0" encoding="utf-8"?>
 <p1510:revInfo xmlns:a="http://schemas.openxmlformats.org/drawingml/2006/main" xmlns:r="http://schemas.openxmlformats.org/officeDocument/2006/relationships" xmlns:p1510="http://schemas.microsoft.com/office/powerpoint/2015/10/main">
   <p1510:revLst>
-    <p1510:client id="{23C5664A-FCCD-4308-927E-0059E52ABF24}" v="40" dt="2024-01-19T07:49:55.308"/>
+    <p1510:client id="{5CEC3261-0F6F-47C9-AC40-12D1219811E2}" v="17" dt="2024-03-24T17:17:01.925"/>
   </p1510:revLst>
 </p1510:revInfo>
 </file>
@@ -620,6 +621,548 @@
       </pc:sldChg>
     </pc:docChg>
   </pc:docChgLst>
+  <pc:docChgLst>
+    <pc:chgData name="rudra patel" userId="e0bf67ee025e264e" providerId="LiveId" clId="{5CEC3261-0F6F-47C9-AC40-12D1219811E2}"/>
+    <pc:docChg chg="undo custSel addSld delSld modSld sldOrd">
+      <pc:chgData name="rudra patel" userId="e0bf67ee025e264e" providerId="LiveId" clId="{5CEC3261-0F6F-47C9-AC40-12D1219811E2}" dt="2024-03-25T02:34:40.387" v="817" actId="478"/>
+      <pc:docMkLst>
+        <pc:docMk/>
+      </pc:docMkLst>
+      <pc:sldChg chg="addSp delSp modSp mod modTransition delAnim modAnim">
+        <pc:chgData name="rudra patel" userId="e0bf67ee025e264e" providerId="LiveId" clId="{5CEC3261-0F6F-47C9-AC40-12D1219811E2}" dt="2024-03-25T02:34:40.387" v="817" actId="478"/>
+        <pc:sldMkLst>
+          <pc:docMk/>
+          <pc:sldMk cId="233051835" sldId="256"/>
+        </pc:sldMkLst>
+        <pc:spChg chg="mod">
+          <ac:chgData name="rudra patel" userId="e0bf67ee025e264e" providerId="LiveId" clId="{5CEC3261-0F6F-47C9-AC40-12D1219811E2}" dt="2024-03-21T17:12:44.451" v="264" actId="20577"/>
+          <ac:spMkLst>
+            <pc:docMk/>
+            <pc:sldMk cId="233051835" sldId="256"/>
+            <ac:spMk id="2" creationId="{E309C45C-F74C-DF00-23FA-2E43FC76B11B}"/>
+          </ac:spMkLst>
+        </pc:spChg>
+        <pc:picChg chg="add del mod">
+          <ac:chgData name="rudra patel" userId="e0bf67ee025e264e" providerId="LiveId" clId="{5CEC3261-0F6F-47C9-AC40-12D1219811E2}" dt="2024-03-25T02:34:40.387" v="817" actId="478"/>
+          <ac:picMkLst>
+            <pc:docMk/>
+            <pc:sldMk cId="233051835" sldId="256"/>
+            <ac:picMk id="3" creationId="{8F35237E-584E-6214-0345-226A33841721}"/>
+          </ac:picMkLst>
+        </pc:picChg>
+      </pc:sldChg>
+      <pc:sldChg chg="modSp mod">
+        <pc:chgData name="rudra patel" userId="e0bf67ee025e264e" providerId="LiveId" clId="{5CEC3261-0F6F-47C9-AC40-12D1219811E2}" dt="2024-03-21T17:03:59.446" v="224" actId="255"/>
+        <pc:sldMkLst>
+          <pc:docMk/>
+          <pc:sldMk cId="512526330" sldId="257"/>
+        </pc:sldMkLst>
+        <pc:spChg chg="mod">
+          <ac:chgData name="rudra patel" userId="e0bf67ee025e264e" providerId="LiveId" clId="{5CEC3261-0F6F-47C9-AC40-12D1219811E2}" dt="2024-03-21T17:03:59.446" v="224" actId="255"/>
+          <ac:spMkLst>
+            <pc:docMk/>
+            <pc:sldMk cId="512526330" sldId="257"/>
+            <ac:spMk id="2" creationId="{602952F7-96FA-7F21-BF68-8B5124EB806E}"/>
+          </ac:spMkLst>
+        </pc:spChg>
+        <pc:spChg chg="mod">
+          <ac:chgData name="rudra patel" userId="e0bf67ee025e264e" providerId="LiveId" clId="{5CEC3261-0F6F-47C9-AC40-12D1219811E2}" dt="2024-03-21T15:47:09.110" v="14" actId="255"/>
+          <ac:spMkLst>
+            <pc:docMk/>
+            <pc:sldMk cId="512526330" sldId="257"/>
+            <ac:spMk id="3" creationId="{E43043B5-3421-08FA-84A8-06322A1C28E3}"/>
+          </ac:spMkLst>
+        </pc:spChg>
+      </pc:sldChg>
+      <pc:sldChg chg="modSp mod">
+        <pc:chgData name="rudra patel" userId="e0bf67ee025e264e" providerId="LiveId" clId="{5CEC3261-0F6F-47C9-AC40-12D1219811E2}" dt="2024-03-22T04:37:49.990" v="349" actId="21"/>
+        <pc:sldMkLst>
+          <pc:docMk/>
+          <pc:sldMk cId="2302547906" sldId="258"/>
+        </pc:sldMkLst>
+        <pc:spChg chg="mod">
+          <ac:chgData name="rudra patel" userId="e0bf67ee025e264e" providerId="LiveId" clId="{5CEC3261-0F6F-47C9-AC40-12D1219811E2}" dt="2024-03-21T17:04:18.492" v="226" actId="255"/>
+          <ac:spMkLst>
+            <pc:docMk/>
+            <pc:sldMk cId="2302547906" sldId="258"/>
+            <ac:spMk id="2" creationId="{5379AC7F-63BC-0255-56D0-B9FF542BB752}"/>
+          </ac:spMkLst>
+        </pc:spChg>
+        <pc:spChg chg="mod">
+          <ac:chgData name="rudra patel" userId="e0bf67ee025e264e" providerId="LiveId" clId="{5CEC3261-0F6F-47C9-AC40-12D1219811E2}" dt="2024-03-22T04:37:49.990" v="349" actId="21"/>
+          <ac:spMkLst>
+            <pc:docMk/>
+            <pc:sldMk cId="2302547906" sldId="258"/>
+            <ac:spMk id="3" creationId="{BDCAD2B2-843E-0B42-FA40-9D169738EAE5}"/>
+          </ac:spMkLst>
+        </pc:spChg>
+      </pc:sldChg>
+      <pc:sldChg chg="addSp modSp mod ord">
+        <pc:chgData name="rudra patel" userId="e0bf67ee025e264e" providerId="LiveId" clId="{5CEC3261-0F6F-47C9-AC40-12D1219811E2}" dt="2024-03-22T06:50:15.414" v="795"/>
+        <pc:sldMkLst>
+          <pc:docMk/>
+          <pc:sldMk cId="2453259420" sldId="259"/>
+        </pc:sldMkLst>
+        <pc:spChg chg="mod">
+          <ac:chgData name="rudra patel" userId="e0bf67ee025e264e" providerId="LiveId" clId="{5CEC3261-0F6F-47C9-AC40-12D1219811E2}" dt="2024-03-21T17:05:59.417" v="236" actId="255"/>
+          <ac:spMkLst>
+            <pc:docMk/>
+            <pc:sldMk cId="2453259420" sldId="259"/>
+            <ac:spMk id="2" creationId="{CA63243E-EFC8-1F27-1779-B0E2DCF5C86F}"/>
+          </ac:spMkLst>
+        </pc:spChg>
+        <pc:spChg chg="mod">
+          <ac:chgData name="rudra patel" userId="e0bf67ee025e264e" providerId="LiveId" clId="{5CEC3261-0F6F-47C9-AC40-12D1219811E2}" dt="2024-03-21T15:50:41.200" v="35" actId="20577"/>
+          <ac:spMkLst>
+            <pc:docMk/>
+            <pc:sldMk cId="2453259420" sldId="259"/>
+            <ac:spMk id="3" creationId="{20235CDB-2AC6-7B2C-46C3-7558885788A8}"/>
+          </ac:spMkLst>
+        </pc:spChg>
+        <pc:picChg chg="add mod">
+          <ac:chgData name="rudra patel" userId="e0bf67ee025e264e" providerId="LiveId" clId="{5CEC3261-0F6F-47C9-AC40-12D1219811E2}" dt="2024-03-21T17:01:43.337" v="176" actId="1076"/>
+          <ac:picMkLst>
+            <pc:docMk/>
+            <pc:sldMk cId="2453259420" sldId="259"/>
+            <ac:picMk id="5" creationId="{339D9D37-64FE-73D2-CE12-EBAB31A4817A}"/>
+          </ac:picMkLst>
+        </pc:picChg>
+      </pc:sldChg>
+      <pc:sldChg chg="modSp mod">
+        <pc:chgData name="rudra patel" userId="e0bf67ee025e264e" providerId="LiveId" clId="{5CEC3261-0F6F-47C9-AC40-12D1219811E2}" dt="2024-03-22T06:12:11.066" v="733" actId="313"/>
+        <pc:sldMkLst>
+          <pc:docMk/>
+          <pc:sldMk cId="3310734504" sldId="260"/>
+        </pc:sldMkLst>
+        <pc:spChg chg="mod">
+          <ac:chgData name="rudra patel" userId="e0bf67ee025e264e" providerId="LiveId" clId="{5CEC3261-0F6F-47C9-AC40-12D1219811E2}" dt="2024-03-21T17:04:07.134" v="225" actId="255"/>
+          <ac:spMkLst>
+            <pc:docMk/>
+            <pc:sldMk cId="3310734504" sldId="260"/>
+            <ac:spMk id="2" creationId="{AD18C9F2-0787-EAE5-609B-DEE9378D6BF5}"/>
+          </ac:spMkLst>
+        </pc:spChg>
+        <pc:spChg chg="mod">
+          <ac:chgData name="rudra patel" userId="e0bf67ee025e264e" providerId="LiveId" clId="{5CEC3261-0F6F-47C9-AC40-12D1219811E2}" dt="2024-03-22T06:12:11.066" v="733" actId="313"/>
+          <ac:spMkLst>
+            <pc:docMk/>
+            <pc:sldMk cId="3310734504" sldId="260"/>
+            <ac:spMk id="3" creationId="{404AC652-5E8D-6EAA-15B8-AD5E5A9B0586}"/>
+          </ac:spMkLst>
+        </pc:spChg>
+      </pc:sldChg>
+      <pc:sldChg chg="addSp delSp modSp mod ord">
+        <pc:chgData name="rudra patel" userId="e0bf67ee025e264e" providerId="LiveId" clId="{5CEC3261-0F6F-47C9-AC40-12D1219811E2}" dt="2024-03-22T06:49:29.366" v="785"/>
+        <pc:sldMkLst>
+          <pc:docMk/>
+          <pc:sldMk cId="1777444178" sldId="265"/>
+        </pc:sldMkLst>
+        <pc:spChg chg="mod">
+          <ac:chgData name="rudra patel" userId="e0bf67ee025e264e" providerId="LiveId" clId="{5CEC3261-0F6F-47C9-AC40-12D1219811E2}" dt="2024-03-21T17:06:15.464" v="237" actId="255"/>
+          <ac:spMkLst>
+            <pc:docMk/>
+            <pc:sldMk cId="1777444178" sldId="265"/>
+            <ac:spMk id="9" creationId="{5373D36B-8E89-F7EE-468B-4A56EDB4327E}"/>
+          </ac:spMkLst>
+        </pc:spChg>
+        <pc:picChg chg="add del mod">
+          <ac:chgData name="rudra patel" userId="e0bf67ee025e264e" providerId="LiveId" clId="{5CEC3261-0F6F-47C9-AC40-12D1219811E2}" dt="2024-03-22T04:55:45.682" v="373" actId="478"/>
+          <ac:picMkLst>
+            <pc:docMk/>
+            <pc:sldMk cId="1777444178" sldId="265"/>
+            <ac:picMk id="3" creationId="{0DA85BBB-7F97-ED47-3120-391D165C33F4}"/>
+          </ac:picMkLst>
+        </pc:picChg>
+        <pc:picChg chg="add mod">
+          <ac:chgData name="rudra patel" userId="e0bf67ee025e264e" providerId="LiveId" clId="{5CEC3261-0F6F-47C9-AC40-12D1219811E2}" dt="2024-03-22T04:58:05.035" v="384" actId="1036"/>
+          <ac:picMkLst>
+            <pc:docMk/>
+            <pc:sldMk cId="1777444178" sldId="265"/>
+            <ac:picMk id="4" creationId="{CD8FF23E-E6F5-8062-FAA1-A8F2264EC01D}"/>
+          </ac:picMkLst>
+        </pc:picChg>
+        <pc:picChg chg="del mod">
+          <ac:chgData name="rudra patel" userId="e0bf67ee025e264e" providerId="LiveId" clId="{5CEC3261-0F6F-47C9-AC40-12D1219811E2}" dt="2024-03-21T16:24:10.459" v="45" actId="478"/>
+          <ac:picMkLst>
+            <pc:docMk/>
+            <pc:sldMk cId="1777444178" sldId="265"/>
+            <ac:picMk id="6" creationId="{61484E9A-79C2-4CE6-824F-0978710E736E}"/>
+          </ac:picMkLst>
+        </pc:picChg>
+      </pc:sldChg>
+      <pc:sldChg chg="del">
+        <pc:chgData name="rudra patel" userId="e0bf67ee025e264e" providerId="LiveId" clId="{5CEC3261-0F6F-47C9-AC40-12D1219811E2}" dt="2024-03-21T16:36:59.874" v="52" actId="47"/>
+        <pc:sldMkLst>
+          <pc:docMk/>
+          <pc:sldMk cId="1924382026" sldId="266"/>
+        </pc:sldMkLst>
+      </pc:sldChg>
+      <pc:sldChg chg="addSp delSp modSp mod ord">
+        <pc:chgData name="rudra patel" userId="e0bf67ee025e264e" providerId="LiveId" clId="{5CEC3261-0F6F-47C9-AC40-12D1219811E2}" dt="2024-03-22T06:49:39.022" v="787"/>
+        <pc:sldMkLst>
+          <pc:docMk/>
+          <pc:sldMk cId="979851756" sldId="267"/>
+        </pc:sldMkLst>
+        <pc:spChg chg="mod">
+          <ac:chgData name="rudra patel" userId="e0bf67ee025e264e" providerId="LiveId" clId="{5CEC3261-0F6F-47C9-AC40-12D1219811E2}" dt="2024-03-21T17:06:42.380" v="239" actId="255"/>
+          <ac:spMkLst>
+            <pc:docMk/>
+            <pc:sldMk cId="979851756" sldId="267"/>
+            <ac:spMk id="4" creationId="{532DC7CD-1B78-C7D6-190D-96DE915EA3C9}"/>
+          </ac:spMkLst>
+        </pc:spChg>
+        <pc:picChg chg="add mod">
+          <ac:chgData name="rudra patel" userId="e0bf67ee025e264e" providerId="LiveId" clId="{5CEC3261-0F6F-47C9-AC40-12D1219811E2}" dt="2024-03-22T04:03:01.940" v="268" actId="1076"/>
+          <ac:picMkLst>
+            <pc:docMk/>
+            <pc:sldMk cId="979851756" sldId="267"/>
+            <ac:picMk id="3" creationId="{6F152BBB-F9BC-B517-C0DE-4AFB3733B2E4}"/>
+          </ac:picMkLst>
+        </pc:picChg>
+        <pc:picChg chg="del mod">
+          <ac:chgData name="rudra patel" userId="e0bf67ee025e264e" providerId="LiveId" clId="{5CEC3261-0F6F-47C9-AC40-12D1219811E2}" dt="2024-03-22T04:02:56.711" v="267" actId="478"/>
+          <ac:picMkLst>
+            <pc:docMk/>
+            <pc:sldMk cId="979851756" sldId="267"/>
+            <ac:picMk id="7" creationId="{74E03F0D-80B5-CFCF-377C-8D221E080CD3}"/>
+          </ac:picMkLst>
+        </pc:picChg>
+      </pc:sldChg>
+      <pc:sldChg chg="addSp delSp modSp mod">
+        <pc:chgData name="rudra patel" userId="e0bf67ee025e264e" providerId="LiveId" clId="{5CEC3261-0F6F-47C9-AC40-12D1219811E2}" dt="2024-03-22T06:51:45.884" v="813" actId="122"/>
+        <pc:sldMkLst>
+          <pc:docMk/>
+          <pc:sldMk cId="4167409268" sldId="268"/>
+        </pc:sldMkLst>
+        <pc:spChg chg="add mod">
+          <ac:chgData name="rudra patel" userId="e0bf67ee025e264e" providerId="LiveId" clId="{5CEC3261-0F6F-47C9-AC40-12D1219811E2}" dt="2024-03-22T06:51:45.884" v="813" actId="122"/>
+          <ac:spMkLst>
+            <pc:docMk/>
+            <pc:sldMk cId="4167409268" sldId="268"/>
+            <ac:spMk id="5" creationId="{B16AAF5B-7D4A-63FA-26E8-288E1F9CDA7E}"/>
+          </ac:spMkLst>
+        </pc:spChg>
+        <pc:picChg chg="add mod">
+          <ac:chgData name="rudra patel" userId="e0bf67ee025e264e" providerId="LiveId" clId="{5CEC3261-0F6F-47C9-AC40-12D1219811E2}" dt="2024-03-22T05:16:27.781" v="446" actId="1076"/>
+          <ac:picMkLst>
+            <pc:docMk/>
+            <pc:sldMk cId="4167409268" sldId="268"/>
+            <ac:picMk id="3" creationId="{DB0E014F-2EB3-4C79-6AA9-972E65C17119}"/>
+          </ac:picMkLst>
+        </pc:picChg>
+        <pc:picChg chg="add mod">
+          <ac:chgData name="rudra patel" userId="e0bf67ee025e264e" providerId="LiveId" clId="{5CEC3261-0F6F-47C9-AC40-12D1219811E2}" dt="2024-03-22T06:51:21.385" v="797" actId="1076"/>
+          <ac:picMkLst>
+            <pc:docMk/>
+            <pc:sldMk cId="4167409268" sldId="268"/>
+            <ac:picMk id="4" creationId="{FF9C6795-3C64-ACC0-B847-5A46B88BF776}"/>
+          </ac:picMkLst>
+        </pc:picChg>
+        <pc:picChg chg="del mod">
+          <ac:chgData name="rudra patel" userId="e0bf67ee025e264e" providerId="LiveId" clId="{5CEC3261-0F6F-47C9-AC40-12D1219811E2}" dt="2024-03-22T05:15:55.599" v="438" actId="478"/>
+          <ac:picMkLst>
+            <pc:docMk/>
+            <pc:sldMk cId="4167409268" sldId="268"/>
+            <ac:picMk id="5" creationId="{48CCF3EF-8C6D-1401-98F4-11FB10F3BFB5}"/>
+          </ac:picMkLst>
+        </pc:picChg>
+      </pc:sldChg>
+      <pc:sldChg chg="addSp delSp modSp del mod">
+        <pc:chgData name="rudra patel" userId="e0bf67ee025e264e" providerId="LiveId" clId="{5CEC3261-0F6F-47C9-AC40-12D1219811E2}" dt="2024-03-22T05:01:25.650" v="412" actId="47"/>
+        <pc:sldMkLst>
+          <pc:docMk/>
+          <pc:sldMk cId="3230009529" sldId="269"/>
+        </pc:sldMkLst>
+        <pc:picChg chg="add del mod">
+          <ac:chgData name="rudra patel" userId="e0bf67ee025e264e" providerId="LiveId" clId="{5CEC3261-0F6F-47C9-AC40-12D1219811E2}" dt="2024-03-22T05:00:00.557" v="392" actId="21"/>
+          <ac:picMkLst>
+            <pc:docMk/>
+            <pc:sldMk cId="3230009529" sldId="269"/>
+            <ac:picMk id="3" creationId="{DB0E014F-2EB3-4C79-6AA9-972E65C17119}"/>
+          </ac:picMkLst>
+        </pc:picChg>
+        <pc:picChg chg="del">
+          <ac:chgData name="rudra patel" userId="e0bf67ee025e264e" providerId="LiveId" clId="{5CEC3261-0F6F-47C9-AC40-12D1219811E2}" dt="2024-03-22T04:59:15.982" v="385" actId="478"/>
+          <ac:picMkLst>
+            <pc:docMk/>
+            <pc:sldMk cId="3230009529" sldId="269"/>
+            <ac:picMk id="5" creationId="{070876B1-5FB9-A36B-DD76-9F19E5D86327}"/>
+          </ac:picMkLst>
+        </pc:picChg>
+      </pc:sldChg>
+      <pc:sldChg chg="addSp delSp modSp mod ord">
+        <pc:chgData name="rudra patel" userId="e0bf67ee025e264e" providerId="LiveId" clId="{5CEC3261-0F6F-47C9-AC40-12D1219811E2}" dt="2024-03-22T06:50:12.901" v="793"/>
+        <pc:sldMkLst>
+          <pc:docMk/>
+          <pc:sldMk cId="3694217755" sldId="270"/>
+        </pc:sldMkLst>
+        <pc:spChg chg="add mod">
+          <ac:chgData name="rudra patel" userId="e0bf67ee025e264e" providerId="LiveId" clId="{5CEC3261-0F6F-47C9-AC40-12D1219811E2}" dt="2024-03-21T17:05:38.010" v="235" actId="255"/>
+          <ac:spMkLst>
+            <pc:docMk/>
+            <pc:sldMk cId="3694217755" sldId="270"/>
+            <ac:spMk id="3" creationId="{EB87F621-BBFC-B324-BFE6-A4347E053674}"/>
+          </ac:spMkLst>
+        </pc:spChg>
+        <pc:picChg chg="add del mod">
+          <ac:chgData name="rudra patel" userId="e0bf67ee025e264e" providerId="LiveId" clId="{5CEC3261-0F6F-47C9-AC40-12D1219811E2}" dt="2024-03-22T04:55:02.168" v="365" actId="478"/>
+          <ac:picMkLst>
+            <pc:docMk/>
+            <pc:sldMk cId="3694217755" sldId="270"/>
+            <ac:picMk id="4" creationId="{EEB24142-D137-86CA-8F2E-163CA9C00F64}"/>
+          </ac:picMkLst>
+        </pc:picChg>
+        <pc:picChg chg="del">
+          <ac:chgData name="rudra patel" userId="e0bf67ee025e264e" providerId="LiveId" clId="{5CEC3261-0F6F-47C9-AC40-12D1219811E2}" dt="2024-03-22T04:41:32.623" v="354" actId="478"/>
+          <ac:picMkLst>
+            <pc:docMk/>
+            <pc:sldMk cId="3694217755" sldId="270"/>
+            <ac:picMk id="5" creationId="{10A8CEBF-40CD-96E8-7196-F80D644FEAFD}"/>
+          </ac:picMkLst>
+        </pc:picChg>
+        <pc:picChg chg="del mod">
+          <ac:chgData name="rudra patel" userId="e0bf67ee025e264e" providerId="LiveId" clId="{5CEC3261-0F6F-47C9-AC40-12D1219811E2}" dt="2024-03-22T04:41:30.861" v="353" actId="478"/>
+          <ac:picMkLst>
+            <pc:docMk/>
+            <pc:sldMk cId="3694217755" sldId="270"/>
+            <ac:picMk id="7" creationId="{6CE468C4-0354-735B-21FF-91C462EE1201}"/>
+          </ac:picMkLst>
+        </pc:picChg>
+        <pc:picChg chg="add mod">
+          <ac:chgData name="rudra patel" userId="e0bf67ee025e264e" providerId="LiveId" clId="{5CEC3261-0F6F-47C9-AC40-12D1219811E2}" dt="2024-03-22T04:55:05.874" v="366" actId="1076"/>
+          <ac:picMkLst>
+            <pc:docMk/>
+            <pc:sldMk cId="3694217755" sldId="270"/>
+            <ac:picMk id="8" creationId="{FFCD4833-DC0B-B971-5270-1A2B750BA4D8}"/>
+          </ac:picMkLst>
+        </pc:picChg>
+      </pc:sldChg>
+      <pc:sldChg chg="delSp del mod">
+        <pc:chgData name="rudra patel" userId="e0bf67ee025e264e" providerId="LiveId" clId="{5CEC3261-0F6F-47C9-AC40-12D1219811E2}" dt="2024-03-22T04:55:28.521" v="370" actId="47"/>
+        <pc:sldMkLst>
+          <pc:docMk/>
+          <pc:sldMk cId="1775737296" sldId="271"/>
+        </pc:sldMkLst>
+        <pc:picChg chg="del">
+          <ac:chgData name="rudra patel" userId="e0bf67ee025e264e" providerId="LiveId" clId="{5CEC3261-0F6F-47C9-AC40-12D1219811E2}" dt="2024-03-22T04:55:24.278" v="369" actId="478"/>
+          <ac:picMkLst>
+            <pc:docMk/>
+            <pc:sldMk cId="1775737296" sldId="271"/>
+            <ac:picMk id="5" creationId="{865BECA6-6DCB-E85C-D068-6552C1CC2C36}"/>
+          </ac:picMkLst>
+        </pc:picChg>
+      </pc:sldChg>
+      <pc:sldChg chg="addSp delSp modSp mod">
+        <pc:chgData name="rudra patel" userId="e0bf67ee025e264e" providerId="LiveId" clId="{5CEC3261-0F6F-47C9-AC40-12D1219811E2}" dt="2024-03-21T17:06:53.119" v="240" actId="255"/>
+        <pc:sldMkLst>
+          <pc:docMk/>
+          <pc:sldMk cId="4261540826" sldId="272"/>
+        </pc:sldMkLst>
+        <pc:spChg chg="add mod">
+          <ac:chgData name="rudra patel" userId="e0bf67ee025e264e" providerId="LiveId" clId="{5CEC3261-0F6F-47C9-AC40-12D1219811E2}" dt="2024-03-21T17:06:53.119" v="240" actId="255"/>
+          <ac:spMkLst>
+            <pc:docMk/>
+            <pc:sldMk cId="4261540826" sldId="272"/>
+            <ac:spMk id="3" creationId="{BB47FBB3-A14D-F791-0022-2D4B9EB8AB0C}"/>
+          </ac:spMkLst>
+        </pc:spChg>
+        <pc:picChg chg="add mod">
+          <ac:chgData name="rudra patel" userId="e0bf67ee025e264e" providerId="LiveId" clId="{5CEC3261-0F6F-47C9-AC40-12D1219811E2}" dt="2024-03-21T16:50:03.300" v="133" actId="1076"/>
+          <ac:picMkLst>
+            <pc:docMk/>
+            <pc:sldMk cId="4261540826" sldId="272"/>
+            <ac:picMk id="5" creationId="{DDF6CAAE-6FCA-93CB-D4E1-B9890466FCD2}"/>
+          </ac:picMkLst>
+        </pc:picChg>
+        <pc:picChg chg="del mod">
+          <ac:chgData name="rudra patel" userId="e0bf67ee025e264e" providerId="LiveId" clId="{5CEC3261-0F6F-47C9-AC40-12D1219811E2}" dt="2024-03-21T16:49:36.846" v="123" actId="478"/>
+          <ac:picMkLst>
+            <pc:docMk/>
+            <pc:sldMk cId="4261540826" sldId="272"/>
+            <ac:picMk id="6" creationId="{958C38FD-E5FF-8C59-EB79-4FA5BF05DFED}"/>
+          </ac:picMkLst>
+        </pc:picChg>
+      </pc:sldChg>
+      <pc:sldChg chg="addSp delSp modSp mod">
+        <pc:chgData name="rudra patel" userId="e0bf67ee025e264e" providerId="LiveId" clId="{5CEC3261-0F6F-47C9-AC40-12D1219811E2}" dt="2024-03-22T06:54:08.471" v="814" actId="255"/>
+        <pc:sldMkLst>
+          <pc:docMk/>
+          <pc:sldMk cId="856484837" sldId="273"/>
+        </pc:sldMkLst>
+        <pc:spChg chg="add del mod">
+          <ac:chgData name="rudra patel" userId="e0bf67ee025e264e" providerId="LiveId" clId="{5CEC3261-0F6F-47C9-AC40-12D1219811E2}" dt="2024-03-21T16:43:03.374" v="58" actId="478"/>
+          <ac:spMkLst>
+            <pc:docMk/>
+            <pc:sldMk cId="856484837" sldId="273"/>
+            <ac:spMk id="2" creationId="{E267F133-6FD2-5B8A-E065-C83B04541AE2}"/>
+          </ac:spMkLst>
+        </pc:spChg>
+        <pc:spChg chg="add mod">
+          <ac:chgData name="rudra patel" userId="e0bf67ee025e264e" providerId="LiveId" clId="{5CEC3261-0F6F-47C9-AC40-12D1219811E2}" dt="2024-03-22T06:54:08.471" v="814" actId="255"/>
+          <ac:spMkLst>
+            <pc:docMk/>
+            <pc:sldMk cId="856484837" sldId="273"/>
+            <ac:spMk id="3" creationId="{7F4E7D6C-CAB9-5FA3-6D86-F15C99E4313F}"/>
+          </ac:spMkLst>
+        </pc:spChg>
+        <pc:spChg chg="add mod">
+          <ac:chgData name="rudra patel" userId="e0bf67ee025e264e" providerId="LiveId" clId="{5CEC3261-0F6F-47C9-AC40-12D1219811E2}" dt="2024-03-22T06:04:16.657" v="659" actId="255"/>
+          <ac:spMkLst>
+            <pc:docMk/>
+            <pc:sldMk cId="856484837" sldId="273"/>
+            <ac:spMk id="4" creationId="{679CCAEB-454B-CBE0-BE49-0717637B6B92}"/>
+          </ac:spMkLst>
+        </pc:spChg>
+        <pc:picChg chg="mod">
+          <ac:chgData name="rudra patel" userId="e0bf67ee025e264e" providerId="LiveId" clId="{5CEC3261-0F6F-47C9-AC40-12D1219811E2}" dt="2024-03-22T06:26:13.048" v="736" actId="1076"/>
+          <ac:picMkLst>
+            <pc:docMk/>
+            <pc:sldMk cId="856484837" sldId="273"/>
+            <ac:picMk id="5" creationId="{A44653A2-DE23-E1B6-F3D9-F1F2EA17CA0B}"/>
+          </ac:picMkLst>
+        </pc:picChg>
+      </pc:sldChg>
+      <pc:sldChg chg="modSp new del mod">
+        <pc:chgData name="rudra patel" userId="e0bf67ee025e264e" providerId="LiveId" clId="{5CEC3261-0F6F-47C9-AC40-12D1219811E2}" dt="2024-03-22T04:35:58.539" v="337" actId="680"/>
+        <pc:sldMkLst>
+          <pc:docMk/>
+          <pc:sldMk cId="2174982421" sldId="274"/>
+        </pc:sldMkLst>
+        <pc:spChg chg="mod">
+          <ac:chgData name="rudra patel" userId="e0bf67ee025e264e" providerId="LiveId" clId="{5CEC3261-0F6F-47C9-AC40-12D1219811E2}" dt="2024-03-22T04:35:58.115" v="336" actId="20577"/>
+          <ac:spMkLst>
+            <pc:docMk/>
+            <pc:sldMk cId="2174982421" sldId="274"/>
+            <ac:spMk id="2" creationId="{DAEAFE51-4413-6F39-D924-1465C77BA882}"/>
+          </ac:spMkLst>
+        </pc:spChg>
+      </pc:sldChg>
+      <pc:sldChg chg="modSp new mod">
+        <pc:chgData name="rudra patel" userId="e0bf67ee025e264e" providerId="LiveId" clId="{5CEC3261-0F6F-47C9-AC40-12D1219811E2}" dt="2024-03-22T04:37:53.992" v="351"/>
+        <pc:sldMkLst>
+          <pc:docMk/>
+          <pc:sldMk cId="2826719445" sldId="274"/>
+        </pc:sldMkLst>
+        <pc:spChg chg="mod">
+          <ac:chgData name="rudra patel" userId="e0bf67ee025e264e" providerId="LiveId" clId="{5CEC3261-0F6F-47C9-AC40-12D1219811E2}" dt="2024-03-22T04:36:19.490" v="342" actId="20577"/>
+          <ac:spMkLst>
+            <pc:docMk/>
+            <pc:sldMk cId="2826719445" sldId="274"/>
+            <ac:spMk id="2" creationId="{67DB002E-F36A-F0C9-7912-0499A7D9F5EC}"/>
+          </ac:spMkLst>
+        </pc:spChg>
+        <pc:spChg chg="mod">
+          <ac:chgData name="rudra patel" userId="e0bf67ee025e264e" providerId="LiveId" clId="{5CEC3261-0F6F-47C9-AC40-12D1219811E2}" dt="2024-03-22T04:37:53.992" v="351"/>
+          <ac:spMkLst>
+            <pc:docMk/>
+            <pc:sldMk cId="2826719445" sldId="274"/>
+            <ac:spMk id="3" creationId="{0F60F772-D646-7741-E77E-AF86254F1525}"/>
+          </ac:spMkLst>
+        </pc:spChg>
+      </pc:sldChg>
+      <pc:sldChg chg="addSp delSp modSp new add del mod">
+        <pc:chgData name="rudra patel" userId="e0bf67ee025e264e" providerId="LiveId" clId="{5CEC3261-0F6F-47C9-AC40-12D1219811E2}" dt="2024-03-22T06:35:26.872" v="783" actId="20577"/>
+        <pc:sldMkLst>
+          <pc:docMk/>
+          <pc:sldMk cId="2667410948" sldId="275"/>
+        </pc:sldMkLst>
+        <pc:spChg chg="del">
+          <ac:chgData name="rudra patel" userId="e0bf67ee025e264e" providerId="LiveId" clId="{5CEC3261-0F6F-47C9-AC40-12D1219811E2}" dt="2024-03-22T05:05:51.925" v="421" actId="478"/>
+          <ac:spMkLst>
+            <pc:docMk/>
+            <pc:sldMk cId="2667410948" sldId="275"/>
+            <ac:spMk id="2" creationId="{6F694239-4F90-1993-8814-872447F3563A}"/>
+          </ac:spMkLst>
+        </pc:spChg>
+        <pc:spChg chg="add mod">
+          <ac:chgData name="rudra patel" userId="e0bf67ee025e264e" providerId="LiveId" clId="{5CEC3261-0F6F-47C9-AC40-12D1219811E2}" dt="2024-03-22T06:35:26.872" v="783" actId="20577"/>
+          <ac:spMkLst>
+            <pc:docMk/>
+            <pc:sldMk cId="2667410948" sldId="275"/>
+            <ac:spMk id="3" creationId="{037EAE81-0319-951B-353B-3BAAB0398DD5}"/>
+          </ac:spMkLst>
+        </pc:spChg>
+        <pc:spChg chg="del">
+          <ac:chgData name="rudra patel" userId="e0bf67ee025e264e" providerId="LiveId" clId="{5CEC3261-0F6F-47C9-AC40-12D1219811E2}" dt="2024-03-22T05:05:54.714" v="422" actId="478"/>
+          <ac:spMkLst>
+            <pc:docMk/>
+            <pc:sldMk cId="2667410948" sldId="275"/>
+            <ac:spMk id="3" creationId="{F075241D-6941-6B32-F378-D55922EA0BE4}"/>
+          </ac:spMkLst>
+        </pc:spChg>
+        <pc:picChg chg="add mod">
+          <ac:chgData name="rudra patel" userId="e0bf67ee025e264e" providerId="LiveId" clId="{5CEC3261-0F6F-47C9-AC40-12D1219811E2}" dt="2024-03-22T06:34:24.672" v="750" actId="14100"/>
+          <ac:picMkLst>
+            <pc:docMk/>
+            <pc:sldMk cId="2667410948" sldId="275"/>
+            <ac:picMk id="5" creationId="{4A4A5A8F-E9ED-A129-2B67-20D53669D76A}"/>
+          </ac:picMkLst>
+        </pc:picChg>
+      </pc:sldChg>
+      <pc:sldChg chg="addSp delSp modSp new add del mod">
+        <pc:chgData name="rudra patel" userId="e0bf67ee025e264e" providerId="LiveId" clId="{5CEC3261-0F6F-47C9-AC40-12D1219811E2}" dt="2024-03-22T05:58:20.969" v="535" actId="47"/>
+        <pc:sldMkLst>
+          <pc:docMk/>
+          <pc:sldMk cId="2992599011" sldId="276"/>
+        </pc:sldMkLst>
+        <pc:spChg chg="del">
+          <ac:chgData name="rudra patel" userId="e0bf67ee025e264e" providerId="LiveId" clId="{5CEC3261-0F6F-47C9-AC40-12D1219811E2}" dt="2024-03-22T05:06:14.332" v="427" actId="478"/>
+          <ac:spMkLst>
+            <pc:docMk/>
+            <pc:sldMk cId="2992599011" sldId="276"/>
+            <ac:spMk id="2" creationId="{8971D63A-F0F1-9F29-0A52-A65E6013AF6E}"/>
+          </ac:spMkLst>
+        </pc:spChg>
+        <pc:spChg chg="del">
+          <ac:chgData name="rudra patel" userId="e0bf67ee025e264e" providerId="LiveId" clId="{5CEC3261-0F6F-47C9-AC40-12D1219811E2}" dt="2024-03-22T05:06:11.758" v="426" actId="478"/>
+          <ac:spMkLst>
+            <pc:docMk/>
+            <pc:sldMk cId="2992599011" sldId="276"/>
+            <ac:spMk id="3" creationId="{70A0A8D4-8327-209B-ECB3-758926664860}"/>
+          </ac:spMkLst>
+        </pc:spChg>
+        <pc:picChg chg="add mod">
+          <ac:chgData name="rudra patel" userId="e0bf67ee025e264e" providerId="LiveId" clId="{5CEC3261-0F6F-47C9-AC40-12D1219811E2}" dt="2024-03-22T05:06:48.708" v="436" actId="1076"/>
+          <ac:picMkLst>
+            <pc:docMk/>
+            <pc:sldMk cId="2992599011" sldId="276"/>
+            <ac:picMk id="5" creationId="{8935BB9E-364A-1B24-A332-7B891BABB63A}"/>
+          </ac:picMkLst>
+        </pc:picChg>
+      </pc:sldChg>
+      <pc:sldChg chg="addSp delSp modSp new mod ord">
+        <pc:chgData name="rudra patel" userId="e0bf67ee025e264e" providerId="LiveId" clId="{5CEC3261-0F6F-47C9-AC40-12D1219811E2}" dt="2024-03-22T06:49:54.781" v="791"/>
+        <pc:sldMkLst>
+          <pc:docMk/>
+          <pc:sldMk cId="2239713471" sldId="277"/>
+        </pc:sldMkLst>
+        <pc:spChg chg="del">
+          <ac:chgData name="rudra patel" userId="e0bf67ee025e264e" providerId="LiveId" clId="{5CEC3261-0F6F-47C9-AC40-12D1219811E2}" dt="2024-03-22T05:27:26.613" v="449" actId="478"/>
+          <ac:spMkLst>
+            <pc:docMk/>
+            <pc:sldMk cId="2239713471" sldId="277"/>
+            <ac:spMk id="2" creationId="{D721818E-F807-5372-877D-9F24FBDE1D6B}"/>
+          </ac:spMkLst>
+        </pc:spChg>
+        <pc:spChg chg="del">
+          <ac:chgData name="rudra patel" userId="e0bf67ee025e264e" providerId="LiveId" clId="{5CEC3261-0F6F-47C9-AC40-12D1219811E2}" dt="2024-03-22T05:27:23.352" v="448" actId="478"/>
+          <ac:spMkLst>
+            <pc:docMk/>
+            <pc:sldMk cId="2239713471" sldId="277"/>
+            <ac:spMk id="3" creationId="{9E8F17EC-6513-5E91-F052-16E1DE86AFD5}"/>
+          </ac:spMkLst>
+        </pc:spChg>
+        <pc:picChg chg="add mod">
+          <ac:chgData name="rudra patel" userId="e0bf67ee025e264e" providerId="LiveId" clId="{5CEC3261-0F6F-47C9-AC40-12D1219811E2}" dt="2024-03-22T05:27:36.729" v="450"/>
+          <ac:picMkLst>
+            <pc:docMk/>
+            <pc:sldMk cId="2239713471" sldId="277"/>
+            <ac:picMk id="5" creationId="{0DC14AFA-68D8-F614-084C-8724439FEACC}"/>
+          </ac:picMkLst>
+        </pc:picChg>
+      </pc:sldChg>
+    </pc:docChg>
+  </pc:docChgLst>
 </pc:chgInfo>
 </file>
 
@@ -705,7 +1248,7 @@
           <a:p>
             <a:fld id="{589A21DC-614E-40A0-AAAA-F49EDA523429}" type="datetimeFigureOut">
               <a:rPr lang="en-IN" smtClean="0"/>
-              <a:t>19-01-2024</a:t>
+              <a:t>25-03-2024</a:t>
             </a:fld>
             <a:endParaRPr lang="en-IN"/>
           </a:p>
@@ -1026,7 +1569,7 @@
           <a:p>
             <a:fld id="{28BA2F87-5839-4362-B3C4-5E3EB54AAECE}" type="slidenum">
               <a:rPr lang="en-IN" smtClean="0"/>
-              <a:t>8</a:t>
+              <a:t>9</a:t>
             </a:fld>
             <a:endParaRPr lang="en-IN"/>
           </a:p>
@@ -1233,7 +1776,7 @@
           <a:p>
             <a:fld id="{A05B2AF8-B3A2-4253-A941-30B3882CDF69}" type="datetimeFigureOut">
               <a:rPr lang="en-IN" smtClean="0"/>
-              <a:t>19-01-2024</a:t>
+              <a:t>25-03-2024</a:t>
             </a:fld>
             <a:endParaRPr lang="en-IN"/>
           </a:p>
@@ -1571,7 +2114,7 @@
           <a:p>
             <a:fld id="{A05B2AF8-B3A2-4253-A941-30B3882CDF69}" type="datetimeFigureOut">
               <a:rPr lang="en-IN" smtClean="0"/>
-              <a:t>19-01-2024</a:t>
+              <a:t>25-03-2024</a:t>
             </a:fld>
             <a:endParaRPr lang="en-IN"/>
           </a:p>
@@ -1972,7 +2515,7 @@
           <a:p>
             <a:fld id="{A05B2AF8-B3A2-4253-A941-30B3882CDF69}" type="datetimeFigureOut">
               <a:rPr lang="en-IN" smtClean="0"/>
-              <a:t>19-01-2024</a:t>
+              <a:t>25-03-2024</a:t>
             </a:fld>
             <a:endParaRPr lang="en-IN"/>
           </a:p>
@@ -2308,7 +2851,7 @@
           <a:p>
             <a:fld id="{A05B2AF8-B3A2-4253-A941-30B3882CDF69}" type="datetimeFigureOut">
               <a:rPr lang="en-IN" smtClean="0"/>
-              <a:t>19-01-2024</a:t>
+              <a:t>25-03-2024</a:t>
             </a:fld>
             <a:endParaRPr lang="en-IN"/>
           </a:p>
@@ -2628,7 +3171,7 @@
           <a:p>
             <a:fld id="{A05B2AF8-B3A2-4253-A941-30B3882CDF69}" type="datetimeFigureOut">
               <a:rPr lang="en-IN" smtClean="0"/>
-              <a:t>19-01-2024</a:t>
+              <a:t>25-03-2024</a:t>
             </a:fld>
             <a:endParaRPr lang="en-IN"/>
           </a:p>
@@ -3024,7 +3567,7 @@
           <a:p>
             <a:fld id="{A05B2AF8-B3A2-4253-A941-30B3882CDF69}" type="datetimeFigureOut">
               <a:rPr lang="en-IN" smtClean="0"/>
-              <a:t>19-01-2024</a:t>
+              <a:t>25-03-2024</a:t>
             </a:fld>
             <a:endParaRPr lang="en-IN"/>
           </a:p>
@@ -3281,7 +3824,7 @@
           <a:p>
             <a:fld id="{A05B2AF8-B3A2-4253-A941-30B3882CDF69}" type="datetimeFigureOut">
               <a:rPr lang="en-IN" smtClean="0"/>
-              <a:t>19-01-2024</a:t>
+              <a:t>25-03-2024</a:t>
             </a:fld>
             <a:endParaRPr lang="en-IN"/>
           </a:p>
@@ -3543,7 +4086,7 @@
           <a:p>
             <a:fld id="{A05B2AF8-B3A2-4253-A941-30B3882CDF69}" type="datetimeFigureOut">
               <a:rPr lang="en-IN" smtClean="0"/>
-              <a:t>19-01-2024</a:t>
+              <a:t>25-03-2024</a:t>
             </a:fld>
             <a:endParaRPr lang="en-IN"/>
           </a:p>
@@ -3813,7 +4356,7 @@
           <a:p>
             <a:fld id="{A05B2AF8-B3A2-4253-A941-30B3882CDF69}" type="datetimeFigureOut">
               <a:rPr lang="en-IN" smtClean="0"/>
-              <a:t>19-01-2024</a:t>
+              <a:t>25-03-2024</a:t>
             </a:fld>
             <a:endParaRPr lang="en-IN"/>
           </a:p>
@@ -4005,7 +4548,7 @@
           <a:p>
             <a:fld id="{A05B2AF8-B3A2-4253-A941-30B3882CDF69}" type="datetimeFigureOut">
               <a:rPr lang="en-IN" smtClean="0"/>
-              <a:t>19-01-2024</a:t>
+              <a:t>25-03-2024</a:t>
             </a:fld>
             <a:endParaRPr lang="en-IN"/>
           </a:p>
@@ -4334,7 +4877,7 @@
           <a:p>
             <a:fld id="{A05B2AF8-B3A2-4253-A941-30B3882CDF69}" type="datetimeFigureOut">
               <a:rPr lang="en-IN" smtClean="0"/>
-              <a:t>19-01-2024</a:t>
+              <a:t>25-03-2024</a:t>
             </a:fld>
             <a:endParaRPr lang="en-IN"/>
           </a:p>
@@ -4657,7 +5200,7 @@
           <a:p>
             <a:fld id="{A05B2AF8-B3A2-4253-A941-30B3882CDF69}" type="datetimeFigureOut">
               <a:rPr lang="en-IN" smtClean="0"/>
-              <a:t>19-01-2024</a:t>
+              <a:t>25-03-2024</a:t>
             </a:fld>
             <a:endParaRPr lang="en-IN"/>
           </a:p>
@@ -5114,7 +5657,7 @@
           <a:p>
             <a:fld id="{A05B2AF8-B3A2-4253-A941-30B3882CDF69}" type="datetimeFigureOut">
               <a:rPr lang="en-IN" smtClean="0"/>
-              <a:t>19-01-2024</a:t>
+              <a:t>25-03-2024</a:t>
             </a:fld>
             <a:endParaRPr lang="en-IN"/>
           </a:p>
@@ -5319,7 +5862,7 @@
           <a:p>
             <a:fld id="{A05B2AF8-B3A2-4253-A941-30B3882CDF69}" type="datetimeFigureOut">
               <a:rPr lang="en-IN" smtClean="0"/>
-              <a:t>19-01-2024</a:t>
+              <a:t>25-03-2024</a:t>
             </a:fld>
             <a:endParaRPr lang="en-IN"/>
           </a:p>
@@ -5496,7 +6039,7 @@
           <a:p>
             <a:fld id="{A05B2AF8-B3A2-4253-A941-30B3882CDF69}" type="datetimeFigureOut">
               <a:rPr lang="en-IN" smtClean="0"/>
-              <a:t>19-01-2024</a:t>
+              <a:t>25-03-2024</a:t>
             </a:fld>
             <a:endParaRPr lang="en-IN"/>
           </a:p>
@@ -5829,7 +6372,7 @@
           <a:p>
             <a:fld id="{A05B2AF8-B3A2-4253-A941-30B3882CDF69}" type="datetimeFigureOut">
               <a:rPr lang="en-IN" smtClean="0"/>
-              <a:t>19-01-2024</a:t>
+              <a:t>25-03-2024</a:t>
             </a:fld>
             <a:endParaRPr lang="en-IN"/>
           </a:p>
@@ -6174,7 +6717,7 @@
           <a:p>
             <a:fld id="{A05B2AF8-B3A2-4253-A941-30B3882CDF69}" type="datetimeFigureOut">
               <a:rPr lang="en-IN" smtClean="0"/>
-              <a:t>19-01-2024</a:t>
+              <a:t>25-03-2024</a:t>
             </a:fld>
             <a:endParaRPr lang="en-IN"/>
           </a:p>
@@ -8291,7 +8834,7 @@
           <a:p>
             <a:fld id="{A05B2AF8-B3A2-4253-A941-30B3882CDF69}" type="datetimeFigureOut">
               <a:rPr lang="en-IN" smtClean="0"/>
-              <a:t>19-01-2024</a:t>
+              <a:t>25-03-2024</a:t>
             </a:fld>
             <a:endParaRPr lang="en-IN"/>
           </a:p>
@@ -8826,14 +9369,28 @@
             <p:ph type="ctrTitle"/>
           </p:nvPr>
         </p:nvSpPr>
-        <p:spPr/>
-        <p:txBody>
-          <a:bodyPr/>
+        <p:spPr>
+          <a:xfrm>
+            <a:off x="1622323" y="1993491"/>
+            <a:ext cx="10118264" cy="2262781"/>
+          </a:xfrm>
+        </p:spPr>
+        <p:txBody>
+          <a:bodyPr>
+            <a:normAutofit/>
+          </a:bodyPr>
           <a:lstStyle/>
           <a:p>
             <a:r>
-              <a:rPr lang="en-IN" dirty="0"/>
-              <a:t>YouTube Comment Analyzer</a:t>
+              <a:rPr lang="en-IN" sz="5000" dirty="0"/>
+              <a:t>YouTube Comment Analyzer </a:t>
+            </a:r>
+            <a:br>
+              <a:rPr lang="en-IN" sz="5000" dirty="0"/>
+            </a:br>
+            <a:r>
+              <a:rPr lang="en-IN" sz="5000" dirty="0"/>
+              <a:t>							Using NLP</a:t>
             </a:r>
           </a:p>
         </p:txBody>
@@ -8848,6 +9405,14 @@
   <p:clrMapOvr>
     <a:masterClrMapping/>
   </p:clrMapOvr>
+  <mc:AlternateContent xmlns:mc="http://schemas.openxmlformats.org/markup-compatibility/2006" xmlns:p14="http://schemas.microsoft.com/office/powerpoint/2010/main">
+    <mc:Choice Requires="p14">
+      <p:transition spd="slow" p14:dur="2000" advTm="77731"/>
+    </mc:Choice>
+    <mc:Fallback xmlns="">
+      <p:transition spd="slow" advTm="77731"/>
+    </mc:Fallback>
+  </mc:AlternateContent>
 </p:sld>
 </file>
 
@@ -8898,17 +9463,21 @@
           <a:p>
             <a:r>
               <a:rPr lang="en-IN" sz="2000" dirty="0"/>
-              <a:t>				Train_model with Word Embedding</a:t>
+              <a:t>				</a:t>
+            </a:r>
+            <a:r>
+              <a:rPr lang="en-IN" sz="3000" dirty="0"/>
+              <a:t>Train_model with Word Embedding</a:t>
             </a:r>
           </a:p>
         </p:txBody>
       </p:sp>
       <p:pic>
         <p:nvPicPr>
-          <p:cNvPr id="7" name="Picture 6">
+          <p:cNvPr id="3" name="Picture 2">
             <a:extLst>
               <a:ext uri="{FF2B5EF4-FFF2-40B4-BE49-F238E27FC236}">
-                <a16:creationId xmlns:a16="http://schemas.microsoft.com/office/drawing/2014/main" id="{74E03F0D-80B5-CFCF-377C-8D221E080CD3}"/>
+                <a16:creationId xmlns:a16="http://schemas.microsoft.com/office/drawing/2014/main" id="{6F152BBB-F9BC-B517-C0DE-4AFB3733B2E4}"/>
               </a:ext>
             </a:extLst>
           </p:cNvPr>
@@ -8931,8 +9500,8 @@
         </p:blipFill>
         <p:spPr>
           <a:xfrm>
-            <a:off x="3990867" y="1412771"/>
-            <a:ext cx="4210266" cy="4032457"/>
+            <a:off x="2791951" y="1248697"/>
+            <a:ext cx="6277897" cy="5093110"/>
           </a:xfrm>
           <a:prstGeom prst="rect">
             <a:avLst/>
@@ -8971,10 +9540,10 @@
       </p:grpSpPr>
       <p:pic>
         <p:nvPicPr>
-          <p:cNvPr id="5" name="Picture 4">
+          <p:cNvPr id="3" name="Picture 2">
             <a:extLst>
               <a:ext uri="{FF2B5EF4-FFF2-40B4-BE49-F238E27FC236}">
-                <a16:creationId xmlns:a16="http://schemas.microsoft.com/office/drawing/2014/main" id="{48CCF3EF-8C6D-1401-98F4-11FB10F3BFB5}"/>
+                <a16:creationId xmlns:a16="http://schemas.microsoft.com/office/drawing/2014/main" id="{DB0E014F-2EB3-4C79-6AA9-972E65C17119}"/>
               </a:ext>
             </a:extLst>
           </p:cNvPr>
@@ -8997,14 +9566,90 @@
         </p:blipFill>
         <p:spPr>
           <a:xfrm>
-            <a:off x="3835284" y="631681"/>
-            <a:ext cx="4521432" cy="5594638"/>
+            <a:off x="2913630" y="5231331"/>
+            <a:ext cx="7517330" cy="1212783"/>
           </a:xfrm>
           <a:prstGeom prst="rect">
             <a:avLst/>
           </a:prstGeom>
         </p:spPr>
       </p:pic>
+      <p:pic>
+        <p:nvPicPr>
+          <p:cNvPr id="4" name="Picture 3">
+            <a:extLst>
+              <a:ext uri="{FF2B5EF4-FFF2-40B4-BE49-F238E27FC236}">
+                <a16:creationId xmlns:a16="http://schemas.microsoft.com/office/drawing/2014/main" id="{FF9C6795-3C64-ACC0-B847-5A46B88BF776}"/>
+              </a:ext>
+            </a:extLst>
+          </p:cNvPr>
+          <p:cNvPicPr>
+            <a:picLocks noChangeAspect="1"/>
+          </p:cNvPicPr>
+          <p:nvPr/>
+        </p:nvPicPr>
+        <p:blipFill>
+          <a:blip r:embed="rId3">
+            <a:extLst>
+              <a:ext uri="{28A0092B-C50C-407E-A947-70E740481C1C}">
+                <a14:useLocalDpi xmlns:a14="http://schemas.microsoft.com/office/drawing/2010/main" val="0"/>
+              </a:ext>
+            </a:extLst>
+          </a:blip>
+          <a:stretch>
+            <a:fillRect/>
+          </a:stretch>
+        </p:blipFill>
+        <p:spPr>
+          <a:xfrm>
+            <a:off x="2794018" y="837797"/>
+            <a:ext cx="8181474" cy="4263992"/>
+          </a:xfrm>
+          <a:prstGeom prst="rect">
+            <a:avLst/>
+          </a:prstGeom>
+        </p:spPr>
+      </p:pic>
+      <p:sp>
+        <p:nvSpPr>
+          <p:cNvPr id="5" name="TextBox 4">
+            <a:extLst>
+              <a:ext uri="{FF2B5EF4-FFF2-40B4-BE49-F238E27FC236}">
+                <a16:creationId xmlns:a16="http://schemas.microsoft.com/office/drawing/2014/main" id="{B16AAF5B-7D4A-63FA-26E8-288E1F9CDA7E}"/>
+              </a:ext>
+            </a:extLst>
+          </p:cNvPr>
+          <p:cNvSpPr txBox="1"/>
+          <p:nvPr/>
+        </p:nvSpPr>
+        <p:spPr>
+          <a:xfrm>
+            <a:off x="3624295" y="0"/>
+            <a:ext cx="6096000" cy="553998"/>
+          </a:xfrm>
+          <a:prstGeom prst="rect">
+            <a:avLst/>
+          </a:prstGeom>
+          <a:noFill/>
+        </p:spPr>
+        <p:txBody>
+          <a:bodyPr wrap="square">
+            <a:spAutoFit/>
+          </a:bodyPr>
+          <a:lstStyle/>
+          <a:p>
+            <a:pPr algn="ctr"/>
+            <a:r>
+              <a:rPr lang="en-IN" sz="3000" dirty="0"/>
+              <a:t>Accuracy</a:t>
+            </a:r>
+            <a:r>
+              <a:rPr lang="en-IN" dirty="0"/>
+              <a:t> </a:t>
+            </a:r>
+          </a:p>
+        </p:txBody>
+      </p:sp>
     </p:spTree>
     <p:extLst>
       <p:ext uri="{BB962C8B-B14F-4D97-AF65-F5344CB8AC3E}">
@@ -9019,72 +9664,6 @@
 </file>
 
 <file path=ppt/slides/slide12.xml><?xml version="1.0" encoding="utf-8"?>
-<p:sld xmlns:a="http://schemas.openxmlformats.org/drawingml/2006/main" xmlns:r="http://schemas.openxmlformats.org/officeDocument/2006/relationships" xmlns:p="http://schemas.openxmlformats.org/presentationml/2006/main">
-  <p:cSld>
-    <p:spTree>
-      <p:nvGrpSpPr>
-        <p:cNvPr id="1" name=""/>
-        <p:cNvGrpSpPr/>
-        <p:nvPr/>
-      </p:nvGrpSpPr>
-      <p:grpSpPr>
-        <a:xfrm>
-          <a:off x="0" y="0"/>
-          <a:ext cx="0" cy="0"/>
-          <a:chOff x="0" y="0"/>
-          <a:chExt cx="0" cy="0"/>
-        </a:xfrm>
-      </p:grpSpPr>
-      <p:pic>
-        <p:nvPicPr>
-          <p:cNvPr id="5" name="Picture 4">
-            <a:extLst>
-              <a:ext uri="{FF2B5EF4-FFF2-40B4-BE49-F238E27FC236}">
-                <a16:creationId xmlns:a16="http://schemas.microsoft.com/office/drawing/2014/main" id="{070876B1-5FB9-A36B-DD76-9F19E5D86327}"/>
-              </a:ext>
-            </a:extLst>
-          </p:cNvPr>
-          <p:cNvPicPr>
-            <a:picLocks noChangeAspect="1"/>
-          </p:cNvPicPr>
-          <p:nvPr/>
-        </p:nvPicPr>
-        <p:blipFill>
-          <a:blip r:embed="rId2">
-            <a:extLst>
-              <a:ext uri="{28A0092B-C50C-407E-A947-70E740481C1C}">
-                <a14:useLocalDpi xmlns:a14="http://schemas.microsoft.com/office/drawing/2010/main" val="0"/>
-              </a:ext>
-            </a:extLst>
-          </a:blip>
-          <a:stretch>
-            <a:fillRect/>
-          </a:stretch>
-        </p:blipFill>
-        <p:spPr>
-          <a:xfrm>
-            <a:off x="3955940" y="638031"/>
-            <a:ext cx="4280120" cy="5581937"/>
-          </a:xfrm>
-          <a:prstGeom prst="rect">
-            <a:avLst/>
-          </a:prstGeom>
-        </p:spPr>
-      </p:pic>
-    </p:spTree>
-    <p:extLst>
-      <p:ext uri="{BB962C8B-B14F-4D97-AF65-F5344CB8AC3E}">
-        <p14:creationId xmlns:p14="http://schemas.microsoft.com/office/powerpoint/2010/main" val="3230009529"/>
-      </p:ext>
-    </p:extLst>
-  </p:cSld>
-  <p:clrMapOvr>
-    <a:masterClrMapping/>
-  </p:clrMapOvr>
-</p:sld>
-</file>
-
-<file path=ppt/slides/slide13.xml><?xml version="1.0" encoding="utf-8"?>
 <p:sld xmlns:a="http://schemas.openxmlformats.org/drawingml/2006/main" xmlns:r="http://schemas.openxmlformats.org/officeDocument/2006/relationships" xmlns:p="http://schemas.openxmlformats.org/presentationml/2006/main">
   <p:cSld>
     <p:spTree>
@@ -9129,8 +9708,184 @@
         </p:blipFill>
         <p:spPr>
           <a:xfrm>
-            <a:off x="2057400" y="963386"/>
-            <a:ext cx="8229600" cy="5404757"/>
+            <a:off x="2399072" y="913883"/>
+            <a:ext cx="7659329" cy="5030234"/>
+          </a:xfrm>
+          <a:prstGeom prst="rect">
+            <a:avLst/>
+          </a:prstGeom>
+        </p:spPr>
+      </p:pic>
+      <p:sp>
+        <p:nvSpPr>
+          <p:cNvPr id="4" name="TextBox 3">
+            <a:extLst>
+              <a:ext uri="{FF2B5EF4-FFF2-40B4-BE49-F238E27FC236}">
+                <a16:creationId xmlns:a16="http://schemas.microsoft.com/office/drawing/2014/main" id="{679CCAEB-454B-CBE0-BE49-0717637B6B92}"/>
+              </a:ext>
+            </a:extLst>
+          </p:cNvPr>
+          <p:cNvSpPr txBox="1"/>
+          <p:nvPr/>
+        </p:nvSpPr>
+        <p:spPr>
+          <a:xfrm>
+            <a:off x="3048000" y="173339"/>
+            <a:ext cx="6096000" cy="477054"/>
+          </a:xfrm>
+          <a:prstGeom prst="rect">
+            <a:avLst/>
+          </a:prstGeom>
+          <a:noFill/>
+        </p:spPr>
+        <p:txBody>
+          <a:bodyPr wrap="square">
+            <a:spAutoFit/>
+          </a:bodyPr>
+          <a:lstStyle/>
+          <a:p>
+            <a:pPr algn="ctr"/>
+            <a:r>
+              <a:rPr lang="en-IN" sz="2500" dirty="0"/>
+              <a:t>SVM Model(Support Vector Machine)</a:t>
+            </a:r>
+          </a:p>
+        </p:txBody>
+      </p:sp>
+      <p:sp>
+        <p:nvSpPr>
+          <p:cNvPr id="3" name="TextBox 2">
+            <a:extLst>
+              <a:ext uri="{FF2B5EF4-FFF2-40B4-BE49-F238E27FC236}">
+                <a16:creationId xmlns:a16="http://schemas.microsoft.com/office/drawing/2014/main" id="{7F4E7D6C-CAB9-5FA3-6D86-F15C99E4313F}"/>
+              </a:ext>
+            </a:extLst>
+          </p:cNvPr>
+          <p:cNvSpPr txBox="1"/>
+          <p:nvPr/>
+        </p:nvSpPr>
+        <p:spPr>
+          <a:xfrm>
+            <a:off x="7118554" y="6396335"/>
+            <a:ext cx="5279923" cy="553998"/>
+          </a:xfrm>
+          <a:prstGeom prst="rect">
+            <a:avLst/>
+          </a:prstGeom>
+          <a:noFill/>
+        </p:spPr>
+        <p:txBody>
+          <a:bodyPr wrap="square">
+            <a:spAutoFit/>
+          </a:bodyPr>
+          <a:lstStyle/>
+          <a:p>
+            <a:r>
+              <a:rPr lang="en-US" sz="1500" dirty="0">
+                <a:hlinkClick r:id="rId3"/>
+              </a:rPr>
+              <a:t>Support Vector Machine — Formulation and Derivation | by Atul Agarwal | Towards Data Science</a:t>
+            </a:r>
+            <a:endParaRPr lang="en-IN" sz="1500" dirty="0"/>
+          </a:p>
+        </p:txBody>
+      </p:sp>
+    </p:spTree>
+    <p:extLst>
+      <p:ext uri="{BB962C8B-B14F-4D97-AF65-F5344CB8AC3E}">
+        <p14:creationId xmlns:p14="http://schemas.microsoft.com/office/powerpoint/2010/main" val="856484837"/>
+      </p:ext>
+    </p:extLst>
+  </p:cSld>
+  <p:clrMapOvr>
+    <a:masterClrMapping/>
+  </p:clrMapOvr>
+</p:sld>
+</file>
+
+<file path=ppt/slides/slide13.xml><?xml version="1.0" encoding="utf-8"?>
+<p:sld xmlns:a="http://schemas.openxmlformats.org/drawingml/2006/main" xmlns:r="http://schemas.openxmlformats.org/officeDocument/2006/relationships" xmlns:p="http://schemas.openxmlformats.org/presentationml/2006/main">
+  <p:cSld>
+    <p:spTree>
+      <p:nvGrpSpPr>
+        <p:cNvPr id="1" name=""/>
+        <p:cNvGrpSpPr/>
+        <p:nvPr/>
+      </p:nvGrpSpPr>
+      <p:grpSpPr>
+        <a:xfrm>
+          <a:off x="0" y="0"/>
+          <a:ext cx="0" cy="0"/>
+          <a:chOff x="0" y="0"/>
+          <a:chExt cx="0" cy="0"/>
+        </a:xfrm>
+      </p:grpSpPr>
+      <p:sp>
+        <p:nvSpPr>
+          <p:cNvPr id="3" name="TextBox 2">
+            <a:extLst>
+              <a:ext uri="{FF2B5EF4-FFF2-40B4-BE49-F238E27FC236}">
+                <a16:creationId xmlns:a16="http://schemas.microsoft.com/office/drawing/2014/main" id="{BB47FBB3-A14D-F791-0022-2D4B9EB8AB0C}"/>
+              </a:ext>
+            </a:extLst>
+          </p:cNvPr>
+          <p:cNvSpPr txBox="1"/>
+          <p:nvPr/>
+        </p:nvSpPr>
+        <p:spPr>
+          <a:xfrm>
+            <a:off x="3421626" y="164652"/>
+            <a:ext cx="6194322" cy="553998"/>
+          </a:xfrm>
+          <a:prstGeom prst="rect">
+            <a:avLst/>
+          </a:prstGeom>
+          <a:noFill/>
+        </p:spPr>
+        <p:txBody>
+          <a:bodyPr wrap="square">
+            <a:spAutoFit/>
+          </a:bodyPr>
+          <a:lstStyle/>
+          <a:p>
+            <a:pPr algn="ctr"/>
+            <a:r>
+              <a:rPr lang="en-IN" sz="3000" dirty="0"/>
+              <a:t>Resulting dataset</a:t>
+            </a:r>
+          </a:p>
+        </p:txBody>
+      </p:sp>
+      <p:pic>
+        <p:nvPicPr>
+          <p:cNvPr id="5" name="Picture 4">
+            <a:extLst>
+              <a:ext uri="{FF2B5EF4-FFF2-40B4-BE49-F238E27FC236}">
+                <a16:creationId xmlns:a16="http://schemas.microsoft.com/office/drawing/2014/main" id="{DDF6CAAE-6FCA-93CB-D4E1-B9890466FCD2}"/>
+              </a:ext>
+            </a:extLst>
+          </p:cNvPr>
+          <p:cNvPicPr>
+            <a:picLocks noChangeAspect="1"/>
+          </p:cNvPicPr>
+          <p:nvPr/>
+        </p:nvPicPr>
+        <p:blipFill>
+          <a:blip r:embed="rId2">
+            <a:extLst>
+              <a:ext uri="{28A0092B-C50C-407E-A947-70E740481C1C}">
+                <a14:useLocalDpi xmlns:a14="http://schemas.microsoft.com/office/drawing/2010/main" val="0"/>
+              </a:ext>
+            </a:extLst>
+          </a:blip>
+          <a:stretch>
+            <a:fillRect/>
+          </a:stretch>
+        </p:blipFill>
+        <p:spPr>
+          <a:xfrm>
+            <a:off x="1349875" y="1005348"/>
+            <a:ext cx="9804189" cy="4847303"/>
           </a:xfrm>
           <a:prstGeom prst="rect">
             <a:avLst/>
@@ -9140,7 +9895,7 @@
     </p:spTree>
     <p:extLst>
       <p:ext uri="{BB962C8B-B14F-4D97-AF65-F5344CB8AC3E}">
-        <p14:creationId xmlns:p14="http://schemas.microsoft.com/office/powerpoint/2010/main" val="856484837"/>
+        <p14:creationId xmlns:p14="http://schemas.microsoft.com/office/powerpoint/2010/main" val="4261540826"/>
       </p:ext>
     </p:extLst>
   </p:cSld>
@@ -9169,10 +9924,10 @@
       </p:grpSpPr>
       <p:pic>
         <p:nvPicPr>
-          <p:cNvPr id="6" name="Picture 5">
+          <p:cNvPr id="5" name="Picture 4">
             <a:extLst>
               <a:ext uri="{FF2B5EF4-FFF2-40B4-BE49-F238E27FC236}">
-                <a16:creationId xmlns:a16="http://schemas.microsoft.com/office/drawing/2014/main" id="{958C38FD-E5FF-8C59-EB79-4FA5BF05DFED}"/>
+                <a16:creationId xmlns:a16="http://schemas.microsoft.com/office/drawing/2014/main" id="{4A4A5A8F-E9ED-A129-2B67-20D53669D76A}"/>
               </a:ext>
             </a:extLst>
           </p:cNvPr>
@@ -9195,8 +9950,110 @@
         </p:blipFill>
         <p:spPr>
           <a:xfrm>
-            <a:off x="18737" y="279401"/>
-            <a:ext cx="12173263" cy="5757332"/>
+            <a:off x="2281188" y="1127648"/>
+            <a:ext cx="7875535" cy="5540392"/>
+          </a:xfrm>
+          <a:prstGeom prst="rect">
+            <a:avLst/>
+          </a:prstGeom>
+        </p:spPr>
+      </p:pic>
+      <p:sp>
+        <p:nvSpPr>
+          <p:cNvPr id="3" name="TextBox 2">
+            <a:extLst>
+              <a:ext uri="{FF2B5EF4-FFF2-40B4-BE49-F238E27FC236}">
+                <a16:creationId xmlns:a16="http://schemas.microsoft.com/office/drawing/2014/main" id="{037EAE81-0319-951B-353B-3BAAB0398DD5}"/>
+              </a:ext>
+            </a:extLst>
+          </p:cNvPr>
+          <p:cNvSpPr txBox="1"/>
+          <p:nvPr/>
+        </p:nvSpPr>
+        <p:spPr>
+          <a:xfrm>
+            <a:off x="3048000" y="5294"/>
+            <a:ext cx="6096000" cy="553998"/>
+          </a:xfrm>
+          <a:prstGeom prst="rect">
+            <a:avLst/>
+          </a:prstGeom>
+          <a:noFill/>
+        </p:spPr>
+        <p:txBody>
+          <a:bodyPr wrap="square">
+            <a:spAutoFit/>
+          </a:bodyPr>
+          <a:lstStyle/>
+          <a:p>
+            <a:pPr algn="ctr"/>
+            <a:r>
+              <a:rPr lang="en-IN" sz="3000" dirty="0"/>
+              <a:t>Web App</a:t>
+            </a:r>
+          </a:p>
+        </p:txBody>
+      </p:sp>
+    </p:spTree>
+    <p:extLst>
+      <p:ext uri="{BB962C8B-B14F-4D97-AF65-F5344CB8AC3E}">
+        <p14:creationId xmlns:p14="http://schemas.microsoft.com/office/powerpoint/2010/main" val="2667410948"/>
+      </p:ext>
+    </p:extLst>
+  </p:cSld>
+  <p:clrMapOvr>
+    <a:masterClrMapping/>
+  </p:clrMapOvr>
+</p:sld>
+</file>
+
+<file path=ppt/slides/slide15.xml><?xml version="1.0" encoding="utf-8"?>
+<p:sld xmlns:a="http://schemas.openxmlformats.org/drawingml/2006/main" xmlns:r="http://schemas.openxmlformats.org/officeDocument/2006/relationships" xmlns:p="http://schemas.openxmlformats.org/presentationml/2006/main">
+  <p:cSld>
+    <p:spTree>
+      <p:nvGrpSpPr>
+        <p:cNvPr id="1" name=""/>
+        <p:cNvGrpSpPr/>
+        <p:nvPr/>
+      </p:nvGrpSpPr>
+      <p:grpSpPr>
+        <a:xfrm>
+          <a:off x="0" y="0"/>
+          <a:ext cx="0" cy="0"/>
+          <a:chOff x="0" y="0"/>
+          <a:chExt cx="0" cy="0"/>
+        </a:xfrm>
+      </p:grpSpPr>
+      <p:pic>
+        <p:nvPicPr>
+          <p:cNvPr id="5" name="Picture 4">
+            <a:extLst>
+              <a:ext uri="{FF2B5EF4-FFF2-40B4-BE49-F238E27FC236}">
+                <a16:creationId xmlns:a16="http://schemas.microsoft.com/office/drawing/2014/main" id="{8935BB9E-364A-1B24-A332-7B891BABB63A}"/>
+              </a:ext>
+            </a:extLst>
+          </p:cNvPr>
+          <p:cNvPicPr>
+            <a:picLocks noChangeAspect="1"/>
+          </p:cNvPicPr>
+          <p:nvPr/>
+        </p:nvPicPr>
+        <p:blipFill>
+          <a:blip r:embed="rId2">
+            <a:extLst>
+              <a:ext uri="{28A0092B-C50C-407E-A947-70E740481C1C}">
+                <a14:useLocalDpi xmlns:a14="http://schemas.microsoft.com/office/drawing/2010/main" val="0"/>
+              </a:ext>
+            </a:extLst>
+          </a:blip>
+          <a:stretch>
+            <a:fillRect/>
+          </a:stretch>
+        </p:blipFill>
+        <p:spPr>
+          <a:xfrm>
+            <a:off x="1328287" y="555477"/>
+            <a:ext cx="10125777" cy="5747045"/>
           </a:xfrm>
           <a:prstGeom prst="rect">
             <a:avLst/>
@@ -9206,7 +10063,7 @@
     </p:spTree>
     <p:extLst>
       <p:ext uri="{BB962C8B-B14F-4D97-AF65-F5344CB8AC3E}">
-        <p14:creationId xmlns:p14="http://schemas.microsoft.com/office/powerpoint/2010/main" val="4261540826"/>
+        <p14:creationId xmlns:p14="http://schemas.microsoft.com/office/powerpoint/2010/main" val="2992599011"/>
       </p:ext>
     </p:extLst>
   </p:cSld>
@@ -9251,11 +10108,13 @@
         </p:nvSpPr>
         <p:spPr/>
         <p:txBody>
-          <a:bodyPr/>
+          <a:bodyPr>
+            <a:normAutofit/>
+          </a:bodyPr>
           <a:lstStyle/>
           <a:p>
             <a:r>
-              <a:rPr lang="en-IN"/>
+              <a:rPr lang="en-IN" sz="4000" dirty="0"/>
               <a:t>Definition</a:t>
             </a:r>
           </a:p>
@@ -9279,14 +10138,20 @@
         </p:nvSpPr>
         <p:spPr/>
         <p:txBody>
-          <a:bodyPr/>
+          <a:bodyPr>
+            <a:normAutofit/>
+          </a:bodyPr>
           <a:lstStyle/>
           <a:p>
             <a:r>
-              <a:rPr lang="en-US"/>
-              <a:t>A YouTube Comment Analyzer is a system or tool that automatically collects, processes, and analyzes comments associated with YouTube videos. It utilizes various techniques, including natural language processing (NLP) and sentiment analysis, to derive insights into user sentiments, engagement, and topics discussed in the comments section.</a:t>
-            </a:r>
-            <a:endParaRPr lang="en-IN"/>
+              <a:rPr lang="en-US" sz="2500" dirty="0"/>
+              <a:t>A YouTube Comment Analyzer is a system or tool that automatically collects, processes, and analyzes comments associated with YouTube videos. It utilizes various techniques, including natural language processing (NLP) and sentiment analysis, to derive insights into user sentiments, engagement, and topics discussed in the comments section</a:t>
+            </a:r>
+            <a:r>
+              <a:rPr lang="en-US" sz="2300" dirty="0"/>
+              <a:t>.</a:t>
+            </a:r>
+            <a:endParaRPr lang="en-IN" sz="2300" dirty="0"/>
           </a:p>
         </p:txBody>
       </p:sp>
@@ -9338,11 +10203,13 @@
         </p:nvSpPr>
         <p:spPr/>
         <p:txBody>
-          <a:bodyPr/>
+          <a:bodyPr>
+            <a:normAutofit/>
+          </a:bodyPr>
           <a:lstStyle/>
           <a:p>
             <a:r>
-              <a:rPr lang="en-IN"/>
+              <a:rPr lang="en-IN" sz="4000" dirty="0"/>
               <a:t>Tools</a:t>
             </a:r>
           </a:p>
@@ -9364,57 +10231,54 @@
             <p:ph type="body" idx="1"/>
           </p:nvPr>
         </p:nvSpPr>
-        <p:spPr/>
+        <p:spPr>
+          <a:xfrm>
+            <a:off x="2343406" y="1485899"/>
+            <a:ext cx="8915400" cy="5249197"/>
+          </a:xfrm>
+        </p:spPr>
         <p:txBody>
           <a:bodyPr>
-            <a:normAutofit fontScale="85000" lnSpcReduction="20000"/>
+            <a:noAutofit/>
           </a:bodyPr>
           <a:lstStyle/>
           <a:p>
             <a:r>
-              <a:rPr lang="en-US" dirty="0"/>
+              <a:rPr lang="en-US" sz="2500" dirty="0"/>
               <a:t> </a:t>
             </a:r>
             <a:r>
-              <a:rPr lang="en-US" sz="2200" dirty="0"/>
-              <a:t>Programming Language: Use a programming language such as Python for implementing the analyzer due to its extensive libraries and frameworks for data analysis.</a:t>
-            </a:r>
-          </a:p>
-          <a:p>
-            <a:endParaRPr lang="en-US" sz="2200" dirty="0"/>
-          </a:p>
-          <a:p>
-            <a:r>
-              <a:rPr lang="en-US" sz="2200" dirty="0"/>
-              <a:t> IDE (Integrated Development Environment): Choose an IDE like </a:t>
-            </a:r>
-            <a:r>
-              <a:rPr lang="en-US" sz="2200" dirty="0" err="1"/>
-              <a:t>Jupyter</a:t>
-            </a:r>
-            <a:r>
-              <a:rPr lang="en-US" sz="2200" dirty="0"/>
-              <a:t> Notebook or Visual Studio Code for developing and testing your code.</a:t>
-            </a:r>
-          </a:p>
-          <a:p>
-            <a:endParaRPr lang="en-US" sz="2200" dirty="0"/>
-          </a:p>
-          <a:p>
-            <a:r>
-              <a:rPr lang="en-US" sz="2200" dirty="0"/>
-              <a:t> Version Control: Utilize version control systems like Git to track changes and collaborate on the project.</a:t>
-            </a:r>
-          </a:p>
-          <a:p>
-            <a:endParaRPr lang="en-US" sz="2200" dirty="0"/>
-          </a:p>
-          <a:p>
-            <a:r>
-              <a:rPr lang="en-US" sz="2200" dirty="0"/>
-              <a:t>Collaboration Tools: Use collaboration tools like GitHub for version control and project management.</a:t>
-            </a:r>
-            <a:endParaRPr lang="en-IN" sz="2200" dirty="0"/>
+              <a:rPr lang="en-US" sz="2000" dirty="0"/>
+              <a:t>Programming Language: Use a programming language such as Python for model train. And for website use MERN Stack</a:t>
+            </a:r>
+          </a:p>
+          <a:p>
+            <a:endParaRPr lang="en-US" sz="2000" dirty="0"/>
+          </a:p>
+          <a:p>
+            <a:r>
+              <a:rPr lang="en-US" sz="2000" dirty="0"/>
+              <a:t>IDE (Integrated Development Environment): Jupyter Notebook or Visual Studio Code</a:t>
+            </a:r>
+          </a:p>
+          <a:p>
+            <a:endParaRPr lang="en-US" sz="2000" dirty="0"/>
+          </a:p>
+          <a:p>
+            <a:r>
+              <a:rPr lang="en-US" sz="2000" dirty="0"/>
+              <a:t> Version Control: Utilize version control systems like Git to track.</a:t>
+            </a:r>
+          </a:p>
+          <a:p>
+            <a:endParaRPr lang="en-US" sz="2500" dirty="0"/>
+          </a:p>
+          <a:p>
+            <a:r>
+              <a:rPr lang="en-US" sz="2000" dirty="0"/>
+              <a:t>Collaboration Tools: Use collaboration tools like GitHub for version control</a:t>
+            </a:r>
+            <a:endParaRPr lang="en-IN" sz="2000" dirty="0"/>
           </a:p>
         </p:txBody>
       </p:sp>
@@ -9464,13 +10328,20 @@
             <p:ph type="title"/>
           </p:nvPr>
         </p:nvSpPr>
-        <p:spPr/>
-        <p:txBody>
-          <a:bodyPr/>
+        <p:spPr>
+          <a:xfrm>
+            <a:off x="1986116" y="358640"/>
+            <a:ext cx="8911687" cy="1280890"/>
+          </a:xfrm>
+        </p:spPr>
+        <p:txBody>
+          <a:bodyPr>
+            <a:normAutofit/>
+          </a:bodyPr>
           <a:lstStyle/>
           <a:p>
             <a:r>
-              <a:rPr lang="en-IN"/>
+              <a:rPr lang="en-IN" sz="4000" dirty="0"/>
               <a:t>Resources</a:t>
             </a:r>
           </a:p>
@@ -9492,48 +10363,35 @@
             <p:ph type="body" idx="1"/>
           </p:nvPr>
         </p:nvSpPr>
-        <p:spPr/>
+        <p:spPr>
+          <a:xfrm>
+            <a:off x="1986116" y="1406012"/>
+            <a:ext cx="9174368" cy="5451988"/>
+          </a:xfrm>
+        </p:spPr>
         <p:txBody>
           <a:bodyPr>
-            <a:normAutofit fontScale="62500" lnSpcReduction="20000"/>
+            <a:noAutofit/>
           </a:bodyPr>
           <a:lstStyle/>
           <a:p>
             <a:r>
-              <a:rPr lang="en-IN" sz="2200" dirty="0"/>
-              <a:t>YouTube Data API: [YouTube Data API Documentation]</a:t>
-            </a:r>
-          </a:p>
-          <a:p>
-            <a:r>
-              <a:rPr lang="en-IN" sz="2200" dirty="0"/>
-              <a:t> NLP Libraries: SpaCy ([SpaCy Documentation]</a:t>
-            </a:r>
-          </a:p>
-          <a:p>
-            <a:r>
-              <a:rPr lang="en-IN" sz="2200" dirty="0"/>
-              <a:t> Machine Learning Models: Scikit-learn ([Scikit-learn Documentation]</a:t>
-            </a:r>
-          </a:p>
-          <a:p>
-            <a:r>
-              <a:rPr lang="en-IN" sz="2200" dirty="0"/>
-              <a:t>Visualization Tools: Matplotlib ([Matplotlib Documentation],Seaborn ([Seaborn Documentation],Plotly ([Plotly Documentation]</a:t>
-            </a:r>
-          </a:p>
-          <a:p>
-            <a:r>
-              <a:rPr lang="en-IN" sz="2200" dirty="0"/>
+              <a:rPr lang="en-IN" sz="2000" dirty="0"/>
+              <a:t>YouTube Data API</a:t>
+            </a:r>
+          </a:p>
+          <a:p>
+            <a:r>
+              <a:rPr lang="en-IN" sz="2000" dirty="0"/>
               <a:t>Kaggle : for dataset train and test our model.</a:t>
             </a:r>
           </a:p>
           <a:p>
-            <a:endParaRPr lang="en-IN" sz="2200" dirty="0"/>
-          </a:p>
-          <a:p>
-            <a:r>
-              <a:rPr lang="en-IN" sz="2200" dirty="0"/>
+            <a:endParaRPr lang="en-IN" sz="2000" dirty="0"/>
+          </a:p>
+          <a:p>
+            <a:r>
+              <a:rPr lang="en-IN" sz="2000" dirty="0"/>
               <a:t>Websites</a:t>
             </a:r>
           </a:p>
@@ -9547,20 +10405,14 @@
               </a:spcAft>
             </a:pPr>
             <a:r>
-              <a:rPr lang="en-IN" sz="2200" kern="100" dirty="0" err="1">
+              <a:rPr lang="en-IN" sz="2000" kern="100" dirty="0">
                 <a:effectLst/>
                 <a:latin typeface="Calibri" panose="020F0502020204030204" pitchFamily="34" charset="0"/>
                 <a:ea typeface="Calibri" panose="020F0502020204030204" pitchFamily="34" charset="0"/>
                 <a:cs typeface="Times New Roman" panose="02020603050405020304" pitchFamily="18" charset="0"/>
               </a:rPr>
-              <a:t>Socialbee</a:t>
-            </a:r>
-            <a:endParaRPr lang="en-IN" sz="2200" kern="100" dirty="0">
-              <a:effectLst/>
-              <a:latin typeface="Calibri" panose="020F0502020204030204" pitchFamily="34" charset="0"/>
-              <a:ea typeface="Calibri" panose="020F0502020204030204" pitchFamily="34" charset="0"/>
-              <a:cs typeface="Times New Roman" panose="02020603050405020304" pitchFamily="18" charset="0"/>
-            </a:endParaRPr>
+              <a:t>Social bee</a:t>
+            </a:r>
           </a:p>
           <a:p>
             <a:pPr marL="457200">
@@ -9572,7 +10424,7 @@
               </a:spcAft>
             </a:pPr>
             <a:r>
-              <a:rPr lang="en-IN" sz="2200" kern="100" dirty="0">
+              <a:rPr lang="en-IN" sz="2000" kern="100" dirty="0">
                 <a:effectLst/>
                 <a:latin typeface="Calibri" panose="020F0502020204030204" pitchFamily="34" charset="0"/>
                 <a:ea typeface="Calibri" panose="020F0502020204030204" pitchFamily="34" charset="0"/>
@@ -9591,36 +10443,14 @@
               </a:spcAft>
             </a:pPr>
             <a:r>
-              <a:rPr lang="en-IN" sz="2200" kern="100" dirty="0" err="1">
+              <a:rPr lang="en-IN" sz="2000" kern="100" dirty="0">
                 <a:effectLst/>
                 <a:latin typeface="Calibri" panose="020F0502020204030204" pitchFamily="34" charset="0"/>
                 <a:ea typeface="Calibri" panose="020F0502020204030204" pitchFamily="34" charset="0"/>
                 <a:cs typeface="Times New Roman" panose="02020603050405020304" pitchFamily="18" charset="0"/>
               </a:rPr>
-              <a:t>Brandwatch</a:t>
-            </a:r>
-            <a:endParaRPr lang="en-IN" sz="2200" kern="100" dirty="0">
-              <a:effectLst/>
-              <a:latin typeface="Calibri" panose="020F0502020204030204" pitchFamily="34" charset="0"/>
-              <a:ea typeface="Calibri" panose="020F0502020204030204" pitchFamily="34" charset="0"/>
-              <a:cs typeface="Times New Roman" panose="02020603050405020304" pitchFamily="18" charset="0"/>
-            </a:endParaRPr>
-          </a:p>
-          <a:p>
-            <a:r>
-              <a:rPr lang="en-IN" sz="2200" u="sng" dirty="0">
-                <a:solidFill>
-                  <a:srgbClr val="0563C1"/>
-                </a:solidFill>
-                <a:effectLst/>
-                <a:latin typeface="Calibri" panose="020F0502020204030204" pitchFamily="34" charset="0"/>
-                <a:ea typeface="Calibri" panose="020F0502020204030204" pitchFamily="34" charset="0"/>
-                <a:cs typeface="Times New Roman" panose="02020603050405020304" pitchFamily="18" charset="0"/>
-                <a:hlinkClick r:id="rId2"/>
-              </a:rPr>
-              <a:t>https://commentanalyzer.com</a:t>
-            </a:r>
-            <a:endParaRPr lang="en-IN" sz="2200" dirty="0"/>
+              <a:t>Brand watch</a:t>
+            </a:r>
           </a:p>
         </p:txBody>
       </p:sp>
@@ -9659,7 +10489,7 @@
           <p:cNvPr id="2" name="Title 1">
             <a:extLst>
               <a:ext uri="{FF2B5EF4-FFF2-40B4-BE49-F238E27FC236}">
-                <a16:creationId xmlns:a16="http://schemas.microsoft.com/office/drawing/2014/main" id="{CA63243E-EFC8-1F27-1779-B0E2DCF5C86F}"/>
+                <a16:creationId xmlns:a16="http://schemas.microsoft.com/office/drawing/2014/main" id="{67DB002E-F36A-F0C9-7912-0499A7D9F5EC}"/>
               </a:ext>
             </a:extLst>
           </p:cNvPr>
@@ -9677,7 +10507,7 @@
           <a:p>
             <a:r>
               <a:rPr lang="en-IN" dirty="0"/>
-              <a:t>Flow</a:t>
+              <a:t>Library</a:t>
             </a:r>
           </a:p>
         </p:txBody>
@@ -9687,7 +10517,7 @@
           <p:cNvPr id="3" name="Text Placeholder 2">
             <a:extLst>
               <a:ext uri="{FF2B5EF4-FFF2-40B4-BE49-F238E27FC236}">
-                <a16:creationId xmlns:a16="http://schemas.microsoft.com/office/drawing/2014/main" id="{20235CDB-2AC6-7B2C-46C3-7558885788A8}"/>
+                <a16:creationId xmlns:a16="http://schemas.microsoft.com/office/drawing/2014/main" id="{0F60F772-D646-7741-E77E-AF86254F1525}"/>
               </a:ext>
             </a:extLst>
           </p:cNvPr>
@@ -9698,121 +10528,43 @@
             <p:ph type="body" idx="1"/>
           </p:nvPr>
         </p:nvSpPr>
-        <p:spPr>
-          <a:xfrm>
-            <a:off x="838200" y="1825625"/>
-            <a:ext cx="10515600" cy="4185708"/>
-          </a:xfrm>
-        </p:spPr>
-        <p:txBody>
-          <a:bodyPr>
-            <a:noAutofit/>
-          </a:bodyPr>
+        <p:spPr/>
+        <p:txBody>
+          <a:bodyPr/>
           <a:lstStyle/>
           <a:p>
             <a:r>
-              <a:rPr lang="en-US" sz="2000" dirty="0"/>
-              <a:t>1. Extract Data from YouTube : </a:t>
-            </a:r>
-          </a:p>
-          <a:p>
-            <a:pPr lvl="1"/>
-            <a:r>
-              <a:rPr lang="en-US" sz="1500" dirty="0"/>
-              <a:t>Use the YouTube Data API to extract comments and related information from a specific video.   </a:t>
-            </a:r>
-            <a:r>
-              <a:rPr lang="en-US" sz="1100" dirty="0"/>
-              <a:t>	</a:t>
-            </a:r>
-          </a:p>
-          <a:p>
-            <a:pPr lvl="1"/>
-            <a:endParaRPr lang="en-US" sz="1100" dirty="0"/>
-          </a:p>
-          <a:p>
-            <a:r>
-              <a:rPr lang="en-US" sz="2000" dirty="0"/>
-              <a:t>2. Data Preprocessing:</a:t>
-            </a:r>
-          </a:p>
-          <a:p>
-            <a:pPr lvl="1"/>
-            <a:r>
-              <a:rPr lang="en-US" sz="1500" dirty="0"/>
-              <a:t>Tokenization: Breaking down comments into individual words or tokens.Removing stop words</a:t>
-            </a:r>
-          </a:p>
-          <a:p>
-            <a:pPr lvl="1"/>
-            <a:r>
-              <a:rPr lang="en-US" sz="1500" dirty="0"/>
-              <a:t>Lemmatization: Reducing words to their base or root form.</a:t>
-            </a:r>
-          </a:p>
-          <a:p>
-            <a:pPr lvl="1"/>
-            <a:endParaRPr lang="en-US" sz="1000" dirty="0"/>
-          </a:p>
-          <a:p>
-            <a:r>
-              <a:rPr lang="en-US" sz="2000" dirty="0"/>
-              <a:t>3. Sentiment Analysis Model:</a:t>
-            </a:r>
-          </a:p>
-          <a:p>
-            <a:pPr lvl="1"/>
-            <a:r>
-              <a:rPr lang="en-US" sz="1500" dirty="0"/>
-              <a:t>Train a sentiment analysis model using machine leargning techniques. You can use a pre-trained model or train one using labeled data. The goal is to classigfy comments into categories like positive,negative, or neutral based on sentiment.</a:t>
-            </a:r>
-          </a:p>
-          <a:p>
-            <a:endParaRPr lang="en-US" sz="1500" dirty="0"/>
-          </a:p>
-          <a:p>
-            <a:r>
-              <a:rPr lang="en-US" sz="2000" dirty="0"/>
-              <a:t>4. Insights and Reporting:</a:t>
-            </a:r>
-          </a:p>
-          <a:p>
-            <a:pPr lvl="1"/>
-            <a:r>
-              <a:rPr lang="en-US" sz="1500" dirty="0"/>
-              <a:t>Generate report summarizing the  finding  from the sentiment analysis. Provide positive negative and neutral comments</a:t>
-            </a:r>
-          </a:p>
-          <a:p>
-            <a:pPr lvl="1"/>
-            <a:endParaRPr lang="en-US" sz="1500" dirty="0"/>
-          </a:p>
-          <a:p>
-            <a:pPr lvl="1"/>
-            <a:endParaRPr lang="en-US" sz="1500" dirty="0"/>
-          </a:p>
-          <a:p>
-            <a:pPr lvl="1"/>
-            <a:endParaRPr lang="en-US" sz="1500" dirty="0"/>
-          </a:p>
-          <a:p>
-            <a:pPr lvl="1"/>
-            <a:endParaRPr lang="en-US" sz="1500" dirty="0"/>
-          </a:p>
-          <a:p>
-            <a:pPr lvl="1"/>
-            <a:endParaRPr lang="en-US" sz="1500" dirty="0"/>
-          </a:p>
-          <a:p>
-            <a:pPr lvl="1"/>
-            <a:endParaRPr lang="en-US" sz="1500" dirty="0"/>
+              <a:rPr lang="en-IN" sz="2000" dirty="0"/>
+              <a:t>Visualization Tools: Matplotlib</a:t>
+            </a:r>
+          </a:p>
+          <a:p>
+            <a:r>
+              <a:rPr lang="en-IN" sz="2000" dirty="0"/>
+              <a:t> NLP Libraries: SpaCy </a:t>
+            </a:r>
+          </a:p>
+          <a:p>
+            <a:r>
+              <a:rPr lang="en-IN" sz="2000" dirty="0"/>
+              <a:t>Machine Learning Models: Scikit-learn </a:t>
+            </a:r>
+          </a:p>
+          <a:p>
+            <a:endParaRPr lang="en-IN" sz="2000" dirty="0"/>
+          </a:p>
+          <a:p>
+            <a:endParaRPr lang="en-IN" sz="2000" dirty="0"/>
+          </a:p>
+          <a:p>
+            <a:endParaRPr lang="en-IN" dirty="0"/>
           </a:p>
         </p:txBody>
       </p:sp>
     </p:spTree>
     <p:extLst>
       <p:ext uri="{BB962C8B-B14F-4D97-AF65-F5344CB8AC3E}">
-        <p14:creationId xmlns:p14="http://schemas.microsoft.com/office/powerpoint/2010/main" val="2453259420"/>
+        <p14:creationId xmlns:p14="http://schemas.microsoft.com/office/powerpoint/2010/main" val="2826719445"/>
       </p:ext>
     </p:extLst>
   </p:cSld>
@@ -9839,12 +10591,47 @@
           <a:chExt cx="0" cy="0"/>
         </a:xfrm>
       </p:grpSpPr>
+      <p:sp>
+        <p:nvSpPr>
+          <p:cNvPr id="3" name="TextBox 2">
+            <a:extLst>
+              <a:ext uri="{FF2B5EF4-FFF2-40B4-BE49-F238E27FC236}">
+                <a16:creationId xmlns:a16="http://schemas.microsoft.com/office/drawing/2014/main" id="{EB87F621-BBFC-B324-BFE6-A4347E053674}"/>
+              </a:ext>
+            </a:extLst>
+          </p:cNvPr>
+          <p:cNvSpPr txBox="1"/>
+          <p:nvPr/>
+        </p:nvSpPr>
+        <p:spPr>
+          <a:xfrm>
+            <a:off x="2449782" y="286737"/>
+            <a:ext cx="6096000" cy="553998"/>
+          </a:xfrm>
+          <a:prstGeom prst="rect">
+            <a:avLst/>
+          </a:prstGeom>
+          <a:noFill/>
+        </p:spPr>
+        <p:txBody>
+          <a:bodyPr wrap="square">
+            <a:spAutoFit/>
+          </a:bodyPr>
+          <a:lstStyle/>
+          <a:p>
+            <a:r>
+              <a:rPr lang="en-IN" sz="3000" dirty="0"/>
+              <a:t>Comments Dataset</a:t>
+            </a:r>
+          </a:p>
+        </p:txBody>
+      </p:sp>
       <p:pic>
         <p:nvPicPr>
-          <p:cNvPr id="5" name="Picture 4">
+          <p:cNvPr id="8" name="Picture 7">
             <a:extLst>
               <a:ext uri="{FF2B5EF4-FFF2-40B4-BE49-F238E27FC236}">
-                <a16:creationId xmlns:a16="http://schemas.microsoft.com/office/drawing/2014/main" id="{10A8CEBF-40CD-96E8-7196-F80D644FEAFD}"/>
+                <a16:creationId xmlns:a16="http://schemas.microsoft.com/office/drawing/2014/main" id="{FFCD4833-DC0B-B971-5270-1A2B750BA4D8}"/>
               </a:ext>
             </a:extLst>
           </p:cNvPr>
@@ -9867,44 +10654,8 @@
         </p:blipFill>
         <p:spPr>
           <a:xfrm>
-            <a:off x="4552870" y="2787617"/>
-            <a:ext cx="3086259" cy="1282766"/>
-          </a:xfrm>
-          <a:prstGeom prst="rect">
-            <a:avLst/>
-          </a:prstGeom>
-        </p:spPr>
-      </p:pic>
-      <p:pic>
-        <p:nvPicPr>
-          <p:cNvPr id="7" name="Picture 6">
-            <a:extLst>
-              <a:ext uri="{FF2B5EF4-FFF2-40B4-BE49-F238E27FC236}">
-                <a16:creationId xmlns:a16="http://schemas.microsoft.com/office/drawing/2014/main" id="{6CE468C4-0354-735B-21FF-91C462EE1201}"/>
-              </a:ext>
-            </a:extLst>
-          </p:cNvPr>
-          <p:cNvPicPr>
-            <a:picLocks noChangeAspect="1"/>
-          </p:cNvPicPr>
-          <p:nvPr/>
-        </p:nvPicPr>
-        <p:blipFill>
-          <a:blip r:embed="rId3">
-            <a:extLst>
-              <a:ext uri="{28A0092B-C50C-407E-A947-70E740481C1C}">
-                <a14:useLocalDpi xmlns:a14="http://schemas.microsoft.com/office/drawing/2010/main" val="0"/>
-              </a:ext>
-            </a:extLst>
-          </a:blip>
-          <a:stretch>
-            <a:fillRect/>
-          </a:stretch>
-        </p:blipFill>
-        <p:spPr>
-          <a:xfrm>
-            <a:off x="2351459" y="610257"/>
-            <a:ext cx="7143648" cy="5756676"/>
+            <a:off x="2449782" y="1066800"/>
+            <a:ext cx="7372350" cy="5791200"/>
           </a:xfrm>
           <a:prstGeom prst="rect">
             <a:avLst/>
@@ -9946,7 +10697,7 @@
           <p:cNvPr id="5" name="Picture 4">
             <a:extLst>
               <a:ext uri="{FF2B5EF4-FFF2-40B4-BE49-F238E27FC236}">
-                <a16:creationId xmlns:a16="http://schemas.microsoft.com/office/drawing/2014/main" id="{865BECA6-6DCB-E85C-D068-6552C1CC2C36}"/>
+                <a16:creationId xmlns:a16="http://schemas.microsoft.com/office/drawing/2014/main" id="{0DC14AFA-68D8-F614-084C-8724439FEACC}"/>
               </a:ext>
             </a:extLst>
           </p:cNvPr>
@@ -9969,8 +10720,8 @@
         </p:blipFill>
         <p:spPr>
           <a:xfrm>
-            <a:off x="2487775" y="922867"/>
-            <a:ext cx="7679601" cy="3191933"/>
+            <a:off x="2200275" y="100012"/>
+            <a:ext cx="7791450" cy="6657975"/>
           </a:xfrm>
           <a:prstGeom prst="rect">
             <a:avLst/>
@@ -9980,7 +10731,7 @@
     </p:spTree>
     <p:extLst>
       <p:ext uri="{BB962C8B-B14F-4D97-AF65-F5344CB8AC3E}">
-        <p14:creationId xmlns:p14="http://schemas.microsoft.com/office/powerpoint/2010/main" val="1775737296"/>
+        <p14:creationId xmlns:p14="http://schemas.microsoft.com/office/powerpoint/2010/main" val="2239713471"/>
       </p:ext>
     </p:extLst>
   </p:cSld>
@@ -10007,12 +10758,99 @@
           <a:chExt cx="0" cy="0"/>
         </a:xfrm>
       </p:grpSpPr>
+      <p:sp>
+        <p:nvSpPr>
+          <p:cNvPr id="2" name="Title 1">
+            <a:extLst>
+              <a:ext uri="{FF2B5EF4-FFF2-40B4-BE49-F238E27FC236}">
+                <a16:creationId xmlns:a16="http://schemas.microsoft.com/office/drawing/2014/main" id="{CA63243E-EFC8-1F27-1779-B0E2DCF5C86F}"/>
+              </a:ext>
+            </a:extLst>
+          </p:cNvPr>
+          <p:cNvSpPr>
+            <a:spLocks noGrp="1"/>
+          </p:cNvSpPr>
+          <p:nvPr>
+            <p:ph type="title"/>
+          </p:nvPr>
+        </p:nvSpPr>
+        <p:spPr/>
+        <p:txBody>
+          <a:bodyPr>
+            <a:normAutofit/>
+          </a:bodyPr>
+          <a:lstStyle/>
+          <a:p>
+            <a:r>
+              <a:rPr lang="en-IN" sz="4000" dirty="0"/>
+              <a:t>	</a:t>
+            </a:r>
+            <a:r>
+              <a:rPr lang="en-IN" sz="3000" dirty="0"/>
+              <a:t>Flow Diagram</a:t>
+            </a:r>
+          </a:p>
+        </p:txBody>
+      </p:sp>
+      <p:sp>
+        <p:nvSpPr>
+          <p:cNvPr id="3" name="Text Placeholder 2">
+            <a:extLst>
+              <a:ext uri="{FF2B5EF4-FFF2-40B4-BE49-F238E27FC236}">
+                <a16:creationId xmlns:a16="http://schemas.microsoft.com/office/drawing/2014/main" id="{20235CDB-2AC6-7B2C-46C3-7558885788A8}"/>
+              </a:ext>
+            </a:extLst>
+          </p:cNvPr>
+          <p:cNvSpPr>
+            <a:spLocks noGrp="1"/>
+          </p:cNvSpPr>
+          <p:nvPr>
+            <p:ph type="body" idx="1"/>
+          </p:nvPr>
+        </p:nvSpPr>
+        <p:spPr>
+          <a:xfrm>
+            <a:off x="838200" y="1825625"/>
+            <a:ext cx="10515600" cy="4185708"/>
+          </a:xfrm>
+        </p:spPr>
+        <p:txBody>
+          <a:bodyPr>
+            <a:noAutofit/>
+          </a:bodyPr>
+          <a:lstStyle/>
+          <a:p>
+            <a:pPr lvl="1"/>
+            <a:endParaRPr lang="en-US" sz="1500" dirty="0"/>
+          </a:p>
+          <a:p>
+            <a:pPr lvl="1"/>
+            <a:endParaRPr lang="en-US" sz="1500" dirty="0"/>
+          </a:p>
+          <a:p>
+            <a:pPr lvl="1"/>
+            <a:endParaRPr lang="en-US" sz="1500" dirty="0"/>
+          </a:p>
+          <a:p>
+            <a:pPr lvl="1"/>
+            <a:endParaRPr lang="en-US" sz="1500" dirty="0"/>
+          </a:p>
+          <a:p>
+            <a:pPr lvl="1"/>
+            <a:endParaRPr lang="en-US" sz="1500" dirty="0"/>
+          </a:p>
+          <a:p>
+            <a:pPr lvl="1"/>
+            <a:endParaRPr lang="en-US" sz="1500" dirty="0"/>
+          </a:p>
+        </p:txBody>
+      </p:sp>
       <p:pic>
         <p:nvPicPr>
-          <p:cNvPr id="6" name="Picture 5">
+          <p:cNvPr id="5" name="Picture 4">
             <a:extLst>
               <a:ext uri="{FF2B5EF4-FFF2-40B4-BE49-F238E27FC236}">
-                <a16:creationId xmlns:a16="http://schemas.microsoft.com/office/drawing/2014/main" id="{61484E9A-79C2-4CE6-824F-0978710E736E}"/>
+                <a16:creationId xmlns:a16="http://schemas.microsoft.com/office/drawing/2014/main" id="{339D9D37-64FE-73D2-CE12-EBAB31A4817A}"/>
               </a:ext>
             </a:extLst>
           </p:cNvPr>
@@ -10022,7 +10860,7 @@
           <p:nvPr/>
         </p:nvPicPr>
         <p:blipFill>
-          <a:blip r:embed="rId3">
+          <a:blip r:embed="rId2">
             <a:extLst>
               <a:ext uri="{28A0092B-C50C-407E-A947-70E740481C1C}">
                 <a14:useLocalDpi xmlns:a14="http://schemas.microsoft.com/office/drawing/2010/main" val="0"/>
@@ -10035,53 +10873,18 @@
         </p:blipFill>
         <p:spPr>
           <a:xfrm>
-            <a:off x="3288530" y="647472"/>
-            <a:ext cx="5228937" cy="5710995"/>
+            <a:off x="3074704" y="1669026"/>
+            <a:ext cx="5036908" cy="5047250"/>
           </a:xfrm>
           <a:prstGeom prst="rect">
             <a:avLst/>
           </a:prstGeom>
         </p:spPr>
       </p:pic>
-      <p:sp>
-        <p:nvSpPr>
-          <p:cNvPr id="9" name="Title 8">
-            <a:extLst>
-              <a:ext uri="{FF2B5EF4-FFF2-40B4-BE49-F238E27FC236}">
-                <a16:creationId xmlns:a16="http://schemas.microsoft.com/office/drawing/2014/main" id="{5373D36B-8E89-F7EE-468B-4A56EDB4327E}"/>
-              </a:ext>
-            </a:extLst>
-          </p:cNvPr>
-          <p:cNvSpPr>
-            <a:spLocks noGrp="1"/>
-          </p:cNvSpPr>
-          <p:nvPr>
-            <p:ph type="ctrTitle"/>
-          </p:nvPr>
-        </p:nvSpPr>
-        <p:spPr>
-          <a:xfrm>
-            <a:off x="3073400" y="93133"/>
-            <a:ext cx="5113867" cy="406400"/>
-          </a:xfrm>
-        </p:spPr>
-        <p:txBody>
-          <a:bodyPr>
-            <a:noAutofit/>
-          </a:bodyPr>
-          <a:lstStyle/>
-          <a:p>
-            <a:r>
-              <a:rPr lang="en-IN" sz="2000" dirty="0"/>
-              <a:t>Train_model with TFIDF</a:t>
-            </a:r>
-          </a:p>
-        </p:txBody>
-      </p:sp>
     </p:spTree>
     <p:extLst>
       <p:ext uri="{BB962C8B-B14F-4D97-AF65-F5344CB8AC3E}">
-        <p14:creationId xmlns:p14="http://schemas.microsoft.com/office/powerpoint/2010/main" val="1777444178"/>
+        <p14:creationId xmlns:p14="http://schemas.microsoft.com/office/powerpoint/2010/main" val="2453259420"/>
       </p:ext>
     </p:extLst>
   </p:cSld>
@@ -10108,12 +10911,47 @@
           <a:chExt cx="0" cy="0"/>
         </a:xfrm>
       </p:grpSpPr>
+      <p:sp>
+        <p:nvSpPr>
+          <p:cNvPr id="9" name="Title 8">
+            <a:extLst>
+              <a:ext uri="{FF2B5EF4-FFF2-40B4-BE49-F238E27FC236}">
+                <a16:creationId xmlns:a16="http://schemas.microsoft.com/office/drawing/2014/main" id="{5373D36B-8E89-F7EE-468B-4A56EDB4327E}"/>
+              </a:ext>
+            </a:extLst>
+          </p:cNvPr>
+          <p:cNvSpPr>
+            <a:spLocks noGrp="1"/>
+          </p:cNvSpPr>
+          <p:nvPr>
+            <p:ph type="ctrTitle"/>
+          </p:nvPr>
+        </p:nvSpPr>
+        <p:spPr>
+          <a:xfrm>
+            <a:off x="3093065" y="73468"/>
+            <a:ext cx="5113867" cy="406400"/>
+          </a:xfrm>
+        </p:spPr>
+        <p:txBody>
+          <a:bodyPr>
+            <a:noAutofit/>
+          </a:bodyPr>
+          <a:lstStyle/>
+          <a:p>
+            <a:r>
+              <a:rPr lang="en-IN" sz="3000" dirty="0"/>
+              <a:t>Train_model with TFIDF</a:t>
+            </a:r>
+          </a:p>
+        </p:txBody>
+      </p:sp>
       <p:pic>
         <p:nvPicPr>
-          <p:cNvPr id="5" name="Picture 4">
+          <p:cNvPr id="4" name="Picture 3">
             <a:extLst>
               <a:ext uri="{FF2B5EF4-FFF2-40B4-BE49-F238E27FC236}">
-                <a16:creationId xmlns:a16="http://schemas.microsoft.com/office/drawing/2014/main" id="{DC243866-B730-C97B-707B-23D38A22F352}"/>
+                <a16:creationId xmlns:a16="http://schemas.microsoft.com/office/drawing/2014/main" id="{CD8FF23E-E6F5-8062-FAA1-A8F2264EC01D}"/>
               </a:ext>
             </a:extLst>
           </p:cNvPr>
@@ -10123,7 +10961,7 @@
           <p:nvPr/>
         </p:nvPicPr>
         <p:blipFill>
-          <a:blip r:embed="rId2">
+          <a:blip r:embed="rId3">
             <a:extLst>
               <a:ext uri="{28A0092B-C50C-407E-A947-70E740481C1C}">
                 <a14:useLocalDpi xmlns:a14="http://schemas.microsoft.com/office/drawing/2010/main" val="0"/>
@@ -10136,8 +10974,8 @@
         </p:blipFill>
         <p:spPr>
           <a:xfrm>
-            <a:off x="2935222" y="169333"/>
-            <a:ext cx="6770863" cy="2823679"/>
+            <a:off x="1008157" y="1190754"/>
+            <a:ext cx="10702062" cy="4057767"/>
           </a:xfrm>
           <a:prstGeom prst="rect">
             <a:avLst/>
@@ -10147,7 +10985,7 @@
     </p:spTree>
     <p:extLst>
       <p:ext uri="{BB962C8B-B14F-4D97-AF65-F5344CB8AC3E}">
-        <p14:creationId xmlns:p14="http://schemas.microsoft.com/office/powerpoint/2010/main" val="1924382026"/>
+        <p14:creationId xmlns:p14="http://schemas.microsoft.com/office/powerpoint/2010/main" val="1777444178"/>
       </p:ext>
     </p:extLst>
   </p:cSld>
